--- a/Testing Results/Vishing_Testing_Results_v2.0.pptx
+++ b/Testing Results/Vishing_Testing_Results_v2.0.pptx
@@ -278,7 +278,7 @@
           <a:p>
             <a:fld id="{F09E5490-7079-428D-BA25-82A7CA4C46C9}" type="datetimeFigureOut">
               <a:rPr lang="en-US" smtClean="0"/>
-              <a:t>12/28/2023</a:t>
+              <a:t>1/5/2024</a:t>
             </a:fld>
             <a:endParaRPr lang="en-US"/>
           </a:p>
@@ -476,7 +476,7 @@
           <a:p>
             <a:fld id="{F09E5490-7079-428D-BA25-82A7CA4C46C9}" type="datetimeFigureOut">
               <a:rPr lang="en-US" smtClean="0"/>
-              <a:t>12/28/2023</a:t>
+              <a:t>1/5/2024</a:t>
             </a:fld>
             <a:endParaRPr lang="en-US"/>
           </a:p>
@@ -684,7 +684,7 @@
           <a:p>
             <a:fld id="{F09E5490-7079-428D-BA25-82A7CA4C46C9}" type="datetimeFigureOut">
               <a:rPr lang="en-US" smtClean="0"/>
-              <a:t>12/28/2023</a:t>
+              <a:t>1/5/2024</a:t>
             </a:fld>
             <a:endParaRPr lang="en-US"/>
           </a:p>
@@ -882,7 +882,7 @@
           <a:p>
             <a:fld id="{F09E5490-7079-428D-BA25-82A7CA4C46C9}" type="datetimeFigureOut">
               <a:rPr lang="en-US" smtClean="0"/>
-              <a:t>12/28/2023</a:t>
+              <a:t>1/5/2024</a:t>
             </a:fld>
             <a:endParaRPr lang="en-US"/>
           </a:p>
@@ -1157,7 +1157,7 @@
           <a:p>
             <a:fld id="{F09E5490-7079-428D-BA25-82A7CA4C46C9}" type="datetimeFigureOut">
               <a:rPr lang="en-US" smtClean="0"/>
-              <a:t>12/28/2023</a:t>
+              <a:t>1/5/2024</a:t>
             </a:fld>
             <a:endParaRPr lang="en-US"/>
           </a:p>
@@ -1422,7 +1422,7 @@
           <a:p>
             <a:fld id="{F09E5490-7079-428D-BA25-82A7CA4C46C9}" type="datetimeFigureOut">
               <a:rPr lang="en-US" smtClean="0"/>
-              <a:t>12/28/2023</a:t>
+              <a:t>1/5/2024</a:t>
             </a:fld>
             <a:endParaRPr lang="en-US"/>
           </a:p>
@@ -1834,7 +1834,7 @@
           <a:p>
             <a:fld id="{F09E5490-7079-428D-BA25-82A7CA4C46C9}" type="datetimeFigureOut">
               <a:rPr lang="en-US" smtClean="0"/>
-              <a:t>12/28/2023</a:t>
+              <a:t>1/5/2024</a:t>
             </a:fld>
             <a:endParaRPr lang="en-US"/>
           </a:p>
@@ -1975,7 +1975,7 @@
           <a:p>
             <a:fld id="{F09E5490-7079-428D-BA25-82A7CA4C46C9}" type="datetimeFigureOut">
               <a:rPr lang="en-US" smtClean="0"/>
-              <a:t>12/28/2023</a:t>
+              <a:t>1/5/2024</a:t>
             </a:fld>
             <a:endParaRPr lang="en-US"/>
           </a:p>
@@ -2088,7 +2088,7 @@
           <a:p>
             <a:fld id="{F09E5490-7079-428D-BA25-82A7CA4C46C9}" type="datetimeFigureOut">
               <a:rPr lang="en-US" smtClean="0"/>
-              <a:t>12/28/2023</a:t>
+              <a:t>1/5/2024</a:t>
             </a:fld>
             <a:endParaRPr lang="en-US"/>
           </a:p>
@@ -2399,7 +2399,7 @@
           <a:p>
             <a:fld id="{F09E5490-7079-428D-BA25-82A7CA4C46C9}" type="datetimeFigureOut">
               <a:rPr lang="en-US" smtClean="0"/>
-              <a:t>12/28/2023</a:t>
+              <a:t>1/5/2024</a:t>
             </a:fld>
             <a:endParaRPr lang="en-US"/>
           </a:p>
@@ -2687,7 +2687,7 @@
           <a:p>
             <a:fld id="{F09E5490-7079-428D-BA25-82A7CA4C46C9}" type="datetimeFigureOut">
               <a:rPr lang="en-US" smtClean="0"/>
-              <a:t>12/28/2023</a:t>
+              <a:t>1/5/2024</a:t>
             </a:fld>
             <a:endParaRPr lang="en-US"/>
           </a:p>
@@ -2928,7 +2928,7 @@
           <a:p>
             <a:fld id="{F09E5490-7079-428D-BA25-82A7CA4C46C9}" type="datetimeFigureOut">
               <a:rPr lang="en-US" smtClean="0"/>
-              <a:t>12/28/2023</a:t>
+              <a:t>1/5/2024</a:t>
             </a:fld>
             <a:endParaRPr lang="en-US"/>
           </a:p>
@@ -15318,6 +15318,774 @@
           </a:p>
         </p:txBody>
       </p:sp>
+      <p:sp>
+        <p:nvSpPr>
+          <p:cNvPr id="10" name="TextBox 9">
+            <a:extLst>
+              <a:ext uri="{FF2B5EF4-FFF2-40B4-BE49-F238E27FC236}">
+                <a16:creationId xmlns:a16="http://schemas.microsoft.com/office/drawing/2014/main" id="{92225489-1528-560E-04B9-E1F38F7CD072}"/>
+              </a:ext>
+            </a:extLst>
+          </p:cNvPr>
+          <p:cNvSpPr txBox="1"/>
+          <p:nvPr/>
+        </p:nvSpPr>
+        <p:spPr>
+          <a:xfrm>
+            <a:off x="0" y="420850"/>
+            <a:ext cx="2968120" cy="369332"/>
+          </a:xfrm>
+          <a:prstGeom prst="rect">
+            <a:avLst/>
+          </a:prstGeom>
+          <a:noFill/>
+        </p:spPr>
+        <p:txBody>
+          <a:bodyPr wrap="none" rtlCol="0">
+            <a:spAutoFit/>
+          </a:bodyPr>
+          <a:lstStyle/>
+          <a:p>
+            <a:r>
+              <a:rPr lang="en-US" dirty="0"/>
+              <a:t>Normal Support Conversation</a:t>
+            </a:r>
+          </a:p>
+        </p:txBody>
+      </p:sp>
+      <p:sp>
+        <p:nvSpPr>
+          <p:cNvPr id="11" name="TextBox 10">
+            <a:extLst>
+              <a:ext uri="{FF2B5EF4-FFF2-40B4-BE49-F238E27FC236}">
+                <a16:creationId xmlns:a16="http://schemas.microsoft.com/office/drawing/2014/main" id="{FB22FE62-23BB-3B57-C5D0-82E88CD46E5B}"/>
+              </a:ext>
+            </a:extLst>
+          </p:cNvPr>
+          <p:cNvSpPr txBox="1"/>
+          <p:nvPr/>
+        </p:nvSpPr>
+        <p:spPr>
+          <a:xfrm>
+            <a:off x="0" y="2912852"/>
+            <a:ext cx="4353436" cy="369332"/>
+          </a:xfrm>
+          <a:prstGeom prst="rect">
+            <a:avLst/>
+          </a:prstGeom>
+          <a:noFill/>
+        </p:spPr>
+        <p:txBody>
+          <a:bodyPr wrap="none" rtlCol="0">
+            <a:spAutoFit/>
+          </a:bodyPr>
+          <a:lstStyle/>
+          <a:p>
+            <a:r>
+              <a:rPr lang="en-US" dirty="0"/>
+              <a:t>After each pair of back &amp; forth conversation:</a:t>
+            </a:r>
+          </a:p>
+        </p:txBody>
+      </p:sp>
+      <p:pic>
+        <p:nvPicPr>
+          <p:cNvPr id="15" name="Picture 14">
+            <a:extLst>
+              <a:ext uri="{FF2B5EF4-FFF2-40B4-BE49-F238E27FC236}">
+                <a16:creationId xmlns:a16="http://schemas.microsoft.com/office/drawing/2014/main" id="{C1CBA120-EDA4-7A1D-B1AD-02CFA5816BE3}"/>
+              </a:ext>
+            </a:extLst>
+          </p:cNvPr>
+          <p:cNvPicPr>
+            <a:picLocks noChangeAspect="1"/>
+          </p:cNvPicPr>
+          <p:nvPr/>
+        </p:nvPicPr>
+        <p:blipFill>
+          <a:blip r:embed="rId2"/>
+          <a:stretch>
+            <a:fillRect/>
+          </a:stretch>
+        </p:blipFill>
+        <p:spPr>
+          <a:xfrm>
+            <a:off x="128557" y="3702808"/>
+            <a:ext cx="2048161" cy="714475"/>
+          </a:xfrm>
+          <a:prstGeom prst="rect">
+            <a:avLst/>
+          </a:prstGeom>
+        </p:spPr>
+      </p:pic>
+      <p:pic>
+        <p:nvPicPr>
+          <p:cNvPr id="17" name="Picture 16">
+            <a:extLst>
+              <a:ext uri="{FF2B5EF4-FFF2-40B4-BE49-F238E27FC236}">
+                <a16:creationId xmlns:a16="http://schemas.microsoft.com/office/drawing/2014/main" id="{A5342CF0-27BD-0485-AF0D-6EFFA46DCB03}"/>
+              </a:ext>
+            </a:extLst>
+          </p:cNvPr>
+          <p:cNvPicPr>
+            <a:picLocks noChangeAspect="1"/>
+          </p:cNvPicPr>
+          <p:nvPr/>
+        </p:nvPicPr>
+        <p:blipFill>
+          <a:blip r:embed="rId3"/>
+          <a:stretch>
+            <a:fillRect/>
+          </a:stretch>
+        </p:blipFill>
+        <p:spPr>
+          <a:xfrm>
+            <a:off x="2475023" y="3712334"/>
+            <a:ext cx="2048161" cy="704948"/>
+          </a:xfrm>
+          <a:prstGeom prst="rect">
+            <a:avLst/>
+          </a:prstGeom>
+        </p:spPr>
+      </p:pic>
+      <p:pic>
+        <p:nvPicPr>
+          <p:cNvPr id="19" name="Picture 18">
+            <a:extLst>
+              <a:ext uri="{FF2B5EF4-FFF2-40B4-BE49-F238E27FC236}">
+                <a16:creationId xmlns:a16="http://schemas.microsoft.com/office/drawing/2014/main" id="{454B80AC-669A-9314-ABCF-66690DC2FF59}"/>
+              </a:ext>
+            </a:extLst>
+          </p:cNvPr>
+          <p:cNvPicPr>
+            <a:picLocks noChangeAspect="1"/>
+          </p:cNvPicPr>
+          <p:nvPr/>
+        </p:nvPicPr>
+        <p:blipFill>
+          <a:blip r:embed="rId4"/>
+          <a:stretch>
+            <a:fillRect/>
+          </a:stretch>
+        </p:blipFill>
+        <p:spPr>
+          <a:xfrm>
+            <a:off x="4821489" y="3717097"/>
+            <a:ext cx="2067213" cy="685896"/>
+          </a:xfrm>
+          <a:prstGeom prst="rect">
+            <a:avLst/>
+          </a:prstGeom>
+        </p:spPr>
+      </p:pic>
+      <p:pic>
+        <p:nvPicPr>
+          <p:cNvPr id="21" name="Picture 20">
+            <a:extLst>
+              <a:ext uri="{FF2B5EF4-FFF2-40B4-BE49-F238E27FC236}">
+                <a16:creationId xmlns:a16="http://schemas.microsoft.com/office/drawing/2014/main" id="{E7BE05D0-8E64-0339-CD8D-737F692EDE14}"/>
+              </a:ext>
+            </a:extLst>
+          </p:cNvPr>
+          <p:cNvPicPr>
+            <a:picLocks noChangeAspect="1"/>
+          </p:cNvPicPr>
+          <p:nvPr/>
+        </p:nvPicPr>
+        <p:blipFill>
+          <a:blip r:embed="rId5"/>
+          <a:stretch>
+            <a:fillRect/>
+          </a:stretch>
+        </p:blipFill>
+        <p:spPr>
+          <a:xfrm>
+            <a:off x="7247969" y="3712334"/>
+            <a:ext cx="2048161" cy="695422"/>
+          </a:xfrm>
+          <a:prstGeom prst="rect">
+            <a:avLst/>
+          </a:prstGeom>
+        </p:spPr>
+      </p:pic>
+      <p:pic>
+        <p:nvPicPr>
+          <p:cNvPr id="23" name="Picture 22">
+            <a:extLst>
+              <a:ext uri="{FF2B5EF4-FFF2-40B4-BE49-F238E27FC236}">
+                <a16:creationId xmlns:a16="http://schemas.microsoft.com/office/drawing/2014/main" id="{4972F779-79E6-C866-3781-4F3CA9AFB030}"/>
+              </a:ext>
+            </a:extLst>
+          </p:cNvPr>
+          <p:cNvPicPr>
+            <a:picLocks noChangeAspect="1"/>
+          </p:cNvPicPr>
+          <p:nvPr/>
+        </p:nvPicPr>
+        <p:blipFill>
+          <a:blip r:embed="rId6"/>
+          <a:stretch>
+            <a:fillRect/>
+          </a:stretch>
+        </p:blipFill>
+        <p:spPr>
+          <a:xfrm>
+            <a:off x="9716977" y="3702808"/>
+            <a:ext cx="2029108" cy="685896"/>
+          </a:xfrm>
+          <a:prstGeom prst="rect">
+            <a:avLst/>
+          </a:prstGeom>
+        </p:spPr>
+      </p:pic>
+      <p:cxnSp>
+        <p:nvCxnSpPr>
+          <p:cNvPr id="25" name="Straight Arrow Connector 24">
+            <a:extLst>
+              <a:ext uri="{FF2B5EF4-FFF2-40B4-BE49-F238E27FC236}">
+                <a16:creationId xmlns:a16="http://schemas.microsoft.com/office/drawing/2014/main" id="{21C33C0E-A5CB-A63B-08F0-5F01A2D51E4F}"/>
+              </a:ext>
+            </a:extLst>
+          </p:cNvPr>
+          <p:cNvCxnSpPr>
+            <a:stCxn id="15" idx="3"/>
+            <a:endCxn id="17" idx="1"/>
+          </p:cNvCxnSpPr>
+          <p:nvPr/>
+        </p:nvCxnSpPr>
+        <p:spPr>
+          <a:xfrm>
+            <a:off x="2176718" y="4060046"/>
+            <a:ext cx="298305" cy="4762"/>
+          </a:xfrm>
+          <a:prstGeom prst="straightConnector1">
+            <a:avLst/>
+          </a:prstGeom>
+          <a:ln>
+            <a:tailEnd type="triangle"/>
+          </a:ln>
+        </p:spPr>
+        <p:style>
+          <a:lnRef idx="1">
+            <a:schemeClr val="accent1"/>
+          </a:lnRef>
+          <a:fillRef idx="0">
+            <a:schemeClr val="accent1"/>
+          </a:fillRef>
+          <a:effectRef idx="0">
+            <a:schemeClr val="accent1"/>
+          </a:effectRef>
+          <a:fontRef idx="minor">
+            <a:schemeClr val="tx1"/>
+          </a:fontRef>
+        </p:style>
+      </p:cxnSp>
+      <p:cxnSp>
+        <p:nvCxnSpPr>
+          <p:cNvPr id="27" name="Straight Arrow Connector 26">
+            <a:extLst>
+              <a:ext uri="{FF2B5EF4-FFF2-40B4-BE49-F238E27FC236}">
+                <a16:creationId xmlns:a16="http://schemas.microsoft.com/office/drawing/2014/main" id="{1B8A1030-2FB2-345F-A792-EDE947ABA52B}"/>
+              </a:ext>
+            </a:extLst>
+          </p:cNvPr>
+          <p:cNvCxnSpPr>
+            <a:stCxn id="17" idx="3"/>
+            <a:endCxn id="19" idx="1"/>
+          </p:cNvCxnSpPr>
+          <p:nvPr/>
+        </p:nvCxnSpPr>
+        <p:spPr>
+          <a:xfrm flipV="1">
+            <a:off x="4523184" y="4060045"/>
+            <a:ext cx="298305" cy="4763"/>
+          </a:xfrm>
+          <a:prstGeom prst="straightConnector1">
+            <a:avLst/>
+          </a:prstGeom>
+          <a:ln>
+            <a:tailEnd type="triangle"/>
+          </a:ln>
+        </p:spPr>
+        <p:style>
+          <a:lnRef idx="1">
+            <a:schemeClr val="accent1"/>
+          </a:lnRef>
+          <a:fillRef idx="0">
+            <a:schemeClr val="accent1"/>
+          </a:fillRef>
+          <a:effectRef idx="0">
+            <a:schemeClr val="accent1"/>
+          </a:effectRef>
+          <a:fontRef idx="minor">
+            <a:schemeClr val="tx1"/>
+          </a:fontRef>
+        </p:style>
+      </p:cxnSp>
+      <p:cxnSp>
+        <p:nvCxnSpPr>
+          <p:cNvPr id="32" name="Straight Arrow Connector 31">
+            <a:extLst>
+              <a:ext uri="{FF2B5EF4-FFF2-40B4-BE49-F238E27FC236}">
+                <a16:creationId xmlns:a16="http://schemas.microsoft.com/office/drawing/2014/main" id="{E10AC548-9D2E-A032-4CEB-A1B9229846A0}"/>
+              </a:ext>
+            </a:extLst>
+          </p:cNvPr>
+          <p:cNvCxnSpPr>
+            <a:stCxn id="19" idx="3"/>
+            <a:endCxn id="21" idx="1"/>
+          </p:cNvCxnSpPr>
+          <p:nvPr/>
+        </p:nvCxnSpPr>
+        <p:spPr>
+          <a:xfrm>
+            <a:off x="6888702" y="4060045"/>
+            <a:ext cx="359267" cy="0"/>
+          </a:xfrm>
+          <a:prstGeom prst="straightConnector1">
+            <a:avLst/>
+          </a:prstGeom>
+          <a:ln>
+            <a:tailEnd type="triangle"/>
+          </a:ln>
+        </p:spPr>
+        <p:style>
+          <a:lnRef idx="1">
+            <a:schemeClr val="accent1"/>
+          </a:lnRef>
+          <a:fillRef idx="0">
+            <a:schemeClr val="accent1"/>
+          </a:fillRef>
+          <a:effectRef idx="0">
+            <a:schemeClr val="accent1"/>
+          </a:effectRef>
+          <a:fontRef idx="minor">
+            <a:schemeClr val="tx1"/>
+          </a:fontRef>
+        </p:style>
+      </p:cxnSp>
+      <p:cxnSp>
+        <p:nvCxnSpPr>
+          <p:cNvPr id="34" name="Straight Arrow Connector 33">
+            <a:extLst>
+              <a:ext uri="{FF2B5EF4-FFF2-40B4-BE49-F238E27FC236}">
+                <a16:creationId xmlns:a16="http://schemas.microsoft.com/office/drawing/2014/main" id="{BF56FE3F-0EDA-D3BD-D259-2608934EF696}"/>
+              </a:ext>
+            </a:extLst>
+          </p:cNvPr>
+          <p:cNvCxnSpPr>
+            <a:stCxn id="21" idx="3"/>
+            <a:endCxn id="23" idx="1"/>
+          </p:cNvCxnSpPr>
+          <p:nvPr/>
+        </p:nvCxnSpPr>
+        <p:spPr>
+          <a:xfrm flipV="1">
+            <a:off x="9296130" y="4045756"/>
+            <a:ext cx="420847" cy="14289"/>
+          </a:xfrm>
+          <a:prstGeom prst="straightConnector1">
+            <a:avLst/>
+          </a:prstGeom>
+          <a:ln>
+            <a:tailEnd type="triangle"/>
+          </a:ln>
+        </p:spPr>
+        <p:style>
+          <a:lnRef idx="1">
+            <a:schemeClr val="accent1"/>
+          </a:lnRef>
+          <a:fillRef idx="0">
+            <a:schemeClr val="accent1"/>
+          </a:fillRef>
+          <a:effectRef idx="0">
+            <a:schemeClr val="accent1"/>
+          </a:effectRef>
+          <a:fontRef idx="minor">
+            <a:schemeClr val="tx1"/>
+          </a:fontRef>
+        </p:style>
+      </p:cxnSp>
+      <p:sp>
+        <p:nvSpPr>
+          <p:cNvPr id="35" name="TextBox 34">
+            <a:extLst>
+              <a:ext uri="{FF2B5EF4-FFF2-40B4-BE49-F238E27FC236}">
+                <a16:creationId xmlns:a16="http://schemas.microsoft.com/office/drawing/2014/main" id="{E01031D3-A6A7-A62B-BAA3-47D4B842E1B4}"/>
+              </a:ext>
+            </a:extLst>
+          </p:cNvPr>
+          <p:cNvSpPr txBox="1"/>
+          <p:nvPr/>
+        </p:nvSpPr>
+        <p:spPr>
+          <a:xfrm>
+            <a:off x="718020" y="3391151"/>
+            <a:ext cx="881844" cy="369332"/>
+          </a:xfrm>
+          <a:prstGeom prst="rect">
+            <a:avLst/>
+          </a:prstGeom>
+          <a:noFill/>
+        </p:spPr>
+        <p:txBody>
+          <a:bodyPr wrap="none" rtlCol="0">
+            <a:spAutoFit/>
+          </a:bodyPr>
+          <a:lstStyle/>
+          <a:p>
+            <a:r>
+              <a:rPr lang="en-US" dirty="0"/>
+              <a:t>Batch 1</a:t>
+            </a:r>
+          </a:p>
+        </p:txBody>
+      </p:sp>
+      <p:sp>
+        <p:nvSpPr>
+          <p:cNvPr id="36" name="TextBox 35">
+            <a:extLst>
+              <a:ext uri="{FF2B5EF4-FFF2-40B4-BE49-F238E27FC236}">
+                <a16:creationId xmlns:a16="http://schemas.microsoft.com/office/drawing/2014/main" id="{FCF9763F-BF68-DB13-1CEE-9D62A91AC1B2}"/>
+              </a:ext>
+            </a:extLst>
+          </p:cNvPr>
+          <p:cNvSpPr txBox="1"/>
+          <p:nvPr/>
+        </p:nvSpPr>
+        <p:spPr>
+          <a:xfrm>
+            <a:off x="3098188" y="3391151"/>
+            <a:ext cx="881844" cy="369332"/>
+          </a:xfrm>
+          <a:prstGeom prst="rect">
+            <a:avLst/>
+          </a:prstGeom>
+          <a:noFill/>
+        </p:spPr>
+        <p:txBody>
+          <a:bodyPr wrap="none" rtlCol="0">
+            <a:spAutoFit/>
+          </a:bodyPr>
+          <a:lstStyle/>
+          <a:p>
+            <a:r>
+              <a:rPr lang="en-US" dirty="0"/>
+              <a:t>Batch 2</a:t>
+            </a:r>
+          </a:p>
+        </p:txBody>
+      </p:sp>
+      <p:sp>
+        <p:nvSpPr>
+          <p:cNvPr id="37" name="TextBox 36">
+            <a:extLst>
+              <a:ext uri="{FF2B5EF4-FFF2-40B4-BE49-F238E27FC236}">
+                <a16:creationId xmlns:a16="http://schemas.microsoft.com/office/drawing/2014/main" id="{AEF6A4D9-3101-67AD-3530-9D07206305C5}"/>
+              </a:ext>
+            </a:extLst>
+          </p:cNvPr>
+          <p:cNvSpPr txBox="1"/>
+          <p:nvPr/>
+        </p:nvSpPr>
+        <p:spPr>
+          <a:xfrm>
+            <a:off x="5478356" y="3351875"/>
+            <a:ext cx="881844" cy="369332"/>
+          </a:xfrm>
+          <a:prstGeom prst="rect">
+            <a:avLst/>
+          </a:prstGeom>
+          <a:noFill/>
+        </p:spPr>
+        <p:txBody>
+          <a:bodyPr wrap="none" rtlCol="0">
+            <a:spAutoFit/>
+          </a:bodyPr>
+          <a:lstStyle/>
+          <a:p>
+            <a:r>
+              <a:rPr lang="en-US" dirty="0"/>
+              <a:t>Batch 3</a:t>
+            </a:r>
+          </a:p>
+        </p:txBody>
+      </p:sp>
+      <p:sp>
+        <p:nvSpPr>
+          <p:cNvPr id="38" name="TextBox 37">
+            <a:extLst>
+              <a:ext uri="{FF2B5EF4-FFF2-40B4-BE49-F238E27FC236}">
+                <a16:creationId xmlns:a16="http://schemas.microsoft.com/office/drawing/2014/main" id="{4EE8FA4C-CD9E-0452-3765-E82802B84778}"/>
+              </a:ext>
+            </a:extLst>
+          </p:cNvPr>
+          <p:cNvSpPr txBox="1"/>
+          <p:nvPr/>
+        </p:nvSpPr>
+        <p:spPr>
+          <a:xfrm>
+            <a:off x="7912277" y="3351875"/>
+            <a:ext cx="881844" cy="369332"/>
+          </a:xfrm>
+          <a:prstGeom prst="rect">
+            <a:avLst/>
+          </a:prstGeom>
+          <a:noFill/>
+        </p:spPr>
+        <p:txBody>
+          <a:bodyPr wrap="none" rtlCol="0">
+            <a:spAutoFit/>
+          </a:bodyPr>
+          <a:lstStyle/>
+          <a:p>
+            <a:r>
+              <a:rPr lang="en-US" dirty="0"/>
+              <a:t>Batch 4</a:t>
+            </a:r>
+          </a:p>
+        </p:txBody>
+      </p:sp>
+      <p:sp>
+        <p:nvSpPr>
+          <p:cNvPr id="39" name="TextBox 38">
+            <a:extLst>
+              <a:ext uri="{FF2B5EF4-FFF2-40B4-BE49-F238E27FC236}">
+                <a16:creationId xmlns:a16="http://schemas.microsoft.com/office/drawing/2014/main" id="{FA6ABDFD-8FB1-C14F-706A-53E3C6481937}"/>
+              </a:ext>
+            </a:extLst>
+          </p:cNvPr>
+          <p:cNvSpPr txBox="1"/>
+          <p:nvPr/>
+        </p:nvSpPr>
+        <p:spPr>
+          <a:xfrm>
+            <a:off x="10358074" y="3342460"/>
+            <a:ext cx="881844" cy="369332"/>
+          </a:xfrm>
+          <a:prstGeom prst="rect">
+            <a:avLst/>
+          </a:prstGeom>
+          <a:noFill/>
+        </p:spPr>
+        <p:txBody>
+          <a:bodyPr wrap="none" rtlCol="0">
+            <a:spAutoFit/>
+          </a:bodyPr>
+          <a:lstStyle/>
+          <a:p>
+            <a:r>
+              <a:rPr lang="en-US" dirty="0"/>
+              <a:t>Batch 5</a:t>
+            </a:r>
+          </a:p>
+        </p:txBody>
+      </p:sp>
+      <p:sp>
+        <p:nvSpPr>
+          <p:cNvPr id="42" name="TextBox 41">
+            <a:extLst>
+              <a:ext uri="{FF2B5EF4-FFF2-40B4-BE49-F238E27FC236}">
+                <a16:creationId xmlns:a16="http://schemas.microsoft.com/office/drawing/2014/main" id="{E0B36B63-349D-CDE4-7E6E-14237B403D6B}"/>
+              </a:ext>
+            </a:extLst>
+          </p:cNvPr>
+          <p:cNvSpPr txBox="1"/>
+          <p:nvPr/>
+        </p:nvSpPr>
+        <p:spPr>
+          <a:xfrm>
+            <a:off x="348635" y="4417282"/>
+            <a:ext cx="1608004" cy="461665"/>
+          </a:xfrm>
+          <a:prstGeom prst="rect">
+            <a:avLst/>
+          </a:prstGeom>
+          <a:noFill/>
+        </p:spPr>
+        <p:txBody>
+          <a:bodyPr wrap="none" rtlCol="0">
+            <a:spAutoFit/>
+          </a:bodyPr>
+          <a:lstStyle/>
+          <a:p>
+            <a:r>
+              <a:rPr lang="en-US" sz="1200" dirty="0"/>
+              <a:t>Prediction: Not a Scam</a:t>
+            </a:r>
+          </a:p>
+          <a:p>
+            <a:r>
+              <a:rPr lang="en-US" sz="1200" dirty="0"/>
+              <a:t>Probability: 83%</a:t>
+            </a:r>
+          </a:p>
+        </p:txBody>
+      </p:sp>
+      <p:sp>
+        <p:nvSpPr>
+          <p:cNvPr id="43" name="TextBox 42">
+            <a:extLst>
+              <a:ext uri="{FF2B5EF4-FFF2-40B4-BE49-F238E27FC236}">
+                <a16:creationId xmlns:a16="http://schemas.microsoft.com/office/drawing/2014/main" id="{1309E7C8-129C-721D-36F6-B4DB050BA572}"/>
+              </a:ext>
+            </a:extLst>
+          </p:cNvPr>
+          <p:cNvSpPr txBox="1"/>
+          <p:nvPr/>
+        </p:nvSpPr>
+        <p:spPr>
+          <a:xfrm>
+            <a:off x="2695101" y="4417282"/>
+            <a:ext cx="1608004" cy="461665"/>
+          </a:xfrm>
+          <a:prstGeom prst="rect">
+            <a:avLst/>
+          </a:prstGeom>
+          <a:noFill/>
+        </p:spPr>
+        <p:txBody>
+          <a:bodyPr wrap="none" rtlCol="0">
+            <a:spAutoFit/>
+          </a:bodyPr>
+          <a:lstStyle/>
+          <a:p>
+            <a:r>
+              <a:rPr lang="en-US" sz="1200" dirty="0"/>
+              <a:t>Prediction: Not a Scam</a:t>
+            </a:r>
+          </a:p>
+          <a:p>
+            <a:r>
+              <a:rPr lang="en-US" sz="1200" dirty="0"/>
+              <a:t>Probability: 80%</a:t>
+            </a:r>
+          </a:p>
+        </p:txBody>
+      </p:sp>
+      <p:sp>
+        <p:nvSpPr>
+          <p:cNvPr id="44" name="TextBox 43">
+            <a:extLst>
+              <a:ext uri="{FF2B5EF4-FFF2-40B4-BE49-F238E27FC236}">
+                <a16:creationId xmlns:a16="http://schemas.microsoft.com/office/drawing/2014/main" id="{E8FA399B-E914-3CEE-5459-E96BB6CEF37D}"/>
+              </a:ext>
+            </a:extLst>
+          </p:cNvPr>
+          <p:cNvSpPr txBox="1"/>
+          <p:nvPr/>
+        </p:nvSpPr>
+        <p:spPr>
+          <a:xfrm>
+            <a:off x="5041567" y="4417281"/>
+            <a:ext cx="1608004" cy="461665"/>
+          </a:xfrm>
+          <a:prstGeom prst="rect">
+            <a:avLst/>
+          </a:prstGeom>
+          <a:noFill/>
+        </p:spPr>
+        <p:txBody>
+          <a:bodyPr wrap="none" rtlCol="0">
+            <a:spAutoFit/>
+          </a:bodyPr>
+          <a:lstStyle/>
+          <a:p>
+            <a:r>
+              <a:rPr lang="en-US" sz="1200" dirty="0"/>
+              <a:t>Prediction: Not a Scam</a:t>
+            </a:r>
+          </a:p>
+          <a:p>
+            <a:r>
+              <a:rPr lang="en-US" sz="1200" dirty="0"/>
+              <a:t>Probability: 81%</a:t>
+            </a:r>
+          </a:p>
+        </p:txBody>
+      </p:sp>
+      <p:sp>
+        <p:nvSpPr>
+          <p:cNvPr id="45" name="TextBox 44">
+            <a:extLst>
+              <a:ext uri="{FF2B5EF4-FFF2-40B4-BE49-F238E27FC236}">
+                <a16:creationId xmlns:a16="http://schemas.microsoft.com/office/drawing/2014/main" id="{FA93AD54-9C4B-465F-BF86-F940898C7B66}"/>
+              </a:ext>
+            </a:extLst>
+          </p:cNvPr>
+          <p:cNvSpPr txBox="1"/>
+          <p:nvPr/>
+        </p:nvSpPr>
+        <p:spPr>
+          <a:xfrm>
+            <a:off x="7468047" y="4427603"/>
+            <a:ext cx="1608004" cy="461665"/>
+          </a:xfrm>
+          <a:prstGeom prst="rect">
+            <a:avLst/>
+          </a:prstGeom>
+          <a:noFill/>
+        </p:spPr>
+        <p:txBody>
+          <a:bodyPr wrap="none" rtlCol="0">
+            <a:spAutoFit/>
+          </a:bodyPr>
+          <a:lstStyle/>
+          <a:p>
+            <a:r>
+              <a:rPr lang="en-US" sz="1200" dirty="0"/>
+              <a:t>Prediction: Not a Scam</a:t>
+            </a:r>
+          </a:p>
+          <a:p>
+            <a:r>
+              <a:rPr lang="en-US" sz="1200" dirty="0"/>
+              <a:t>Probability: 82%</a:t>
+            </a:r>
+          </a:p>
+        </p:txBody>
+      </p:sp>
+      <p:sp>
+        <p:nvSpPr>
+          <p:cNvPr id="46" name="TextBox 45">
+            <a:extLst>
+              <a:ext uri="{FF2B5EF4-FFF2-40B4-BE49-F238E27FC236}">
+                <a16:creationId xmlns:a16="http://schemas.microsoft.com/office/drawing/2014/main" id="{9E577945-ABD9-55FC-9AF0-94399DD7AF9C}"/>
+              </a:ext>
+            </a:extLst>
+          </p:cNvPr>
+          <p:cNvSpPr txBox="1"/>
+          <p:nvPr/>
+        </p:nvSpPr>
+        <p:spPr>
+          <a:xfrm>
+            <a:off x="9927529" y="4388704"/>
+            <a:ext cx="1608004" cy="461665"/>
+          </a:xfrm>
+          <a:prstGeom prst="rect">
+            <a:avLst/>
+          </a:prstGeom>
+          <a:noFill/>
+        </p:spPr>
+        <p:txBody>
+          <a:bodyPr wrap="none" rtlCol="0">
+            <a:spAutoFit/>
+          </a:bodyPr>
+          <a:lstStyle/>
+          <a:p>
+            <a:r>
+              <a:rPr lang="en-US" sz="1200" dirty="0"/>
+              <a:t>Prediction: Not a Scam</a:t>
+            </a:r>
+          </a:p>
+          <a:p>
+            <a:r>
+              <a:rPr lang="en-US" sz="1200" dirty="0"/>
+              <a:t>Probability: 80%</a:t>
+            </a:r>
+          </a:p>
+        </p:txBody>
+      </p:sp>
       <p:graphicFrame>
         <p:nvGraphicFramePr>
           <p:cNvPr id="7" name="Table 6">
@@ -15333,7 +16101,7 @@
           <p:nvPr>
             <p:extLst>
               <p:ext uri="{D42A27DB-BD31-4B8C-83A1-F6EECF244321}">
-                <p14:modId xmlns:p14="http://schemas.microsoft.com/office/powerpoint/2010/main" val="3888186517"/>
+                <p14:modId xmlns:p14="http://schemas.microsoft.com/office/powerpoint/2010/main" val="1417846980"/>
               </p:ext>
             </p:extLst>
           </p:nvPr>
@@ -15356,14 +16124,14 @@
                     </a:ext>
                   </a:extLst>
                 </a:gridCol>
-                <a:gridCol w="5954710">
+                <a:gridCol w="5262363">
                   <a:extLst>
                     <a:ext uri="{9D8B030D-6E8A-4147-A177-3AD203B41FA5}">
                       <a16:colId xmlns:a16="http://schemas.microsoft.com/office/drawing/2014/main" val="3523283076"/>
                     </a:ext>
                   </a:extLst>
                 </a:gridCol>
-                <a:gridCol w="4794053">
+                <a:gridCol w="5486400">
                   <a:extLst>
                     <a:ext uri="{9D8B030D-6E8A-4147-A177-3AD203B41FA5}">
                       <a16:colId xmlns:a16="http://schemas.microsoft.com/office/drawing/2014/main" val="1026576332"/>
@@ -15395,18 +16163,13 @@
                     <a:lstStyle/>
                     <a:p>
                       <a:r>
-                        <a:rPr lang="en-US" sz="1000">
+                        <a:rPr lang="en-US" sz="1000" dirty="0">
                           <a:solidFill>
                             <a:schemeClr val="tx1"/>
                           </a:solidFill>
                         </a:rPr>
                         <a:t>Attacker_Helper</a:t>
                       </a:r>
-                      <a:endParaRPr lang="en-US" sz="1000" dirty="0">
-                        <a:solidFill>
-                          <a:schemeClr val="tx1"/>
-                        </a:solidFill>
-                      </a:endParaRPr>
                     </a:p>
                   </a:txBody>
                   <a:tcPr/>
@@ -15818,774 +16581,6 @@
           </a:graphicData>
         </a:graphic>
       </p:graphicFrame>
-      <p:sp>
-        <p:nvSpPr>
-          <p:cNvPr id="10" name="TextBox 9">
-            <a:extLst>
-              <a:ext uri="{FF2B5EF4-FFF2-40B4-BE49-F238E27FC236}">
-                <a16:creationId xmlns:a16="http://schemas.microsoft.com/office/drawing/2014/main" id="{92225489-1528-560E-04B9-E1F38F7CD072}"/>
-              </a:ext>
-            </a:extLst>
-          </p:cNvPr>
-          <p:cNvSpPr txBox="1"/>
-          <p:nvPr/>
-        </p:nvSpPr>
-        <p:spPr>
-          <a:xfrm>
-            <a:off x="0" y="420850"/>
-            <a:ext cx="2968120" cy="369332"/>
-          </a:xfrm>
-          <a:prstGeom prst="rect">
-            <a:avLst/>
-          </a:prstGeom>
-          <a:noFill/>
-        </p:spPr>
-        <p:txBody>
-          <a:bodyPr wrap="none" rtlCol="0">
-            <a:spAutoFit/>
-          </a:bodyPr>
-          <a:lstStyle/>
-          <a:p>
-            <a:r>
-              <a:rPr lang="en-US" dirty="0"/>
-              <a:t>Normal Support Conversation</a:t>
-            </a:r>
-          </a:p>
-        </p:txBody>
-      </p:sp>
-      <p:sp>
-        <p:nvSpPr>
-          <p:cNvPr id="11" name="TextBox 10">
-            <a:extLst>
-              <a:ext uri="{FF2B5EF4-FFF2-40B4-BE49-F238E27FC236}">
-                <a16:creationId xmlns:a16="http://schemas.microsoft.com/office/drawing/2014/main" id="{FB22FE62-23BB-3B57-C5D0-82E88CD46E5B}"/>
-              </a:ext>
-            </a:extLst>
-          </p:cNvPr>
-          <p:cNvSpPr txBox="1"/>
-          <p:nvPr/>
-        </p:nvSpPr>
-        <p:spPr>
-          <a:xfrm>
-            <a:off x="0" y="2912852"/>
-            <a:ext cx="4353436" cy="369332"/>
-          </a:xfrm>
-          <a:prstGeom prst="rect">
-            <a:avLst/>
-          </a:prstGeom>
-          <a:noFill/>
-        </p:spPr>
-        <p:txBody>
-          <a:bodyPr wrap="none" rtlCol="0">
-            <a:spAutoFit/>
-          </a:bodyPr>
-          <a:lstStyle/>
-          <a:p>
-            <a:r>
-              <a:rPr lang="en-US" dirty="0"/>
-              <a:t>After each pair of back &amp; forth conversation:</a:t>
-            </a:r>
-          </a:p>
-        </p:txBody>
-      </p:sp>
-      <p:pic>
-        <p:nvPicPr>
-          <p:cNvPr id="15" name="Picture 14">
-            <a:extLst>
-              <a:ext uri="{FF2B5EF4-FFF2-40B4-BE49-F238E27FC236}">
-                <a16:creationId xmlns:a16="http://schemas.microsoft.com/office/drawing/2014/main" id="{C1CBA120-EDA4-7A1D-B1AD-02CFA5816BE3}"/>
-              </a:ext>
-            </a:extLst>
-          </p:cNvPr>
-          <p:cNvPicPr>
-            <a:picLocks noChangeAspect="1"/>
-          </p:cNvPicPr>
-          <p:nvPr/>
-        </p:nvPicPr>
-        <p:blipFill>
-          <a:blip r:embed="rId2"/>
-          <a:stretch>
-            <a:fillRect/>
-          </a:stretch>
-        </p:blipFill>
-        <p:spPr>
-          <a:xfrm>
-            <a:off x="128557" y="3702808"/>
-            <a:ext cx="2048161" cy="714475"/>
-          </a:xfrm>
-          <a:prstGeom prst="rect">
-            <a:avLst/>
-          </a:prstGeom>
-        </p:spPr>
-      </p:pic>
-      <p:pic>
-        <p:nvPicPr>
-          <p:cNvPr id="17" name="Picture 16">
-            <a:extLst>
-              <a:ext uri="{FF2B5EF4-FFF2-40B4-BE49-F238E27FC236}">
-                <a16:creationId xmlns:a16="http://schemas.microsoft.com/office/drawing/2014/main" id="{A5342CF0-27BD-0485-AF0D-6EFFA46DCB03}"/>
-              </a:ext>
-            </a:extLst>
-          </p:cNvPr>
-          <p:cNvPicPr>
-            <a:picLocks noChangeAspect="1"/>
-          </p:cNvPicPr>
-          <p:nvPr/>
-        </p:nvPicPr>
-        <p:blipFill>
-          <a:blip r:embed="rId3"/>
-          <a:stretch>
-            <a:fillRect/>
-          </a:stretch>
-        </p:blipFill>
-        <p:spPr>
-          <a:xfrm>
-            <a:off x="2475023" y="3712334"/>
-            <a:ext cx="2048161" cy="704948"/>
-          </a:xfrm>
-          <a:prstGeom prst="rect">
-            <a:avLst/>
-          </a:prstGeom>
-        </p:spPr>
-      </p:pic>
-      <p:pic>
-        <p:nvPicPr>
-          <p:cNvPr id="19" name="Picture 18">
-            <a:extLst>
-              <a:ext uri="{FF2B5EF4-FFF2-40B4-BE49-F238E27FC236}">
-                <a16:creationId xmlns:a16="http://schemas.microsoft.com/office/drawing/2014/main" id="{454B80AC-669A-9314-ABCF-66690DC2FF59}"/>
-              </a:ext>
-            </a:extLst>
-          </p:cNvPr>
-          <p:cNvPicPr>
-            <a:picLocks noChangeAspect="1"/>
-          </p:cNvPicPr>
-          <p:nvPr/>
-        </p:nvPicPr>
-        <p:blipFill>
-          <a:blip r:embed="rId4"/>
-          <a:stretch>
-            <a:fillRect/>
-          </a:stretch>
-        </p:blipFill>
-        <p:spPr>
-          <a:xfrm>
-            <a:off x="4821489" y="3717097"/>
-            <a:ext cx="2067213" cy="685896"/>
-          </a:xfrm>
-          <a:prstGeom prst="rect">
-            <a:avLst/>
-          </a:prstGeom>
-        </p:spPr>
-      </p:pic>
-      <p:pic>
-        <p:nvPicPr>
-          <p:cNvPr id="21" name="Picture 20">
-            <a:extLst>
-              <a:ext uri="{FF2B5EF4-FFF2-40B4-BE49-F238E27FC236}">
-                <a16:creationId xmlns:a16="http://schemas.microsoft.com/office/drawing/2014/main" id="{E7BE05D0-8E64-0339-CD8D-737F692EDE14}"/>
-              </a:ext>
-            </a:extLst>
-          </p:cNvPr>
-          <p:cNvPicPr>
-            <a:picLocks noChangeAspect="1"/>
-          </p:cNvPicPr>
-          <p:nvPr/>
-        </p:nvPicPr>
-        <p:blipFill>
-          <a:blip r:embed="rId5"/>
-          <a:stretch>
-            <a:fillRect/>
-          </a:stretch>
-        </p:blipFill>
-        <p:spPr>
-          <a:xfrm>
-            <a:off x="7247969" y="3712334"/>
-            <a:ext cx="2048161" cy="695422"/>
-          </a:xfrm>
-          <a:prstGeom prst="rect">
-            <a:avLst/>
-          </a:prstGeom>
-        </p:spPr>
-      </p:pic>
-      <p:pic>
-        <p:nvPicPr>
-          <p:cNvPr id="23" name="Picture 22">
-            <a:extLst>
-              <a:ext uri="{FF2B5EF4-FFF2-40B4-BE49-F238E27FC236}">
-                <a16:creationId xmlns:a16="http://schemas.microsoft.com/office/drawing/2014/main" id="{4972F779-79E6-C866-3781-4F3CA9AFB030}"/>
-              </a:ext>
-            </a:extLst>
-          </p:cNvPr>
-          <p:cNvPicPr>
-            <a:picLocks noChangeAspect="1"/>
-          </p:cNvPicPr>
-          <p:nvPr/>
-        </p:nvPicPr>
-        <p:blipFill>
-          <a:blip r:embed="rId6"/>
-          <a:stretch>
-            <a:fillRect/>
-          </a:stretch>
-        </p:blipFill>
-        <p:spPr>
-          <a:xfrm>
-            <a:off x="9716977" y="3702808"/>
-            <a:ext cx="2029108" cy="685896"/>
-          </a:xfrm>
-          <a:prstGeom prst="rect">
-            <a:avLst/>
-          </a:prstGeom>
-        </p:spPr>
-      </p:pic>
-      <p:cxnSp>
-        <p:nvCxnSpPr>
-          <p:cNvPr id="25" name="Straight Arrow Connector 24">
-            <a:extLst>
-              <a:ext uri="{FF2B5EF4-FFF2-40B4-BE49-F238E27FC236}">
-                <a16:creationId xmlns:a16="http://schemas.microsoft.com/office/drawing/2014/main" id="{21C33C0E-A5CB-A63B-08F0-5F01A2D51E4F}"/>
-              </a:ext>
-            </a:extLst>
-          </p:cNvPr>
-          <p:cNvCxnSpPr>
-            <a:stCxn id="15" idx="3"/>
-            <a:endCxn id="17" idx="1"/>
-          </p:cNvCxnSpPr>
-          <p:nvPr/>
-        </p:nvCxnSpPr>
-        <p:spPr>
-          <a:xfrm>
-            <a:off x="2176718" y="4060046"/>
-            <a:ext cx="298305" cy="4762"/>
-          </a:xfrm>
-          <a:prstGeom prst="straightConnector1">
-            <a:avLst/>
-          </a:prstGeom>
-          <a:ln>
-            <a:tailEnd type="triangle"/>
-          </a:ln>
-        </p:spPr>
-        <p:style>
-          <a:lnRef idx="1">
-            <a:schemeClr val="accent1"/>
-          </a:lnRef>
-          <a:fillRef idx="0">
-            <a:schemeClr val="accent1"/>
-          </a:fillRef>
-          <a:effectRef idx="0">
-            <a:schemeClr val="accent1"/>
-          </a:effectRef>
-          <a:fontRef idx="minor">
-            <a:schemeClr val="tx1"/>
-          </a:fontRef>
-        </p:style>
-      </p:cxnSp>
-      <p:cxnSp>
-        <p:nvCxnSpPr>
-          <p:cNvPr id="27" name="Straight Arrow Connector 26">
-            <a:extLst>
-              <a:ext uri="{FF2B5EF4-FFF2-40B4-BE49-F238E27FC236}">
-                <a16:creationId xmlns:a16="http://schemas.microsoft.com/office/drawing/2014/main" id="{1B8A1030-2FB2-345F-A792-EDE947ABA52B}"/>
-              </a:ext>
-            </a:extLst>
-          </p:cNvPr>
-          <p:cNvCxnSpPr>
-            <a:stCxn id="17" idx="3"/>
-            <a:endCxn id="19" idx="1"/>
-          </p:cNvCxnSpPr>
-          <p:nvPr/>
-        </p:nvCxnSpPr>
-        <p:spPr>
-          <a:xfrm flipV="1">
-            <a:off x="4523184" y="4060045"/>
-            <a:ext cx="298305" cy="4763"/>
-          </a:xfrm>
-          <a:prstGeom prst="straightConnector1">
-            <a:avLst/>
-          </a:prstGeom>
-          <a:ln>
-            <a:tailEnd type="triangle"/>
-          </a:ln>
-        </p:spPr>
-        <p:style>
-          <a:lnRef idx="1">
-            <a:schemeClr val="accent1"/>
-          </a:lnRef>
-          <a:fillRef idx="0">
-            <a:schemeClr val="accent1"/>
-          </a:fillRef>
-          <a:effectRef idx="0">
-            <a:schemeClr val="accent1"/>
-          </a:effectRef>
-          <a:fontRef idx="minor">
-            <a:schemeClr val="tx1"/>
-          </a:fontRef>
-        </p:style>
-      </p:cxnSp>
-      <p:cxnSp>
-        <p:nvCxnSpPr>
-          <p:cNvPr id="32" name="Straight Arrow Connector 31">
-            <a:extLst>
-              <a:ext uri="{FF2B5EF4-FFF2-40B4-BE49-F238E27FC236}">
-                <a16:creationId xmlns:a16="http://schemas.microsoft.com/office/drawing/2014/main" id="{E10AC548-9D2E-A032-4CEB-A1B9229846A0}"/>
-              </a:ext>
-            </a:extLst>
-          </p:cNvPr>
-          <p:cNvCxnSpPr>
-            <a:stCxn id="19" idx="3"/>
-            <a:endCxn id="21" idx="1"/>
-          </p:cNvCxnSpPr>
-          <p:nvPr/>
-        </p:nvCxnSpPr>
-        <p:spPr>
-          <a:xfrm>
-            <a:off x="6888702" y="4060045"/>
-            <a:ext cx="359267" cy="0"/>
-          </a:xfrm>
-          <a:prstGeom prst="straightConnector1">
-            <a:avLst/>
-          </a:prstGeom>
-          <a:ln>
-            <a:tailEnd type="triangle"/>
-          </a:ln>
-        </p:spPr>
-        <p:style>
-          <a:lnRef idx="1">
-            <a:schemeClr val="accent1"/>
-          </a:lnRef>
-          <a:fillRef idx="0">
-            <a:schemeClr val="accent1"/>
-          </a:fillRef>
-          <a:effectRef idx="0">
-            <a:schemeClr val="accent1"/>
-          </a:effectRef>
-          <a:fontRef idx="minor">
-            <a:schemeClr val="tx1"/>
-          </a:fontRef>
-        </p:style>
-      </p:cxnSp>
-      <p:cxnSp>
-        <p:nvCxnSpPr>
-          <p:cNvPr id="34" name="Straight Arrow Connector 33">
-            <a:extLst>
-              <a:ext uri="{FF2B5EF4-FFF2-40B4-BE49-F238E27FC236}">
-                <a16:creationId xmlns:a16="http://schemas.microsoft.com/office/drawing/2014/main" id="{BF56FE3F-0EDA-D3BD-D259-2608934EF696}"/>
-              </a:ext>
-            </a:extLst>
-          </p:cNvPr>
-          <p:cNvCxnSpPr>
-            <a:stCxn id="21" idx="3"/>
-            <a:endCxn id="23" idx="1"/>
-          </p:cNvCxnSpPr>
-          <p:nvPr/>
-        </p:nvCxnSpPr>
-        <p:spPr>
-          <a:xfrm flipV="1">
-            <a:off x="9296130" y="4045756"/>
-            <a:ext cx="420847" cy="14289"/>
-          </a:xfrm>
-          <a:prstGeom prst="straightConnector1">
-            <a:avLst/>
-          </a:prstGeom>
-          <a:ln>
-            <a:tailEnd type="triangle"/>
-          </a:ln>
-        </p:spPr>
-        <p:style>
-          <a:lnRef idx="1">
-            <a:schemeClr val="accent1"/>
-          </a:lnRef>
-          <a:fillRef idx="0">
-            <a:schemeClr val="accent1"/>
-          </a:fillRef>
-          <a:effectRef idx="0">
-            <a:schemeClr val="accent1"/>
-          </a:effectRef>
-          <a:fontRef idx="minor">
-            <a:schemeClr val="tx1"/>
-          </a:fontRef>
-        </p:style>
-      </p:cxnSp>
-      <p:sp>
-        <p:nvSpPr>
-          <p:cNvPr id="35" name="TextBox 34">
-            <a:extLst>
-              <a:ext uri="{FF2B5EF4-FFF2-40B4-BE49-F238E27FC236}">
-                <a16:creationId xmlns:a16="http://schemas.microsoft.com/office/drawing/2014/main" id="{E01031D3-A6A7-A62B-BAA3-47D4B842E1B4}"/>
-              </a:ext>
-            </a:extLst>
-          </p:cNvPr>
-          <p:cNvSpPr txBox="1"/>
-          <p:nvPr/>
-        </p:nvSpPr>
-        <p:spPr>
-          <a:xfrm>
-            <a:off x="718020" y="3391151"/>
-            <a:ext cx="881844" cy="369332"/>
-          </a:xfrm>
-          <a:prstGeom prst="rect">
-            <a:avLst/>
-          </a:prstGeom>
-          <a:noFill/>
-        </p:spPr>
-        <p:txBody>
-          <a:bodyPr wrap="none" rtlCol="0">
-            <a:spAutoFit/>
-          </a:bodyPr>
-          <a:lstStyle/>
-          <a:p>
-            <a:r>
-              <a:rPr lang="en-US" dirty="0"/>
-              <a:t>Batch 1</a:t>
-            </a:r>
-          </a:p>
-        </p:txBody>
-      </p:sp>
-      <p:sp>
-        <p:nvSpPr>
-          <p:cNvPr id="36" name="TextBox 35">
-            <a:extLst>
-              <a:ext uri="{FF2B5EF4-FFF2-40B4-BE49-F238E27FC236}">
-                <a16:creationId xmlns:a16="http://schemas.microsoft.com/office/drawing/2014/main" id="{FCF9763F-BF68-DB13-1CEE-9D62A91AC1B2}"/>
-              </a:ext>
-            </a:extLst>
-          </p:cNvPr>
-          <p:cNvSpPr txBox="1"/>
-          <p:nvPr/>
-        </p:nvSpPr>
-        <p:spPr>
-          <a:xfrm>
-            <a:off x="3098188" y="3391151"/>
-            <a:ext cx="881844" cy="369332"/>
-          </a:xfrm>
-          <a:prstGeom prst="rect">
-            <a:avLst/>
-          </a:prstGeom>
-          <a:noFill/>
-        </p:spPr>
-        <p:txBody>
-          <a:bodyPr wrap="none" rtlCol="0">
-            <a:spAutoFit/>
-          </a:bodyPr>
-          <a:lstStyle/>
-          <a:p>
-            <a:r>
-              <a:rPr lang="en-US" dirty="0"/>
-              <a:t>Batch 2</a:t>
-            </a:r>
-          </a:p>
-        </p:txBody>
-      </p:sp>
-      <p:sp>
-        <p:nvSpPr>
-          <p:cNvPr id="37" name="TextBox 36">
-            <a:extLst>
-              <a:ext uri="{FF2B5EF4-FFF2-40B4-BE49-F238E27FC236}">
-                <a16:creationId xmlns:a16="http://schemas.microsoft.com/office/drawing/2014/main" id="{AEF6A4D9-3101-67AD-3530-9D07206305C5}"/>
-              </a:ext>
-            </a:extLst>
-          </p:cNvPr>
-          <p:cNvSpPr txBox="1"/>
-          <p:nvPr/>
-        </p:nvSpPr>
-        <p:spPr>
-          <a:xfrm>
-            <a:off x="5478356" y="3351875"/>
-            <a:ext cx="881844" cy="369332"/>
-          </a:xfrm>
-          <a:prstGeom prst="rect">
-            <a:avLst/>
-          </a:prstGeom>
-          <a:noFill/>
-        </p:spPr>
-        <p:txBody>
-          <a:bodyPr wrap="none" rtlCol="0">
-            <a:spAutoFit/>
-          </a:bodyPr>
-          <a:lstStyle/>
-          <a:p>
-            <a:r>
-              <a:rPr lang="en-US" dirty="0"/>
-              <a:t>Batch 3</a:t>
-            </a:r>
-          </a:p>
-        </p:txBody>
-      </p:sp>
-      <p:sp>
-        <p:nvSpPr>
-          <p:cNvPr id="38" name="TextBox 37">
-            <a:extLst>
-              <a:ext uri="{FF2B5EF4-FFF2-40B4-BE49-F238E27FC236}">
-                <a16:creationId xmlns:a16="http://schemas.microsoft.com/office/drawing/2014/main" id="{4EE8FA4C-CD9E-0452-3765-E82802B84778}"/>
-              </a:ext>
-            </a:extLst>
-          </p:cNvPr>
-          <p:cNvSpPr txBox="1"/>
-          <p:nvPr/>
-        </p:nvSpPr>
-        <p:spPr>
-          <a:xfrm>
-            <a:off x="7912277" y="3351875"/>
-            <a:ext cx="881844" cy="369332"/>
-          </a:xfrm>
-          <a:prstGeom prst="rect">
-            <a:avLst/>
-          </a:prstGeom>
-          <a:noFill/>
-        </p:spPr>
-        <p:txBody>
-          <a:bodyPr wrap="none" rtlCol="0">
-            <a:spAutoFit/>
-          </a:bodyPr>
-          <a:lstStyle/>
-          <a:p>
-            <a:r>
-              <a:rPr lang="en-US" dirty="0"/>
-              <a:t>Batch 4</a:t>
-            </a:r>
-          </a:p>
-        </p:txBody>
-      </p:sp>
-      <p:sp>
-        <p:nvSpPr>
-          <p:cNvPr id="39" name="TextBox 38">
-            <a:extLst>
-              <a:ext uri="{FF2B5EF4-FFF2-40B4-BE49-F238E27FC236}">
-                <a16:creationId xmlns:a16="http://schemas.microsoft.com/office/drawing/2014/main" id="{FA6ABDFD-8FB1-C14F-706A-53E3C6481937}"/>
-              </a:ext>
-            </a:extLst>
-          </p:cNvPr>
-          <p:cNvSpPr txBox="1"/>
-          <p:nvPr/>
-        </p:nvSpPr>
-        <p:spPr>
-          <a:xfrm>
-            <a:off x="10358074" y="3342460"/>
-            <a:ext cx="881844" cy="369332"/>
-          </a:xfrm>
-          <a:prstGeom prst="rect">
-            <a:avLst/>
-          </a:prstGeom>
-          <a:noFill/>
-        </p:spPr>
-        <p:txBody>
-          <a:bodyPr wrap="none" rtlCol="0">
-            <a:spAutoFit/>
-          </a:bodyPr>
-          <a:lstStyle/>
-          <a:p>
-            <a:r>
-              <a:rPr lang="en-US" dirty="0"/>
-              <a:t>Batch 5</a:t>
-            </a:r>
-          </a:p>
-        </p:txBody>
-      </p:sp>
-      <p:sp>
-        <p:nvSpPr>
-          <p:cNvPr id="42" name="TextBox 41">
-            <a:extLst>
-              <a:ext uri="{FF2B5EF4-FFF2-40B4-BE49-F238E27FC236}">
-                <a16:creationId xmlns:a16="http://schemas.microsoft.com/office/drawing/2014/main" id="{E0B36B63-349D-CDE4-7E6E-14237B403D6B}"/>
-              </a:ext>
-            </a:extLst>
-          </p:cNvPr>
-          <p:cNvSpPr txBox="1"/>
-          <p:nvPr/>
-        </p:nvSpPr>
-        <p:spPr>
-          <a:xfrm>
-            <a:off x="348635" y="4417282"/>
-            <a:ext cx="1608004" cy="461665"/>
-          </a:xfrm>
-          <a:prstGeom prst="rect">
-            <a:avLst/>
-          </a:prstGeom>
-          <a:noFill/>
-        </p:spPr>
-        <p:txBody>
-          <a:bodyPr wrap="none" rtlCol="0">
-            <a:spAutoFit/>
-          </a:bodyPr>
-          <a:lstStyle/>
-          <a:p>
-            <a:r>
-              <a:rPr lang="en-US" sz="1200" dirty="0"/>
-              <a:t>Prediction: Not a Scam</a:t>
-            </a:r>
-          </a:p>
-          <a:p>
-            <a:r>
-              <a:rPr lang="en-US" sz="1200" dirty="0"/>
-              <a:t>Probability: 83%</a:t>
-            </a:r>
-          </a:p>
-        </p:txBody>
-      </p:sp>
-      <p:sp>
-        <p:nvSpPr>
-          <p:cNvPr id="43" name="TextBox 42">
-            <a:extLst>
-              <a:ext uri="{FF2B5EF4-FFF2-40B4-BE49-F238E27FC236}">
-                <a16:creationId xmlns:a16="http://schemas.microsoft.com/office/drawing/2014/main" id="{1309E7C8-129C-721D-36F6-B4DB050BA572}"/>
-              </a:ext>
-            </a:extLst>
-          </p:cNvPr>
-          <p:cNvSpPr txBox="1"/>
-          <p:nvPr/>
-        </p:nvSpPr>
-        <p:spPr>
-          <a:xfrm>
-            <a:off x="2695101" y="4417282"/>
-            <a:ext cx="1608004" cy="461665"/>
-          </a:xfrm>
-          <a:prstGeom prst="rect">
-            <a:avLst/>
-          </a:prstGeom>
-          <a:noFill/>
-        </p:spPr>
-        <p:txBody>
-          <a:bodyPr wrap="none" rtlCol="0">
-            <a:spAutoFit/>
-          </a:bodyPr>
-          <a:lstStyle/>
-          <a:p>
-            <a:r>
-              <a:rPr lang="en-US" sz="1200" dirty="0"/>
-              <a:t>Prediction: Not a Scam</a:t>
-            </a:r>
-          </a:p>
-          <a:p>
-            <a:r>
-              <a:rPr lang="en-US" sz="1200" dirty="0"/>
-              <a:t>Probability: 80%</a:t>
-            </a:r>
-          </a:p>
-        </p:txBody>
-      </p:sp>
-      <p:sp>
-        <p:nvSpPr>
-          <p:cNvPr id="44" name="TextBox 43">
-            <a:extLst>
-              <a:ext uri="{FF2B5EF4-FFF2-40B4-BE49-F238E27FC236}">
-                <a16:creationId xmlns:a16="http://schemas.microsoft.com/office/drawing/2014/main" id="{E8FA399B-E914-3CEE-5459-E96BB6CEF37D}"/>
-              </a:ext>
-            </a:extLst>
-          </p:cNvPr>
-          <p:cNvSpPr txBox="1"/>
-          <p:nvPr/>
-        </p:nvSpPr>
-        <p:spPr>
-          <a:xfrm>
-            <a:off x="5041567" y="4417281"/>
-            <a:ext cx="1608004" cy="461665"/>
-          </a:xfrm>
-          <a:prstGeom prst="rect">
-            <a:avLst/>
-          </a:prstGeom>
-          <a:noFill/>
-        </p:spPr>
-        <p:txBody>
-          <a:bodyPr wrap="none" rtlCol="0">
-            <a:spAutoFit/>
-          </a:bodyPr>
-          <a:lstStyle/>
-          <a:p>
-            <a:r>
-              <a:rPr lang="en-US" sz="1200" dirty="0"/>
-              <a:t>Prediction: Not a Scam</a:t>
-            </a:r>
-          </a:p>
-          <a:p>
-            <a:r>
-              <a:rPr lang="en-US" sz="1200" dirty="0"/>
-              <a:t>Probability: 81%</a:t>
-            </a:r>
-          </a:p>
-        </p:txBody>
-      </p:sp>
-      <p:sp>
-        <p:nvSpPr>
-          <p:cNvPr id="45" name="TextBox 44">
-            <a:extLst>
-              <a:ext uri="{FF2B5EF4-FFF2-40B4-BE49-F238E27FC236}">
-                <a16:creationId xmlns:a16="http://schemas.microsoft.com/office/drawing/2014/main" id="{FA93AD54-9C4B-465F-BF86-F940898C7B66}"/>
-              </a:ext>
-            </a:extLst>
-          </p:cNvPr>
-          <p:cNvSpPr txBox="1"/>
-          <p:nvPr/>
-        </p:nvSpPr>
-        <p:spPr>
-          <a:xfrm>
-            <a:off x="7468047" y="4427603"/>
-            <a:ext cx="1608004" cy="461665"/>
-          </a:xfrm>
-          <a:prstGeom prst="rect">
-            <a:avLst/>
-          </a:prstGeom>
-          <a:noFill/>
-        </p:spPr>
-        <p:txBody>
-          <a:bodyPr wrap="none" rtlCol="0">
-            <a:spAutoFit/>
-          </a:bodyPr>
-          <a:lstStyle/>
-          <a:p>
-            <a:r>
-              <a:rPr lang="en-US" sz="1200" dirty="0"/>
-              <a:t>Prediction: Not a Scam</a:t>
-            </a:r>
-          </a:p>
-          <a:p>
-            <a:r>
-              <a:rPr lang="en-US" sz="1200" dirty="0"/>
-              <a:t>Probability: 82%</a:t>
-            </a:r>
-          </a:p>
-        </p:txBody>
-      </p:sp>
-      <p:sp>
-        <p:nvSpPr>
-          <p:cNvPr id="46" name="TextBox 45">
-            <a:extLst>
-              <a:ext uri="{FF2B5EF4-FFF2-40B4-BE49-F238E27FC236}">
-                <a16:creationId xmlns:a16="http://schemas.microsoft.com/office/drawing/2014/main" id="{9E577945-ABD9-55FC-9AF0-94399DD7AF9C}"/>
-              </a:ext>
-            </a:extLst>
-          </p:cNvPr>
-          <p:cNvSpPr txBox="1"/>
-          <p:nvPr/>
-        </p:nvSpPr>
-        <p:spPr>
-          <a:xfrm>
-            <a:off x="9927529" y="4388704"/>
-            <a:ext cx="1608004" cy="461665"/>
-          </a:xfrm>
-          <a:prstGeom prst="rect">
-            <a:avLst/>
-          </a:prstGeom>
-          <a:noFill/>
-        </p:spPr>
-        <p:txBody>
-          <a:bodyPr wrap="none" rtlCol="0">
-            <a:spAutoFit/>
-          </a:bodyPr>
-          <a:lstStyle/>
-          <a:p>
-            <a:r>
-              <a:rPr lang="en-US" sz="1200" dirty="0"/>
-              <a:t>Prediction: Not a Scam</a:t>
-            </a:r>
-          </a:p>
-          <a:p>
-            <a:r>
-              <a:rPr lang="en-US" sz="1200" dirty="0"/>
-              <a:t>Probability: 80%</a:t>
-            </a:r>
-          </a:p>
-        </p:txBody>
-      </p:sp>
     </p:spTree>
     <p:extLst>
       <p:ext uri="{BB962C8B-B14F-4D97-AF65-F5344CB8AC3E}">

--- a/Testing Results/Vishing_Testing_Results_v2.0.pptx
+++ b/Testing Results/Vishing_Testing_Results_v2.0.pptx
@@ -278,7 +278,7 @@
           <a:p>
             <a:fld id="{F09E5490-7079-428D-BA25-82A7CA4C46C9}" type="datetimeFigureOut">
               <a:rPr lang="en-US" smtClean="0"/>
-              <a:t>1/5/2024</a:t>
+              <a:t>1/6/2024</a:t>
             </a:fld>
             <a:endParaRPr lang="en-US"/>
           </a:p>
@@ -476,7 +476,7 @@
           <a:p>
             <a:fld id="{F09E5490-7079-428D-BA25-82A7CA4C46C9}" type="datetimeFigureOut">
               <a:rPr lang="en-US" smtClean="0"/>
-              <a:t>1/5/2024</a:t>
+              <a:t>1/6/2024</a:t>
             </a:fld>
             <a:endParaRPr lang="en-US"/>
           </a:p>
@@ -684,7 +684,7 @@
           <a:p>
             <a:fld id="{F09E5490-7079-428D-BA25-82A7CA4C46C9}" type="datetimeFigureOut">
               <a:rPr lang="en-US" smtClean="0"/>
-              <a:t>1/5/2024</a:t>
+              <a:t>1/6/2024</a:t>
             </a:fld>
             <a:endParaRPr lang="en-US"/>
           </a:p>
@@ -882,7 +882,7 @@
           <a:p>
             <a:fld id="{F09E5490-7079-428D-BA25-82A7CA4C46C9}" type="datetimeFigureOut">
               <a:rPr lang="en-US" smtClean="0"/>
-              <a:t>1/5/2024</a:t>
+              <a:t>1/6/2024</a:t>
             </a:fld>
             <a:endParaRPr lang="en-US"/>
           </a:p>
@@ -1157,7 +1157,7 @@
           <a:p>
             <a:fld id="{F09E5490-7079-428D-BA25-82A7CA4C46C9}" type="datetimeFigureOut">
               <a:rPr lang="en-US" smtClean="0"/>
-              <a:t>1/5/2024</a:t>
+              <a:t>1/6/2024</a:t>
             </a:fld>
             <a:endParaRPr lang="en-US"/>
           </a:p>
@@ -1422,7 +1422,7 @@
           <a:p>
             <a:fld id="{F09E5490-7079-428D-BA25-82A7CA4C46C9}" type="datetimeFigureOut">
               <a:rPr lang="en-US" smtClean="0"/>
-              <a:t>1/5/2024</a:t>
+              <a:t>1/6/2024</a:t>
             </a:fld>
             <a:endParaRPr lang="en-US"/>
           </a:p>
@@ -1834,7 +1834,7 @@
           <a:p>
             <a:fld id="{F09E5490-7079-428D-BA25-82A7CA4C46C9}" type="datetimeFigureOut">
               <a:rPr lang="en-US" smtClean="0"/>
-              <a:t>1/5/2024</a:t>
+              <a:t>1/6/2024</a:t>
             </a:fld>
             <a:endParaRPr lang="en-US"/>
           </a:p>
@@ -1975,7 +1975,7 @@
           <a:p>
             <a:fld id="{F09E5490-7079-428D-BA25-82A7CA4C46C9}" type="datetimeFigureOut">
               <a:rPr lang="en-US" smtClean="0"/>
-              <a:t>1/5/2024</a:t>
+              <a:t>1/6/2024</a:t>
             </a:fld>
             <a:endParaRPr lang="en-US"/>
           </a:p>
@@ -2088,7 +2088,7 @@
           <a:p>
             <a:fld id="{F09E5490-7079-428D-BA25-82A7CA4C46C9}" type="datetimeFigureOut">
               <a:rPr lang="en-US" smtClean="0"/>
-              <a:t>1/5/2024</a:t>
+              <a:t>1/6/2024</a:t>
             </a:fld>
             <a:endParaRPr lang="en-US"/>
           </a:p>
@@ -2399,7 +2399,7 @@
           <a:p>
             <a:fld id="{F09E5490-7079-428D-BA25-82A7CA4C46C9}" type="datetimeFigureOut">
               <a:rPr lang="en-US" smtClean="0"/>
-              <a:t>1/5/2024</a:t>
+              <a:t>1/6/2024</a:t>
             </a:fld>
             <a:endParaRPr lang="en-US"/>
           </a:p>
@@ -2687,7 +2687,7 @@
           <a:p>
             <a:fld id="{F09E5490-7079-428D-BA25-82A7CA4C46C9}" type="datetimeFigureOut">
               <a:rPr lang="en-US" smtClean="0"/>
-              <a:t>1/5/2024</a:t>
+              <a:t>1/6/2024</a:t>
             </a:fld>
             <a:endParaRPr lang="en-US"/>
           </a:p>
@@ -2928,7 +2928,7 @@
           <a:p>
             <a:fld id="{F09E5490-7079-428D-BA25-82A7CA4C46C9}" type="datetimeFigureOut">
               <a:rPr lang="en-US" smtClean="0"/>
-              <a:t>1/5/2024</a:t>
+              <a:t>1/6/2024</a:t>
             </a:fld>
             <a:endParaRPr lang="en-US"/>
           </a:p>

--- a/Testing Results/Vishing_Testing_Results_v2.0.pptx
+++ b/Testing Results/Vishing_Testing_Results_v2.0.pptx
@@ -25,6 +25,17 @@
     <p:sldId id="261" r:id="rId19"/>
     <p:sldId id="267" r:id="rId20"/>
     <p:sldId id="272" r:id="rId21"/>
+    <p:sldId id="276" r:id="rId22"/>
+    <p:sldId id="277" r:id="rId23"/>
+    <p:sldId id="279" r:id="rId24"/>
+    <p:sldId id="281" r:id="rId25"/>
+    <p:sldId id="284" r:id="rId26"/>
+    <p:sldId id="278" r:id="rId27"/>
+    <p:sldId id="282" r:id="rId28"/>
+    <p:sldId id="285" r:id="rId29"/>
+    <p:sldId id="280" r:id="rId30"/>
+    <p:sldId id="283" r:id="rId31"/>
+    <p:sldId id="286" r:id="rId32"/>
   </p:sldIdLst>
   <p:sldSz cx="12192000" cy="6858000"/>
   <p:notesSz cx="6858000" cy="9144000"/>
@@ -278,7 +289,7 @@
           <a:p>
             <a:fld id="{F09E5490-7079-428D-BA25-82A7CA4C46C9}" type="datetimeFigureOut">
               <a:rPr lang="en-US" smtClean="0"/>
-              <a:t>1/6/2024</a:t>
+              <a:t>1/16/2024</a:t>
             </a:fld>
             <a:endParaRPr lang="en-US"/>
           </a:p>
@@ -476,7 +487,7 @@
           <a:p>
             <a:fld id="{F09E5490-7079-428D-BA25-82A7CA4C46C9}" type="datetimeFigureOut">
               <a:rPr lang="en-US" smtClean="0"/>
-              <a:t>1/6/2024</a:t>
+              <a:t>1/16/2024</a:t>
             </a:fld>
             <a:endParaRPr lang="en-US"/>
           </a:p>
@@ -684,7 +695,7 @@
           <a:p>
             <a:fld id="{F09E5490-7079-428D-BA25-82A7CA4C46C9}" type="datetimeFigureOut">
               <a:rPr lang="en-US" smtClean="0"/>
-              <a:t>1/6/2024</a:t>
+              <a:t>1/16/2024</a:t>
             </a:fld>
             <a:endParaRPr lang="en-US"/>
           </a:p>
@@ -882,7 +893,7 @@
           <a:p>
             <a:fld id="{F09E5490-7079-428D-BA25-82A7CA4C46C9}" type="datetimeFigureOut">
               <a:rPr lang="en-US" smtClean="0"/>
-              <a:t>1/6/2024</a:t>
+              <a:t>1/16/2024</a:t>
             </a:fld>
             <a:endParaRPr lang="en-US"/>
           </a:p>
@@ -1157,7 +1168,7 @@
           <a:p>
             <a:fld id="{F09E5490-7079-428D-BA25-82A7CA4C46C9}" type="datetimeFigureOut">
               <a:rPr lang="en-US" smtClean="0"/>
-              <a:t>1/6/2024</a:t>
+              <a:t>1/16/2024</a:t>
             </a:fld>
             <a:endParaRPr lang="en-US"/>
           </a:p>
@@ -1422,7 +1433,7 @@
           <a:p>
             <a:fld id="{F09E5490-7079-428D-BA25-82A7CA4C46C9}" type="datetimeFigureOut">
               <a:rPr lang="en-US" smtClean="0"/>
-              <a:t>1/6/2024</a:t>
+              <a:t>1/16/2024</a:t>
             </a:fld>
             <a:endParaRPr lang="en-US"/>
           </a:p>
@@ -1834,7 +1845,7 @@
           <a:p>
             <a:fld id="{F09E5490-7079-428D-BA25-82A7CA4C46C9}" type="datetimeFigureOut">
               <a:rPr lang="en-US" smtClean="0"/>
-              <a:t>1/6/2024</a:t>
+              <a:t>1/16/2024</a:t>
             </a:fld>
             <a:endParaRPr lang="en-US"/>
           </a:p>
@@ -1975,7 +1986,7 @@
           <a:p>
             <a:fld id="{F09E5490-7079-428D-BA25-82A7CA4C46C9}" type="datetimeFigureOut">
               <a:rPr lang="en-US" smtClean="0"/>
-              <a:t>1/6/2024</a:t>
+              <a:t>1/16/2024</a:t>
             </a:fld>
             <a:endParaRPr lang="en-US"/>
           </a:p>
@@ -2088,7 +2099,7 @@
           <a:p>
             <a:fld id="{F09E5490-7079-428D-BA25-82A7CA4C46C9}" type="datetimeFigureOut">
               <a:rPr lang="en-US" smtClean="0"/>
-              <a:t>1/6/2024</a:t>
+              <a:t>1/16/2024</a:t>
             </a:fld>
             <a:endParaRPr lang="en-US"/>
           </a:p>
@@ -2399,7 +2410,7 @@
           <a:p>
             <a:fld id="{F09E5490-7079-428D-BA25-82A7CA4C46C9}" type="datetimeFigureOut">
               <a:rPr lang="en-US" smtClean="0"/>
-              <a:t>1/6/2024</a:t>
+              <a:t>1/16/2024</a:t>
             </a:fld>
             <a:endParaRPr lang="en-US"/>
           </a:p>
@@ -2687,7 +2698,7 @@
           <a:p>
             <a:fld id="{F09E5490-7079-428D-BA25-82A7CA4C46C9}" type="datetimeFigureOut">
               <a:rPr lang="en-US" smtClean="0"/>
-              <a:t>1/6/2024</a:t>
+              <a:t>1/16/2024</a:t>
             </a:fld>
             <a:endParaRPr lang="en-US"/>
           </a:p>
@@ -2928,7 +2939,7 @@
           <a:p>
             <a:fld id="{F09E5490-7079-428D-BA25-82A7CA4C46C9}" type="datetimeFigureOut">
               <a:rPr lang="en-US" smtClean="0"/>
-              <a:t>1/6/2024</a:t>
+              <a:t>1/16/2024</a:t>
             </a:fld>
             <a:endParaRPr lang="en-US"/>
           </a:p>
@@ -15266,6 +15277,7843 @@
 </p:sld>
 </file>
 
+<file path=ppt/slides/slide21.xml><?xml version="1.0" encoding="utf-8"?>
+<p:sld xmlns:a="http://schemas.openxmlformats.org/drawingml/2006/main" xmlns:r="http://schemas.openxmlformats.org/officeDocument/2006/relationships" xmlns:p="http://schemas.openxmlformats.org/presentationml/2006/main">
+  <p:cSld>
+    <p:spTree>
+      <p:nvGrpSpPr>
+        <p:cNvPr id="1" name=""/>
+        <p:cNvGrpSpPr/>
+        <p:nvPr/>
+      </p:nvGrpSpPr>
+      <p:grpSpPr>
+        <a:xfrm>
+          <a:off x="0" y="0"/>
+          <a:ext cx="0" cy="0"/>
+          <a:chOff x="0" y="0"/>
+          <a:chExt cx="0" cy="0"/>
+        </a:xfrm>
+      </p:grpSpPr>
+      <p:graphicFrame>
+        <p:nvGraphicFramePr>
+          <p:cNvPr id="4" name="Table 3">
+            <a:extLst>
+              <a:ext uri="{FF2B5EF4-FFF2-40B4-BE49-F238E27FC236}">
+                <a16:creationId xmlns:a16="http://schemas.microsoft.com/office/drawing/2014/main" id="{C1AB21A9-124E-DFDF-2348-A37DEBCB3B1F}"/>
+              </a:ext>
+            </a:extLst>
+          </p:cNvPr>
+          <p:cNvGraphicFramePr>
+            <a:graphicFrameLocks noGrp="1"/>
+          </p:cNvGraphicFramePr>
+          <p:nvPr>
+            <p:extLst>
+              <p:ext uri="{D42A27DB-BD31-4B8C-83A1-F6EECF244321}">
+                <p14:modId xmlns:p14="http://schemas.microsoft.com/office/powerpoint/2010/main" val="2027777328"/>
+              </p:ext>
+            </p:extLst>
+          </p:nvPr>
+        </p:nvGraphicFramePr>
+        <p:xfrm>
+          <a:off x="267208" y="1268306"/>
+          <a:ext cx="10871250" cy="1529758"/>
+        </p:xfrm>
+        <a:graphic>
+          <a:graphicData uri="http://schemas.openxmlformats.org/drawingml/2006/table">
+            <a:tbl>
+              <a:tblPr firstRow="1" bandRow="1">
+                <a:tableStyleId>{5C22544A-7EE6-4342-B048-85BDC9FD1C3A}</a:tableStyleId>
+              </a:tblPr>
+              <a:tblGrid>
+                <a:gridCol w="1003302">
+                  <a:extLst>
+                    <a:ext uri="{9D8B030D-6E8A-4147-A177-3AD203B41FA5}">
+                      <a16:colId xmlns:a16="http://schemas.microsoft.com/office/drawing/2014/main" val="431744162"/>
+                    </a:ext>
+                  </a:extLst>
+                </a:gridCol>
+                <a:gridCol w="1578293">
+                  <a:extLst>
+                    <a:ext uri="{9D8B030D-6E8A-4147-A177-3AD203B41FA5}">
+                      <a16:colId xmlns:a16="http://schemas.microsoft.com/office/drawing/2014/main" val="878933249"/>
+                    </a:ext>
+                  </a:extLst>
+                </a:gridCol>
+                <a:gridCol w="1578293">
+                  <a:extLst>
+                    <a:ext uri="{9D8B030D-6E8A-4147-A177-3AD203B41FA5}">
+                      <a16:colId xmlns:a16="http://schemas.microsoft.com/office/drawing/2014/main" val="2698198240"/>
+                    </a:ext>
+                  </a:extLst>
+                </a:gridCol>
+                <a:gridCol w="1816672">
+                  <a:extLst>
+                    <a:ext uri="{9D8B030D-6E8A-4147-A177-3AD203B41FA5}">
+                      <a16:colId xmlns:a16="http://schemas.microsoft.com/office/drawing/2014/main" val="1996170185"/>
+                    </a:ext>
+                  </a:extLst>
+                </a:gridCol>
+                <a:gridCol w="1692212">
+                  <a:extLst>
+                    <a:ext uri="{9D8B030D-6E8A-4147-A177-3AD203B41FA5}">
+                      <a16:colId xmlns:a16="http://schemas.microsoft.com/office/drawing/2014/main" val="837598265"/>
+                    </a:ext>
+                  </a:extLst>
+                </a:gridCol>
+                <a:gridCol w="1578293">
+                  <a:extLst>
+                    <a:ext uri="{9D8B030D-6E8A-4147-A177-3AD203B41FA5}">
+                      <a16:colId xmlns:a16="http://schemas.microsoft.com/office/drawing/2014/main" val="2254016677"/>
+                    </a:ext>
+                  </a:extLst>
+                </a:gridCol>
+                <a:gridCol w="1624185">
+                  <a:extLst>
+                    <a:ext uri="{9D8B030D-6E8A-4147-A177-3AD203B41FA5}">
+                      <a16:colId xmlns:a16="http://schemas.microsoft.com/office/drawing/2014/main" val="853260286"/>
+                    </a:ext>
+                  </a:extLst>
+                </a:gridCol>
+              </a:tblGrid>
+              <a:tr h="360414">
+                <a:tc>
+                  <a:txBody>
+                    <a:bodyPr/>
+                    <a:lstStyle/>
+                    <a:p>
+                      <a:endParaRPr lang="en-US" sz="1200" dirty="0"/>
+                    </a:p>
+                  </a:txBody>
+                  <a:tcPr/>
+                </a:tc>
+                <a:tc>
+                  <a:txBody>
+                    <a:bodyPr/>
+                    <a:lstStyle/>
+                    <a:p>
+                      <a:r>
+                        <a:rPr lang="en-US" sz="1200" dirty="0"/>
+                        <a:t>Logistic Regression</a:t>
+                      </a:r>
+                    </a:p>
+                  </a:txBody>
+                  <a:tcPr/>
+                </a:tc>
+                <a:tc>
+                  <a:txBody>
+                    <a:bodyPr/>
+                    <a:lstStyle/>
+                    <a:p>
+                      <a:r>
+                        <a:rPr lang="en-US" sz="1200" dirty="0"/>
+                        <a:t>Random Forest</a:t>
+                      </a:r>
+                    </a:p>
+                  </a:txBody>
+                  <a:tcPr/>
+                </a:tc>
+                <a:tc>
+                  <a:txBody>
+                    <a:bodyPr/>
+                    <a:lstStyle/>
+                    <a:p>
+                      <a:r>
+                        <a:rPr lang="en-US" sz="1200" dirty="0"/>
+                        <a:t>Support Vector Machines</a:t>
+                      </a:r>
+                    </a:p>
+                  </a:txBody>
+                  <a:tcPr/>
+                </a:tc>
+                <a:tc>
+                  <a:txBody>
+                    <a:bodyPr/>
+                    <a:lstStyle/>
+                    <a:p>
+                      <a:r>
+                        <a:rPr lang="en-US" sz="1200" dirty="0"/>
+                        <a:t>Gradient Boosted Trees</a:t>
+                      </a:r>
+                    </a:p>
+                  </a:txBody>
+                  <a:tcPr/>
+                </a:tc>
+                <a:tc>
+                  <a:txBody>
+                    <a:bodyPr/>
+                    <a:lstStyle/>
+                    <a:p>
+                      <a:r>
+                        <a:rPr lang="en-US" sz="1200" dirty="0"/>
+                        <a:t>Neural Network </a:t>
+                      </a:r>
+                    </a:p>
+                  </a:txBody>
+                  <a:tcPr/>
+                </a:tc>
+                <a:tc>
+                  <a:txBody>
+                    <a:bodyPr/>
+                    <a:lstStyle/>
+                    <a:p>
+                      <a:r>
+                        <a:rPr lang="en-US" sz="1200" dirty="0"/>
+                        <a:t>LSTM Neural Network</a:t>
+                      </a:r>
+                    </a:p>
+                  </a:txBody>
+                  <a:tcPr/>
+                </a:tc>
+                <a:extLst>
+                  <a:ext uri="{0D108BD9-81ED-4DB2-BD59-A6C34878D82A}">
+                    <a16:rowId xmlns:a16="http://schemas.microsoft.com/office/drawing/2014/main" val="2308413330"/>
+                  </a:ext>
+                </a:extLst>
+              </a:tr>
+              <a:tr h="292336">
+                <a:tc>
+                  <a:txBody>
+                    <a:bodyPr/>
+                    <a:lstStyle/>
+                    <a:p>
+                      <a:r>
+                        <a:rPr lang="en-US" sz="1200" dirty="0"/>
+                        <a:t>Accuracy</a:t>
+                      </a:r>
+                    </a:p>
+                  </a:txBody>
+                  <a:tcPr/>
+                </a:tc>
+                <a:tc>
+                  <a:txBody>
+                    <a:bodyPr/>
+                    <a:lstStyle/>
+                    <a:p>
+                      <a:r>
+                        <a:rPr lang="en-US" sz="1200" b="0" i="0" kern="1200" dirty="0">
+                          <a:solidFill>
+                            <a:schemeClr val="dk1"/>
+                          </a:solidFill>
+                          <a:effectLst/>
+                          <a:latin typeface="+mn-lt"/>
+                          <a:ea typeface="+mn-ea"/>
+                          <a:cs typeface="+mn-cs"/>
+                        </a:rPr>
+                        <a:t>0.9456521739130435</a:t>
+                      </a:r>
+                      <a:endParaRPr lang="en-US" sz="1200" dirty="0"/>
+                    </a:p>
+                  </a:txBody>
+                  <a:tcPr/>
+                </a:tc>
+                <a:tc>
+                  <a:txBody>
+                    <a:bodyPr/>
+                    <a:lstStyle/>
+                    <a:p>
+                      <a:r>
+                        <a:rPr lang="en-US" sz="1200" b="0" i="0" kern="1200" dirty="0">
+                          <a:solidFill>
+                            <a:schemeClr val="dk1"/>
+                          </a:solidFill>
+                          <a:effectLst/>
+                          <a:latin typeface="+mn-lt"/>
+                          <a:ea typeface="+mn-ea"/>
+                          <a:cs typeface="+mn-cs"/>
+                        </a:rPr>
+                        <a:t>0.9456521739130435</a:t>
+                      </a:r>
+                      <a:endParaRPr lang="en-US" sz="1200" dirty="0"/>
+                    </a:p>
+                  </a:txBody>
+                  <a:tcPr/>
+                </a:tc>
+                <a:tc>
+                  <a:txBody>
+                    <a:bodyPr/>
+                    <a:lstStyle/>
+                    <a:p>
+                      <a:r>
+                        <a:rPr lang="en-US" sz="1200" b="0" i="0" kern="1200" dirty="0">
+                          <a:solidFill>
+                            <a:schemeClr val="dk1"/>
+                          </a:solidFill>
+                          <a:effectLst/>
+                          <a:latin typeface="+mn-lt"/>
+                          <a:ea typeface="+mn-ea"/>
+                          <a:cs typeface="+mn-cs"/>
+                        </a:rPr>
+                        <a:t>0.9347826086956522</a:t>
+                      </a:r>
+                      <a:endParaRPr lang="en-US" sz="1200" dirty="0"/>
+                    </a:p>
+                  </a:txBody>
+                  <a:tcPr/>
+                </a:tc>
+                <a:tc>
+                  <a:txBody>
+                    <a:bodyPr/>
+                    <a:lstStyle/>
+                    <a:p>
+                      <a:r>
+                        <a:rPr lang="en-US" sz="1200" b="0" i="0" kern="1200" dirty="0">
+                          <a:solidFill>
+                            <a:schemeClr val="dk1"/>
+                          </a:solidFill>
+                          <a:effectLst/>
+                          <a:latin typeface="+mn-lt"/>
+                          <a:ea typeface="+mn-ea"/>
+                          <a:cs typeface="+mn-cs"/>
+                        </a:rPr>
+                        <a:t>0.8586956521739131</a:t>
+                      </a:r>
+                      <a:endParaRPr lang="en-US" sz="1200" dirty="0"/>
+                    </a:p>
+                  </a:txBody>
+                  <a:tcPr/>
+                </a:tc>
+                <a:tc>
+                  <a:txBody>
+                    <a:bodyPr/>
+                    <a:lstStyle/>
+                    <a:p>
+                      <a:r>
+                        <a:rPr lang="en-US" sz="1200" b="0" i="0" kern="1200" dirty="0">
+                          <a:solidFill>
+                            <a:schemeClr val="dk1"/>
+                          </a:solidFill>
+                          <a:effectLst/>
+                          <a:latin typeface="+mn-lt"/>
+                          <a:ea typeface="+mn-ea"/>
+                          <a:cs typeface="+mn-cs"/>
+                        </a:rPr>
+                        <a:t>0.95652174949646</a:t>
+                      </a:r>
+                      <a:endParaRPr lang="en-US" sz="1200" dirty="0"/>
+                    </a:p>
+                  </a:txBody>
+                  <a:tcPr/>
+                </a:tc>
+                <a:tc>
+                  <a:txBody>
+                    <a:bodyPr/>
+                    <a:lstStyle/>
+                    <a:p>
+                      <a:r>
+                        <a:rPr lang="en-US" sz="1200" b="0" i="0" kern="1200" dirty="0">
+                          <a:solidFill>
+                            <a:schemeClr val="dk1"/>
+                          </a:solidFill>
+                          <a:effectLst/>
+                          <a:latin typeface="+mn-lt"/>
+                          <a:ea typeface="+mn-ea"/>
+                          <a:cs typeface="+mn-cs"/>
+                        </a:rPr>
+                        <a:t>0.945652186870575</a:t>
+                      </a:r>
+                      <a:endParaRPr lang="en-US" sz="1200" dirty="0"/>
+                    </a:p>
+                  </a:txBody>
+                  <a:tcPr/>
+                </a:tc>
+                <a:extLst>
+                  <a:ext uri="{0D108BD9-81ED-4DB2-BD59-A6C34878D82A}">
+                    <a16:rowId xmlns:a16="http://schemas.microsoft.com/office/drawing/2014/main" val="2567982587"/>
+                  </a:ext>
+                </a:extLst>
+              </a:tr>
+              <a:tr h="292336">
+                <a:tc>
+                  <a:txBody>
+                    <a:bodyPr/>
+                    <a:lstStyle/>
+                    <a:p>
+                      <a:r>
+                        <a:rPr lang="en-US" sz="1200" dirty="0"/>
+                        <a:t>Recall </a:t>
+                      </a:r>
+                    </a:p>
+                  </a:txBody>
+                  <a:tcPr/>
+                </a:tc>
+                <a:tc>
+                  <a:txBody>
+                    <a:bodyPr/>
+                    <a:lstStyle/>
+                    <a:p>
+                      <a:r>
+                        <a:rPr lang="en-US" sz="1200" b="0" i="0" kern="1200" dirty="0">
+                          <a:solidFill>
+                            <a:schemeClr val="dk1"/>
+                          </a:solidFill>
+                          <a:effectLst/>
+                          <a:latin typeface="+mn-lt"/>
+                          <a:ea typeface="+mn-ea"/>
+                          <a:cs typeface="+mn-cs"/>
+                        </a:rPr>
+                        <a:t>0.9456521739130435</a:t>
+                      </a:r>
+                      <a:endParaRPr lang="en-US" sz="1200" dirty="0"/>
+                    </a:p>
+                  </a:txBody>
+                  <a:tcPr/>
+                </a:tc>
+                <a:tc>
+                  <a:txBody>
+                    <a:bodyPr/>
+                    <a:lstStyle/>
+                    <a:p>
+                      <a:r>
+                        <a:rPr lang="en-US" sz="1200" b="0" i="0" kern="1200" dirty="0">
+                          <a:solidFill>
+                            <a:schemeClr val="dk1"/>
+                          </a:solidFill>
+                          <a:effectLst/>
+                          <a:latin typeface="+mn-lt"/>
+                          <a:ea typeface="+mn-ea"/>
+                          <a:cs typeface="+mn-cs"/>
+                        </a:rPr>
+                        <a:t>0.9456521739130435</a:t>
+                      </a:r>
+                      <a:endParaRPr lang="en-US" sz="1200" dirty="0"/>
+                    </a:p>
+                  </a:txBody>
+                  <a:tcPr/>
+                </a:tc>
+                <a:tc>
+                  <a:txBody>
+                    <a:bodyPr/>
+                    <a:lstStyle/>
+                    <a:p>
+                      <a:r>
+                        <a:rPr lang="en-US" sz="1200" b="0" i="0" kern="1200" dirty="0">
+                          <a:solidFill>
+                            <a:schemeClr val="dk1"/>
+                          </a:solidFill>
+                          <a:effectLst/>
+                          <a:latin typeface="+mn-lt"/>
+                          <a:ea typeface="+mn-ea"/>
+                          <a:cs typeface="+mn-cs"/>
+                        </a:rPr>
+                        <a:t>0.9347826086956522</a:t>
+                      </a:r>
+                      <a:endParaRPr lang="en-US" sz="1200" dirty="0"/>
+                    </a:p>
+                  </a:txBody>
+                  <a:tcPr/>
+                </a:tc>
+                <a:tc>
+                  <a:txBody>
+                    <a:bodyPr/>
+                    <a:lstStyle/>
+                    <a:p>
+                      <a:r>
+                        <a:rPr lang="en-US" sz="1200" b="0" i="0" kern="1200" dirty="0">
+                          <a:solidFill>
+                            <a:schemeClr val="dk1"/>
+                          </a:solidFill>
+                          <a:effectLst/>
+                          <a:latin typeface="+mn-lt"/>
+                          <a:ea typeface="+mn-ea"/>
+                          <a:cs typeface="+mn-cs"/>
+                        </a:rPr>
+                        <a:t>0.8586956521739131</a:t>
+                      </a:r>
+                      <a:endParaRPr lang="en-US" sz="1200" dirty="0"/>
+                    </a:p>
+                  </a:txBody>
+                  <a:tcPr/>
+                </a:tc>
+                <a:tc>
+                  <a:txBody>
+                    <a:bodyPr/>
+                    <a:lstStyle/>
+                    <a:p>
+                      <a:r>
+                        <a:rPr lang="en-US" sz="1200" b="0" i="0" kern="1200" dirty="0">
+                          <a:solidFill>
+                            <a:schemeClr val="dk1"/>
+                          </a:solidFill>
+                          <a:effectLst/>
+                          <a:latin typeface="+mn-lt"/>
+                          <a:ea typeface="+mn-ea"/>
+                          <a:cs typeface="+mn-cs"/>
+                        </a:rPr>
+                        <a:t>0.9230769276618958</a:t>
+                      </a:r>
+                      <a:endParaRPr lang="en-US" sz="1200" dirty="0"/>
+                    </a:p>
+                  </a:txBody>
+                  <a:tcPr/>
+                </a:tc>
+                <a:tc>
+                  <a:txBody>
+                    <a:bodyPr/>
+                    <a:lstStyle/>
+                    <a:p>
+                      <a:r>
+                        <a:rPr lang="en-US" sz="1200" b="0" i="0" kern="1200" dirty="0">
+                          <a:solidFill>
+                            <a:schemeClr val="dk1"/>
+                          </a:solidFill>
+                          <a:effectLst/>
+                          <a:latin typeface="+mn-lt"/>
+                          <a:ea typeface="+mn-ea"/>
+                          <a:cs typeface="+mn-cs"/>
+                        </a:rPr>
+                        <a:t>0.9230769276618958</a:t>
+                      </a:r>
+                      <a:endParaRPr lang="en-US" sz="1200" dirty="0"/>
+                    </a:p>
+                  </a:txBody>
+                  <a:tcPr/>
+                </a:tc>
+                <a:extLst>
+                  <a:ext uri="{0D108BD9-81ED-4DB2-BD59-A6C34878D82A}">
+                    <a16:rowId xmlns:a16="http://schemas.microsoft.com/office/drawing/2014/main" val="1823178824"/>
+                  </a:ext>
+                </a:extLst>
+              </a:tr>
+              <a:tr h="292336">
+                <a:tc>
+                  <a:txBody>
+                    <a:bodyPr/>
+                    <a:lstStyle/>
+                    <a:p>
+                      <a:r>
+                        <a:rPr lang="en-US" sz="1200" dirty="0"/>
+                        <a:t>Precision</a:t>
+                      </a:r>
+                    </a:p>
+                  </a:txBody>
+                  <a:tcPr/>
+                </a:tc>
+                <a:tc>
+                  <a:txBody>
+                    <a:bodyPr/>
+                    <a:lstStyle/>
+                    <a:p>
+                      <a:r>
+                        <a:rPr lang="en-US" sz="1200" b="0" i="0" kern="1200" dirty="0">
+                          <a:solidFill>
+                            <a:schemeClr val="dk1"/>
+                          </a:solidFill>
+                          <a:effectLst/>
+                          <a:latin typeface="+mn-lt"/>
+                          <a:ea typeface="+mn-ea"/>
+                          <a:cs typeface="+mn-cs"/>
+                        </a:rPr>
+                        <a:t>0.9460212504938349</a:t>
+                      </a:r>
+                      <a:endParaRPr lang="en-US" sz="1200" dirty="0"/>
+                    </a:p>
+                  </a:txBody>
+                  <a:tcPr/>
+                </a:tc>
+                <a:tc>
+                  <a:txBody>
+                    <a:bodyPr/>
+                    <a:lstStyle/>
+                    <a:p>
+                      <a:r>
+                        <a:rPr lang="en-US" sz="1200" b="0" i="0" kern="1200" dirty="0">
+                          <a:solidFill>
+                            <a:schemeClr val="dk1"/>
+                          </a:solidFill>
+                          <a:effectLst/>
+                          <a:latin typeface="+mn-lt"/>
+                          <a:ea typeface="+mn-ea"/>
+                          <a:cs typeface="+mn-cs"/>
+                        </a:rPr>
+                        <a:t>0.9480200573657167</a:t>
+                      </a:r>
+                      <a:endParaRPr lang="en-US" sz="1200" dirty="0"/>
+                    </a:p>
+                  </a:txBody>
+                  <a:tcPr/>
+                </a:tc>
+                <a:tc>
+                  <a:txBody>
+                    <a:bodyPr/>
+                    <a:lstStyle/>
+                    <a:p>
+                      <a:r>
+                        <a:rPr lang="en-US" sz="1200" b="0" i="0" kern="1200" dirty="0">
+                          <a:solidFill>
+                            <a:schemeClr val="dk1"/>
+                          </a:solidFill>
+                          <a:effectLst/>
+                          <a:latin typeface="+mn-lt"/>
+                          <a:ea typeface="+mn-ea"/>
+                          <a:cs typeface="+mn-cs"/>
+                        </a:rPr>
+                        <a:t>0.9388175230566534</a:t>
+                      </a:r>
+                      <a:endParaRPr lang="en-US" sz="1200" dirty="0"/>
+                    </a:p>
+                  </a:txBody>
+                  <a:tcPr/>
+                </a:tc>
+                <a:tc>
+                  <a:txBody>
+                    <a:bodyPr/>
+                    <a:lstStyle/>
+                    <a:p>
+                      <a:r>
+                        <a:rPr lang="en-US" sz="1200" b="0" i="0" kern="1200" dirty="0">
+                          <a:solidFill>
+                            <a:schemeClr val="dk1"/>
+                          </a:solidFill>
+                          <a:effectLst/>
+                          <a:latin typeface="+mn-lt"/>
+                          <a:ea typeface="+mn-ea"/>
+                          <a:cs typeface="+mn-cs"/>
+                        </a:rPr>
+                        <a:t>0.8614349683250448</a:t>
+                      </a:r>
+                      <a:endParaRPr lang="en-US" sz="1200" dirty="0"/>
+                    </a:p>
+                  </a:txBody>
+                  <a:tcPr/>
+                </a:tc>
+                <a:tc>
+                  <a:txBody>
+                    <a:bodyPr/>
+                    <a:lstStyle/>
+                    <a:p>
+                      <a:r>
+                        <a:rPr lang="en-US" sz="1200" b="0" i="0" kern="1200" dirty="0">
+                          <a:solidFill>
+                            <a:schemeClr val="dk1"/>
+                          </a:solidFill>
+                          <a:effectLst/>
+                          <a:latin typeface="+mn-lt"/>
+                          <a:ea typeface="+mn-ea"/>
+                          <a:cs typeface="+mn-cs"/>
+                        </a:rPr>
+                        <a:t>1.0</a:t>
+                      </a:r>
+                      <a:endParaRPr lang="en-US" sz="1200" dirty="0"/>
+                    </a:p>
+                  </a:txBody>
+                  <a:tcPr/>
+                </a:tc>
+                <a:tc>
+                  <a:txBody>
+                    <a:bodyPr/>
+                    <a:lstStyle/>
+                    <a:p>
+                      <a:r>
+                        <a:rPr lang="en-US" sz="1200" b="0" i="0" kern="1200" dirty="0">
+                          <a:solidFill>
+                            <a:schemeClr val="dk1"/>
+                          </a:solidFill>
+                          <a:effectLst/>
+                          <a:latin typeface="+mn-lt"/>
+                          <a:ea typeface="+mn-ea"/>
+                          <a:cs typeface="+mn-cs"/>
+                        </a:rPr>
+                        <a:t>0.9795918464660645</a:t>
+                      </a:r>
+                      <a:endParaRPr lang="en-US" sz="1200" dirty="0"/>
+                    </a:p>
+                  </a:txBody>
+                  <a:tcPr/>
+                </a:tc>
+                <a:extLst>
+                  <a:ext uri="{0D108BD9-81ED-4DB2-BD59-A6C34878D82A}">
+                    <a16:rowId xmlns:a16="http://schemas.microsoft.com/office/drawing/2014/main" val="1966867558"/>
+                  </a:ext>
+                </a:extLst>
+              </a:tr>
+              <a:tr h="292336">
+                <a:tc>
+                  <a:txBody>
+                    <a:bodyPr/>
+                    <a:lstStyle/>
+                    <a:p>
+                      <a:r>
+                        <a:rPr lang="en-US" sz="1200" dirty="0"/>
+                        <a:t>F1score</a:t>
+                      </a:r>
+                    </a:p>
+                  </a:txBody>
+                  <a:tcPr/>
+                </a:tc>
+                <a:tc>
+                  <a:txBody>
+                    <a:bodyPr/>
+                    <a:lstStyle/>
+                    <a:p>
+                      <a:r>
+                        <a:rPr lang="en-US" sz="1200" b="0" i="0" kern="1200" dirty="0">
+                          <a:solidFill>
+                            <a:schemeClr val="dk1"/>
+                          </a:solidFill>
+                          <a:effectLst/>
+                          <a:latin typeface="+mn-lt"/>
+                          <a:ea typeface="+mn-ea"/>
+                          <a:cs typeface="+mn-cs"/>
+                        </a:rPr>
+                        <a:t>0.9457238299225073</a:t>
+                      </a:r>
+                      <a:endParaRPr lang="en-US" sz="1200" dirty="0"/>
+                    </a:p>
+                  </a:txBody>
+                  <a:tcPr/>
+                </a:tc>
+                <a:tc>
+                  <a:txBody>
+                    <a:bodyPr/>
+                    <a:lstStyle/>
+                    <a:p>
+                      <a:r>
+                        <a:rPr lang="en-US" sz="1200" b="0" i="0" kern="1200" dirty="0">
+                          <a:solidFill>
+                            <a:schemeClr val="dk1"/>
+                          </a:solidFill>
+                          <a:effectLst/>
+                          <a:latin typeface="+mn-lt"/>
+                          <a:ea typeface="+mn-ea"/>
+                          <a:cs typeface="+mn-cs"/>
+                        </a:rPr>
+                        <a:t>0.9458272176091366</a:t>
+                      </a:r>
+                      <a:endParaRPr lang="en-US" sz="1200" dirty="0"/>
+                    </a:p>
+                  </a:txBody>
+                  <a:tcPr/>
+                </a:tc>
+                <a:tc>
+                  <a:txBody>
+                    <a:bodyPr/>
+                    <a:lstStyle/>
+                    <a:p>
+                      <a:r>
+                        <a:rPr lang="en-US" sz="1200" b="0" i="0" kern="1200" dirty="0">
+                          <a:solidFill>
+                            <a:schemeClr val="dk1"/>
+                          </a:solidFill>
+                          <a:effectLst/>
+                          <a:latin typeface="+mn-lt"/>
+                          <a:ea typeface="+mn-ea"/>
+                          <a:cs typeface="+mn-cs"/>
+                        </a:rPr>
+                        <a:t>0.935031055900621</a:t>
+                      </a:r>
+                      <a:endParaRPr lang="en-US" sz="1200" dirty="0"/>
+                    </a:p>
+                  </a:txBody>
+                  <a:tcPr/>
+                </a:tc>
+                <a:tc>
+                  <a:txBody>
+                    <a:bodyPr/>
+                    <a:lstStyle/>
+                    <a:p>
+                      <a:r>
+                        <a:rPr lang="en-US" sz="1200" b="0" i="0" kern="1200" dirty="0">
+                          <a:solidFill>
+                            <a:schemeClr val="dk1"/>
+                          </a:solidFill>
+                          <a:effectLst/>
+                          <a:latin typeface="+mn-lt"/>
+                          <a:ea typeface="+mn-ea"/>
+                          <a:cs typeface="+mn-cs"/>
+                        </a:rPr>
+                        <a:t>0.8591507657837549</a:t>
+                      </a:r>
+                      <a:endParaRPr lang="en-US" sz="1200" dirty="0"/>
+                    </a:p>
+                  </a:txBody>
+                  <a:tcPr/>
+                </a:tc>
+                <a:tc>
+                  <a:txBody>
+                    <a:bodyPr/>
+                    <a:lstStyle/>
+                    <a:p>
+                      <a:r>
+                        <a:rPr lang="en-US" sz="1200" b="0" i="0" kern="1200" dirty="0">
+                          <a:solidFill>
+                            <a:schemeClr val="dk1"/>
+                          </a:solidFill>
+                          <a:effectLst/>
+                          <a:latin typeface="+mn-lt"/>
+                          <a:ea typeface="+mn-ea"/>
+                          <a:cs typeface="+mn-cs"/>
+                        </a:rPr>
+                        <a:t>0.9599999785423279</a:t>
+                      </a:r>
+                      <a:endParaRPr lang="en-US" sz="1200" dirty="0"/>
+                    </a:p>
+                  </a:txBody>
+                  <a:tcPr/>
+                </a:tc>
+                <a:tc>
+                  <a:txBody>
+                    <a:bodyPr/>
+                    <a:lstStyle/>
+                    <a:p>
+                      <a:r>
+                        <a:rPr lang="en-US" sz="1200" b="0" i="0" kern="1200" dirty="0">
+                          <a:solidFill>
+                            <a:schemeClr val="dk1"/>
+                          </a:solidFill>
+                          <a:effectLst/>
+                          <a:latin typeface="+mn-lt"/>
+                          <a:ea typeface="+mn-ea"/>
+                          <a:cs typeface="+mn-cs"/>
+                        </a:rPr>
+                        <a:t>0.9504950642585754</a:t>
+                      </a:r>
+                      <a:endParaRPr lang="en-US" sz="1200" dirty="0"/>
+                    </a:p>
+                  </a:txBody>
+                  <a:tcPr/>
+                </a:tc>
+                <a:extLst>
+                  <a:ext uri="{0D108BD9-81ED-4DB2-BD59-A6C34878D82A}">
+                    <a16:rowId xmlns:a16="http://schemas.microsoft.com/office/drawing/2014/main" val="840306176"/>
+                  </a:ext>
+                </a:extLst>
+              </a:tr>
+            </a:tbl>
+          </a:graphicData>
+        </a:graphic>
+      </p:graphicFrame>
+      <p:sp>
+        <p:nvSpPr>
+          <p:cNvPr id="2" name="TextBox 1">
+            <a:extLst>
+              <a:ext uri="{FF2B5EF4-FFF2-40B4-BE49-F238E27FC236}">
+                <a16:creationId xmlns:a16="http://schemas.microsoft.com/office/drawing/2014/main" id="{0EF5B4DF-F31F-297F-2DB0-5DC0359CB5E0}"/>
+              </a:ext>
+            </a:extLst>
+          </p:cNvPr>
+          <p:cNvSpPr txBox="1"/>
+          <p:nvPr/>
+        </p:nvSpPr>
+        <p:spPr>
+          <a:xfrm>
+            <a:off x="0" y="0"/>
+            <a:ext cx="12192000" cy="523220"/>
+          </a:xfrm>
+          <a:prstGeom prst="rect">
+            <a:avLst/>
+          </a:prstGeom>
+          <a:noFill/>
+        </p:spPr>
+        <p:txBody>
+          <a:bodyPr wrap="square" rtlCol="0">
+            <a:spAutoFit/>
+          </a:bodyPr>
+          <a:lstStyle/>
+          <a:p>
+            <a:r>
+              <a:rPr lang="en-US" sz="2800" dirty="0"/>
+              <a:t>TRAINING METRICS FOR ALL MODELS</a:t>
+            </a:r>
+          </a:p>
+        </p:txBody>
+      </p:sp>
+    </p:spTree>
+    <p:extLst>
+      <p:ext uri="{BB962C8B-B14F-4D97-AF65-F5344CB8AC3E}">
+        <p14:creationId xmlns:p14="http://schemas.microsoft.com/office/powerpoint/2010/main" val="2087357518"/>
+      </p:ext>
+    </p:extLst>
+  </p:cSld>
+  <p:clrMapOvr>
+    <a:masterClrMapping/>
+  </p:clrMapOvr>
+</p:sld>
+</file>
+
+<file path=ppt/slides/slide22.xml><?xml version="1.0" encoding="utf-8"?>
+<p:sld xmlns:a="http://schemas.openxmlformats.org/drawingml/2006/main" xmlns:r="http://schemas.openxmlformats.org/officeDocument/2006/relationships" xmlns:p="http://schemas.openxmlformats.org/presentationml/2006/main">
+  <p:cSld>
+    <p:spTree>
+      <p:nvGrpSpPr>
+        <p:cNvPr id="1" name=""/>
+        <p:cNvGrpSpPr/>
+        <p:nvPr/>
+      </p:nvGrpSpPr>
+      <p:grpSpPr>
+        <a:xfrm>
+          <a:off x="0" y="0"/>
+          <a:ext cx="0" cy="0"/>
+          <a:chOff x="0" y="0"/>
+          <a:chExt cx="0" cy="0"/>
+        </a:xfrm>
+      </p:grpSpPr>
+      <p:sp>
+        <p:nvSpPr>
+          <p:cNvPr id="4" name="TextBox 3">
+            <a:extLst>
+              <a:ext uri="{FF2B5EF4-FFF2-40B4-BE49-F238E27FC236}">
+                <a16:creationId xmlns:a16="http://schemas.microsoft.com/office/drawing/2014/main" id="{3089A3DA-E19F-CAF2-675A-FA81E3327809}"/>
+              </a:ext>
+            </a:extLst>
+          </p:cNvPr>
+          <p:cNvSpPr txBox="1"/>
+          <p:nvPr/>
+        </p:nvSpPr>
+        <p:spPr>
+          <a:xfrm>
+            <a:off x="4558880" y="2660904"/>
+            <a:ext cx="3074240" cy="1107996"/>
+          </a:xfrm>
+          <a:prstGeom prst="rect">
+            <a:avLst/>
+          </a:prstGeom>
+          <a:noFill/>
+        </p:spPr>
+        <p:txBody>
+          <a:bodyPr wrap="none" rtlCol="0">
+            <a:spAutoFit/>
+          </a:bodyPr>
+          <a:lstStyle/>
+          <a:p>
+            <a:r>
+              <a:rPr lang="en-US" sz="6600" dirty="0"/>
+              <a:t>RESULTS</a:t>
+            </a:r>
+          </a:p>
+        </p:txBody>
+      </p:sp>
+    </p:spTree>
+    <p:extLst>
+      <p:ext uri="{BB962C8B-B14F-4D97-AF65-F5344CB8AC3E}">
+        <p14:creationId xmlns:p14="http://schemas.microsoft.com/office/powerpoint/2010/main" val="2197876667"/>
+      </p:ext>
+    </p:extLst>
+  </p:cSld>
+  <p:clrMapOvr>
+    <a:masterClrMapping/>
+  </p:clrMapOvr>
+</p:sld>
+</file>
+
+<file path=ppt/slides/slide23.xml><?xml version="1.0" encoding="utf-8"?>
+<p:sld xmlns:a="http://schemas.openxmlformats.org/drawingml/2006/main" xmlns:r="http://schemas.openxmlformats.org/officeDocument/2006/relationships" xmlns:p="http://schemas.openxmlformats.org/presentationml/2006/main">
+  <p:cSld>
+    <p:spTree>
+      <p:nvGrpSpPr>
+        <p:cNvPr id="1" name=""/>
+        <p:cNvGrpSpPr/>
+        <p:nvPr/>
+      </p:nvGrpSpPr>
+      <p:grpSpPr>
+        <a:xfrm>
+          <a:off x="0" y="0"/>
+          <a:ext cx="0" cy="0"/>
+          <a:chOff x="0" y="0"/>
+          <a:chExt cx="0" cy="0"/>
+        </a:xfrm>
+      </p:grpSpPr>
+      <p:graphicFrame>
+        <p:nvGraphicFramePr>
+          <p:cNvPr id="4" name="Table 3">
+            <a:extLst>
+              <a:ext uri="{FF2B5EF4-FFF2-40B4-BE49-F238E27FC236}">
+                <a16:creationId xmlns:a16="http://schemas.microsoft.com/office/drawing/2014/main" id="{58E122E0-C7BB-D0F3-72C4-3876E43EDC9D}"/>
+              </a:ext>
+            </a:extLst>
+          </p:cNvPr>
+          <p:cNvGraphicFramePr>
+            <a:graphicFrameLocks noGrp="1"/>
+          </p:cNvGraphicFramePr>
+          <p:nvPr>
+            <p:extLst>
+              <p:ext uri="{D42A27DB-BD31-4B8C-83A1-F6EECF244321}">
+                <p14:modId xmlns:p14="http://schemas.microsoft.com/office/powerpoint/2010/main" val="684780253"/>
+              </p:ext>
+            </p:extLst>
+          </p:nvPr>
+        </p:nvGraphicFramePr>
+        <p:xfrm>
+          <a:off x="149539" y="4081909"/>
+          <a:ext cx="4114062" cy="2133600"/>
+        </p:xfrm>
+        <a:graphic>
+          <a:graphicData uri="http://schemas.openxmlformats.org/drawingml/2006/table">
+            <a:tbl>
+              <a:tblPr firstRow="1" bandRow="1">
+                <a:tableStyleId>{5C22544A-7EE6-4342-B048-85BDC9FD1C3A}</a:tableStyleId>
+              </a:tblPr>
+              <a:tblGrid>
+                <a:gridCol w="1282192">
+                  <a:extLst>
+                    <a:ext uri="{9D8B030D-6E8A-4147-A177-3AD203B41FA5}">
+                      <a16:colId xmlns:a16="http://schemas.microsoft.com/office/drawing/2014/main" val="3892237616"/>
+                    </a:ext>
+                  </a:extLst>
+                </a:gridCol>
+                <a:gridCol w="959294">
+                  <a:extLst>
+                    <a:ext uri="{9D8B030D-6E8A-4147-A177-3AD203B41FA5}">
+                      <a16:colId xmlns:a16="http://schemas.microsoft.com/office/drawing/2014/main" val="2100386984"/>
+                    </a:ext>
+                  </a:extLst>
+                </a:gridCol>
+                <a:gridCol w="1872576">
+                  <a:extLst>
+                    <a:ext uri="{9D8B030D-6E8A-4147-A177-3AD203B41FA5}">
+                      <a16:colId xmlns:a16="http://schemas.microsoft.com/office/drawing/2014/main" val="2471708999"/>
+                    </a:ext>
+                  </a:extLst>
+                </a:gridCol>
+              </a:tblGrid>
+              <a:tr h="225288">
+                <a:tc>
+                  <a:txBody>
+                    <a:bodyPr/>
+                    <a:lstStyle/>
+                    <a:p>
+                      <a:r>
+                        <a:rPr lang="en-US" sz="1400" dirty="0"/>
+                        <a:t>Batch Number</a:t>
+                      </a:r>
+                    </a:p>
+                  </a:txBody>
+                  <a:tcPr/>
+                </a:tc>
+                <a:tc>
+                  <a:txBody>
+                    <a:bodyPr/>
+                    <a:lstStyle/>
+                    <a:p>
+                      <a:r>
+                        <a:rPr lang="en-US" sz="1400" dirty="0"/>
+                        <a:t>Result</a:t>
+                      </a:r>
+                    </a:p>
+                  </a:txBody>
+                  <a:tcPr/>
+                </a:tc>
+                <a:tc>
+                  <a:txBody>
+                    <a:bodyPr/>
+                    <a:lstStyle/>
+                    <a:p>
+                      <a:r>
+                        <a:rPr lang="en-US" sz="1400" dirty="0"/>
+                        <a:t>Probability</a:t>
+                      </a:r>
+                    </a:p>
+                  </a:txBody>
+                  <a:tcPr/>
+                </a:tc>
+                <a:extLst>
+                  <a:ext uri="{0D108BD9-81ED-4DB2-BD59-A6C34878D82A}">
+                    <a16:rowId xmlns:a16="http://schemas.microsoft.com/office/drawing/2014/main" val="3049934132"/>
+                  </a:ext>
+                </a:extLst>
+              </a:tr>
+              <a:tr h="225288">
+                <a:tc>
+                  <a:txBody>
+                    <a:bodyPr/>
+                    <a:lstStyle/>
+                    <a:p>
+                      <a:pPr algn="ctr"/>
+                      <a:r>
+                        <a:rPr lang="en-US" sz="1400" dirty="0"/>
+                        <a:t>1</a:t>
+                      </a:r>
+                    </a:p>
+                  </a:txBody>
+                  <a:tcPr/>
+                </a:tc>
+                <a:tc>
+                  <a:txBody>
+                    <a:bodyPr/>
+                    <a:lstStyle/>
+                    <a:p>
+                      <a:pPr algn="ctr"/>
+                      <a:r>
+                        <a:rPr lang="en-US" sz="1400" dirty="0"/>
+                        <a:t>Non-Scam</a:t>
+                      </a:r>
+                    </a:p>
+                  </a:txBody>
+                  <a:tcPr/>
+                </a:tc>
+                <a:tc>
+                  <a:txBody>
+                    <a:bodyPr/>
+                    <a:lstStyle/>
+                    <a:p>
+                      <a:pPr algn="ctr"/>
+                      <a:r>
+                        <a:rPr lang="en-US" sz="1400" dirty="0"/>
+                        <a:t>91%</a:t>
+                      </a:r>
+                    </a:p>
+                  </a:txBody>
+                  <a:tcPr/>
+                </a:tc>
+                <a:extLst>
+                  <a:ext uri="{0D108BD9-81ED-4DB2-BD59-A6C34878D82A}">
+                    <a16:rowId xmlns:a16="http://schemas.microsoft.com/office/drawing/2014/main" val="1512097725"/>
+                  </a:ext>
+                </a:extLst>
+              </a:tr>
+              <a:tr h="225288">
+                <a:tc>
+                  <a:txBody>
+                    <a:bodyPr/>
+                    <a:lstStyle/>
+                    <a:p>
+                      <a:pPr algn="ctr"/>
+                      <a:r>
+                        <a:rPr lang="en-US" sz="1400" dirty="0"/>
+                        <a:t>2</a:t>
+                      </a:r>
+                    </a:p>
+                  </a:txBody>
+                  <a:tcPr/>
+                </a:tc>
+                <a:tc>
+                  <a:txBody>
+                    <a:bodyPr/>
+                    <a:lstStyle/>
+                    <a:p>
+                      <a:pPr marL="0" marR="0" lvl="0" indent="0" algn="ctr" defTabSz="914400" rtl="0" eaLnBrk="1" fontAlgn="auto" latinLnBrk="0" hangingPunct="1">
+                        <a:lnSpc>
+                          <a:spcPct val="100000"/>
+                        </a:lnSpc>
+                        <a:spcBef>
+                          <a:spcPts val="0"/>
+                        </a:spcBef>
+                        <a:spcAft>
+                          <a:spcPts val="0"/>
+                        </a:spcAft>
+                        <a:buClrTx/>
+                        <a:buSzTx/>
+                        <a:buFontTx/>
+                        <a:buNone/>
+                        <a:tabLst/>
+                        <a:defRPr/>
+                      </a:pPr>
+                      <a:r>
+                        <a:rPr lang="en-US" sz="1400" dirty="0"/>
+                        <a:t>Non-Scam</a:t>
+                      </a:r>
+                    </a:p>
+                  </a:txBody>
+                  <a:tcPr/>
+                </a:tc>
+                <a:tc>
+                  <a:txBody>
+                    <a:bodyPr/>
+                    <a:lstStyle/>
+                    <a:p>
+                      <a:pPr algn="ctr"/>
+                      <a:r>
+                        <a:rPr lang="en-US" sz="1400" dirty="0"/>
+                        <a:t>89%</a:t>
+                      </a:r>
+                    </a:p>
+                  </a:txBody>
+                  <a:tcPr/>
+                </a:tc>
+                <a:extLst>
+                  <a:ext uri="{0D108BD9-81ED-4DB2-BD59-A6C34878D82A}">
+                    <a16:rowId xmlns:a16="http://schemas.microsoft.com/office/drawing/2014/main" val="3429545967"/>
+                  </a:ext>
+                </a:extLst>
+              </a:tr>
+              <a:tr h="225288">
+                <a:tc>
+                  <a:txBody>
+                    <a:bodyPr/>
+                    <a:lstStyle/>
+                    <a:p>
+                      <a:pPr algn="ctr"/>
+                      <a:r>
+                        <a:rPr lang="en-US" sz="1400" dirty="0"/>
+                        <a:t>3</a:t>
+                      </a:r>
+                    </a:p>
+                  </a:txBody>
+                  <a:tcPr/>
+                </a:tc>
+                <a:tc>
+                  <a:txBody>
+                    <a:bodyPr/>
+                    <a:lstStyle/>
+                    <a:p>
+                      <a:pPr marL="0" marR="0" lvl="0" indent="0" algn="ctr" defTabSz="914400" rtl="0" eaLnBrk="1" fontAlgn="auto" latinLnBrk="0" hangingPunct="1">
+                        <a:lnSpc>
+                          <a:spcPct val="100000"/>
+                        </a:lnSpc>
+                        <a:spcBef>
+                          <a:spcPts val="0"/>
+                        </a:spcBef>
+                        <a:spcAft>
+                          <a:spcPts val="0"/>
+                        </a:spcAft>
+                        <a:buClrTx/>
+                        <a:buSzTx/>
+                        <a:buFontTx/>
+                        <a:buNone/>
+                        <a:tabLst/>
+                        <a:defRPr/>
+                      </a:pPr>
+                      <a:r>
+                        <a:rPr lang="en-US" sz="1400" dirty="0"/>
+                        <a:t>Non-Scam</a:t>
+                      </a:r>
+                    </a:p>
+                  </a:txBody>
+                  <a:tcPr/>
+                </a:tc>
+                <a:tc>
+                  <a:txBody>
+                    <a:bodyPr/>
+                    <a:lstStyle/>
+                    <a:p>
+                      <a:pPr algn="ctr"/>
+                      <a:r>
+                        <a:rPr lang="en-US" sz="1400" dirty="0"/>
+                        <a:t>69%</a:t>
+                      </a:r>
+                    </a:p>
+                  </a:txBody>
+                  <a:tcPr/>
+                </a:tc>
+                <a:extLst>
+                  <a:ext uri="{0D108BD9-81ED-4DB2-BD59-A6C34878D82A}">
+                    <a16:rowId xmlns:a16="http://schemas.microsoft.com/office/drawing/2014/main" val="1624593536"/>
+                  </a:ext>
+                </a:extLst>
+              </a:tr>
+              <a:tr h="225288">
+                <a:tc>
+                  <a:txBody>
+                    <a:bodyPr/>
+                    <a:lstStyle/>
+                    <a:p>
+                      <a:pPr algn="ctr"/>
+                      <a:r>
+                        <a:rPr lang="en-US" sz="1400" dirty="0"/>
+                        <a:t>4</a:t>
+                      </a:r>
+                    </a:p>
+                  </a:txBody>
+                  <a:tcPr/>
+                </a:tc>
+                <a:tc>
+                  <a:txBody>
+                    <a:bodyPr/>
+                    <a:lstStyle/>
+                    <a:p>
+                      <a:pPr algn="ctr"/>
+                      <a:r>
+                        <a:rPr lang="en-US" sz="1400" dirty="0"/>
+                        <a:t>Scam</a:t>
+                      </a:r>
+                    </a:p>
+                  </a:txBody>
+                  <a:tcPr/>
+                </a:tc>
+                <a:tc>
+                  <a:txBody>
+                    <a:bodyPr/>
+                    <a:lstStyle/>
+                    <a:p>
+                      <a:pPr algn="ctr"/>
+                      <a:r>
+                        <a:rPr lang="en-US" sz="1400" dirty="0"/>
+                        <a:t>50%</a:t>
+                      </a:r>
+                    </a:p>
+                  </a:txBody>
+                  <a:tcPr/>
+                </a:tc>
+                <a:extLst>
+                  <a:ext uri="{0D108BD9-81ED-4DB2-BD59-A6C34878D82A}">
+                    <a16:rowId xmlns:a16="http://schemas.microsoft.com/office/drawing/2014/main" val="3011693667"/>
+                  </a:ext>
+                </a:extLst>
+              </a:tr>
+              <a:tr h="225288">
+                <a:tc>
+                  <a:txBody>
+                    <a:bodyPr/>
+                    <a:lstStyle/>
+                    <a:p>
+                      <a:pPr algn="ctr"/>
+                      <a:r>
+                        <a:rPr lang="en-US" sz="1400" dirty="0"/>
+                        <a:t>5</a:t>
+                      </a:r>
+                    </a:p>
+                  </a:txBody>
+                  <a:tcPr/>
+                </a:tc>
+                <a:tc>
+                  <a:txBody>
+                    <a:bodyPr/>
+                    <a:lstStyle/>
+                    <a:p>
+                      <a:pPr algn="ctr"/>
+                      <a:r>
+                        <a:rPr lang="en-US" sz="1400" dirty="0"/>
+                        <a:t>Scam</a:t>
+                      </a:r>
+                    </a:p>
+                  </a:txBody>
+                  <a:tcPr/>
+                </a:tc>
+                <a:tc>
+                  <a:txBody>
+                    <a:bodyPr/>
+                    <a:lstStyle/>
+                    <a:p>
+                      <a:pPr algn="ctr"/>
+                      <a:r>
+                        <a:rPr lang="en-US" sz="1400" dirty="0"/>
+                        <a:t>84%</a:t>
+                      </a:r>
+                    </a:p>
+                  </a:txBody>
+                  <a:tcPr/>
+                </a:tc>
+                <a:extLst>
+                  <a:ext uri="{0D108BD9-81ED-4DB2-BD59-A6C34878D82A}">
+                    <a16:rowId xmlns:a16="http://schemas.microsoft.com/office/drawing/2014/main" val="365522491"/>
+                  </a:ext>
+                </a:extLst>
+              </a:tr>
+              <a:tr h="225288">
+                <a:tc>
+                  <a:txBody>
+                    <a:bodyPr/>
+                    <a:lstStyle/>
+                    <a:p>
+                      <a:pPr algn="ctr"/>
+                      <a:r>
+                        <a:rPr lang="en-US" sz="1400" dirty="0"/>
+                        <a:t>6</a:t>
+                      </a:r>
+                    </a:p>
+                  </a:txBody>
+                  <a:tcPr/>
+                </a:tc>
+                <a:tc>
+                  <a:txBody>
+                    <a:bodyPr/>
+                    <a:lstStyle/>
+                    <a:p>
+                      <a:pPr algn="ctr"/>
+                      <a:r>
+                        <a:rPr lang="en-US" sz="1400" dirty="0"/>
+                        <a:t>Scam</a:t>
+                      </a:r>
+                    </a:p>
+                  </a:txBody>
+                  <a:tcPr/>
+                </a:tc>
+                <a:tc>
+                  <a:txBody>
+                    <a:bodyPr/>
+                    <a:lstStyle/>
+                    <a:p>
+                      <a:pPr algn="ctr"/>
+                      <a:r>
+                        <a:rPr lang="en-US" sz="1400" dirty="0"/>
+                        <a:t>80%</a:t>
+                      </a:r>
+                    </a:p>
+                  </a:txBody>
+                  <a:tcPr/>
+                </a:tc>
+                <a:extLst>
+                  <a:ext uri="{0D108BD9-81ED-4DB2-BD59-A6C34878D82A}">
+                    <a16:rowId xmlns:a16="http://schemas.microsoft.com/office/drawing/2014/main" val="2411939542"/>
+                  </a:ext>
+                </a:extLst>
+              </a:tr>
+            </a:tbl>
+          </a:graphicData>
+        </a:graphic>
+      </p:graphicFrame>
+      <p:sp>
+        <p:nvSpPr>
+          <p:cNvPr id="8" name="TextBox 7">
+            <a:extLst>
+              <a:ext uri="{FF2B5EF4-FFF2-40B4-BE49-F238E27FC236}">
+                <a16:creationId xmlns:a16="http://schemas.microsoft.com/office/drawing/2014/main" id="{E04A00D3-4D24-119B-2B9B-02EAA31DD3E1}"/>
+              </a:ext>
+            </a:extLst>
+          </p:cNvPr>
+          <p:cNvSpPr txBox="1"/>
+          <p:nvPr/>
+        </p:nvSpPr>
+        <p:spPr>
+          <a:xfrm>
+            <a:off x="0" y="0"/>
+            <a:ext cx="12192000" cy="523220"/>
+          </a:xfrm>
+          <a:prstGeom prst="rect">
+            <a:avLst/>
+          </a:prstGeom>
+          <a:noFill/>
+        </p:spPr>
+        <p:txBody>
+          <a:bodyPr wrap="square" rtlCol="0">
+            <a:spAutoFit/>
+          </a:bodyPr>
+          <a:lstStyle/>
+          <a:p>
+            <a:r>
+              <a:rPr lang="en-US" sz="2800" dirty="0"/>
+              <a:t>LOGISTIC REGRESSION – REAL TIME TESTING</a:t>
+            </a:r>
+          </a:p>
+        </p:txBody>
+      </p:sp>
+      <p:graphicFrame>
+        <p:nvGraphicFramePr>
+          <p:cNvPr id="9" name="Table 8">
+            <a:extLst>
+              <a:ext uri="{FF2B5EF4-FFF2-40B4-BE49-F238E27FC236}">
+                <a16:creationId xmlns:a16="http://schemas.microsoft.com/office/drawing/2014/main" id="{E5DBF5DA-67E4-8BAD-B63A-E4CC206F44FE}"/>
+              </a:ext>
+            </a:extLst>
+          </p:cNvPr>
+          <p:cNvGraphicFramePr>
+            <a:graphicFrameLocks noGrp="1"/>
+          </p:cNvGraphicFramePr>
+          <p:nvPr>
+            <p:extLst>
+              <p:ext uri="{D42A27DB-BD31-4B8C-83A1-F6EECF244321}">
+                <p14:modId xmlns:p14="http://schemas.microsoft.com/office/powerpoint/2010/main" val="1157280534"/>
+              </p:ext>
+            </p:extLst>
+          </p:nvPr>
+        </p:nvGraphicFramePr>
+        <p:xfrm>
+          <a:off x="149539" y="786497"/>
+          <a:ext cx="10981899" cy="2926080"/>
+        </p:xfrm>
+        <a:graphic>
+          <a:graphicData uri="http://schemas.openxmlformats.org/drawingml/2006/table">
+            <a:tbl>
+              <a:tblPr firstRow="1" bandRow="1">
+                <a:tableStyleId>{5C22544A-7EE6-4342-B048-85BDC9FD1C3A}</a:tableStyleId>
+              </a:tblPr>
+              <a:tblGrid>
+                <a:gridCol w="1005205">
+                  <a:extLst>
+                    <a:ext uri="{9D8B030D-6E8A-4147-A177-3AD203B41FA5}">
+                      <a16:colId xmlns:a16="http://schemas.microsoft.com/office/drawing/2014/main" val="2268027349"/>
+                    </a:ext>
+                  </a:extLst>
+                </a:gridCol>
+                <a:gridCol w="5411216">
+                  <a:extLst>
+                    <a:ext uri="{9D8B030D-6E8A-4147-A177-3AD203B41FA5}">
+                      <a16:colId xmlns:a16="http://schemas.microsoft.com/office/drawing/2014/main" val="3523283076"/>
+                    </a:ext>
+                  </a:extLst>
+                </a:gridCol>
+                <a:gridCol w="4565478">
+                  <a:extLst>
+                    <a:ext uri="{9D8B030D-6E8A-4147-A177-3AD203B41FA5}">
+                      <a16:colId xmlns:a16="http://schemas.microsoft.com/office/drawing/2014/main" val="1026576332"/>
+                    </a:ext>
+                  </a:extLst>
+                </a:gridCol>
+              </a:tblGrid>
+              <a:tr h="143077">
+                <a:tc>
+                  <a:txBody>
+                    <a:bodyPr/>
+                    <a:lstStyle/>
+                    <a:p>
+                      <a:pPr algn="just"/>
+                      <a:r>
+                        <a:rPr lang="en-US" sz="1000" dirty="0">
+                          <a:solidFill>
+                            <a:schemeClr val="tx1"/>
+                          </a:solidFill>
+                        </a:rPr>
+                        <a:t>Batch Number</a:t>
+                      </a:r>
+                    </a:p>
+                  </a:txBody>
+                  <a:tcPr/>
+                </a:tc>
+                <a:tc>
+                  <a:txBody>
+                    <a:bodyPr/>
+                    <a:lstStyle/>
+                    <a:p>
+                      <a:pPr algn="just"/>
+                      <a:r>
+                        <a:rPr lang="en-US" sz="1000" dirty="0">
+                          <a:solidFill>
+                            <a:schemeClr val="tx1"/>
+                          </a:solidFill>
+                        </a:rPr>
+                        <a:t>Attacker_Helper</a:t>
+                      </a:r>
+                    </a:p>
+                  </a:txBody>
+                  <a:tcPr/>
+                </a:tc>
+                <a:tc>
+                  <a:txBody>
+                    <a:bodyPr/>
+                    <a:lstStyle/>
+                    <a:p>
+                      <a:pPr algn="just"/>
+                      <a:r>
+                        <a:rPr lang="en-US" sz="1000" dirty="0">
+                          <a:solidFill>
+                            <a:schemeClr val="tx1"/>
+                          </a:solidFill>
+                        </a:rPr>
+                        <a:t>Victim</a:t>
+                      </a:r>
+                    </a:p>
+                  </a:txBody>
+                  <a:tcPr/>
+                </a:tc>
+                <a:extLst>
+                  <a:ext uri="{0D108BD9-81ED-4DB2-BD59-A6C34878D82A}">
+                    <a16:rowId xmlns:a16="http://schemas.microsoft.com/office/drawing/2014/main" val="2788586197"/>
+                  </a:ext>
+                </a:extLst>
+              </a:tr>
+              <a:tr h="232501">
+                <a:tc>
+                  <a:txBody>
+                    <a:bodyPr/>
+                    <a:lstStyle/>
+                    <a:p>
+                      <a:pPr algn="ctr"/>
+                      <a:r>
+                        <a:rPr lang="en-US" sz="1000" dirty="0">
+                          <a:solidFill>
+                            <a:schemeClr val="tx1"/>
+                          </a:solidFill>
+                        </a:rPr>
+                        <a:t>1</a:t>
+                      </a:r>
+                    </a:p>
+                  </a:txBody>
+                  <a:tcPr/>
+                </a:tc>
+                <a:tc>
+                  <a:txBody>
+                    <a:bodyPr/>
+                    <a:lstStyle/>
+                    <a:p>
+                      <a:pPr algn="just"/>
+                      <a:r>
+                        <a:rPr lang="en-US" sz="1000" dirty="0">
+                          <a:solidFill>
+                            <a:schemeClr val="tx1"/>
+                          </a:solidFill>
+                        </a:rPr>
+                        <a:t>Good morning, sir! I'm calling from the hospital regarding your recent visit. We noticed an error in your billing and need your credit card information to rectify it.</a:t>
+                      </a:r>
+                    </a:p>
+                  </a:txBody>
+                  <a:tcPr/>
+                </a:tc>
+                <a:tc>
+                  <a:txBody>
+                    <a:bodyPr/>
+                    <a:lstStyle/>
+                    <a:p>
+                      <a:pPr algn="just"/>
+                      <a:r>
+                        <a:rPr lang="en-US" sz="1000" dirty="0">
+                          <a:solidFill>
+                            <a:schemeClr val="tx1"/>
+                          </a:solidFill>
+                        </a:rPr>
+                        <a:t>Hello, what seems to be the issue, can you provide more details about the error in question?</a:t>
+                      </a:r>
+                    </a:p>
+                  </a:txBody>
+                  <a:tcPr/>
+                </a:tc>
+                <a:extLst>
+                  <a:ext uri="{0D108BD9-81ED-4DB2-BD59-A6C34878D82A}">
+                    <a16:rowId xmlns:a16="http://schemas.microsoft.com/office/drawing/2014/main" val="3871337990"/>
+                  </a:ext>
+                </a:extLst>
+              </a:tr>
+              <a:tr h="232501">
+                <a:tc>
+                  <a:txBody>
+                    <a:bodyPr/>
+                    <a:lstStyle/>
+                    <a:p>
+                      <a:pPr algn="ctr"/>
+                      <a:r>
+                        <a:rPr lang="en-US" sz="1000" dirty="0">
+                          <a:solidFill>
+                            <a:schemeClr val="tx1"/>
+                          </a:solidFill>
+                        </a:rPr>
+                        <a:t>2</a:t>
+                      </a:r>
+                    </a:p>
+                  </a:txBody>
+                  <a:tcPr/>
+                </a:tc>
+                <a:tc>
+                  <a:txBody>
+                    <a:bodyPr/>
+                    <a:lstStyle/>
+                    <a:p>
+                      <a:pPr algn="just"/>
+                      <a:r>
+                        <a:rPr lang="en-US" sz="1000" dirty="0">
+                          <a:solidFill>
+                            <a:schemeClr val="tx1"/>
+                          </a:solidFill>
+                        </a:rPr>
+                        <a:t>Absolutely, sir. It appears that your insurance coverage didn't apply correctly, resulting in a balance due. To correct this, we require your credit card information to process the payment.</a:t>
+                      </a:r>
+                    </a:p>
+                  </a:txBody>
+                  <a:tcPr/>
+                </a:tc>
+                <a:tc>
+                  <a:txBody>
+                    <a:bodyPr/>
+                    <a:lstStyle/>
+                    <a:p>
+                      <a:pPr algn="just"/>
+                      <a:r>
+                        <a:rPr lang="en-US" sz="1000" dirty="0">
+                          <a:solidFill>
+                            <a:schemeClr val="tx1"/>
+                          </a:solidFill>
+                        </a:rPr>
+                        <a:t>That is strange. Can't I just contact my insurance provider directly to sort this out?</a:t>
+                      </a:r>
+                    </a:p>
+                  </a:txBody>
+                  <a:tcPr/>
+                </a:tc>
+                <a:extLst>
+                  <a:ext uri="{0D108BD9-81ED-4DB2-BD59-A6C34878D82A}">
+                    <a16:rowId xmlns:a16="http://schemas.microsoft.com/office/drawing/2014/main" val="22930698"/>
+                  </a:ext>
+                </a:extLst>
+              </a:tr>
+              <a:tr h="232501">
+                <a:tc>
+                  <a:txBody>
+                    <a:bodyPr/>
+                    <a:lstStyle/>
+                    <a:p>
+                      <a:pPr algn="ctr"/>
+                      <a:r>
+                        <a:rPr lang="en-US" sz="1000" dirty="0">
+                          <a:solidFill>
+                            <a:schemeClr val="tx1"/>
+                          </a:solidFill>
+                        </a:rPr>
+                        <a:t>3</a:t>
+                      </a:r>
+                    </a:p>
+                  </a:txBody>
+                  <a:tcPr/>
+                </a:tc>
+                <a:tc>
+                  <a:txBody>
+                    <a:bodyPr/>
+                    <a:lstStyle/>
+                    <a:p>
+                      <a:pPr algn="just"/>
+                      <a:r>
+                        <a:rPr lang="en-US" sz="1000" dirty="0">
+                          <a:solidFill>
+                            <a:schemeClr val="tx1"/>
+                          </a:solidFill>
+                        </a:rPr>
+                        <a:t>Ah, we understand your concern, but this is an urgent matter that requires immediate action. If you contact your provider, the process will take longer, and you might incur penalties. Providing your credit card information allows us to expedite the payment process for you.</a:t>
+                      </a:r>
+                    </a:p>
+                  </a:txBody>
+                  <a:tcPr/>
+                </a:tc>
+                <a:tc>
+                  <a:txBody>
+                    <a:bodyPr/>
+                    <a:lstStyle/>
+                    <a:p>
+                      <a:pPr algn="just"/>
+                      <a:r>
+                        <a:rPr lang="en-US" sz="1000" dirty="0">
+                          <a:solidFill>
+                            <a:schemeClr val="tx1"/>
+                          </a:solidFill>
+                        </a:rPr>
+                        <a:t>I see, but I'm still hesitant to provide my credit card details over the phone. Can I visit the hospital in person to settle the payment?</a:t>
+                      </a:r>
+                    </a:p>
+                    <a:p>
+                      <a:pPr algn="just"/>
+                      <a:endParaRPr lang="en-US" sz="1000" dirty="0">
+                        <a:solidFill>
+                          <a:schemeClr val="tx1"/>
+                        </a:solidFill>
+                      </a:endParaRPr>
+                    </a:p>
+                  </a:txBody>
+                  <a:tcPr/>
+                </a:tc>
+                <a:extLst>
+                  <a:ext uri="{0D108BD9-81ED-4DB2-BD59-A6C34878D82A}">
+                    <a16:rowId xmlns:a16="http://schemas.microsoft.com/office/drawing/2014/main" val="1446474973"/>
+                  </a:ext>
+                </a:extLst>
+              </a:tr>
+              <a:tr h="232501">
+                <a:tc>
+                  <a:txBody>
+                    <a:bodyPr/>
+                    <a:lstStyle/>
+                    <a:p>
+                      <a:pPr algn="ctr"/>
+                      <a:r>
+                        <a:rPr lang="en-US" sz="1000" dirty="0">
+                          <a:solidFill>
+                            <a:schemeClr val="tx1"/>
+                          </a:solidFill>
+                        </a:rPr>
+                        <a:t>4</a:t>
+                      </a:r>
+                    </a:p>
+                  </a:txBody>
+                  <a:tcPr/>
+                </a:tc>
+                <a:tc>
+                  <a:txBody>
+                    <a:bodyPr/>
+                    <a:lstStyle/>
+                    <a:p>
+                      <a:pPr algn="just"/>
+                      <a:r>
+                        <a:rPr lang="en-US" sz="1000" dirty="0">
+                          <a:solidFill>
+                            <a:schemeClr val="tx1"/>
+                          </a:solidFill>
+                        </a:rPr>
+                        <a:t>Unfortunately, due to the current circumstances, we're unable to accommodate in-person visits. Rest assured, sir, our call is encrypted and secure. Your information will be handled with utmost confidentiality.</a:t>
+                      </a:r>
+                    </a:p>
+                  </a:txBody>
+                  <a:tcPr/>
+                </a:tc>
+                <a:tc>
+                  <a:txBody>
+                    <a:bodyPr/>
+                    <a:lstStyle/>
+                    <a:p>
+                      <a:pPr algn="just"/>
+                      <a:r>
+                        <a:rPr lang="en-US" sz="1000" dirty="0">
+                          <a:solidFill>
+                            <a:schemeClr val="tx1"/>
+                          </a:solidFill>
+                        </a:rPr>
+                        <a:t>Alright, I suppose I can give you my credit card information, but I request a confirmation receipt and that you delete the information afterward.</a:t>
+                      </a:r>
+                    </a:p>
+                  </a:txBody>
+                  <a:tcPr/>
+                </a:tc>
+                <a:extLst>
+                  <a:ext uri="{0D108BD9-81ED-4DB2-BD59-A6C34878D82A}">
+                    <a16:rowId xmlns:a16="http://schemas.microsoft.com/office/drawing/2014/main" val="2090242424"/>
+                  </a:ext>
+                </a:extLst>
+              </a:tr>
+              <a:tr h="232501">
+                <a:tc>
+                  <a:txBody>
+                    <a:bodyPr/>
+                    <a:lstStyle/>
+                    <a:p>
+                      <a:pPr algn="ctr"/>
+                      <a:r>
+                        <a:rPr lang="en-US" sz="1000" dirty="0">
+                          <a:solidFill>
+                            <a:schemeClr val="tx1"/>
+                          </a:solidFill>
+                        </a:rPr>
+                        <a:t>5</a:t>
+                      </a:r>
+                    </a:p>
+                  </a:txBody>
+                  <a:tcPr/>
+                </a:tc>
+                <a:tc>
+                  <a:txBody>
+                    <a:bodyPr/>
+                    <a:lstStyle/>
+                    <a:p>
+                      <a:pPr algn="just"/>
+                      <a:r>
+                        <a:rPr lang="en-US" sz="1000" dirty="0">
+                          <a:solidFill>
+                            <a:schemeClr val="tx1"/>
+                          </a:solidFill>
+                        </a:rPr>
+                        <a:t>Of course, sir. We appreciate your cooperation. Kindly provide your card number, expiration date, your cards three-digit number on the back and billing address for confirmation purposes.</a:t>
+                      </a:r>
+                    </a:p>
+                  </a:txBody>
+                  <a:tcPr/>
+                </a:tc>
+                <a:tc>
+                  <a:txBody>
+                    <a:bodyPr/>
+                    <a:lstStyle/>
+                    <a:p>
+                      <a:pPr algn="just"/>
+                      <a:r>
+                        <a:rPr lang="en-US" sz="1000" dirty="0">
+                          <a:solidFill>
+                            <a:schemeClr val="tx1"/>
+                          </a:solidFill>
+                        </a:rPr>
+                        <a:t>Sure, the card number is [redacted], expiration date is [redacted], CVV is [redacted], and the billing address is 123 Main Street.</a:t>
+                      </a:r>
+                    </a:p>
+                  </a:txBody>
+                  <a:tcPr/>
+                </a:tc>
+                <a:extLst>
+                  <a:ext uri="{0D108BD9-81ED-4DB2-BD59-A6C34878D82A}">
+                    <a16:rowId xmlns:a16="http://schemas.microsoft.com/office/drawing/2014/main" val="2062566075"/>
+                  </a:ext>
+                </a:extLst>
+              </a:tr>
+              <a:tr h="232501">
+                <a:tc>
+                  <a:txBody>
+                    <a:bodyPr/>
+                    <a:lstStyle/>
+                    <a:p>
+                      <a:pPr algn="ctr"/>
+                      <a:r>
+                        <a:rPr lang="en-US" sz="1000" dirty="0">
+                          <a:solidFill>
+                            <a:schemeClr val="tx1"/>
+                          </a:solidFill>
+                        </a:rPr>
+                        <a:t>6</a:t>
+                      </a:r>
+                    </a:p>
+                  </a:txBody>
+                  <a:tcPr/>
+                </a:tc>
+                <a:tc>
+                  <a:txBody>
+                    <a:bodyPr/>
+                    <a:lstStyle/>
+                    <a:p>
+                      <a:pPr algn="just"/>
+                      <a:r>
+                        <a:rPr lang="en-US" sz="1000" dirty="0">
+                          <a:solidFill>
+                            <a:schemeClr val="tx1"/>
+                          </a:solidFill>
+                        </a:rPr>
+                        <a:t>Thank you, sir. I've successfully processed the payment. You'll receive a confirmation receipt via email shortly. Is there anything else I can assist you with?</a:t>
+                      </a:r>
+                    </a:p>
+                  </a:txBody>
+                  <a:tcPr/>
+                </a:tc>
+                <a:tc>
+                  <a:txBody>
+                    <a:bodyPr/>
+                    <a:lstStyle/>
+                    <a:p>
+                      <a:pPr algn="just"/>
+                      <a:r>
+                        <a:rPr lang="en-US" sz="1000" dirty="0">
+                          <a:solidFill>
+                            <a:schemeClr val="tx1"/>
+                          </a:solidFill>
+                        </a:rPr>
+                        <a:t>No, that will be all. Thank you for your help.</a:t>
+                      </a:r>
+                    </a:p>
+                  </a:txBody>
+                  <a:tcPr/>
+                </a:tc>
+                <a:extLst>
+                  <a:ext uri="{0D108BD9-81ED-4DB2-BD59-A6C34878D82A}">
+                    <a16:rowId xmlns:a16="http://schemas.microsoft.com/office/drawing/2014/main" val="1818524890"/>
+                  </a:ext>
+                </a:extLst>
+              </a:tr>
+            </a:tbl>
+          </a:graphicData>
+        </a:graphic>
+      </p:graphicFrame>
+      <p:sp>
+        <p:nvSpPr>
+          <p:cNvPr id="3" name="TextBox 2">
+            <a:extLst>
+              <a:ext uri="{FF2B5EF4-FFF2-40B4-BE49-F238E27FC236}">
+                <a16:creationId xmlns:a16="http://schemas.microsoft.com/office/drawing/2014/main" id="{FBCBB29F-468A-86C4-9021-C66251459552}"/>
+              </a:ext>
+            </a:extLst>
+          </p:cNvPr>
+          <p:cNvSpPr txBox="1"/>
+          <p:nvPr/>
+        </p:nvSpPr>
+        <p:spPr>
+          <a:xfrm>
+            <a:off x="40257" y="417165"/>
+            <a:ext cx="744114" cy="369332"/>
+          </a:xfrm>
+          <a:prstGeom prst="rect">
+            <a:avLst/>
+          </a:prstGeom>
+          <a:noFill/>
+        </p:spPr>
+        <p:txBody>
+          <a:bodyPr wrap="none" rtlCol="0">
+            <a:spAutoFit/>
+          </a:bodyPr>
+          <a:lstStyle/>
+          <a:p>
+            <a:r>
+              <a:rPr lang="en-US" dirty="0">
+                <a:solidFill>
+                  <a:srgbClr val="FF0000"/>
+                </a:solidFill>
+                <a:effectLst>
+                  <a:outerShdw blurRad="38100" dist="38100" dir="2700000" algn="tl">
+                    <a:srgbClr val="000000">
+                      <a:alpha val="43137"/>
+                    </a:srgbClr>
+                  </a:outerShdw>
+                </a:effectLst>
+              </a:rPr>
+              <a:t>SCAM</a:t>
+            </a:r>
+          </a:p>
+        </p:txBody>
+      </p:sp>
+      <p:sp>
+        <p:nvSpPr>
+          <p:cNvPr id="5" name="TextBox 4">
+            <a:extLst>
+              <a:ext uri="{FF2B5EF4-FFF2-40B4-BE49-F238E27FC236}">
+                <a16:creationId xmlns:a16="http://schemas.microsoft.com/office/drawing/2014/main" id="{AA6BDBC4-D1AB-4FEE-9F23-6FEDD41954CC}"/>
+              </a:ext>
+            </a:extLst>
+          </p:cNvPr>
+          <p:cNvSpPr txBox="1"/>
+          <p:nvPr/>
+        </p:nvSpPr>
+        <p:spPr>
+          <a:xfrm>
+            <a:off x="66754" y="3712577"/>
+            <a:ext cx="9344289" cy="369332"/>
+          </a:xfrm>
+          <a:prstGeom prst="rect">
+            <a:avLst/>
+          </a:prstGeom>
+          <a:noFill/>
+        </p:spPr>
+        <p:txBody>
+          <a:bodyPr wrap="none" rtlCol="0">
+            <a:spAutoFit/>
+          </a:bodyPr>
+          <a:lstStyle/>
+          <a:p>
+            <a:r>
+              <a:rPr lang="en-US" dirty="0"/>
+              <a:t>The model is familiar with this conversation format, but has not specifically seen this conversation</a:t>
+            </a:r>
+          </a:p>
+        </p:txBody>
+      </p:sp>
+    </p:spTree>
+    <p:extLst>
+      <p:ext uri="{BB962C8B-B14F-4D97-AF65-F5344CB8AC3E}">
+        <p14:creationId xmlns:p14="http://schemas.microsoft.com/office/powerpoint/2010/main" val="575054176"/>
+      </p:ext>
+    </p:extLst>
+  </p:cSld>
+  <p:clrMapOvr>
+    <a:masterClrMapping/>
+  </p:clrMapOvr>
+</p:sld>
+</file>
+
+<file path=ppt/slides/slide24.xml><?xml version="1.0" encoding="utf-8"?>
+<p:sld xmlns:a="http://schemas.openxmlformats.org/drawingml/2006/main" xmlns:r="http://schemas.openxmlformats.org/officeDocument/2006/relationships" xmlns:p="http://schemas.openxmlformats.org/presentationml/2006/main">
+  <p:cSld>
+    <p:spTree>
+      <p:nvGrpSpPr>
+        <p:cNvPr id="1" name=""/>
+        <p:cNvGrpSpPr/>
+        <p:nvPr/>
+      </p:nvGrpSpPr>
+      <p:grpSpPr>
+        <a:xfrm>
+          <a:off x="0" y="0"/>
+          <a:ext cx="0" cy="0"/>
+          <a:chOff x="0" y="0"/>
+          <a:chExt cx="0" cy="0"/>
+        </a:xfrm>
+      </p:grpSpPr>
+      <p:graphicFrame>
+        <p:nvGraphicFramePr>
+          <p:cNvPr id="4" name="Table 3">
+            <a:extLst>
+              <a:ext uri="{FF2B5EF4-FFF2-40B4-BE49-F238E27FC236}">
+                <a16:creationId xmlns:a16="http://schemas.microsoft.com/office/drawing/2014/main" id="{58E122E0-C7BB-D0F3-72C4-3876E43EDC9D}"/>
+              </a:ext>
+            </a:extLst>
+          </p:cNvPr>
+          <p:cNvGraphicFramePr>
+            <a:graphicFrameLocks noGrp="1"/>
+          </p:cNvGraphicFramePr>
+          <p:nvPr>
+            <p:extLst>
+              <p:ext uri="{D42A27DB-BD31-4B8C-83A1-F6EECF244321}">
+                <p14:modId xmlns:p14="http://schemas.microsoft.com/office/powerpoint/2010/main" val="3345088073"/>
+              </p:ext>
+            </p:extLst>
+          </p:nvPr>
+        </p:nvGraphicFramePr>
+        <p:xfrm>
+          <a:off x="224905" y="3759390"/>
+          <a:ext cx="4268729" cy="1828800"/>
+        </p:xfrm>
+        <a:graphic>
+          <a:graphicData uri="http://schemas.openxmlformats.org/drawingml/2006/table">
+            <a:tbl>
+              <a:tblPr firstRow="1" bandRow="1">
+                <a:tableStyleId>{5C22544A-7EE6-4342-B048-85BDC9FD1C3A}</a:tableStyleId>
+              </a:tblPr>
+              <a:tblGrid>
+                <a:gridCol w="1282192">
+                  <a:extLst>
+                    <a:ext uri="{9D8B030D-6E8A-4147-A177-3AD203B41FA5}">
+                      <a16:colId xmlns:a16="http://schemas.microsoft.com/office/drawing/2014/main" val="3892237616"/>
+                    </a:ext>
+                  </a:extLst>
+                </a:gridCol>
+                <a:gridCol w="959294">
+                  <a:extLst>
+                    <a:ext uri="{9D8B030D-6E8A-4147-A177-3AD203B41FA5}">
+                      <a16:colId xmlns:a16="http://schemas.microsoft.com/office/drawing/2014/main" val="2100386984"/>
+                    </a:ext>
+                  </a:extLst>
+                </a:gridCol>
+                <a:gridCol w="2027243">
+                  <a:extLst>
+                    <a:ext uri="{9D8B030D-6E8A-4147-A177-3AD203B41FA5}">
+                      <a16:colId xmlns:a16="http://schemas.microsoft.com/office/drawing/2014/main" val="2471708999"/>
+                    </a:ext>
+                  </a:extLst>
+                </a:gridCol>
+              </a:tblGrid>
+              <a:tr h="147371">
+                <a:tc>
+                  <a:txBody>
+                    <a:bodyPr/>
+                    <a:lstStyle/>
+                    <a:p>
+                      <a:pPr algn="ctr"/>
+                      <a:r>
+                        <a:rPr lang="en-US" sz="1400" dirty="0"/>
+                        <a:t>Batch Number</a:t>
+                      </a:r>
+                    </a:p>
+                  </a:txBody>
+                  <a:tcPr/>
+                </a:tc>
+                <a:tc>
+                  <a:txBody>
+                    <a:bodyPr/>
+                    <a:lstStyle/>
+                    <a:p>
+                      <a:pPr algn="ctr"/>
+                      <a:r>
+                        <a:rPr lang="en-US" sz="1400" dirty="0"/>
+                        <a:t>Result</a:t>
+                      </a:r>
+                    </a:p>
+                  </a:txBody>
+                  <a:tcPr/>
+                </a:tc>
+                <a:tc>
+                  <a:txBody>
+                    <a:bodyPr/>
+                    <a:lstStyle/>
+                    <a:p>
+                      <a:pPr algn="ctr"/>
+                      <a:r>
+                        <a:rPr lang="en-US" sz="1400" dirty="0"/>
+                        <a:t>Probability</a:t>
+                      </a:r>
+                    </a:p>
+                  </a:txBody>
+                  <a:tcPr/>
+                </a:tc>
+                <a:extLst>
+                  <a:ext uri="{0D108BD9-81ED-4DB2-BD59-A6C34878D82A}">
+                    <a16:rowId xmlns:a16="http://schemas.microsoft.com/office/drawing/2014/main" val="3049934132"/>
+                  </a:ext>
+                </a:extLst>
+              </a:tr>
+              <a:tr h="179301">
+                <a:tc>
+                  <a:txBody>
+                    <a:bodyPr/>
+                    <a:lstStyle/>
+                    <a:p>
+                      <a:pPr algn="ctr"/>
+                      <a:r>
+                        <a:rPr lang="en-US" sz="1400" dirty="0"/>
+                        <a:t>1</a:t>
+                      </a:r>
+                    </a:p>
+                  </a:txBody>
+                  <a:tcPr/>
+                </a:tc>
+                <a:tc>
+                  <a:txBody>
+                    <a:bodyPr/>
+                    <a:lstStyle/>
+                    <a:p>
+                      <a:pPr algn="ctr"/>
+                      <a:r>
+                        <a:rPr lang="en-US" sz="1400" dirty="0"/>
+                        <a:t>Non-Scam</a:t>
+                      </a:r>
+                    </a:p>
+                  </a:txBody>
+                  <a:tcPr/>
+                </a:tc>
+                <a:tc>
+                  <a:txBody>
+                    <a:bodyPr/>
+                    <a:lstStyle/>
+                    <a:p>
+                      <a:pPr algn="ctr"/>
+                      <a:r>
+                        <a:rPr lang="en-US" sz="1400" dirty="0"/>
+                        <a:t>98%</a:t>
+                      </a:r>
+                    </a:p>
+                  </a:txBody>
+                  <a:tcPr/>
+                </a:tc>
+                <a:extLst>
+                  <a:ext uri="{0D108BD9-81ED-4DB2-BD59-A6C34878D82A}">
+                    <a16:rowId xmlns:a16="http://schemas.microsoft.com/office/drawing/2014/main" val="1512097725"/>
+                  </a:ext>
+                </a:extLst>
+              </a:tr>
+              <a:tr h="179301">
+                <a:tc>
+                  <a:txBody>
+                    <a:bodyPr/>
+                    <a:lstStyle/>
+                    <a:p>
+                      <a:pPr algn="ctr"/>
+                      <a:r>
+                        <a:rPr lang="en-US" sz="1400" dirty="0"/>
+                        <a:t>2</a:t>
+                      </a:r>
+                    </a:p>
+                  </a:txBody>
+                  <a:tcPr/>
+                </a:tc>
+                <a:tc>
+                  <a:txBody>
+                    <a:bodyPr/>
+                    <a:lstStyle/>
+                    <a:p>
+                      <a:pPr marL="0" marR="0" lvl="0" indent="0" algn="ctr" defTabSz="914400" rtl="0" eaLnBrk="1" fontAlgn="auto" latinLnBrk="0" hangingPunct="1">
+                        <a:lnSpc>
+                          <a:spcPct val="100000"/>
+                        </a:lnSpc>
+                        <a:spcBef>
+                          <a:spcPts val="0"/>
+                        </a:spcBef>
+                        <a:spcAft>
+                          <a:spcPts val="0"/>
+                        </a:spcAft>
+                        <a:buClrTx/>
+                        <a:buSzTx/>
+                        <a:buFontTx/>
+                        <a:buNone/>
+                        <a:tabLst/>
+                        <a:defRPr/>
+                      </a:pPr>
+                      <a:r>
+                        <a:rPr lang="en-US" sz="1400" dirty="0"/>
+                        <a:t>Non-Scam</a:t>
+                      </a:r>
+                    </a:p>
+                  </a:txBody>
+                  <a:tcPr/>
+                </a:tc>
+                <a:tc>
+                  <a:txBody>
+                    <a:bodyPr/>
+                    <a:lstStyle/>
+                    <a:p>
+                      <a:pPr algn="ctr"/>
+                      <a:r>
+                        <a:rPr lang="en-US" sz="1400" dirty="0"/>
+                        <a:t>97%</a:t>
+                      </a:r>
+                    </a:p>
+                  </a:txBody>
+                  <a:tcPr/>
+                </a:tc>
+                <a:extLst>
+                  <a:ext uri="{0D108BD9-81ED-4DB2-BD59-A6C34878D82A}">
+                    <a16:rowId xmlns:a16="http://schemas.microsoft.com/office/drawing/2014/main" val="3429545967"/>
+                  </a:ext>
+                </a:extLst>
+              </a:tr>
+              <a:tr h="179301">
+                <a:tc>
+                  <a:txBody>
+                    <a:bodyPr/>
+                    <a:lstStyle/>
+                    <a:p>
+                      <a:pPr algn="ctr"/>
+                      <a:r>
+                        <a:rPr lang="en-US" sz="1400" dirty="0"/>
+                        <a:t>3</a:t>
+                      </a:r>
+                    </a:p>
+                  </a:txBody>
+                  <a:tcPr/>
+                </a:tc>
+                <a:tc>
+                  <a:txBody>
+                    <a:bodyPr/>
+                    <a:lstStyle/>
+                    <a:p>
+                      <a:pPr marL="0" marR="0" lvl="0" indent="0" algn="ctr" defTabSz="914400" rtl="0" eaLnBrk="1" fontAlgn="auto" latinLnBrk="0" hangingPunct="1">
+                        <a:lnSpc>
+                          <a:spcPct val="100000"/>
+                        </a:lnSpc>
+                        <a:spcBef>
+                          <a:spcPts val="0"/>
+                        </a:spcBef>
+                        <a:spcAft>
+                          <a:spcPts val="0"/>
+                        </a:spcAft>
+                        <a:buClrTx/>
+                        <a:buSzTx/>
+                        <a:buFontTx/>
+                        <a:buNone/>
+                        <a:tabLst/>
+                        <a:defRPr/>
+                      </a:pPr>
+                      <a:r>
+                        <a:rPr lang="en-US" sz="1400" dirty="0"/>
+                        <a:t>Non-Scam</a:t>
+                      </a:r>
+                    </a:p>
+                  </a:txBody>
+                  <a:tcPr/>
+                </a:tc>
+                <a:tc>
+                  <a:txBody>
+                    <a:bodyPr/>
+                    <a:lstStyle/>
+                    <a:p>
+                      <a:pPr algn="ctr"/>
+                      <a:r>
+                        <a:rPr lang="en-US" sz="1400" dirty="0"/>
+                        <a:t>96%</a:t>
+                      </a:r>
+                    </a:p>
+                  </a:txBody>
+                  <a:tcPr/>
+                </a:tc>
+                <a:extLst>
+                  <a:ext uri="{0D108BD9-81ED-4DB2-BD59-A6C34878D82A}">
+                    <a16:rowId xmlns:a16="http://schemas.microsoft.com/office/drawing/2014/main" val="1624593536"/>
+                  </a:ext>
+                </a:extLst>
+              </a:tr>
+              <a:tr h="179301">
+                <a:tc>
+                  <a:txBody>
+                    <a:bodyPr/>
+                    <a:lstStyle/>
+                    <a:p>
+                      <a:pPr algn="ctr"/>
+                      <a:r>
+                        <a:rPr lang="en-US" sz="1400" dirty="0"/>
+                        <a:t>4</a:t>
+                      </a:r>
+                    </a:p>
+                  </a:txBody>
+                  <a:tcPr/>
+                </a:tc>
+                <a:tc>
+                  <a:txBody>
+                    <a:bodyPr/>
+                    <a:lstStyle/>
+                    <a:p>
+                      <a:pPr marL="0" marR="0" lvl="0" indent="0" algn="ctr" defTabSz="914400" rtl="0" eaLnBrk="1" fontAlgn="auto" latinLnBrk="0" hangingPunct="1">
+                        <a:lnSpc>
+                          <a:spcPct val="100000"/>
+                        </a:lnSpc>
+                        <a:spcBef>
+                          <a:spcPts val="0"/>
+                        </a:spcBef>
+                        <a:spcAft>
+                          <a:spcPts val="0"/>
+                        </a:spcAft>
+                        <a:buClrTx/>
+                        <a:buSzTx/>
+                        <a:buFontTx/>
+                        <a:buNone/>
+                        <a:tabLst/>
+                        <a:defRPr/>
+                      </a:pPr>
+                      <a:r>
+                        <a:rPr lang="en-US" sz="1400" dirty="0"/>
+                        <a:t>Non-Scam</a:t>
+                      </a:r>
+                    </a:p>
+                  </a:txBody>
+                  <a:tcPr/>
+                </a:tc>
+                <a:tc>
+                  <a:txBody>
+                    <a:bodyPr/>
+                    <a:lstStyle/>
+                    <a:p>
+                      <a:pPr algn="ctr"/>
+                      <a:r>
+                        <a:rPr lang="en-US" sz="1400" dirty="0"/>
+                        <a:t>54%</a:t>
+                      </a:r>
+                    </a:p>
+                  </a:txBody>
+                  <a:tcPr/>
+                </a:tc>
+                <a:extLst>
+                  <a:ext uri="{0D108BD9-81ED-4DB2-BD59-A6C34878D82A}">
+                    <a16:rowId xmlns:a16="http://schemas.microsoft.com/office/drawing/2014/main" val="3011693667"/>
+                  </a:ext>
+                </a:extLst>
+              </a:tr>
+              <a:tr h="179301">
+                <a:tc>
+                  <a:txBody>
+                    <a:bodyPr/>
+                    <a:lstStyle/>
+                    <a:p>
+                      <a:pPr algn="ctr"/>
+                      <a:r>
+                        <a:rPr lang="en-US" sz="1400" dirty="0"/>
+                        <a:t>5</a:t>
+                      </a:r>
+                    </a:p>
+                  </a:txBody>
+                  <a:tcPr/>
+                </a:tc>
+                <a:tc>
+                  <a:txBody>
+                    <a:bodyPr/>
+                    <a:lstStyle/>
+                    <a:p>
+                      <a:pPr marL="0" marR="0" lvl="0" indent="0" algn="ctr" defTabSz="914400" rtl="0" eaLnBrk="1" fontAlgn="auto" latinLnBrk="0" hangingPunct="1">
+                        <a:lnSpc>
+                          <a:spcPct val="100000"/>
+                        </a:lnSpc>
+                        <a:spcBef>
+                          <a:spcPts val="0"/>
+                        </a:spcBef>
+                        <a:spcAft>
+                          <a:spcPts val="0"/>
+                        </a:spcAft>
+                        <a:buClrTx/>
+                        <a:buSzTx/>
+                        <a:buFontTx/>
+                        <a:buNone/>
+                        <a:tabLst/>
+                        <a:defRPr/>
+                      </a:pPr>
+                      <a:r>
+                        <a:rPr lang="en-US" sz="1400" dirty="0"/>
+                        <a:t>Non-Scam</a:t>
+                      </a:r>
+                    </a:p>
+                  </a:txBody>
+                  <a:tcPr/>
+                </a:tc>
+                <a:tc>
+                  <a:txBody>
+                    <a:bodyPr/>
+                    <a:lstStyle/>
+                    <a:p>
+                      <a:pPr algn="ctr"/>
+                      <a:r>
+                        <a:rPr lang="en-US" sz="1400" dirty="0"/>
+                        <a:t>69%</a:t>
+                      </a:r>
+                    </a:p>
+                  </a:txBody>
+                  <a:tcPr/>
+                </a:tc>
+                <a:extLst>
+                  <a:ext uri="{0D108BD9-81ED-4DB2-BD59-A6C34878D82A}">
+                    <a16:rowId xmlns:a16="http://schemas.microsoft.com/office/drawing/2014/main" val="365522491"/>
+                  </a:ext>
+                </a:extLst>
+              </a:tr>
+            </a:tbl>
+          </a:graphicData>
+        </a:graphic>
+      </p:graphicFrame>
+      <p:sp>
+        <p:nvSpPr>
+          <p:cNvPr id="8" name="TextBox 7">
+            <a:extLst>
+              <a:ext uri="{FF2B5EF4-FFF2-40B4-BE49-F238E27FC236}">
+                <a16:creationId xmlns:a16="http://schemas.microsoft.com/office/drawing/2014/main" id="{E04A00D3-4D24-119B-2B9B-02EAA31DD3E1}"/>
+              </a:ext>
+            </a:extLst>
+          </p:cNvPr>
+          <p:cNvSpPr txBox="1"/>
+          <p:nvPr/>
+        </p:nvSpPr>
+        <p:spPr>
+          <a:xfrm>
+            <a:off x="0" y="0"/>
+            <a:ext cx="12192000" cy="523220"/>
+          </a:xfrm>
+          <a:prstGeom prst="rect">
+            <a:avLst/>
+          </a:prstGeom>
+          <a:noFill/>
+        </p:spPr>
+        <p:txBody>
+          <a:bodyPr wrap="square" rtlCol="0">
+            <a:spAutoFit/>
+          </a:bodyPr>
+          <a:lstStyle/>
+          <a:p>
+            <a:r>
+              <a:rPr lang="en-US" sz="2800" dirty="0"/>
+              <a:t>LOGISTIC REGRESSION – REAL TIME TESTING</a:t>
+            </a:r>
+          </a:p>
+        </p:txBody>
+      </p:sp>
+      <p:graphicFrame>
+        <p:nvGraphicFramePr>
+          <p:cNvPr id="2" name="Table 1">
+            <a:extLst>
+              <a:ext uri="{FF2B5EF4-FFF2-40B4-BE49-F238E27FC236}">
+                <a16:creationId xmlns:a16="http://schemas.microsoft.com/office/drawing/2014/main" id="{53F87085-5D09-B5D5-CB90-887E21FB90FA}"/>
+              </a:ext>
+            </a:extLst>
+          </p:cNvPr>
+          <p:cNvGraphicFramePr>
+            <a:graphicFrameLocks noGrp="1"/>
+          </p:cNvGraphicFramePr>
+          <p:nvPr>
+            <p:extLst>
+              <p:ext uri="{D42A27DB-BD31-4B8C-83A1-F6EECF244321}">
+                <p14:modId xmlns:p14="http://schemas.microsoft.com/office/powerpoint/2010/main" val="824712848"/>
+              </p:ext>
+            </p:extLst>
+          </p:nvPr>
+        </p:nvGraphicFramePr>
+        <p:xfrm>
+          <a:off x="155829" y="932574"/>
+          <a:ext cx="11880342" cy="2377440"/>
+        </p:xfrm>
+        <a:graphic>
+          <a:graphicData uri="http://schemas.openxmlformats.org/drawingml/2006/table">
+            <a:tbl>
+              <a:tblPr firstRow="1" bandRow="1">
+                <a:tableStyleId>{5C22544A-7EE6-4342-B048-85BDC9FD1C3A}</a:tableStyleId>
+              </a:tblPr>
+              <a:tblGrid>
+                <a:gridCol w="1131579">
+                  <a:extLst>
+                    <a:ext uri="{9D8B030D-6E8A-4147-A177-3AD203B41FA5}">
+                      <a16:colId xmlns:a16="http://schemas.microsoft.com/office/drawing/2014/main" val="1824382455"/>
+                    </a:ext>
+                  </a:extLst>
+                </a:gridCol>
+                <a:gridCol w="5954710">
+                  <a:extLst>
+                    <a:ext uri="{9D8B030D-6E8A-4147-A177-3AD203B41FA5}">
+                      <a16:colId xmlns:a16="http://schemas.microsoft.com/office/drawing/2014/main" val="3523283076"/>
+                    </a:ext>
+                  </a:extLst>
+                </a:gridCol>
+                <a:gridCol w="4794053">
+                  <a:extLst>
+                    <a:ext uri="{9D8B030D-6E8A-4147-A177-3AD203B41FA5}">
+                      <a16:colId xmlns:a16="http://schemas.microsoft.com/office/drawing/2014/main" val="1026576332"/>
+                    </a:ext>
+                  </a:extLst>
+                </a:gridCol>
+              </a:tblGrid>
+              <a:tr h="143077">
+                <a:tc>
+                  <a:txBody>
+                    <a:bodyPr/>
+                    <a:lstStyle/>
+                    <a:p>
+                      <a:r>
+                        <a:rPr lang="en-US" sz="1000" dirty="0">
+                          <a:solidFill>
+                            <a:schemeClr val="tx1"/>
+                          </a:solidFill>
+                        </a:rPr>
+                        <a:t>Batch Number</a:t>
+                      </a:r>
+                    </a:p>
+                  </a:txBody>
+                  <a:tcPr/>
+                </a:tc>
+                <a:tc>
+                  <a:txBody>
+                    <a:bodyPr/>
+                    <a:lstStyle/>
+                    <a:p>
+                      <a:r>
+                        <a:rPr lang="en-US" sz="1000" dirty="0">
+                          <a:solidFill>
+                            <a:schemeClr val="tx1"/>
+                          </a:solidFill>
+                        </a:rPr>
+                        <a:t>Attacker_Helper</a:t>
+                      </a:r>
+                    </a:p>
+                  </a:txBody>
+                  <a:tcPr/>
+                </a:tc>
+                <a:tc>
+                  <a:txBody>
+                    <a:bodyPr/>
+                    <a:lstStyle/>
+                    <a:p>
+                      <a:r>
+                        <a:rPr lang="en-US" sz="1000" dirty="0">
+                          <a:solidFill>
+                            <a:schemeClr val="tx1"/>
+                          </a:solidFill>
+                        </a:rPr>
+                        <a:t>Victim</a:t>
+                      </a:r>
+                    </a:p>
+                  </a:txBody>
+                  <a:tcPr/>
+                </a:tc>
+                <a:extLst>
+                  <a:ext uri="{0D108BD9-81ED-4DB2-BD59-A6C34878D82A}">
+                    <a16:rowId xmlns:a16="http://schemas.microsoft.com/office/drawing/2014/main" val="2788586197"/>
+                  </a:ext>
+                </a:extLst>
+              </a:tr>
+              <a:tr h="232501">
+                <a:tc>
+                  <a:txBody>
+                    <a:bodyPr/>
+                    <a:lstStyle/>
+                    <a:p>
+                      <a:r>
+                        <a:rPr lang="en-US" sz="1000" b="0" dirty="0">
+                          <a:solidFill>
+                            <a:schemeClr val="tx1"/>
+                          </a:solidFill>
+                          <a:effectLst/>
+                        </a:rPr>
+                        <a:t>1</a:t>
+                      </a:r>
+                      <a:endParaRPr lang="en-US" sz="1000" dirty="0">
+                        <a:solidFill>
+                          <a:schemeClr val="tx1"/>
+                        </a:solidFill>
+                      </a:endParaRPr>
+                    </a:p>
+                  </a:txBody>
+                  <a:tcPr/>
+                </a:tc>
+                <a:tc>
+                  <a:txBody>
+                    <a:bodyPr/>
+                    <a:lstStyle/>
+                    <a:p>
+                      <a:r>
+                        <a:rPr lang="en-US" sz="1000" b="0">
+                          <a:solidFill>
+                            <a:schemeClr val="tx1"/>
+                          </a:solidFill>
+                          <a:effectLst/>
+                        </a:rPr>
+                        <a:t>Hello, this is Jane from the IRS. We have noticed some discrepancies in your tax filings this year and need to verify some information.</a:t>
+                      </a:r>
+                      <a:endParaRPr lang="en-US" sz="1000" b="0" dirty="0">
+                        <a:solidFill>
+                          <a:schemeClr val="tx1"/>
+                        </a:solidFill>
+                        <a:effectLst/>
+                      </a:endParaRPr>
+                    </a:p>
+                  </a:txBody>
+                  <a:tcPr/>
+                </a:tc>
+                <a:tc>
+                  <a:txBody>
+                    <a:bodyPr/>
+                    <a:lstStyle/>
+                    <a:p>
+                      <a:r>
+                        <a:rPr lang="en-US" sz="1000" b="0" dirty="0">
+                          <a:solidFill>
+                            <a:schemeClr val="tx1"/>
+                          </a:solidFill>
+                          <a:effectLst/>
+                        </a:rPr>
+                        <a:t>Oh really? Can you provide me with some details about the discrepancies?</a:t>
+                      </a:r>
+                    </a:p>
+                  </a:txBody>
+                  <a:tcPr/>
+                </a:tc>
+                <a:extLst>
+                  <a:ext uri="{0D108BD9-81ED-4DB2-BD59-A6C34878D82A}">
+                    <a16:rowId xmlns:a16="http://schemas.microsoft.com/office/drawing/2014/main" val="3871337990"/>
+                  </a:ext>
+                </a:extLst>
+              </a:tr>
+              <a:tr h="232501">
+                <a:tc>
+                  <a:txBody>
+                    <a:bodyPr/>
+                    <a:lstStyle/>
+                    <a:p>
+                      <a:r>
+                        <a:rPr lang="en-US" sz="1000" b="0" dirty="0">
+                          <a:solidFill>
+                            <a:schemeClr val="tx1"/>
+                          </a:solidFill>
+                          <a:effectLst/>
+                        </a:rPr>
+                        <a:t>2</a:t>
+                      </a:r>
+                      <a:endParaRPr lang="en-US" sz="1000" dirty="0">
+                        <a:solidFill>
+                          <a:schemeClr val="tx1"/>
+                        </a:solidFill>
+                      </a:endParaRPr>
+                    </a:p>
+                  </a:txBody>
+                  <a:tcPr/>
+                </a:tc>
+                <a:tc>
+                  <a:txBody>
+                    <a:bodyPr/>
+                    <a:lstStyle/>
+                    <a:p>
+                      <a:r>
+                        <a:rPr lang="en-US" sz="1000" b="0">
+                          <a:solidFill>
+                            <a:schemeClr val="tx1"/>
+                          </a:solidFill>
+                          <a:effectLst/>
+                        </a:rPr>
+                        <a:t>Certainly. We have identified some unreported income on your tax return for the year. Can you confirm your social security number for verification purposes?</a:t>
+                      </a:r>
+                      <a:endParaRPr lang="en-US" sz="1000" b="0" dirty="0">
+                        <a:solidFill>
+                          <a:schemeClr val="tx1"/>
+                        </a:solidFill>
+                        <a:effectLst/>
+                      </a:endParaRPr>
+                    </a:p>
+                  </a:txBody>
+                  <a:tcPr/>
+                </a:tc>
+                <a:tc>
+                  <a:txBody>
+                    <a:bodyPr/>
+                    <a:lstStyle/>
+                    <a:p>
+                      <a:r>
+                        <a:rPr lang="en-US" sz="1000" b="0" dirty="0">
+                          <a:solidFill>
+                            <a:schemeClr val="tx1"/>
+                          </a:solidFill>
+                          <a:effectLst/>
+                        </a:rPr>
+                        <a:t>I'm not comfortable providing my social security number over the phone. Is there any other way we can resolve this?</a:t>
+                      </a:r>
+                    </a:p>
+                  </a:txBody>
+                  <a:tcPr/>
+                </a:tc>
+                <a:extLst>
+                  <a:ext uri="{0D108BD9-81ED-4DB2-BD59-A6C34878D82A}">
+                    <a16:rowId xmlns:a16="http://schemas.microsoft.com/office/drawing/2014/main" val="22930698"/>
+                  </a:ext>
+                </a:extLst>
+              </a:tr>
+              <a:tr h="232501">
+                <a:tc>
+                  <a:txBody>
+                    <a:bodyPr/>
+                    <a:lstStyle/>
+                    <a:p>
+                      <a:r>
+                        <a:rPr lang="en-US" sz="1000" b="0" dirty="0">
+                          <a:solidFill>
+                            <a:schemeClr val="tx1"/>
+                          </a:solidFill>
+                          <a:effectLst/>
+                        </a:rPr>
+                        <a:t>3</a:t>
+                      </a:r>
+                      <a:endParaRPr lang="en-US" sz="1000" dirty="0">
+                        <a:solidFill>
+                          <a:schemeClr val="tx1"/>
+                        </a:solidFill>
+                      </a:endParaRPr>
+                    </a:p>
+                  </a:txBody>
+                  <a:tcPr/>
+                </a:tc>
+                <a:tc>
+                  <a:txBody>
+                    <a:bodyPr/>
+                    <a:lstStyle/>
+                    <a:p>
+                      <a:r>
+                        <a:rPr lang="en-US" sz="1000" b="0">
+                          <a:solidFill>
+                            <a:schemeClr val="tx1"/>
+                          </a:solidFill>
+                          <a:effectLst/>
+                        </a:rPr>
+                        <a:t>I understand your concern, but we need to verify your identity before discussing further. Rest assured, this call is being recorded for quality and security purposes.</a:t>
+                      </a:r>
+                      <a:endParaRPr lang="en-US" sz="1000" b="0" dirty="0">
+                        <a:solidFill>
+                          <a:schemeClr val="tx1"/>
+                        </a:solidFill>
+                        <a:effectLst/>
+                      </a:endParaRPr>
+                    </a:p>
+                  </a:txBody>
+                  <a:tcPr/>
+                </a:tc>
+                <a:tc>
+                  <a:txBody>
+                    <a:bodyPr/>
+                    <a:lstStyle/>
+                    <a:p>
+                      <a:r>
+                        <a:rPr lang="en-US" sz="1000" b="0" dirty="0">
+                          <a:solidFill>
+                            <a:schemeClr val="tx1"/>
+                          </a:solidFill>
+                          <a:effectLst/>
+                        </a:rPr>
+                        <a:t>I appreciate that, but I still feel uneasy about sharing such sensitive information. Can I visit my local IRS office to resolve this matter?</a:t>
+                      </a:r>
+                    </a:p>
+                  </a:txBody>
+                  <a:tcPr/>
+                </a:tc>
+                <a:extLst>
+                  <a:ext uri="{0D108BD9-81ED-4DB2-BD59-A6C34878D82A}">
+                    <a16:rowId xmlns:a16="http://schemas.microsoft.com/office/drawing/2014/main" val="1446474973"/>
+                  </a:ext>
+                </a:extLst>
+              </a:tr>
+              <a:tr h="232501">
+                <a:tc>
+                  <a:txBody>
+                    <a:bodyPr/>
+                    <a:lstStyle/>
+                    <a:p>
+                      <a:r>
+                        <a:rPr lang="en-US" sz="1000" b="0" dirty="0">
+                          <a:solidFill>
+                            <a:schemeClr val="tx1"/>
+                          </a:solidFill>
+                          <a:effectLst/>
+                        </a:rPr>
+                        <a:t>4</a:t>
+                      </a:r>
+                      <a:endParaRPr lang="en-US" sz="1000" dirty="0">
+                        <a:solidFill>
+                          <a:schemeClr val="tx1"/>
+                        </a:solidFill>
+                      </a:endParaRPr>
+                    </a:p>
+                  </a:txBody>
+                  <a:tcPr/>
+                </a:tc>
+                <a:tc>
+                  <a:txBody>
+                    <a:bodyPr/>
+                    <a:lstStyle/>
+                    <a:p>
+                      <a:r>
+                        <a:rPr lang="en-US" sz="1000" b="0">
+                          <a:solidFill>
+                            <a:schemeClr val="tx1"/>
+                          </a:solidFill>
+                          <a:effectLst/>
+                        </a:rPr>
+                        <a:t>I apologize for the inconvenience, but due to the current circumstances, our offices are closed. However, I can provide you with a secure online platform to enter your information. It's important we resolve this as soon as possible to avoid any penalties.</a:t>
+                      </a:r>
+                      <a:endParaRPr lang="en-US" sz="1000" b="0" dirty="0">
+                        <a:solidFill>
+                          <a:schemeClr val="tx1"/>
+                        </a:solidFill>
+                        <a:effectLst/>
+                      </a:endParaRPr>
+                    </a:p>
+                  </a:txBody>
+                  <a:tcPr/>
+                </a:tc>
+                <a:tc>
+                  <a:txBody>
+                    <a:bodyPr/>
+                    <a:lstStyle/>
+                    <a:p>
+                      <a:r>
+                        <a:rPr lang="en-US" sz="1000" b="0" dirty="0">
+                          <a:solidFill>
+                            <a:schemeClr val="tx1"/>
+                          </a:solidFill>
+                          <a:effectLst/>
+                        </a:rPr>
+                        <a:t>Alright, if there's no other option, I guess I can use the online platform. Please guide me through the process step by step.</a:t>
+                      </a:r>
+                    </a:p>
+                  </a:txBody>
+                  <a:tcPr/>
+                </a:tc>
+                <a:extLst>
+                  <a:ext uri="{0D108BD9-81ED-4DB2-BD59-A6C34878D82A}">
+                    <a16:rowId xmlns:a16="http://schemas.microsoft.com/office/drawing/2014/main" val="2090242424"/>
+                  </a:ext>
+                </a:extLst>
+              </a:tr>
+              <a:tr h="232501">
+                <a:tc>
+                  <a:txBody>
+                    <a:bodyPr/>
+                    <a:lstStyle/>
+                    <a:p>
+                      <a:r>
+                        <a:rPr lang="en-US" sz="1000" b="0" dirty="0">
+                          <a:solidFill>
+                            <a:schemeClr val="tx1"/>
+                          </a:solidFill>
+                          <a:effectLst/>
+                        </a:rPr>
+                        <a:t>5</a:t>
+                      </a:r>
+                      <a:endParaRPr lang="en-US" sz="1000" dirty="0">
+                        <a:solidFill>
+                          <a:schemeClr val="tx1"/>
+                        </a:solidFill>
+                      </a:endParaRPr>
+                    </a:p>
+                  </a:txBody>
+                  <a:tcPr/>
+                </a:tc>
+                <a:tc>
+                  <a:txBody>
+                    <a:bodyPr/>
+                    <a:lstStyle/>
+                    <a:p>
+                      <a:r>
+                        <a:rPr lang="en-US" sz="1000" b="0" dirty="0">
+                          <a:solidFill>
+                            <a:schemeClr val="tx1"/>
+                          </a:solidFill>
+                          <a:effectLst/>
+                        </a:rPr>
+                        <a:t>Thank you for your cooperation. I will send you an email shortly with a link to access the platform. Once you're there, follow the instructions carefully. Get back to me if you have any questions along the way.</a:t>
+                      </a:r>
+                    </a:p>
+                  </a:txBody>
+                  <a:tcPr/>
+                </a:tc>
+                <a:tc>
+                  <a:txBody>
+                    <a:bodyPr/>
+                    <a:lstStyle/>
+                    <a:p>
+                      <a:r>
+                        <a:rPr lang="en-US" sz="1000" b="0" dirty="0">
+                          <a:solidFill>
+                            <a:schemeClr val="tx1"/>
+                          </a:solidFill>
+                          <a:effectLst/>
+                        </a:rPr>
+                        <a:t>Alright, I'll keep an eye on my email. I appreciate your assistance in resolving this matter.</a:t>
+                      </a:r>
+                    </a:p>
+                  </a:txBody>
+                  <a:tcPr/>
+                </a:tc>
+                <a:extLst>
+                  <a:ext uri="{0D108BD9-81ED-4DB2-BD59-A6C34878D82A}">
+                    <a16:rowId xmlns:a16="http://schemas.microsoft.com/office/drawing/2014/main" val="2062566075"/>
+                  </a:ext>
+                </a:extLst>
+              </a:tr>
+            </a:tbl>
+          </a:graphicData>
+        </a:graphic>
+      </p:graphicFrame>
+      <p:sp>
+        <p:nvSpPr>
+          <p:cNvPr id="5" name="TextBox 4">
+            <a:extLst>
+              <a:ext uri="{FF2B5EF4-FFF2-40B4-BE49-F238E27FC236}">
+                <a16:creationId xmlns:a16="http://schemas.microsoft.com/office/drawing/2014/main" id="{1476A5DA-73CC-A8AF-3457-BA1086CE80FD}"/>
+              </a:ext>
+            </a:extLst>
+          </p:cNvPr>
+          <p:cNvSpPr txBox="1"/>
+          <p:nvPr/>
+        </p:nvSpPr>
+        <p:spPr>
+          <a:xfrm>
+            <a:off x="77885" y="563242"/>
+            <a:ext cx="1265090" cy="369332"/>
+          </a:xfrm>
+          <a:prstGeom prst="rect">
+            <a:avLst/>
+          </a:prstGeom>
+          <a:noFill/>
+        </p:spPr>
+        <p:txBody>
+          <a:bodyPr wrap="none" rtlCol="0">
+            <a:spAutoFit/>
+          </a:bodyPr>
+          <a:lstStyle/>
+          <a:p>
+            <a:r>
+              <a:rPr lang="en-US" dirty="0">
+                <a:solidFill>
+                  <a:srgbClr val="00B050"/>
+                </a:solidFill>
+                <a:effectLst>
+                  <a:outerShdw blurRad="38100" dist="38100" dir="2700000" algn="tl">
+                    <a:srgbClr val="000000">
+                      <a:alpha val="43137"/>
+                    </a:srgbClr>
+                  </a:outerShdw>
+                </a:effectLst>
+              </a:rPr>
+              <a:t>NON-SCAM</a:t>
+            </a:r>
+          </a:p>
+        </p:txBody>
+      </p:sp>
+      <p:sp>
+        <p:nvSpPr>
+          <p:cNvPr id="6" name="TextBox 5">
+            <a:extLst>
+              <a:ext uri="{FF2B5EF4-FFF2-40B4-BE49-F238E27FC236}">
+                <a16:creationId xmlns:a16="http://schemas.microsoft.com/office/drawing/2014/main" id="{44AB347C-CB89-586A-5562-537E7F3471E7}"/>
+              </a:ext>
+            </a:extLst>
+          </p:cNvPr>
+          <p:cNvSpPr txBox="1"/>
+          <p:nvPr/>
+        </p:nvSpPr>
+        <p:spPr>
+          <a:xfrm>
+            <a:off x="155829" y="3350036"/>
+            <a:ext cx="9344289" cy="369332"/>
+          </a:xfrm>
+          <a:prstGeom prst="rect">
+            <a:avLst/>
+          </a:prstGeom>
+          <a:noFill/>
+        </p:spPr>
+        <p:txBody>
+          <a:bodyPr wrap="none" rtlCol="0">
+            <a:spAutoFit/>
+          </a:bodyPr>
+          <a:lstStyle/>
+          <a:p>
+            <a:r>
+              <a:rPr lang="en-US" dirty="0"/>
+              <a:t>The model is familiar with this conversation format, but has not specifically seen this conversation</a:t>
+            </a:r>
+          </a:p>
+        </p:txBody>
+      </p:sp>
+    </p:spTree>
+    <p:extLst>
+      <p:ext uri="{BB962C8B-B14F-4D97-AF65-F5344CB8AC3E}">
+        <p14:creationId xmlns:p14="http://schemas.microsoft.com/office/powerpoint/2010/main" val="2023560470"/>
+      </p:ext>
+    </p:extLst>
+  </p:cSld>
+  <p:clrMapOvr>
+    <a:masterClrMapping/>
+  </p:clrMapOvr>
+</p:sld>
+</file>
+
+<file path=ppt/slides/slide25.xml><?xml version="1.0" encoding="utf-8"?>
+<p:sld xmlns:a="http://schemas.openxmlformats.org/drawingml/2006/main" xmlns:r="http://schemas.openxmlformats.org/officeDocument/2006/relationships" xmlns:p="http://schemas.openxmlformats.org/presentationml/2006/main">
+  <p:cSld>
+    <p:spTree>
+      <p:nvGrpSpPr>
+        <p:cNvPr id="1" name=""/>
+        <p:cNvGrpSpPr/>
+        <p:nvPr/>
+      </p:nvGrpSpPr>
+      <p:grpSpPr>
+        <a:xfrm>
+          <a:off x="0" y="0"/>
+          <a:ext cx="0" cy="0"/>
+          <a:chOff x="0" y="0"/>
+          <a:chExt cx="0" cy="0"/>
+        </a:xfrm>
+      </p:grpSpPr>
+      <p:graphicFrame>
+        <p:nvGraphicFramePr>
+          <p:cNvPr id="4" name="Table 3">
+            <a:extLst>
+              <a:ext uri="{FF2B5EF4-FFF2-40B4-BE49-F238E27FC236}">
+                <a16:creationId xmlns:a16="http://schemas.microsoft.com/office/drawing/2014/main" id="{58E122E0-C7BB-D0F3-72C4-3876E43EDC9D}"/>
+              </a:ext>
+            </a:extLst>
+          </p:cNvPr>
+          <p:cNvGraphicFramePr>
+            <a:graphicFrameLocks noGrp="1"/>
+          </p:cNvGraphicFramePr>
+          <p:nvPr>
+            <p:extLst>
+              <p:ext uri="{D42A27DB-BD31-4B8C-83A1-F6EECF244321}">
+                <p14:modId xmlns:p14="http://schemas.microsoft.com/office/powerpoint/2010/main" val="4020109561"/>
+              </p:ext>
+            </p:extLst>
+          </p:nvPr>
+        </p:nvGraphicFramePr>
+        <p:xfrm>
+          <a:off x="155829" y="3119895"/>
+          <a:ext cx="8127999" cy="1828800"/>
+        </p:xfrm>
+        <a:graphic>
+          <a:graphicData uri="http://schemas.openxmlformats.org/drawingml/2006/table">
+            <a:tbl>
+              <a:tblPr firstRow="1" bandRow="1">
+                <a:tableStyleId>{5C22544A-7EE6-4342-B048-85BDC9FD1C3A}</a:tableStyleId>
+              </a:tblPr>
+              <a:tblGrid>
+                <a:gridCol w="2709333">
+                  <a:extLst>
+                    <a:ext uri="{9D8B030D-6E8A-4147-A177-3AD203B41FA5}">
+                      <a16:colId xmlns:a16="http://schemas.microsoft.com/office/drawing/2014/main" val="3892237616"/>
+                    </a:ext>
+                  </a:extLst>
+                </a:gridCol>
+                <a:gridCol w="2709333">
+                  <a:extLst>
+                    <a:ext uri="{9D8B030D-6E8A-4147-A177-3AD203B41FA5}">
+                      <a16:colId xmlns:a16="http://schemas.microsoft.com/office/drawing/2014/main" val="2100386984"/>
+                    </a:ext>
+                  </a:extLst>
+                </a:gridCol>
+                <a:gridCol w="2709333">
+                  <a:extLst>
+                    <a:ext uri="{9D8B030D-6E8A-4147-A177-3AD203B41FA5}">
+                      <a16:colId xmlns:a16="http://schemas.microsoft.com/office/drawing/2014/main" val="2471708999"/>
+                    </a:ext>
+                  </a:extLst>
+                </a:gridCol>
+              </a:tblGrid>
+              <a:tr h="147371">
+                <a:tc>
+                  <a:txBody>
+                    <a:bodyPr/>
+                    <a:lstStyle/>
+                    <a:p>
+                      <a:r>
+                        <a:rPr lang="en-US" sz="1400" dirty="0"/>
+                        <a:t>Batch Number</a:t>
+                      </a:r>
+                    </a:p>
+                  </a:txBody>
+                  <a:tcPr/>
+                </a:tc>
+                <a:tc>
+                  <a:txBody>
+                    <a:bodyPr/>
+                    <a:lstStyle/>
+                    <a:p>
+                      <a:r>
+                        <a:rPr lang="en-US" sz="1400" dirty="0"/>
+                        <a:t>Result</a:t>
+                      </a:r>
+                    </a:p>
+                  </a:txBody>
+                  <a:tcPr/>
+                </a:tc>
+                <a:tc>
+                  <a:txBody>
+                    <a:bodyPr/>
+                    <a:lstStyle/>
+                    <a:p>
+                      <a:r>
+                        <a:rPr lang="en-US" sz="1400" dirty="0"/>
+                        <a:t>Probability</a:t>
+                      </a:r>
+                    </a:p>
+                  </a:txBody>
+                  <a:tcPr/>
+                </a:tc>
+                <a:extLst>
+                  <a:ext uri="{0D108BD9-81ED-4DB2-BD59-A6C34878D82A}">
+                    <a16:rowId xmlns:a16="http://schemas.microsoft.com/office/drawing/2014/main" val="3049934132"/>
+                  </a:ext>
+                </a:extLst>
+              </a:tr>
+              <a:tr h="179301">
+                <a:tc>
+                  <a:txBody>
+                    <a:bodyPr/>
+                    <a:lstStyle/>
+                    <a:p>
+                      <a:r>
+                        <a:rPr lang="en-US" sz="1400" dirty="0"/>
+                        <a:t>1</a:t>
+                      </a:r>
+                    </a:p>
+                  </a:txBody>
+                  <a:tcPr/>
+                </a:tc>
+                <a:tc>
+                  <a:txBody>
+                    <a:bodyPr/>
+                    <a:lstStyle/>
+                    <a:p>
+                      <a:r>
+                        <a:rPr lang="en-US" sz="1400" dirty="0"/>
+                        <a:t>Non-Scam</a:t>
+                      </a:r>
+                    </a:p>
+                  </a:txBody>
+                  <a:tcPr/>
+                </a:tc>
+                <a:tc>
+                  <a:txBody>
+                    <a:bodyPr/>
+                    <a:lstStyle/>
+                    <a:p>
+                      <a:r>
+                        <a:rPr lang="en-US" sz="1400" dirty="0"/>
+                        <a:t>66%</a:t>
+                      </a:r>
+                    </a:p>
+                  </a:txBody>
+                  <a:tcPr/>
+                </a:tc>
+                <a:extLst>
+                  <a:ext uri="{0D108BD9-81ED-4DB2-BD59-A6C34878D82A}">
+                    <a16:rowId xmlns:a16="http://schemas.microsoft.com/office/drawing/2014/main" val="1512097725"/>
+                  </a:ext>
+                </a:extLst>
+              </a:tr>
+              <a:tr h="179301">
+                <a:tc>
+                  <a:txBody>
+                    <a:bodyPr/>
+                    <a:lstStyle/>
+                    <a:p>
+                      <a:r>
+                        <a:rPr lang="en-US" sz="1400" dirty="0"/>
+                        <a:t>2</a:t>
+                      </a:r>
+                    </a:p>
+                  </a:txBody>
+                  <a:tcPr/>
+                </a:tc>
+                <a:tc>
+                  <a:txBody>
+                    <a:bodyPr/>
+                    <a:lstStyle/>
+                    <a:p>
+                      <a:pPr marL="0" marR="0" lvl="0" indent="0" algn="l" defTabSz="914400" rtl="0" eaLnBrk="1" fontAlgn="auto" latinLnBrk="0" hangingPunct="1">
+                        <a:lnSpc>
+                          <a:spcPct val="100000"/>
+                        </a:lnSpc>
+                        <a:spcBef>
+                          <a:spcPts val="0"/>
+                        </a:spcBef>
+                        <a:spcAft>
+                          <a:spcPts val="0"/>
+                        </a:spcAft>
+                        <a:buClrTx/>
+                        <a:buSzTx/>
+                        <a:buFontTx/>
+                        <a:buNone/>
+                        <a:tabLst/>
+                        <a:defRPr/>
+                      </a:pPr>
+                      <a:r>
+                        <a:rPr lang="en-US" sz="1400" dirty="0"/>
+                        <a:t>Non-Scam</a:t>
+                      </a:r>
+                    </a:p>
+                  </a:txBody>
+                  <a:tcPr/>
+                </a:tc>
+                <a:tc>
+                  <a:txBody>
+                    <a:bodyPr/>
+                    <a:lstStyle/>
+                    <a:p>
+                      <a:r>
+                        <a:rPr lang="en-US" sz="1400" dirty="0"/>
+                        <a:t>81%</a:t>
+                      </a:r>
+                    </a:p>
+                  </a:txBody>
+                  <a:tcPr/>
+                </a:tc>
+                <a:extLst>
+                  <a:ext uri="{0D108BD9-81ED-4DB2-BD59-A6C34878D82A}">
+                    <a16:rowId xmlns:a16="http://schemas.microsoft.com/office/drawing/2014/main" val="3429545967"/>
+                  </a:ext>
+                </a:extLst>
+              </a:tr>
+              <a:tr h="179301">
+                <a:tc>
+                  <a:txBody>
+                    <a:bodyPr/>
+                    <a:lstStyle/>
+                    <a:p>
+                      <a:r>
+                        <a:rPr lang="en-US" sz="1400" dirty="0"/>
+                        <a:t>3</a:t>
+                      </a:r>
+                    </a:p>
+                  </a:txBody>
+                  <a:tcPr/>
+                </a:tc>
+                <a:tc>
+                  <a:txBody>
+                    <a:bodyPr/>
+                    <a:lstStyle/>
+                    <a:p>
+                      <a:pPr marL="0" marR="0" lvl="0" indent="0" algn="l" defTabSz="914400" rtl="0" eaLnBrk="1" fontAlgn="auto" latinLnBrk="0" hangingPunct="1">
+                        <a:lnSpc>
+                          <a:spcPct val="100000"/>
+                        </a:lnSpc>
+                        <a:spcBef>
+                          <a:spcPts val="0"/>
+                        </a:spcBef>
+                        <a:spcAft>
+                          <a:spcPts val="0"/>
+                        </a:spcAft>
+                        <a:buClrTx/>
+                        <a:buSzTx/>
+                        <a:buFontTx/>
+                        <a:buNone/>
+                        <a:tabLst/>
+                        <a:defRPr/>
+                      </a:pPr>
+                      <a:r>
+                        <a:rPr lang="en-US" sz="1400" dirty="0"/>
+                        <a:t>Scam</a:t>
+                      </a:r>
+                    </a:p>
+                  </a:txBody>
+                  <a:tcPr/>
+                </a:tc>
+                <a:tc>
+                  <a:txBody>
+                    <a:bodyPr/>
+                    <a:lstStyle/>
+                    <a:p>
+                      <a:r>
+                        <a:rPr lang="en-US" sz="1400" dirty="0"/>
+                        <a:t>57%</a:t>
+                      </a:r>
+                    </a:p>
+                  </a:txBody>
+                  <a:tcPr/>
+                </a:tc>
+                <a:extLst>
+                  <a:ext uri="{0D108BD9-81ED-4DB2-BD59-A6C34878D82A}">
+                    <a16:rowId xmlns:a16="http://schemas.microsoft.com/office/drawing/2014/main" val="1624593536"/>
+                  </a:ext>
+                </a:extLst>
+              </a:tr>
+              <a:tr h="179301">
+                <a:tc>
+                  <a:txBody>
+                    <a:bodyPr/>
+                    <a:lstStyle/>
+                    <a:p>
+                      <a:r>
+                        <a:rPr lang="en-US" sz="1400" dirty="0"/>
+                        <a:t>4</a:t>
+                      </a:r>
+                    </a:p>
+                  </a:txBody>
+                  <a:tcPr/>
+                </a:tc>
+                <a:tc>
+                  <a:txBody>
+                    <a:bodyPr/>
+                    <a:lstStyle/>
+                    <a:p>
+                      <a:pPr marL="0" marR="0" lvl="0" indent="0" algn="l" defTabSz="914400" rtl="0" eaLnBrk="1" fontAlgn="auto" latinLnBrk="0" hangingPunct="1">
+                        <a:lnSpc>
+                          <a:spcPct val="100000"/>
+                        </a:lnSpc>
+                        <a:spcBef>
+                          <a:spcPts val="0"/>
+                        </a:spcBef>
+                        <a:spcAft>
+                          <a:spcPts val="0"/>
+                        </a:spcAft>
+                        <a:buClrTx/>
+                        <a:buSzTx/>
+                        <a:buFontTx/>
+                        <a:buNone/>
+                        <a:tabLst/>
+                        <a:defRPr/>
+                      </a:pPr>
+                      <a:r>
+                        <a:rPr lang="en-US" sz="1400" dirty="0"/>
+                        <a:t>Non-Scam</a:t>
+                      </a:r>
+                    </a:p>
+                  </a:txBody>
+                  <a:tcPr/>
+                </a:tc>
+                <a:tc>
+                  <a:txBody>
+                    <a:bodyPr/>
+                    <a:lstStyle/>
+                    <a:p>
+                      <a:r>
+                        <a:rPr lang="en-US" sz="1400" dirty="0"/>
+                        <a:t>57%</a:t>
+                      </a:r>
+                    </a:p>
+                  </a:txBody>
+                  <a:tcPr/>
+                </a:tc>
+                <a:extLst>
+                  <a:ext uri="{0D108BD9-81ED-4DB2-BD59-A6C34878D82A}">
+                    <a16:rowId xmlns:a16="http://schemas.microsoft.com/office/drawing/2014/main" val="3011693667"/>
+                  </a:ext>
+                </a:extLst>
+              </a:tr>
+              <a:tr h="179301">
+                <a:tc>
+                  <a:txBody>
+                    <a:bodyPr/>
+                    <a:lstStyle/>
+                    <a:p>
+                      <a:r>
+                        <a:rPr lang="en-US" sz="1400" dirty="0"/>
+                        <a:t>5</a:t>
+                      </a:r>
+                    </a:p>
+                  </a:txBody>
+                  <a:tcPr/>
+                </a:tc>
+                <a:tc>
+                  <a:txBody>
+                    <a:bodyPr/>
+                    <a:lstStyle/>
+                    <a:p>
+                      <a:pPr marL="0" marR="0" lvl="0" indent="0" algn="l" defTabSz="914400" rtl="0" eaLnBrk="1" fontAlgn="auto" latinLnBrk="0" hangingPunct="1">
+                        <a:lnSpc>
+                          <a:spcPct val="100000"/>
+                        </a:lnSpc>
+                        <a:spcBef>
+                          <a:spcPts val="0"/>
+                        </a:spcBef>
+                        <a:spcAft>
+                          <a:spcPts val="0"/>
+                        </a:spcAft>
+                        <a:buClrTx/>
+                        <a:buSzTx/>
+                        <a:buFontTx/>
+                        <a:buNone/>
+                        <a:tabLst/>
+                        <a:defRPr/>
+                      </a:pPr>
+                      <a:r>
+                        <a:rPr lang="en-US" sz="1400" dirty="0"/>
+                        <a:t>Non-Scam</a:t>
+                      </a:r>
+                    </a:p>
+                  </a:txBody>
+                  <a:tcPr/>
+                </a:tc>
+                <a:tc>
+                  <a:txBody>
+                    <a:bodyPr/>
+                    <a:lstStyle/>
+                    <a:p>
+                      <a:r>
+                        <a:rPr lang="en-US" sz="1400" dirty="0"/>
+                        <a:t>86%</a:t>
+                      </a:r>
+                    </a:p>
+                  </a:txBody>
+                  <a:tcPr/>
+                </a:tc>
+                <a:extLst>
+                  <a:ext uri="{0D108BD9-81ED-4DB2-BD59-A6C34878D82A}">
+                    <a16:rowId xmlns:a16="http://schemas.microsoft.com/office/drawing/2014/main" val="365522491"/>
+                  </a:ext>
+                </a:extLst>
+              </a:tr>
+            </a:tbl>
+          </a:graphicData>
+        </a:graphic>
+      </p:graphicFrame>
+      <p:sp>
+        <p:nvSpPr>
+          <p:cNvPr id="8" name="TextBox 7">
+            <a:extLst>
+              <a:ext uri="{FF2B5EF4-FFF2-40B4-BE49-F238E27FC236}">
+                <a16:creationId xmlns:a16="http://schemas.microsoft.com/office/drawing/2014/main" id="{E04A00D3-4D24-119B-2B9B-02EAA31DD3E1}"/>
+              </a:ext>
+            </a:extLst>
+          </p:cNvPr>
+          <p:cNvSpPr txBox="1"/>
+          <p:nvPr/>
+        </p:nvSpPr>
+        <p:spPr>
+          <a:xfrm>
+            <a:off x="0" y="0"/>
+            <a:ext cx="12192000" cy="523220"/>
+          </a:xfrm>
+          <a:prstGeom prst="rect">
+            <a:avLst/>
+          </a:prstGeom>
+          <a:noFill/>
+        </p:spPr>
+        <p:txBody>
+          <a:bodyPr wrap="square" rtlCol="0">
+            <a:spAutoFit/>
+          </a:bodyPr>
+          <a:lstStyle/>
+          <a:p>
+            <a:r>
+              <a:rPr lang="en-US" sz="2800" dirty="0"/>
+              <a:t>LOGISTIC REGRESSION – REAL TIME TESTING</a:t>
+            </a:r>
+          </a:p>
+        </p:txBody>
+      </p:sp>
+      <p:graphicFrame>
+        <p:nvGraphicFramePr>
+          <p:cNvPr id="2" name="Table 1">
+            <a:extLst>
+              <a:ext uri="{FF2B5EF4-FFF2-40B4-BE49-F238E27FC236}">
+                <a16:creationId xmlns:a16="http://schemas.microsoft.com/office/drawing/2014/main" id="{53F87085-5D09-B5D5-CB90-887E21FB90FA}"/>
+              </a:ext>
+            </a:extLst>
+          </p:cNvPr>
+          <p:cNvGraphicFramePr>
+            <a:graphicFrameLocks noGrp="1"/>
+          </p:cNvGraphicFramePr>
+          <p:nvPr>
+            <p:extLst>
+              <p:ext uri="{D42A27DB-BD31-4B8C-83A1-F6EECF244321}">
+                <p14:modId xmlns:p14="http://schemas.microsoft.com/office/powerpoint/2010/main" val="2286109132"/>
+              </p:ext>
+            </p:extLst>
+          </p:nvPr>
+        </p:nvGraphicFramePr>
+        <p:xfrm>
+          <a:off x="155829" y="932574"/>
+          <a:ext cx="11552695" cy="1767840"/>
+        </p:xfrm>
+        <a:graphic>
+          <a:graphicData uri="http://schemas.openxmlformats.org/drawingml/2006/table">
+            <a:tbl>
+              <a:tblPr firstRow="1" bandRow="1">
+                <a:tableStyleId>{5C22544A-7EE6-4342-B048-85BDC9FD1C3A}</a:tableStyleId>
+              </a:tblPr>
+              <a:tblGrid>
+                <a:gridCol w="6400080">
+                  <a:extLst>
+                    <a:ext uri="{9D8B030D-6E8A-4147-A177-3AD203B41FA5}">
+                      <a16:colId xmlns:a16="http://schemas.microsoft.com/office/drawing/2014/main" val="3523283076"/>
+                    </a:ext>
+                  </a:extLst>
+                </a:gridCol>
+                <a:gridCol w="5152615">
+                  <a:extLst>
+                    <a:ext uri="{9D8B030D-6E8A-4147-A177-3AD203B41FA5}">
+                      <a16:colId xmlns:a16="http://schemas.microsoft.com/office/drawing/2014/main" val="1026576332"/>
+                    </a:ext>
+                  </a:extLst>
+                </a:gridCol>
+              </a:tblGrid>
+              <a:tr h="143077">
+                <a:tc>
+                  <a:txBody>
+                    <a:bodyPr/>
+                    <a:lstStyle/>
+                    <a:p>
+                      <a:r>
+                        <a:rPr lang="en-US" sz="1000" dirty="0">
+                          <a:solidFill>
+                            <a:schemeClr val="tx1"/>
+                          </a:solidFill>
+                        </a:rPr>
+                        <a:t>Attacker_Helper</a:t>
+                      </a:r>
+                    </a:p>
+                  </a:txBody>
+                  <a:tcPr/>
+                </a:tc>
+                <a:tc>
+                  <a:txBody>
+                    <a:bodyPr/>
+                    <a:lstStyle/>
+                    <a:p>
+                      <a:r>
+                        <a:rPr lang="en-US" sz="1000" dirty="0">
+                          <a:solidFill>
+                            <a:schemeClr val="tx1"/>
+                          </a:solidFill>
+                        </a:rPr>
+                        <a:t>Victim</a:t>
+                      </a:r>
+                    </a:p>
+                  </a:txBody>
+                  <a:tcPr/>
+                </a:tc>
+                <a:extLst>
+                  <a:ext uri="{0D108BD9-81ED-4DB2-BD59-A6C34878D82A}">
+                    <a16:rowId xmlns:a16="http://schemas.microsoft.com/office/drawing/2014/main" val="2788586197"/>
+                  </a:ext>
+                </a:extLst>
+              </a:tr>
+              <a:tr h="232501">
+                <a:tc>
+                  <a:txBody>
+                    <a:bodyPr/>
+                    <a:lstStyle/>
+                    <a:p>
+                      <a:r>
+                        <a:rPr lang="en-US" sz="1000" b="0" dirty="0">
+                          <a:solidFill>
+                            <a:schemeClr val="tx1"/>
+                          </a:solidFill>
+                          <a:effectLst/>
+                        </a:rPr>
+                        <a:t>Hi, I am calling from the English bank, my name is Maria.</a:t>
+                      </a:r>
+                    </a:p>
+                  </a:txBody>
+                  <a:tcPr/>
+                </a:tc>
+                <a:tc>
+                  <a:txBody>
+                    <a:bodyPr/>
+                    <a:lstStyle/>
+                    <a:p>
+                      <a:r>
+                        <a:rPr lang="en-US" sz="1000" b="0" dirty="0">
+                          <a:solidFill>
+                            <a:schemeClr val="tx1"/>
+                          </a:solidFill>
+                          <a:effectLst/>
+                        </a:rPr>
+                        <a:t>Hello, how can I help you?</a:t>
+                      </a:r>
+                    </a:p>
+                  </a:txBody>
+                  <a:tcPr/>
+                </a:tc>
+                <a:extLst>
+                  <a:ext uri="{0D108BD9-81ED-4DB2-BD59-A6C34878D82A}">
+                    <a16:rowId xmlns:a16="http://schemas.microsoft.com/office/drawing/2014/main" val="3871337990"/>
+                  </a:ext>
+                </a:extLst>
+              </a:tr>
+              <a:tr h="232501">
+                <a:tc>
+                  <a:txBody>
+                    <a:bodyPr/>
+                    <a:lstStyle/>
+                    <a:p>
+                      <a:r>
+                        <a:rPr lang="en-US" sz="1000" b="0" dirty="0">
+                          <a:solidFill>
+                            <a:schemeClr val="tx1"/>
+                          </a:solidFill>
+                          <a:effectLst/>
+                        </a:rPr>
+                        <a:t>The reason I am calling you today sir is to inform you about our new credit cards. Do you have any accounts with us at the moment?</a:t>
+                      </a:r>
+                    </a:p>
+                  </a:txBody>
+                  <a:tcPr/>
+                </a:tc>
+                <a:tc>
+                  <a:txBody>
+                    <a:bodyPr/>
+                    <a:lstStyle/>
+                    <a:p>
+                      <a:r>
+                        <a:rPr lang="en-US" sz="1000" b="0" dirty="0">
+                          <a:solidFill>
+                            <a:schemeClr val="tx1"/>
+                          </a:solidFill>
+                          <a:effectLst/>
+                        </a:rPr>
+                        <a:t>Yes, I do, but I am not sure I am interested in getting a credit card.</a:t>
+                      </a:r>
+                    </a:p>
+                  </a:txBody>
+                  <a:tcPr/>
+                </a:tc>
+                <a:extLst>
+                  <a:ext uri="{0D108BD9-81ED-4DB2-BD59-A6C34878D82A}">
+                    <a16:rowId xmlns:a16="http://schemas.microsoft.com/office/drawing/2014/main" val="22930698"/>
+                  </a:ext>
+                </a:extLst>
+              </a:tr>
+              <a:tr h="232501">
+                <a:tc>
+                  <a:txBody>
+                    <a:bodyPr/>
+                    <a:lstStyle/>
+                    <a:p>
+                      <a:r>
+                        <a:rPr lang="en-US" sz="1000" b="0" dirty="0">
+                          <a:solidFill>
+                            <a:schemeClr val="tx1"/>
+                          </a:solidFill>
+                          <a:effectLst/>
+                        </a:rPr>
+                        <a:t>Getting a credit card is a fantastic way to build up credit score with the bank. I recommend we find the perfect type of card for your sir.</a:t>
+                      </a:r>
+                    </a:p>
+                  </a:txBody>
+                  <a:tcPr/>
+                </a:tc>
+                <a:tc>
+                  <a:txBody>
+                    <a:bodyPr/>
+                    <a:lstStyle/>
+                    <a:p>
+                      <a:r>
+                        <a:rPr lang="en-US" sz="1000" b="0" dirty="0">
+                          <a:solidFill>
+                            <a:schemeClr val="tx1"/>
+                          </a:solidFill>
+                          <a:effectLst/>
+                        </a:rPr>
+                        <a:t>Ok, that seems interesting. I would like to do that please.</a:t>
+                      </a:r>
+                    </a:p>
+                  </a:txBody>
+                  <a:tcPr/>
+                </a:tc>
+                <a:extLst>
+                  <a:ext uri="{0D108BD9-81ED-4DB2-BD59-A6C34878D82A}">
+                    <a16:rowId xmlns:a16="http://schemas.microsoft.com/office/drawing/2014/main" val="1446474973"/>
+                  </a:ext>
+                </a:extLst>
+              </a:tr>
+              <a:tr h="232501">
+                <a:tc>
+                  <a:txBody>
+                    <a:bodyPr/>
+                    <a:lstStyle/>
+                    <a:p>
+                      <a:r>
+                        <a:rPr lang="en-US" sz="1000" b="0" dirty="0">
+                          <a:solidFill>
+                            <a:schemeClr val="tx1"/>
+                          </a:solidFill>
+                          <a:effectLst/>
+                        </a:rPr>
+                        <a:t>Fantastic sir, I will send you an email with our brochure about our most popular cards.</a:t>
+                      </a:r>
+                    </a:p>
+                  </a:txBody>
+                  <a:tcPr/>
+                </a:tc>
+                <a:tc>
+                  <a:txBody>
+                    <a:bodyPr/>
+                    <a:lstStyle/>
+                    <a:p>
+                      <a:r>
+                        <a:rPr lang="en-US" sz="1000" b="0" dirty="0">
+                          <a:solidFill>
+                            <a:schemeClr val="tx1"/>
+                          </a:solidFill>
+                          <a:effectLst/>
+                        </a:rPr>
+                        <a:t>Alright thank you, you can send it to the email I have registered with the bank.</a:t>
+                      </a:r>
+                    </a:p>
+                  </a:txBody>
+                  <a:tcPr/>
+                </a:tc>
+                <a:extLst>
+                  <a:ext uri="{0D108BD9-81ED-4DB2-BD59-A6C34878D82A}">
+                    <a16:rowId xmlns:a16="http://schemas.microsoft.com/office/drawing/2014/main" val="2090242424"/>
+                  </a:ext>
+                </a:extLst>
+              </a:tr>
+              <a:tr h="232501">
+                <a:tc>
+                  <a:txBody>
+                    <a:bodyPr/>
+                    <a:lstStyle/>
+                    <a:p>
+                      <a:r>
+                        <a:rPr lang="en-US" sz="1000" b="0" dirty="0">
+                          <a:solidFill>
+                            <a:schemeClr val="tx1"/>
+                          </a:solidFill>
+                          <a:effectLst/>
+                        </a:rPr>
+                        <a:t>Wonderful, is there anything else I can do for you today sir?</a:t>
+                      </a:r>
+                    </a:p>
+                  </a:txBody>
+                  <a:tcPr/>
+                </a:tc>
+                <a:tc>
+                  <a:txBody>
+                    <a:bodyPr/>
+                    <a:lstStyle/>
+                    <a:p>
+                      <a:r>
+                        <a:rPr lang="en-US" sz="1000" b="0" dirty="0">
+                          <a:solidFill>
+                            <a:schemeClr val="tx1"/>
+                          </a:solidFill>
+                          <a:effectLst/>
+                        </a:rPr>
+                        <a:t>No thank you, have a good day.</a:t>
+                      </a:r>
+                    </a:p>
+                  </a:txBody>
+                  <a:tcPr/>
+                </a:tc>
+                <a:extLst>
+                  <a:ext uri="{0D108BD9-81ED-4DB2-BD59-A6C34878D82A}">
+                    <a16:rowId xmlns:a16="http://schemas.microsoft.com/office/drawing/2014/main" val="2062566075"/>
+                  </a:ext>
+                </a:extLst>
+              </a:tr>
+            </a:tbl>
+          </a:graphicData>
+        </a:graphic>
+      </p:graphicFrame>
+      <p:sp>
+        <p:nvSpPr>
+          <p:cNvPr id="5" name="TextBox 4">
+            <a:extLst>
+              <a:ext uri="{FF2B5EF4-FFF2-40B4-BE49-F238E27FC236}">
+                <a16:creationId xmlns:a16="http://schemas.microsoft.com/office/drawing/2014/main" id="{1476A5DA-73CC-A8AF-3457-BA1086CE80FD}"/>
+              </a:ext>
+            </a:extLst>
+          </p:cNvPr>
+          <p:cNvSpPr txBox="1"/>
+          <p:nvPr/>
+        </p:nvSpPr>
+        <p:spPr>
+          <a:xfrm>
+            <a:off x="0" y="629495"/>
+            <a:ext cx="1265090" cy="369332"/>
+          </a:xfrm>
+          <a:prstGeom prst="rect">
+            <a:avLst/>
+          </a:prstGeom>
+          <a:noFill/>
+        </p:spPr>
+        <p:txBody>
+          <a:bodyPr wrap="none" rtlCol="0">
+            <a:spAutoFit/>
+          </a:bodyPr>
+          <a:lstStyle/>
+          <a:p>
+            <a:r>
+              <a:rPr lang="en-US" dirty="0">
+                <a:solidFill>
+                  <a:srgbClr val="00B050"/>
+                </a:solidFill>
+                <a:effectLst>
+                  <a:outerShdw blurRad="38100" dist="38100" dir="2700000" algn="tl">
+                    <a:srgbClr val="000000">
+                      <a:alpha val="43137"/>
+                    </a:srgbClr>
+                  </a:outerShdw>
+                </a:effectLst>
+              </a:rPr>
+              <a:t>NON-SCAM</a:t>
+            </a:r>
+          </a:p>
+        </p:txBody>
+      </p:sp>
+      <p:sp>
+        <p:nvSpPr>
+          <p:cNvPr id="3" name="TextBox 2">
+            <a:extLst>
+              <a:ext uri="{FF2B5EF4-FFF2-40B4-BE49-F238E27FC236}">
+                <a16:creationId xmlns:a16="http://schemas.microsoft.com/office/drawing/2014/main" id="{5019C1E1-A97F-4C2B-AB62-1C2232C2B539}"/>
+              </a:ext>
+            </a:extLst>
+          </p:cNvPr>
+          <p:cNvSpPr txBox="1"/>
+          <p:nvPr/>
+        </p:nvSpPr>
+        <p:spPr>
+          <a:xfrm>
+            <a:off x="60385" y="2750563"/>
+            <a:ext cx="5790431" cy="369332"/>
+          </a:xfrm>
+          <a:prstGeom prst="rect">
+            <a:avLst/>
+          </a:prstGeom>
+          <a:noFill/>
+        </p:spPr>
+        <p:txBody>
+          <a:bodyPr wrap="none" rtlCol="0">
+            <a:spAutoFit/>
+          </a:bodyPr>
+          <a:lstStyle/>
+          <a:p>
+            <a:r>
+              <a:rPr lang="en-US" dirty="0"/>
+              <a:t>The model is not familiar with this format of a conversation.</a:t>
+            </a:r>
+          </a:p>
+        </p:txBody>
+      </p:sp>
+    </p:spTree>
+    <p:extLst>
+      <p:ext uri="{BB962C8B-B14F-4D97-AF65-F5344CB8AC3E}">
+        <p14:creationId xmlns:p14="http://schemas.microsoft.com/office/powerpoint/2010/main" val="3100571892"/>
+      </p:ext>
+    </p:extLst>
+  </p:cSld>
+  <p:clrMapOvr>
+    <a:masterClrMapping/>
+  </p:clrMapOvr>
+</p:sld>
+</file>
+
+<file path=ppt/slides/slide26.xml><?xml version="1.0" encoding="utf-8"?>
+<p:sld xmlns:a="http://schemas.openxmlformats.org/drawingml/2006/main" xmlns:r="http://schemas.openxmlformats.org/officeDocument/2006/relationships" xmlns:p="http://schemas.openxmlformats.org/presentationml/2006/main">
+  <p:cSld>
+    <p:spTree>
+      <p:nvGrpSpPr>
+        <p:cNvPr id="1" name=""/>
+        <p:cNvGrpSpPr/>
+        <p:nvPr/>
+      </p:nvGrpSpPr>
+      <p:grpSpPr>
+        <a:xfrm>
+          <a:off x="0" y="0"/>
+          <a:ext cx="0" cy="0"/>
+          <a:chOff x="0" y="0"/>
+          <a:chExt cx="0" cy="0"/>
+        </a:xfrm>
+      </p:grpSpPr>
+      <p:graphicFrame>
+        <p:nvGraphicFramePr>
+          <p:cNvPr id="4" name="Table 3">
+            <a:extLst>
+              <a:ext uri="{FF2B5EF4-FFF2-40B4-BE49-F238E27FC236}">
+                <a16:creationId xmlns:a16="http://schemas.microsoft.com/office/drawing/2014/main" id="{58E122E0-C7BB-D0F3-72C4-3876E43EDC9D}"/>
+              </a:ext>
+            </a:extLst>
+          </p:cNvPr>
+          <p:cNvGraphicFramePr>
+            <a:graphicFrameLocks noGrp="1"/>
+          </p:cNvGraphicFramePr>
+          <p:nvPr>
+            <p:extLst>
+              <p:ext uri="{D42A27DB-BD31-4B8C-83A1-F6EECF244321}">
+                <p14:modId xmlns:p14="http://schemas.microsoft.com/office/powerpoint/2010/main" val="1823507519"/>
+              </p:ext>
+            </p:extLst>
+          </p:nvPr>
+        </p:nvGraphicFramePr>
+        <p:xfrm>
+          <a:off x="135049" y="4281972"/>
+          <a:ext cx="4458696" cy="2133600"/>
+        </p:xfrm>
+        <a:graphic>
+          <a:graphicData uri="http://schemas.openxmlformats.org/drawingml/2006/table">
+            <a:tbl>
+              <a:tblPr firstRow="1" bandRow="1">
+                <a:tableStyleId>{5C22544A-7EE6-4342-B048-85BDC9FD1C3A}</a:tableStyleId>
+              </a:tblPr>
+              <a:tblGrid>
+                <a:gridCol w="1282192">
+                  <a:extLst>
+                    <a:ext uri="{9D8B030D-6E8A-4147-A177-3AD203B41FA5}">
+                      <a16:colId xmlns:a16="http://schemas.microsoft.com/office/drawing/2014/main" val="3892237616"/>
+                    </a:ext>
+                  </a:extLst>
+                </a:gridCol>
+                <a:gridCol w="1588252">
+                  <a:extLst>
+                    <a:ext uri="{9D8B030D-6E8A-4147-A177-3AD203B41FA5}">
+                      <a16:colId xmlns:a16="http://schemas.microsoft.com/office/drawing/2014/main" val="2100386984"/>
+                    </a:ext>
+                  </a:extLst>
+                </a:gridCol>
+                <a:gridCol w="1588252">
+                  <a:extLst>
+                    <a:ext uri="{9D8B030D-6E8A-4147-A177-3AD203B41FA5}">
+                      <a16:colId xmlns:a16="http://schemas.microsoft.com/office/drawing/2014/main" val="2471708999"/>
+                    </a:ext>
+                  </a:extLst>
+                </a:gridCol>
+              </a:tblGrid>
+              <a:tr h="147371">
+                <a:tc>
+                  <a:txBody>
+                    <a:bodyPr/>
+                    <a:lstStyle/>
+                    <a:p>
+                      <a:pPr algn="ctr"/>
+                      <a:r>
+                        <a:rPr lang="en-US" sz="1400" dirty="0"/>
+                        <a:t>Batch Number</a:t>
+                      </a:r>
+                    </a:p>
+                  </a:txBody>
+                  <a:tcPr/>
+                </a:tc>
+                <a:tc>
+                  <a:txBody>
+                    <a:bodyPr/>
+                    <a:lstStyle/>
+                    <a:p>
+                      <a:pPr algn="ctr"/>
+                      <a:r>
+                        <a:rPr lang="en-US" sz="1400" dirty="0"/>
+                        <a:t>Result</a:t>
+                      </a:r>
+                    </a:p>
+                  </a:txBody>
+                  <a:tcPr/>
+                </a:tc>
+                <a:tc>
+                  <a:txBody>
+                    <a:bodyPr/>
+                    <a:lstStyle/>
+                    <a:p>
+                      <a:pPr algn="ctr"/>
+                      <a:r>
+                        <a:rPr lang="en-US" sz="1400" dirty="0"/>
+                        <a:t>Probability</a:t>
+                      </a:r>
+                    </a:p>
+                  </a:txBody>
+                  <a:tcPr/>
+                </a:tc>
+                <a:extLst>
+                  <a:ext uri="{0D108BD9-81ED-4DB2-BD59-A6C34878D82A}">
+                    <a16:rowId xmlns:a16="http://schemas.microsoft.com/office/drawing/2014/main" val="3049934132"/>
+                  </a:ext>
+                </a:extLst>
+              </a:tr>
+              <a:tr h="179301">
+                <a:tc>
+                  <a:txBody>
+                    <a:bodyPr/>
+                    <a:lstStyle/>
+                    <a:p>
+                      <a:pPr algn="ctr"/>
+                      <a:r>
+                        <a:rPr lang="en-US" sz="1400" dirty="0"/>
+                        <a:t>1</a:t>
+                      </a:r>
+                    </a:p>
+                  </a:txBody>
+                  <a:tcPr/>
+                </a:tc>
+                <a:tc>
+                  <a:txBody>
+                    <a:bodyPr/>
+                    <a:lstStyle/>
+                    <a:p>
+                      <a:pPr algn="ctr"/>
+                      <a:r>
+                        <a:rPr lang="en-US" sz="1400" dirty="0"/>
+                        <a:t>Non-Scam</a:t>
+                      </a:r>
+                    </a:p>
+                  </a:txBody>
+                  <a:tcPr/>
+                </a:tc>
+                <a:tc>
+                  <a:txBody>
+                    <a:bodyPr/>
+                    <a:lstStyle/>
+                    <a:p>
+                      <a:pPr algn="ctr"/>
+                      <a:r>
+                        <a:rPr lang="en-US" sz="1400" dirty="0"/>
+                        <a:t>55%</a:t>
+                      </a:r>
+                    </a:p>
+                  </a:txBody>
+                  <a:tcPr/>
+                </a:tc>
+                <a:extLst>
+                  <a:ext uri="{0D108BD9-81ED-4DB2-BD59-A6C34878D82A}">
+                    <a16:rowId xmlns:a16="http://schemas.microsoft.com/office/drawing/2014/main" val="1512097725"/>
+                  </a:ext>
+                </a:extLst>
+              </a:tr>
+              <a:tr h="179301">
+                <a:tc>
+                  <a:txBody>
+                    <a:bodyPr/>
+                    <a:lstStyle/>
+                    <a:p>
+                      <a:pPr algn="ctr"/>
+                      <a:r>
+                        <a:rPr lang="en-US" sz="1400" dirty="0"/>
+                        <a:t>2</a:t>
+                      </a:r>
+                    </a:p>
+                  </a:txBody>
+                  <a:tcPr/>
+                </a:tc>
+                <a:tc>
+                  <a:txBody>
+                    <a:bodyPr/>
+                    <a:lstStyle/>
+                    <a:p>
+                      <a:pPr algn="ctr"/>
+                      <a:r>
+                        <a:rPr lang="en-US" sz="1400" dirty="0"/>
+                        <a:t>Scam</a:t>
+                      </a:r>
+                    </a:p>
+                  </a:txBody>
+                  <a:tcPr/>
+                </a:tc>
+                <a:tc>
+                  <a:txBody>
+                    <a:bodyPr/>
+                    <a:lstStyle/>
+                    <a:p>
+                      <a:pPr algn="ctr"/>
+                      <a:r>
+                        <a:rPr lang="en-US" sz="1400" dirty="0"/>
+                        <a:t>50.1%</a:t>
+                      </a:r>
+                    </a:p>
+                  </a:txBody>
+                  <a:tcPr/>
+                </a:tc>
+                <a:extLst>
+                  <a:ext uri="{0D108BD9-81ED-4DB2-BD59-A6C34878D82A}">
+                    <a16:rowId xmlns:a16="http://schemas.microsoft.com/office/drawing/2014/main" val="3429545967"/>
+                  </a:ext>
+                </a:extLst>
+              </a:tr>
+              <a:tr h="179301">
+                <a:tc>
+                  <a:txBody>
+                    <a:bodyPr/>
+                    <a:lstStyle/>
+                    <a:p>
+                      <a:pPr algn="ctr"/>
+                      <a:r>
+                        <a:rPr lang="en-US" sz="1400" dirty="0"/>
+                        <a:t>3</a:t>
+                      </a:r>
+                    </a:p>
+                  </a:txBody>
+                  <a:tcPr/>
+                </a:tc>
+                <a:tc>
+                  <a:txBody>
+                    <a:bodyPr/>
+                    <a:lstStyle/>
+                    <a:p>
+                      <a:pPr algn="ctr"/>
+                      <a:r>
+                        <a:rPr lang="en-US" sz="1400" dirty="0"/>
+                        <a:t>Scam</a:t>
+                      </a:r>
+                    </a:p>
+                  </a:txBody>
+                  <a:tcPr/>
+                </a:tc>
+                <a:tc>
+                  <a:txBody>
+                    <a:bodyPr/>
+                    <a:lstStyle/>
+                    <a:p>
+                      <a:pPr algn="ctr"/>
+                      <a:r>
+                        <a:rPr lang="en-US" sz="1400" dirty="0"/>
+                        <a:t>56%</a:t>
+                      </a:r>
+                    </a:p>
+                  </a:txBody>
+                  <a:tcPr/>
+                </a:tc>
+                <a:extLst>
+                  <a:ext uri="{0D108BD9-81ED-4DB2-BD59-A6C34878D82A}">
+                    <a16:rowId xmlns:a16="http://schemas.microsoft.com/office/drawing/2014/main" val="1624593536"/>
+                  </a:ext>
+                </a:extLst>
+              </a:tr>
+              <a:tr h="179301">
+                <a:tc>
+                  <a:txBody>
+                    <a:bodyPr/>
+                    <a:lstStyle/>
+                    <a:p>
+                      <a:pPr algn="ctr"/>
+                      <a:r>
+                        <a:rPr lang="en-US" sz="1400" dirty="0"/>
+                        <a:t>4</a:t>
+                      </a:r>
+                    </a:p>
+                  </a:txBody>
+                  <a:tcPr/>
+                </a:tc>
+                <a:tc>
+                  <a:txBody>
+                    <a:bodyPr/>
+                    <a:lstStyle/>
+                    <a:p>
+                      <a:pPr algn="ctr"/>
+                      <a:r>
+                        <a:rPr lang="en-US" sz="1400" dirty="0"/>
+                        <a:t>Scam</a:t>
+                      </a:r>
+                    </a:p>
+                  </a:txBody>
+                  <a:tcPr/>
+                </a:tc>
+                <a:tc>
+                  <a:txBody>
+                    <a:bodyPr/>
+                    <a:lstStyle/>
+                    <a:p>
+                      <a:pPr algn="ctr"/>
+                      <a:r>
+                        <a:rPr lang="en-US" sz="1400" dirty="0"/>
+                        <a:t>68%</a:t>
+                      </a:r>
+                    </a:p>
+                  </a:txBody>
+                  <a:tcPr/>
+                </a:tc>
+                <a:extLst>
+                  <a:ext uri="{0D108BD9-81ED-4DB2-BD59-A6C34878D82A}">
+                    <a16:rowId xmlns:a16="http://schemas.microsoft.com/office/drawing/2014/main" val="3011693667"/>
+                  </a:ext>
+                </a:extLst>
+              </a:tr>
+              <a:tr h="179301">
+                <a:tc>
+                  <a:txBody>
+                    <a:bodyPr/>
+                    <a:lstStyle/>
+                    <a:p>
+                      <a:pPr algn="ctr"/>
+                      <a:r>
+                        <a:rPr lang="en-US" sz="1400" dirty="0"/>
+                        <a:t>5</a:t>
+                      </a:r>
+                    </a:p>
+                  </a:txBody>
+                  <a:tcPr/>
+                </a:tc>
+                <a:tc>
+                  <a:txBody>
+                    <a:bodyPr/>
+                    <a:lstStyle/>
+                    <a:p>
+                      <a:pPr algn="ctr"/>
+                      <a:r>
+                        <a:rPr lang="en-US" sz="1400" dirty="0"/>
+                        <a:t>Scam</a:t>
+                      </a:r>
+                    </a:p>
+                  </a:txBody>
+                  <a:tcPr/>
+                </a:tc>
+                <a:tc>
+                  <a:txBody>
+                    <a:bodyPr/>
+                    <a:lstStyle/>
+                    <a:p>
+                      <a:pPr algn="ctr"/>
+                      <a:r>
+                        <a:rPr lang="en-US" sz="1400" dirty="0"/>
+                        <a:t>70%</a:t>
+                      </a:r>
+                    </a:p>
+                  </a:txBody>
+                  <a:tcPr/>
+                </a:tc>
+                <a:extLst>
+                  <a:ext uri="{0D108BD9-81ED-4DB2-BD59-A6C34878D82A}">
+                    <a16:rowId xmlns:a16="http://schemas.microsoft.com/office/drawing/2014/main" val="365522491"/>
+                  </a:ext>
+                </a:extLst>
+              </a:tr>
+              <a:tr h="179301">
+                <a:tc>
+                  <a:txBody>
+                    <a:bodyPr/>
+                    <a:lstStyle/>
+                    <a:p>
+                      <a:pPr algn="ctr"/>
+                      <a:r>
+                        <a:rPr lang="en-US" sz="1400" dirty="0"/>
+                        <a:t>6</a:t>
+                      </a:r>
+                    </a:p>
+                  </a:txBody>
+                  <a:tcPr/>
+                </a:tc>
+                <a:tc>
+                  <a:txBody>
+                    <a:bodyPr/>
+                    <a:lstStyle/>
+                    <a:p>
+                      <a:pPr algn="ctr"/>
+                      <a:r>
+                        <a:rPr lang="en-US" sz="1400" dirty="0"/>
+                        <a:t>Scam</a:t>
+                      </a:r>
+                    </a:p>
+                  </a:txBody>
+                  <a:tcPr/>
+                </a:tc>
+                <a:tc>
+                  <a:txBody>
+                    <a:bodyPr/>
+                    <a:lstStyle/>
+                    <a:p>
+                      <a:pPr algn="ctr"/>
+                      <a:r>
+                        <a:rPr lang="en-US" sz="1400" dirty="0"/>
+                        <a:t>72%</a:t>
+                      </a:r>
+                    </a:p>
+                  </a:txBody>
+                  <a:tcPr/>
+                </a:tc>
+                <a:extLst>
+                  <a:ext uri="{0D108BD9-81ED-4DB2-BD59-A6C34878D82A}">
+                    <a16:rowId xmlns:a16="http://schemas.microsoft.com/office/drawing/2014/main" val="2411939542"/>
+                  </a:ext>
+                </a:extLst>
+              </a:tr>
+            </a:tbl>
+          </a:graphicData>
+        </a:graphic>
+      </p:graphicFrame>
+      <p:sp>
+        <p:nvSpPr>
+          <p:cNvPr id="8" name="TextBox 7">
+            <a:extLst>
+              <a:ext uri="{FF2B5EF4-FFF2-40B4-BE49-F238E27FC236}">
+                <a16:creationId xmlns:a16="http://schemas.microsoft.com/office/drawing/2014/main" id="{E04A00D3-4D24-119B-2B9B-02EAA31DD3E1}"/>
+              </a:ext>
+            </a:extLst>
+          </p:cNvPr>
+          <p:cNvSpPr txBox="1"/>
+          <p:nvPr/>
+        </p:nvSpPr>
+        <p:spPr>
+          <a:xfrm>
+            <a:off x="0" y="0"/>
+            <a:ext cx="12192000" cy="523220"/>
+          </a:xfrm>
+          <a:prstGeom prst="rect">
+            <a:avLst/>
+          </a:prstGeom>
+          <a:noFill/>
+        </p:spPr>
+        <p:txBody>
+          <a:bodyPr wrap="square" rtlCol="0">
+            <a:spAutoFit/>
+          </a:bodyPr>
+          <a:lstStyle/>
+          <a:p>
+            <a:r>
+              <a:rPr lang="en-US" sz="2800" dirty="0"/>
+              <a:t>RANDOM FOREST – REAL TIME TESTING</a:t>
+            </a:r>
+          </a:p>
+        </p:txBody>
+      </p:sp>
+      <p:graphicFrame>
+        <p:nvGraphicFramePr>
+          <p:cNvPr id="9" name="Table 8">
+            <a:extLst>
+              <a:ext uri="{FF2B5EF4-FFF2-40B4-BE49-F238E27FC236}">
+                <a16:creationId xmlns:a16="http://schemas.microsoft.com/office/drawing/2014/main" id="{E5DBF5DA-67E4-8BAD-B63A-E4CC206F44FE}"/>
+              </a:ext>
+            </a:extLst>
+          </p:cNvPr>
+          <p:cNvGraphicFramePr>
+            <a:graphicFrameLocks noGrp="1"/>
+          </p:cNvGraphicFramePr>
+          <p:nvPr>
+            <p:extLst>
+              <p:ext uri="{D42A27DB-BD31-4B8C-83A1-F6EECF244321}">
+                <p14:modId xmlns:p14="http://schemas.microsoft.com/office/powerpoint/2010/main" val="2201212634"/>
+              </p:ext>
+            </p:extLst>
+          </p:nvPr>
+        </p:nvGraphicFramePr>
+        <p:xfrm>
+          <a:off x="135049" y="939556"/>
+          <a:ext cx="10981899" cy="2926080"/>
+        </p:xfrm>
+        <a:graphic>
+          <a:graphicData uri="http://schemas.openxmlformats.org/drawingml/2006/table">
+            <a:tbl>
+              <a:tblPr firstRow="1" bandRow="1">
+                <a:tableStyleId>{5C22544A-7EE6-4342-B048-85BDC9FD1C3A}</a:tableStyleId>
+              </a:tblPr>
+              <a:tblGrid>
+                <a:gridCol w="1005205">
+                  <a:extLst>
+                    <a:ext uri="{9D8B030D-6E8A-4147-A177-3AD203B41FA5}">
+                      <a16:colId xmlns:a16="http://schemas.microsoft.com/office/drawing/2014/main" val="2268027349"/>
+                    </a:ext>
+                  </a:extLst>
+                </a:gridCol>
+                <a:gridCol w="5411216">
+                  <a:extLst>
+                    <a:ext uri="{9D8B030D-6E8A-4147-A177-3AD203B41FA5}">
+                      <a16:colId xmlns:a16="http://schemas.microsoft.com/office/drawing/2014/main" val="3523283076"/>
+                    </a:ext>
+                  </a:extLst>
+                </a:gridCol>
+                <a:gridCol w="4565478">
+                  <a:extLst>
+                    <a:ext uri="{9D8B030D-6E8A-4147-A177-3AD203B41FA5}">
+                      <a16:colId xmlns:a16="http://schemas.microsoft.com/office/drawing/2014/main" val="1026576332"/>
+                    </a:ext>
+                  </a:extLst>
+                </a:gridCol>
+              </a:tblGrid>
+              <a:tr h="143077">
+                <a:tc>
+                  <a:txBody>
+                    <a:bodyPr/>
+                    <a:lstStyle/>
+                    <a:p>
+                      <a:pPr algn="just"/>
+                      <a:r>
+                        <a:rPr lang="en-US" sz="1000" dirty="0">
+                          <a:solidFill>
+                            <a:schemeClr val="tx1"/>
+                          </a:solidFill>
+                        </a:rPr>
+                        <a:t>Batch Number</a:t>
+                      </a:r>
+                    </a:p>
+                  </a:txBody>
+                  <a:tcPr/>
+                </a:tc>
+                <a:tc>
+                  <a:txBody>
+                    <a:bodyPr/>
+                    <a:lstStyle/>
+                    <a:p>
+                      <a:pPr algn="just"/>
+                      <a:r>
+                        <a:rPr lang="en-US" sz="1000" dirty="0">
+                          <a:solidFill>
+                            <a:schemeClr val="tx1"/>
+                          </a:solidFill>
+                        </a:rPr>
+                        <a:t>Attacker_Helper</a:t>
+                      </a:r>
+                    </a:p>
+                  </a:txBody>
+                  <a:tcPr/>
+                </a:tc>
+                <a:tc>
+                  <a:txBody>
+                    <a:bodyPr/>
+                    <a:lstStyle/>
+                    <a:p>
+                      <a:pPr algn="just"/>
+                      <a:r>
+                        <a:rPr lang="en-US" sz="1000" dirty="0">
+                          <a:solidFill>
+                            <a:schemeClr val="tx1"/>
+                          </a:solidFill>
+                        </a:rPr>
+                        <a:t>Victim</a:t>
+                      </a:r>
+                    </a:p>
+                  </a:txBody>
+                  <a:tcPr/>
+                </a:tc>
+                <a:extLst>
+                  <a:ext uri="{0D108BD9-81ED-4DB2-BD59-A6C34878D82A}">
+                    <a16:rowId xmlns:a16="http://schemas.microsoft.com/office/drawing/2014/main" val="2788586197"/>
+                  </a:ext>
+                </a:extLst>
+              </a:tr>
+              <a:tr h="232501">
+                <a:tc>
+                  <a:txBody>
+                    <a:bodyPr/>
+                    <a:lstStyle/>
+                    <a:p>
+                      <a:pPr algn="ctr"/>
+                      <a:r>
+                        <a:rPr lang="en-US" sz="1000" dirty="0">
+                          <a:solidFill>
+                            <a:schemeClr val="tx1"/>
+                          </a:solidFill>
+                        </a:rPr>
+                        <a:t>1</a:t>
+                      </a:r>
+                    </a:p>
+                  </a:txBody>
+                  <a:tcPr/>
+                </a:tc>
+                <a:tc>
+                  <a:txBody>
+                    <a:bodyPr/>
+                    <a:lstStyle/>
+                    <a:p>
+                      <a:pPr algn="just"/>
+                      <a:r>
+                        <a:rPr lang="en-US" sz="1000" dirty="0">
+                          <a:solidFill>
+                            <a:schemeClr val="tx1"/>
+                          </a:solidFill>
+                        </a:rPr>
+                        <a:t>Good morning, sir! I'm calling from the hospital regarding your recent visit. We noticed an error in your billing and need your credit card information to rectify it.</a:t>
+                      </a:r>
+                    </a:p>
+                  </a:txBody>
+                  <a:tcPr/>
+                </a:tc>
+                <a:tc>
+                  <a:txBody>
+                    <a:bodyPr/>
+                    <a:lstStyle/>
+                    <a:p>
+                      <a:pPr algn="just"/>
+                      <a:r>
+                        <a:rPr lang="en-US" sz="1000" dirty="0">
+                          <a:solidFill>
+                            <a:schemeClr val="tx1"/>
+                          </a:solidFill>
+                        </a:rPr>
+                        <a:t>Hello, what seems to be the issue, can you provide more details about the error in question?</a:t>
+                      </a:r>
+                    </a:p>
+                  </a:txBody>
+                  <a:tcPr/>
+                </a:tc>
+                <a:extLst>
+                  <a:ext uri="{0D108BD9-81ED-4DB2-BD59-A6C34878D82A}">
+                    <a16:rowId xmlns:a16="http://schemas.microsoft.com/office/drawing/2014/main" val="3871337990"/>
+                  </a:ext>
+                </a:extLst>
+              </a:tr>
+              <a:tr h="232501">
+                <a:tc>
+                  <a:txBody>
+                    <a:bodyPr/>
+                    <a:lstStyle/>
+                    <a:p>
+                      <a:pPr algn="ctr"/>
+                      <a:r>
+                        <a:rPr lang="en-US" sz="1000" dirty="0">
+                          <a:solidFill>
+                            <a:schemeClr val="tx1"/>
+                          </a:solidFill>
+                        </a:rPr>
+                        <a:t>2</a:t>
+                      </a:r>
+                    </a:p>
+                  </a:txBody>
+                  <a:tcPr/>
+                </a:tc>
+                <a:tc>
+                  <a:txBody>
+                    <a:bodyPr/>
+                    <a:lstStyle/>
+                    <a:p>
+                      <a:pPr algn="just"/>
+                      <a:r>
+                        <a:rPr lang="en-US" sz="1000" dirty="0">
+                          <a:solidFill>
+                            <a:schemeClr val="tx1"/>
+                          </a:solidFill>
+                        </a:rPr>
+                        <a:t>Absolutely, sir. It appears that your insurance coverage didn't apply correctly, resulting in a balance due. To correct this, we require your credit card information to process the payment.</a:t>
+                      </a:r>
+                    </a:p>
+                  </a:txBody>
+                  <a:tcPr/>
+                </a:tc>
+                <a:tc>
+                  <a:txBody>
+                    <a:bodyPr/>
+                    <a:lstStyle/>
+                    <a:p>
+                      <a:pPr algn="just"/>
+                      <a:r>
+                        <a:rPr lang="en-US" sz="1000" dirty="0">
+                          <a:solidFill>
+                            <a:schemeClr val="tx1"/>
+                          </a:solidFill>
+                        </a:rPr>
+                        <a:t>That is strange. Can't I just contact my insurance provider directly to sort this out?</a:t>
+                      </a:r>
+                    </a:p>
+                  </a:txBody>
+                  <a:tcPr/>
+                </a:tc>
+                <a:extLst>
+                  <a:ext uri="{0D108BD9-81ED-4DB2-BD59-A6C34878D82A}">
+                    <a16:rowId xmlns:a16="http://schemas.microsoft.com/office/drawing/2014/main" val="22930698"/>
+                  </a:ext>
+                </a:extLst>
+              </a:tr>
+              <a:tr h="232501">
+                <a:tc>
+                  <a:txBody>
+                    <a:bodyPr/>
+                    <a:lstStyle/>
+                    <a:p>
+                      <a:pPr algn="ctr"/>
+                      <a:r>
+                        <a:rPr lang="en-US" sz="1000" dirty="0">
+                          <a:solidFill>
+                            <a:schemeClr val="tx1"/>
+                          </a:solidFill>
+                        </a:rPr>
+                        <a:t>3</a:t>
+                      </a:r>
+                    </a:p>
+                  </a:txBody>
+                  <a:tcPr/>
+                </a:tc>
+                <a:tc>
+                  <a:txBody>
+                    <a:bodyPr/>
+                    <a:lstStyle/>
+                    <a:p>
+                      <a:pPr algn="just"/>
+                      <a:r>
+                        <a:rPr lang="en-US" sz="1000" dirty="0">
+                          <a:solidFill>
+                            <a:schemeClr val="tx1"/>
+                          </a:solidFill>
+                        </a:rPr>
+                        <a:t>Ah, we understand your concern, but this is an urgent matter that requires immediate action. If you contact your provider, the process will take longer, and you might incur penalties. Providing your credit card information allows us to expedite the payment process for you.</a:t>
+                      </a:r>
+                    </a:p>
+                  </a:txBody>
+                  <a:tcPr/>
+                </a:tc>
+                <a:tc>
+                  <a:txBody>
+                    <a:bodyPr/>
+                    <a:lstStyle/>
+                    <a:p>
+                      <a:pPr algn="just"/>
+                      <a:r>
+                        <a:rPr lang="en-US" sz="1000" dirty="0">
+                          <a:solidFill>
+                            <a:schemeClr val="tx1"/>
+                          </a:solidFill>
+                        </a:rPr>
+                        <a:t>I see, but I'm still hesitant to provide my credit card details over the phone. Can I visit the hospital in person to settle the payment?</a:t>
+                      </a:r>
+                    </a:p>
+                    <a:p>
+                      <a:pPr algn="just"/>
+                      <a:endParaRPr lang="en-US" sz="1000" dirty="0">
+                        <a:solidFill>
+                          <a:schemeClr val="tx1"/>
+                        </a:solidFill>
+                      </a:endParaRPr>
+                    </a:p>
+                  </a:txBody>
+                  <a:tcPr/>
+                </a:tc>
+                <a:extLst>
+                  <a:ext uri="{0D108BD9-81ED-4DB2-BD59-A6C34878D82A}">
+                    <a16:rowId xmlns:a16="http://schemas.microsoft.com/office/drawing/2014/main" val="1446474973"/>
+                  </a:ext>
+                </a:extLst>
+              </a:tr>
+              <a:tr h="232501">
+                <a:tc>
+                  <a:txBody>
+                    <a:bodyPr/>
+                    <a:lstStyle/>
+                    <a:p>
+                      <a:pPr algn="ctr"/>
+                      <a:r>
+                        <a:rPr lang="en-US" sz="1000" dirty="0">
+                          <a:solidFill>
+                            <a:schemeClr val="tx1"/>
+                          </a:solidFill>
+                        </a:rPr>
+                        <a:t>4</a:t>
+                      </a:r>
+                    </a:p>
+                  </a:txBody>
+                  <a:tcPr/>
+                </a:tc>
+                <a:tc>
+                  <a:txBody>
+                    <a:bodyPr/>
+                    <a:lstStyle/>
+                    <a:p>
+                      <a:pPr algn="just"/>
+                      <a:r>
+                        <a:rPr lang="en-US" sz="1000" dirty="0">
+                          <a:solidFill>
+                            <a:schemeClr val="tx1"/>
+                          </a:solidFill>
+                        </a:rPr>
+                        <a:t>Unfortunately, due to the current circumstances, we're unable to accommodate in-person visits. Rest assured, sir, our call is encrypted and secure. Your information will be handled with utmost confidentiality.</a:t>
+                      </a:r>
+                    </a:p>
+                  </a:txBody>
+                  <a:tcPr/>
+                </a:tc>
+                <a:tc>
+                  <a:txBody>
+                    <a:bodyPr/>
+                    <a:lstStyle/>
+                    <a:p>
+                      <a:pPr algn="just"/>
+                      <a:r>
+                        <a:rPr lang="en-US" sz="1000" dirty="0">
+                          <a:solidFill>
+                            <a:schemeClr val="tx1"/>
+                          </a:solidFill>
+                        </a:rPr>
+                        <a:t>Alright, I suppose I can give you my credit card information, but I request a confirmation receipt and that you delete the information afterward.</a:t>
+                      </a:r>
+                    </a:p>
+                  </a:txBody>
+                  <a:tcPr/>
+                </a:tc>
+                <a:extLst>
+                  <a:ext uri="{0D108BD9-81ED-4DB2-BD59-A6C34878D82A}">
+                    <a16:rowId xmlns:a16="http://schemas.microsoft.com/office/drawing/2014/main" val="2090242424"/>
+                  </a:ext>
+                </a:extLst>
+              </a:tr>
+              <a:tr h="232501">
+                <a:tc>
+                  <a:txBody>
+                    <a:bodyPr/>
+                    <a:lstStyle/>
+                    <a:p>
+                      <a:pPr algn="ctr"/>
+                      <a:r>
+                        <a:rPr lang="en-US" sz="1000" dirty="0">
+                          <a:solidFill>
+                            <a:schemeClr val="tx1"/>
+                          </a:solidFill>
+                        </a:rPr>
+                        <a:t>5</a:t>
+                      </a:r>
+                    </a:p>
+                  </a:txBody>
+                  <a:tcPr/>
+                </a:tc>
+                <a:tc>
+                  <a:txBody>
+                    <a:bodyPr/>
+                    <a:lstStyle/>
+                    <a:p>
+                      <a:pPr algn="just"/>
+                      <a:r>
+                        <a:rPr lang="en-US" sz="1000" dirty="0">
+                          <a:solidFill>
+                            <a:schemeClr val="tx1"/>
+                          </a:solidFill>
+                        </a:rPr>
+                        <a:t>Of course, sir. We appreciate your cooperation. Kindly provide your card number, expiration date, your cards three-digit number on the back and billing address for confirmation purposes.</a:t>
+                      </a:r>
+                    </a:p>
+                  </a:txBody>
+                  <a:tcPr/>
+                </a:tc>
+                <a:tc>
+                  <a:txBody>
+                    <a:bodyPr/>
+                    <a:lstStyle/>
+                    <a:p>
+                      <a:pPr algn="just"/>
+                      <a:r>
+                        <a:rPr lang="en-US" sz="1000" dirty="0">
+                          <a:solidFill>
+                            <a:schemeClr val="tx1"/>
+                          </a:solidFill>
+                        </a:rPr>
+                        <a:t>Sure, the card number is [redacted], expiration date is [redacted], CVV is [redacted], and the billing address is 123 Main Street.</a:t>
+                      </a:r>
+                    </a:p>
+                  </a:txBody>
+                  <a:tcPr/>
+                </a:tc>
+                <a:extLst>
+                  <a:ext uri="{0D108BD9-81ED-4DB2-BD59-A6C34878D82A}">
+                    <a16:rowId xmlns:a16="http://schemas.microsoft.com/office/drawing/2014/main" val="2062566075"/>
+                  </a:ext>
+                </a:extLst>
+              </a:tr>
+              <a:tr h="232501">
+                <a:tc>
+                  <a:txBody>
+                    <a:bodyPr/>
+                    <a:lstStyle/>
+                    <a:p>
+                      <a:pPr algn="ctr"/>
+                      <a:r>
+                        <a:rPr lang="en-US" sz="1000" dirty="0">
+                          <a:solidFill>
+                            <a:schemeClr val="tx1"/>
+                          </a:solidFill>
+                        </a:rPr>
+                        <a:t>6</a:t>
+                      </a:r>
+                    </a:p>
+                  </a:txBody>
+                  <a:tcPr/>
+                </a:tc>
+                <a:tc>
+                  <a:txBody>
+                    <a:bodyPr/>
+                    <a:lstStyle/>
+                    <a:p>
+                      <a:pPr algn="just"/>
+                      <a:r>
+                        <a:rPr lang="en-US" sz="1000" dirty="0">
+                          <a:solidFill>
+                            <a:schemeClr val="tx1"/>
+                          </a:solidFill>
+                        </a:rPr>
+                        <a:t>Thank you, sir. I've successfully processed the payment. You'll receive a confirmation receipt via email shortly. Is there anything else I can assist you with?</a:t>
+                      </a:r>
+                    </a:p>
+                  </a:txBody>
+                  <a:tcPr/>
+                </a:tc>
+                <a:tc>
+                  <a:txBody>
+                    <a:bodyPr/>
+                    <a:lstStyle/>
+                    <a:p>
+                      <a:pPr algn="just"/>
+                      <a:r>
+                        <a:rPr lang="en-US" sz="1000" dirty="0">
+                          <a:solidFill>
+                            <a:schemeClr val="tx1"/>
+                          </a:solidFill>
+                        </a:rPr>
+                        <a:t>No, that will be all. Thank you for your help.</a:t>
+                      </a:r>
+                    </a:p>
+                  </a:txBody>
+                  <a:tcPr/>
+                </a:tc>
+                <a:extLst>
+                  <a:ext uri="{0D108BD9-81ED-4DB2-BD59-A6C34878D82A}">
+                    <a16:rowId xmlns:a16="http://schemas.microsoft.com/office/drawing/2014/main" val="1818524890"/>
+                  </a:ext>
+                </a:extLst>
+              </a:tr>
+            </a:tbl>
+          </a:graphicData>
+        </a:graphic>
+      </p:graphicFrame>
+      <p:sp>
+        <p:nvSpPr>
+          <p:cNvPr id="10" name="TextBox 9">
+            <a:extLst>
+              <a:ext uri="{FF2B5EF4-FFF2-40B4-BE49-F238E27FC236}">
+                <a16:creationId xmlns:a16="http://schemas.microsoft.com/office/drawing/2014/main" id="{1129FC28-9257-D8CF-3E86-5FA62E660B73}"/>
+              </a:ext>
+            </a:extLst>
+          </p:cNvPr>
+          <p:cNvSpPr txBox="1"/>
+          <p:nvPr/>
+        </p:nvSpPr>
+        <p:spPr>
+          <a:xfrm>
+            <a:off x="89041" y="570224"/>
+            <a:ext cx="744114" cy="369332"/>
+          </a:xfrm>
+          <a:prstGeom prst="rect">
+            <a:avLst/>
+          </a:prstGeom>
+          <a:noFill/>
+        </p:spPr>
+        <p:txBody>
+          <a:bodyPr wrap="none" rtlCol="0">
+            <a:spAutoFit/>
+          </a:bodyPr>
+          <a:lstStyle/>
+          <a:p>
+            <a:r>
+              <a:rPr lang="en-US" dirty="0">
+                <a:solidFill>
+                  <a:srgbClr val="FF0000"/>
+                </a:solidFill>
+                <a:effectLst>
+                  <a:outerShdw blurRad="38100" dist="38100" dir="2700000" algn="tl">
+                    <a:srgbClr val="000000">
+                      <a:alpha val="43137"/>
+                    </a:srgbClr>
+                  </a:outerShdw>
+                </a:effectLst>
+              </a:rPr>
+              <a:t>SCAM</a:t>
+            </a:r>
+          </a:p>
+        </p:txBody>
+      </p:sp>
+      <p:sp>
+        <p:nvSpPr>
+          <p:cNvPr id="11" name="TextBox 10">
+            <a:extLst>
+              <a:ext uri="{FF2B5EF4-FFF2-40B4-BE49-F238E27FC236}">
+                <a16:creationId xmlns:a16="http://schemas.microsoft.com/office/drawing/2014/main" id="{92C35FD8-24CC-F6AE-D27F-986DA2521D58}"/>
+              </a:ext>
+            </a:extLst>
+          </p:cNvPr>
+          <p:cNvSpPr txBox="1"/>
+          <p:nvPr/>
+        </p:nvSpPr>
+        <p:spPr>
+          <a:xfrm>
+            <a:off x="89041" y="3865636"/>
+            <a:ext cx="9344289" cy="369332"/>
+          </a:xfrm>
+          <a:prstGeom prst="rect">
+            <a:avLst/>
+          </a:prstGeom>
+          <a:noFill/>
+        </p:spPr>
+        <p:txBody>
+          <a:bodyPr wrap="none" rtlCol="0">
+            <a:spAutoFit/>
+          </a:bodyPr>
+          <a:lstStyle/>
+          <a:p>
+            <a:r>
+              <a:rPr lang="en-US" dirty="0"/>
+              <a:t>The model is familiar with this conversation format, but has not specifically seen this conversation</a:t>
+            </a:r>
+          </a:p>
+        </p:txBody>
+      </p:sp>
+    </p:spTree>
+    <p:extLst>
+      <p:ext uri="{BB962C8B-B14F-4D97-AF65-F5344CB8AC3E}">
+        <p14:creationId xmlns:p14="http://schemas.microsoft.com/office/powerpoint/2010/main" val="3311683658"/>
+      </p:ext>
+    </p:extLst>
+  </p:cSld>
+  <p:clrMapOvr>
+    <a:masterClrMapping/>
+  </p:clrMapOvr>
+</p:sld>
+</file>
+
+<file path=ppt/slides/slide27.xml><?xml version="1.0" encoding="utf-8"?>
+<p:sld xmlns:a="http://schemas.openxmlformats.org/drawingml/2006/main" xmlns:r="http://schemas.openxmlformats.org/officeDocument/2006/relationships" xmlns:p="http://schemas.openxmlformats.org/presentationml/2006/main">
+  <p:cSld>
+    <p:spTree>
+      <p:nvGrpSpPr>
+        <p:cNvPr id="1" name=""/>
+        <p:cNvGrpSpPr/>
+        <p:nvPr/>
+      </p:nvGrpSpPr>
+      <p:grpSpPr>
+        <a:xfrm>
+          <a:off x="0" y="0"/>
+          <a:ext cx="0" cy="0"/>
+          <a:chOff x="0" y="0"/>
+          <a:chExt cx="0" cy="0"/>
+        </a:xfrm>
+      </p:grpSpPr>
+      <p:graphicFrame>
+        <p:nvGraphicFramePr>
+          <p:cNvPr id="4" name="Table 3">
+            <a:extLst>
+              <a:ext uri="{FF2B5EF4-FFF2-40B4-BE49-F238E27FC236}">
+                <a16:creationId xmlns:a16="http://schemas.microsoft.com/office/drawing/2014/main" id="{58E122E0-C7BB-D0F3-72C4-3876E43EDC9D}"/>
+              </a:ext>
+            </a:extLst>
+          </p:cNvPr>
+          <p:cNvGraphicFramePr>
+            <a:graphicFrameLocks noGrp="1"/>
+          </p:cNvGraphicFramePr>
+          <p:nvPr>
+            <p:extLst>
+              <p:ext uri="{D42A27DB-BD31-4B8C-83A1-F6EECF244321}">
+                <p14:modId xmlns:p14="http://schemas.microsoft.com/office/powerpoint/2010/main" val="3796648284"/>
+              </p:ext>
+            </p:extLst>
+          </p:nvPr>
+        </p:nvGraphicFramePr>
+        <p:xfrm>
+          <a:off x="155830" y="4013437"/>
+          <a:ext cx="4390293" cy="1842435"/>
+        </p:xfrm>
+        <a:graphic>
+          <a:graphicData uri="http://schemas.openxmlformats.org/drawingml/2006/table">
+            <a:tbl>
+              <a:tblPr firstRow="1" bandRow="1">
+                <a:tableStyleId>{5C22544A-7EE6-4342-B048-85BDC9FD1C3A}</a:tableStyleId>
+              </a:tblPr>
+              <a:tblGrid>
+                <a:gridCol w="1463431">
+                  <a:extLst>
+                    <a:ext uri="{9D8B030D-6E8A-4147-A177-3AD203B41FA5}">
+                      <a16:colId xmlns:a16="http://schemas.microsoft.com/office/drawing/2014/main" val="3892237616"/>
+                    </a:ext>
+                  </a:extLst>
+                </a:gridCol>
+                <a:gridCol w="1463431">
+                  <a:extLst>
+                    <a:ext uri="{9D8B030D-6E8A-4147-A177-3AD203B41FA5}">
+                      <a16:colId xmlns:a16="http://schemas.microsoft.com/office/drawing/2014/main" val="2100386984"/>
+                    </a:ext>
+                  </a:extLst>
+                </a:gridCol>
+                <a:gridCol w="1463431">
+                  <a:extLst>
+                    <a:ext uri="{9D8B030D-6E8A-4147-A177-3AD203B41FA5}">
+                      <a16:colId xmlns:a16="http://schemas.microsoft.com/office/drawing/2014/main" val="2471708999"/>
+                    </a:ext>
+                  </a:extLst>
+                </a:gridCol>
+              </a:tblGrid>
+              <a:tr h="318435">
+                <a:tc>
+                  <a:txBody>
+                    <a:bodyPr/>
+                    <a:lstStyle/>
+                    <a:p>
+                      <a:pPr algn="ctr"/>
+                      <a:r>
+                        <a:rPr lang="en-US" sz="1400" dirty="0"/>
+                        <a:t>Batch Number</a:t>
+                      </a:r>
+                    </a:p>
+                  </a:txBody>
+                  <a:tcPr/>
+                </a:tc>
+                <a:tc>
+                  <a:txBody>
+                    <a:bodyPr/>
+                    <a:lstStyle/>
+                    <a:p>
+                      <a:pPr algn="ctr"/>
+                      <a:r>
+                        <a:rPr lang="en-US" sz="1400" dirty="0"/>
+                        <a:t>Result</a:t>
+                      </a:r>
+                    </a:p>
+                  </a:txBody>
+                  <a:tcPr/>
+                </a:tc>
+                <a:tc>
+                  <a:txBody>
+                    <a:bodyPr/>
+                    <a:lstStyle/>
+                    <a:p>
+                      <a:pPr algn="ctr"/>
+                      <a:r>
+                        <a:rPr lang="en-US" sz="1400" dirty="0"/>
+                        <a:t>Probability</a:t>
+                      </a:r>
+                    </a:p>
+                  </a:txBody>
+                  <a:tcPr/>
+                </a:tc>
+                <a:extLst>
+                  <a:ext uri="{0D108BD9-81ED-4DB2-BD59-A6C34878D82A}">
+                    <a16:rowId xmlns:a16="http://schemas.microsoft.com/office/drawing/2014/main" val="3049934132"/>
+                  </a:ext>
+                </a:extLst>
+              </a:tr>
+              <a:tr h="179301">
+                <a:tc>
+                  <a:txBody>
+                    <a:bodyPr/>
+                    <a:lstStyle/>
+                    <a:p>
+                      <a:pPr algn="ctr"/>
+                      <a:r>
+                        <a:rPr lang="en-US" sz="1400" dirty="0"/>
+                        <a:t>1</a:t>
+                      </a:r>
+                    </a:p>
+                  </a:txBody>
+                  <a:tcPr/>
+                </a:tc>
+                <a:tc>
+                  <a:txBody>
+                    <a:bodyPr/>
+                    <a:lstStyle/>
+                    <a:p>
+                      <a:pPr algn="ctr"/>
+                      <a:r>
+                        <a:rPr lang="en-US" sz="1400" dirty="0"/>
+                        <a:t>Non-Scam</a:t>
+                      </a:r>
+                    </a:p>
+                  </a:txBody>
+                  <a:tcPr/>
+                </a:tc>
+                <a:tc>
+                  <a:txBody>
+                    <a:bodyPr/>
+                    <a:lstStyle/>
+                    <a:p>
+                      <a:pPr algn="ctr"/>
+                      <a:r>
+                        <a:rPr lang="en-US" sz="1400" dirty="0"/>
+                        <a:t>64%</a:t>
+                      </a:r>
+                    </a:p>
+                  </a:txBody>
+                  <a:tcPr/>
+                </a:tc>
+                <a:extLst>
+                  <a:ext uri="{0D108BD9-81ED-4DB2-BD59-A6C34878D82A}">
+                    <a16:rowId xmlns:a16="http://schemas.microsoft.com/office/drawing/2014/main" val="1512097725"/>
+                  </a:ext>
+                </a:extLst>
+              </a:tr>
+              <a:tr h="179301">
+                <a:tc>
+                  <a:txBody>
+                    <a:bodyPr/>
+                    <a:lstStyle/>
+                    <a:p>
+                      <a:pPr algn="ctr"/>
+                      <a:r>
+                        <a:rPr lang="en-US" sz="1400" dirty="0"/>
+                        <a:t>2</a:t>
+                      </a:r>
+                    </a:p>
+                  </a:txBody>
+                  <a:tcPr/>
+                </a:tc>
+                <a:tc>
+                  <a:txBody>
+                    <a:bodyPr/>
+                    <a:lstStyle/>
+                    <a:p>
+                      <a:pPr marL="0" marR="0" lvl="0" indent="0" algn="ctr" defTabSz="914400" rtl="0" eaLnBrk="1" fontAlgn="auto" latinLnBrk="0" hangingPunct="1">
+                        <a:lnSpc>
+                          <a:spcPct val="100000"/>
+                        </a:lnSpc>
+                        <a:spcBef>
+                          <a:spcPts val="0"/>
+                        </a:spcBef>
+                        <a:spcAft>
+                          <a:spcPts val="0"/>
+                        </a:spcAft>
+                        <a:buClrTx/>
+                        <a:buSzTx/>
+                        <a:buFontTx/>
+                        <a:buNone/>
+                        <a:tabLst/>
+                        <a:defRPr/>
+                      </a:pPr>
+                      <a:r>
+                        <a:rPr lang="en-US" sz="1400" dirty="0"/>
+                        <a:t>Non-Scam</a:t>
+                      </a:r>
+                    </a:p>
+                  </a:txBody>
+                  <a:tcPr/>
+                </a:tc>
+                <a:tc>
+                  <a:txBody>
+                    <a:bodyPr/>
+                    <a:lstStyle/>
+                    <a:p>
+                      <a:pPr algn="ctr"/>
+                      <a:r>
+                        <a:rPr lang="en-US" sz="1400" dirty="0"/>
+                        <a:t>73%</a:t>
+                      </a:r>
+                    </a:p>
+                  </a:txBody>
+                  <a:tcPr/>
+                </a:tc>
+                <a:extLst>
+                  <a:ext uri="{0D108BD9-81ED-4DB2-BD59-A6C34878D82A}">
+                    <a16:rowId xmlns:a16="http://schemas.microsoft.com/office/drawing/2014/main" val="3429545967"/>
+                  </a:ext>
+                </a:extLst>
+              </a:tr>
+              <a:tr h="179301">
+                <a:tc>
+                  <a:txBody>
+                    <a:bodyPr/>
+                    <a:lstStyle/>
+                    <a:p>
+                      <a:pPr algn="ctr"/>
+                      <a:r>
+                        <a:rPr lang="en-US" sz="1400" dirty="0"/>
+                        <a:t>3</a:t>
+                      </a:r>
+                    </a:p>
+                  </a:txBody>
+                  <a:tcPr/>
+                </a:tc>
+                <a:tc>
+                  <a:txBody>
+                    <a:bodyPr/>
+                    <a:lstStyle/>
+                    <a:p>
+                      <a:pPr marL="0" marR="0" lvl="0" indent="0" algn="ctr" defTabSz="914400" rtl="0" eaLnBrk="1" fontAlgn="auto" latinLnBrk="0" hangingPunct="1">
+                        <a:lnSpc>
+                          <a:spcPct val="100000"/>
+                        </a:lnSpc>
+                        <a:spcBef>
+                          <a:spcPts val="0"/>
+                        </a:spcBef>
+                        <a:spcAft>
+                          <a:spcPts val="0"/>
+                        </a:spcAft>
+                        <a:buClrTx/>
+                        <a:buSzTx/>
+                        <a:buFontTx/>
+                        <a:buNone/>
+                        <a:tabLst/>
+                        <a:defRPr/>
+                      </a:pPr>
+                      <a:r>
+                        <a:rPr lang="en-US" sz="1400" dirty="0"/>
+                        <a:t>Non-Scam</a:t>
+                      </a:r>
+                    </a:p>
+                  </a:txBody>
+                  <a:tcPr/>
+                </a:tc>
+                <a:tc>
+                  <a:txBody>
+                    <a:bodyPr/>
+                    <a:lstStyle/>
+                    <a:p>
+                      <a:pPr algn="ctr"/>
+                      <a:r>
+                        <a:rPr lang="en-US" sz="1400" dirty="0"/>
+                        <a:t>73%</a:t>
+                      </a:r>
+                    </a:p>
+                  </a:txBody>
+                  <a:tcPr/>
+                </a:tc>
+                <a:extLst>
+                  <a:ext uri="{0D108BD9-81ED-4DB2-BD59-A6C34878D82A}">
+                    <a16:rowId xmlns:a16="http://schemas.microsoft.com/office/drawing/2014/main" val="1624593536"/>
+                  </a:ext>
+                </a:extLst>
+              </a:tr>
+              <a:tr h="179301">
+                <a:tc>
+                  <a:txBody>
+                    <a:bodyPr/>
+                    <a:lstStyle/>
+                    <a:p>
+                      <a:pPr algn="ctr"/>
+                      <a:r>
+                        <a:rPr lang="en-US" sz="1400" dirty="0"/>
+                        <a:t>4</a:t>
+                      </a:r>
+                    </a:p>
+                  </a:txBody>
+                  <a:tcPr/>
+                </a:tc>
+                <a:tc>
+                  <a:txBody>
+                    <a:bodyPr/>
+                    <a:lstStyle/>
+                    <a:p>
+                      <a:pPr marL="0" marR="0" lvl="0" indent="0" algn="ctr" defTabSz="914400" rtl="0" eaLnBrk="1" fontAlgn="auto" latinLnBrk="0" hangingPunct="1">
+                        <a:lnSpc>
+                          <a:spcPct val="100000"/>
+                        </a:lnSpc>
+                        <a:spcBef>
+                          <a:spcPts val="0"/>
+                        </a:spcBef>
+                        <a:spcAft>
+                          <a:spcPts val="0"/>
+                        </a:spcAft>
+                        <a:buClrTx/>
+                        <a:buSzTx/>
+                        <a:buFontTx/>
+                        <a:buNone/>
+                        <a:tabLst/>
+                        <a:defRPr/>
+                      </a:pPr>
+                      <a:r>
+                        <a:rPr lang="en-US" sz="1400" dirty="0"/>
+                        <a:t>Non-Scam</a:t>
+                      </a:r>
+                    </a:p>
+                  </a:txBody>
+                  <a:tcPr/>
+                </a:tc>
+                <a:tc>
+                  <a:txBody>
+                    <a:bodyPr/>
+                    <a:lstStyle/>
+                    <a:p>
+                      <a:pPr algn="ctr"/>
+                      <a:r>
+                        <a:rPr lang="en-US" sz="1400" dirty="0"/>
+                        <a:t>62%</a:t>
+                      </a:r>
+                    </a:p>
+                  </a:txBody>
+                  <a:tcPr/>
+                </a:tc>
+                <a:extLst>
+                  <a:ext uri="{0D108BD9-81ED-4DB2-BD59-A6C34878D82A}">
+                    <a16:rowId xmlns:a16="http://schemas.microsoft.com/office/drawing/2014/main" val="3011693667"/>
+                  </a:ext>
+                </a:extLst>
+              </a:tr>
+              <a:tr h="179301">
+                <a:tc>
+                  <a:txBody>
+                    <a:bodyPr/>
+                    <a:lstStyle/>
+                    <a:p>
+                      <a:pPr algn="ctr"/>
+                      <a:r>
+                        <a:rPr lang="en-US" sz="1400" dirty="0"/>
+                        <a:t>5</a:t>
+                      </a:r>
+                    </a:p>
+                  </a:txBody>
+                  <a:tcPr/>
+                </a:tc>
+                <a:tc>
+                  <a:txBody>
+                    <a:bodyPr/>
+                    <a:lstStyle/>
+                    <a:p>
+                      <a:pPr marL="0" marR="0" lvl="0" indent="0" algn="ctr" defTabSz="914400" rtl="0" eaLnBrk="1" fontAlgn="auto" latinLnBrk="0" hangingPunct="1">
+                        <a:lnSpc>
+                          <a:spcPct val="100000"/>
+                        </a:lnSpc>
+                        <a:spcBef>
+                          <a:spcPts val="0"/>
+                        </a:spcBef>
+                        <a:spcAft>
+                          <a:spcPts val="0"/>
+                        </a:spcAft>
+                        <a:buClrTx/>
+                        <a:buSzTx/>
+                        <a:buFontTx/>
+                        <a:buNone/>
+                        <a:tabLst/>
+                        <a:defRPr/>
+                      </a:pPr>
+                      <a:r>
+                        <a:rPr lang="en-US" sz="1400" dirty="0"/>
+                        <a:t>Non-Scam</a:t>
+                      </a:r>
+                    </a:p>
+                  </a:txBody>
+                  <a:tcPr/>
+                </a:tc>
+                <a:tc>
+                  <a:txBody>
+                    <a:bodyPr/>
+                    <a:lstStyle/>
+                    <a:p>
+                      <a:pPr algn="ctr"/>
+                      <a:r>
+                        <a:rPr lang="en-US" sz="1400" dirty="0"/>
+                        <a:t>59%</a:t>
+                      </a:r>
+                    </a:p>
+                  </a:txBody>
+                  <a:tcPr/>
+                </a:tc>
+                <a:extLst>
+                  <a:ext uri="{0D108BD9-81ED-4DB2-BD59-A6C34878D82A}">
+                    <a16:rowId xmlns:a16="http://schemas.microsoft.com/office/drawing/2014/main" val="365522491"/>
+                  </a:ext>
+                </a:extLst>
+              </a:tr>
+            </a:tbl>
+          </a:graphicData>
+        </a:graphic>
+      </p:graphicFrame>
+      <p:sp>
+        <p:nvSpPr>
+          <p:cNvPr id="8" name="TextBox 7">
+            <a:extLst>
+              <a:ext uri="{FF2B5EF4-FFF2-40B4-BE49-F238E27FC236}">
+                <a16:creationId xmlns:a16="http://schemas.microsoft.com/office/drawing/2014/main" id="{E04A00D3-4D24-119B-2B9B-02EAA31DD3E1}"/>
+              </a:ext>
+            </a:extLst>
+          </p:cNvPr>
+          <p:cNvSpPr txBox="1"/>
+          <p:nvPr/>
+        </p:nvSpPr>
+        <p:spPr>
+          <a:xfrm>
+            <a:off x="0" y="0"/>
+            <a:ext cx="12192000" cy="523220"/>
+          </a:xfrm>
+          <a:prstGeom prst="rect">
+            <a:avLst/>
+          </a:prstGeom>
+          <a:noFill/>
+        </p:spPr>
+        <p:txBody>
+          <a:bodyPr wrap="square" rtlCol="0">
+            <a:spAutoFit/>
+          </a:bodyPr>
+          <a:lstStyle/>
+          <a:p>
+            <a:r>
+              <a:rPr lang="en-US" sz="2800" dirty="0"/>
+              <a:t>RANDOM FOREST – REAL TIME TESTING</a:t>
+            </a:r>
+          </a:p>
+        </p:txBody>
+      </p:sp>
+      <p:sp>
+        <p:nvSpPr>
+          <p:cNvPr id="3" name="TextBox 2">
+            <a:extLst>
+              <a:ext uri="{FF2B5EF4-FFF2-40B4-BE49-F238E27FC236}">
+                <a16:creationId xmlns:a16="http://schemas.microsoft.com/office/drawing/2014/main" id="{FBCBB29F-468A-86C4-9021-C66251459552}"/>
+              </a:ext>
+            </a:extLst>
+          </p:cNvPr>
+          <p:cNvSpPr txBox="1"/>
+          <p:nvPr/>
+        </p:nvSpPr>
+        <p:spPr>
+          <a:xfrm>
+            <a:off x="155829" y="754890"/>
+            <a:ext cx="1265090" cy="369332"/>
+          </a:xfrm>
+          <a:prstGeom prst="rect">
+            <a:avLst/>
+          </a:prstGeom>
+          <a:noFill/>
+        </p:spPr>
+        <p:txBody>
+          <a:bodyPr wrap="none" rtlCol="0">
+            <a:spAutoFit/>
+          </a:bodyPr>
+          <a:lstStyle/>
+          <a:p>
+            <a:r>
+              <a:rPr lang="en-US" dirty="0">
+                <a:solidFill>
+                  <a:srgbClr val="00B050"/>
+                </a:solidFill>
+                <a:effectLst>
+                  <a:outerShdw blurRad="38100" dist="38100" dir="2700000" algn="tl">
+                    <a:srgbClr val="000000">
+                      <a:alpha val="43137"/>
+                    </a:srgbClr>
+                  </a:outerShdw>
+                </a:effectLst>
+              </a:rPr>
+              <a:t>NON-SCAM</a:t>
+            </a:r>
+          </a:p>
+        </p:txBody>
+      </p:sp>
+      <p:graphicFrame>
+        <p:nvGraphicFramePr>
+          <p:cNvPr id="2" name="Table 1">
+            <a:extLst>
+              <a:ext uri="{FF2B5EF4-FFF2-40B4-BE49-F238E27FC236}">
+                <a16:creationId xmlns:a16="http://schemas.microsoft.com/office/drawing/2014/main" id="{53F87085-5D09-B5D5-CB90-887E21FB90FA}"/>
+              </a:ext>
+            </a:extLst>
+          </p:cNvPr>
+          <p:cNvGraphicFramePr>
+            <a:graphicFrameLocks noGrp="1"/>
+          </p:cNvGraphicFramePr>
+          <p:nvPr/>
+        </p:nvGraphicFramePr>
+        <p:xfrm>
+          <a:off x="155829" y="1124222"/>
+          <a:ext cx="11880342" cy="2377440"/>
+        </p:xfrm>
+        <a:graphic>
+          <a:graphicData uri="http://schemas.openxmlformats.org/drawingml/2006/table">
+            <a:tbl>
+              <a:tblPr firstRow="1" bandRow="1">
+                <a:tableStyleId>{5C22544A-7EE6-4342-B048-85BDC9FD1C3A}</a:tableStyleId>
+              </a:tblPr>
+              <a:tblGrid>
+                <a:gridCol w="1131579">
+                  <a:extLst>
+                    <a:ext uri="{9D8B030D-6E8A-4147-A177-3AD203B41FA5}">
+                      <a16:colId xmlns:a16="http://schemas.microsoft.com/office/drawing/2014/main" val="1824382455"/>
+                    </a:ext>
+                  </a:extLst>
+                </a:gridCol>
+                <a:gridCol w="5954710">
+                  <a:extLst>
+                    <a:ext uri="{9D8B030D-6E8A-4147-A177-3AD203B41FA5}">
+                      <a16:colId xmlns:a16="http://schemas.microsoft.com/office/drawing/2014/main" val="3523283076"/>
+                    </a:ext>
+                  </a:extLst>
+                </a:gridCol>
+                <a:gridCol w="4794053">
+                  <a:extLst>
+                    <a:ext uri="{9D8B030D-6E8A-4147-A177-3AD203B41FA5}">
+                      <a16:colId xmlns:a16="http://schemas.microsoft.com/office/drawing/2014/main" val="1026576332"/>
+                    </a:ext>
+                  </a:extLst>
+                </a:gridCol>
+              </a:tblGrid>
+              <a:tr h="143077">
+                <a:tc>
+                  <a:txBody>
+                    <a:bodyPr/>
+                    <a:lstStyle/>
+                    <a:p>
+                      <a:r>
+                        <a:rPr lang="en-US" sz="1000" dirty="0">
+                          <a:solidFill>
+                            <a:schemeClr val="tx1"/>
+                          </a:solidFill>
+                        </a:rPr>
+                        <a:t>Conversation Id</a:t>
+                      </a:r>
+                    </a:p>
+                  </a:txBody>
+                  <a:tcPr/>
+                </a:tc>
+                <a:tc>
+                  <a:txBody>
+                    <a:bodyPr/>
+                    <a:lstStyle/>
+                    <a:p>
+                      <a:r>
+                        <a:rPr lang="en-US" sz="1000" dirty="0">
+                          <a:solidFill>
+                            <a:schemeClr val="tx1"/>
+                          </a:solidFill>
+                        </a:rPr>
+                        <a:t>Attacker_Helper</a:t>
+                      </a:r>
+                    </a:p>
+                  </a:txBody>
+                  <a:tcPr/>
+                </a:tc>
+                <a:tc>
+                  <a:txBody>
+                    <a:bodyPr/>
+                    <a:lstStyle/>
+                    <a:p>
+                      <a:r>
+                        <a:rPr lang="en-US" sz="1000" dirty="0">
+                          <a:solidFill>
+                            <a:schemeClr val="tx1"/>
+                          </a:solidFill>
+                        </a:rPr>
+                        <a:t>Victim</a:t>
+                      </a:r>
+                    </a:p>
+                  </a:txBody>
+                  <a:tcPr/>
+                </a:tc>
+                <a:extLst>
+                  <a:ext uri="{0D108BD9-81ED-4DB2-BD59-A6C34878D82A}">
+                    <a16:rowId xmlns:a16="http://schemas.microsoft.com/office/drawing/2014/main" val="2788586197"/>
+                  </a:ext>
+                </a:extLst>
+              </a:tr>
+              <a:tr h="232501">
+                <a:tc>
+                  <a:txBody>
+                    <a:bodyPr/>
+                    <a:lstStyle/>
+                    <a:p>
+                      <a:r>
+                        <a:rPr lang="en-US" sz="1000" b="0" dirty="0">
+                          <a:solidFill>
+                            <a:schemeClr val="tx1"/>
+                          </a:solidFill>
+                          <a:effectLst/>
+                        </a:rPr>
+                        <a:t>SsDyLEV3XJ4lc3</a:t>
+                      </a:r>
+                      <a:endParaRPr lang="en-US" sz="1000" dirty="0">
+                        <a:solidFill>
+                          <a:schemeClr val="tx1"/>
+                        </a:solidFill>
+                      </a:endParaRPr>
+                    </a:p>
+                  </a:txBody>
+                  <a:tcPr/>
+                </a:tc>
+                <a:tc>
+                  <a:txBody>
+                    <a:bodyPr/>
+                    <a:lstStyle/>
+                    <a:p>
+                      <a:r>
+                        <a:rPr lang="en-US" sz="1000" b="0" dirty="0">
+                          <a:solidFill>
+                            <a:schemeClr val="tx1"/>
+                          </a:solidFill>
+                          <a:effectLst/>
+                        </a:rPr>
+                        <a:t>Hello, this is Jane from the IRS. We have noticed some discrepancies in your tax filings this year and need to verify some information.</a:t>
+                      </a:r>
+                    </a:p>
+                  </a:txBody>
+                  <a:tcPr/>
+                </a:tc>
+                <a:tc>
+                  <a:txBody>
+                    <a:bodyPr/>
+                    <a:lstStyle/>
+                    <a:p>
+                      <a:r>
+                        <a:rPr lang="en-US" sz="1000" b="0" dirty="0">
+                          <a:solidFill>
+                            <a:schemeClr val="tx1"/>
+                          </a:solidFill>
+                          <a:effectLst/>
+                        </a:rPr>
+                        <a:t>Oh really? Can you provide me with some details about the discrepancies?</a:t>
+                      </a:r>
+                    </a:p>
+                  </a:txBody>
+                  <a:tcPr/>
+                </a:tc>
+                <a:extLst>
+                  <a:ext uri="{0D108BD9-81ED-4DB2-BD59-A6C34878D82A}">
+                    <a16:rowId xmlns:a16="http://schemas.microsoft.com/office/drawing/2014/main" val="3871337990"/>
+                  </a:ext>
+                </a:extLst>
+              </a:tr>
+              <a:tr h="232501">
+                <a:tc>
+                  <a:txBody>
+                    <a:bodyPr/>
+                    <a:lstStyle/>
+                    <a:p>
+                      <a:r>
+                        <a:rPr lang="en-US" sz="1000" b="0" dirty="0">
+                          <a:solidFill>
+                            <a:schemeClr val="tx1"/>
+                          </a:solidFill>
+                          <a:effectLst/>
+                        </a:rPr>
+                        <a:t>SsDyLEV3XJ4lc3</a:t>
+                      </a:r>
+                      <a:endParaRPr lang="en-US" sz="1000" dirty="0">
+                        <a:solidFill>
+                          <a:schemeClr val="tx1"/>
+                        </a:solidFill>
+                      </a:endParaRPr>
+                    </a:p>
+                  </a:txBody>
+                  <a:tcPr/>
+                </a:tc>
+                <a:tc>
+                  <a:txBody>
+                    <a:bodyPr/>
+                    <a:lstStyle/>
+                    <a:p>
+                      <a:r>
+                        <a:rPr lang="en-US" sz="1000" b="0" dirty="0">
+                          <a:solidFill>
+                            <a:schemeClr val="tx1"/>
+                          </a:solidFill>
+                          <a:effectLst/>
+                        </a:rPr>
+                        <a:t>Certainly. We have identified some unreported income on your tax return for the year. Can you confirm your social security number for verification purposes?</a:t>
+                      </a:r>
+                    </a:p>
+                  </a:txBody>
+                  <a:tcPr/>
+                </a:tc>
+                <a:tc>
+                  <a:txBody>
+                    <a:bodyPr/>
+                    <a:lstStyle/>
+                    <a:p>
+                      <a:r>
+                        <a:rPr lang="en-US" sz="1000" b="0" dirty="0">
+                          <a:solidFill>
+                            <a:schemeClr val="tx1"/>
+                          </a:solidFill>
+                          <a:effectLst/>
+                        </a:rPr>
+                        <a:t>I'm not comfortable providing my social security number over the phone. Is there any other way we can resolve this?</a:t>
+                      </a:r>
+                    </a:p>
+                  </a:txBody>
+                  <a:tcPr/>
+                </a:tc>
+                <a:extLst>
+                  <a:ext uri="{0D108BD9-81ED-4DB2-BD59-A6C34878D82A}">
+                    <a16:rowId xmlns:a16="http://schemas.microsoft.com/office/drawing/2014/main" val="22930698"/>
+                  </a:ext>
+                </a:extLst>
+              </a:tr>
+              <a:tr h="232501">
+                <a:tc>
+                  <a:txBody>
+                    <a:bodyPr/>
+                    <a:lstStyle/>
+                    <a:p>
+                      <a:r>
+                        <a:rPr lang="en-US" sz="1000" b="0" dirty="0">
+                          <a:solidFill>
+                            <a:schemeClr val="tx1"/>
+                          </a:solidFill>
+                          <a:effectLst/>
+                        </a:rPr>
+                        <a:t>SsDyLEV3XJ4lc3</a:t>
+                      </a:r>
+                      <a:endParaRPr lang="en-US" sz="1000" dirty="0">
+                        <a:solidFill>
+                          <a:schemeClr val="tx1"/>
+                        </a:solidFill>
+                      </a:endParaRPr>
+                    </a:p>
+                  </a:txBody>
+                  <a:tcPr/>
+                </a:tc>
+                <a:tc>
+                  <a:txBody>
+                    <a:bodyPr/>
+                    <a:lstStyle/>
+                    <a:p>
+                      <a:r>
+                        <a:rPr lang="en-US" sz="1000" b="0" dirty="0">
+                          <a:solidFill>
+                            <a:schemeClr val="tx1"/>
+                          </a:solidFill>
+                          <a:effectLst/>
+                        </a:rPr>
+                        <a:t>I understand your concern, but we need to verify your identity before discussing further. Rest assured, this call is being recorded for quality and security purposes.</a:t>
+                      </a:r>
+                    </a:p>
+                  </a:txBody>
+                  <a:tcPr/>
+                </a:tc>
+                <a:tc>
+                  <a:txBody>
+                    <a:bodyPr/>
+                    <a:lstStyle/>
+                    <a:p>
+                      <a:r>
+                        <a:rPr lang="en-US" sz="1000" b="0" dirty="0">
+                          <a:solidFill>
+                            <a:schemeClr val="tx1"/>
+                          </a:solidFill>
+                          <a:effectLst/>
+                        </a:rPr>
+                        <a:t>I appreciate that, but I still feel uneasy about sharing such sensitive information. Can I visit my local IRS office to resolve this matter?</a:t>
+                      </a:r>
+                    </a:p>
+                  </a:txBody>
+                  <a:tcPr/>
+                </a:tc>
+                <a:extLst>
+                  <a:ext uri="{0D108BD9-81ED-4DB2-BD59-A6C34878D82A}">
+                    <a16:rowId xmlns:a16="http://schemas.microsoft.com/office/drawing/2014/main" val="1446474973"/>
+                  </a:ext>
+                </a:extLst>
+              </a:tr>
+              <a:tr h="232501">
+                <a:tc>
+                  <a:txBody>
+                    <a:bodyPr/>
+                    <a:lstStyle/>
+                    <a:p>
+                      <a:r>
+                        <a:rPr lang="en-US" sz="1000" b="0" dirty="0">
+                          <a:solidFill>
+                            <a:schemeClr val="tx1"/>
+                          </a:solidFill>
+                          <a:effectLst/>
+                        </a:rPr>
+                        <a:t>SsDyLEV3XJ4lc3</a:t>
+                      </a:r>
+                      <a:endParaRPr lang="en-US" sz="1000" dirty="0">
+                        <a:solidFill>
+                          <a:schemeClr val="tx1"/>
+                        </a:solidFill>
+                      </a:endParaRPr>
+                    </a:p>
+                  </a:txBody>
+                  <a:tcPr/>
+                </a:tc>
+                <a:tc>
+                  <a:txBody>
+                    <a:bodyPr/>
+                    <a:lstStyle/>
+                    <a:p>
+                      <a:r>
+                        <a:rPr lang="en-US" sz="1000" b="0" dirty="0">
+                          <a:solidFill>
+                            <a:schemeClr val="tx1"/>
+                          </a:solidFill>
+                          <a:effectLst/>
+                        </a:rPr>
+                        <a:t>I apologize for the inconvenience, but due to the current circumstances, our offices are closed. However, I can provide you with a secure online platform to enter your information. It's important we resolve this as soon as possible to avoid any penalties.</a:t>
+                      </a:r>
+                    </a:p>
+                  </a:txBody>
+                  <a:tcPr/>
+                </a:tc>
+                <a:tc>
+                  <a:txBody>
+                    <a:bodyPr/>
+                    <a:lstStyle/>
+                    <a:p>
+                      <a:r>
+                        <a:rPr lang="en-US" sz="1000" b="0" dirty="0">
+                          <a:solidFill>
+                            <a:schemeClr val="tx1"/>
+                          </a:solidFill>
+                          <a:effectLst/>
+                        </a:rPr>
+                        <a:t>Alright, if there's no other option, I guess I can use the online platform. Please guide me through the process step by step.</a:t>
+                      </a:r>
+                    </a:p>
+                  </a:txBody>
+                  <a:tcPr/>
+                </a:tc>
+                <a:extLst>
+                  <a:ext uri="{0D108BD9-81ED-4DB2-BD59-A6C34878D82A}">
+                    <a16:rowId xmlns:a16="http://schemas.microsoft.com/office/drawing/2014/main" val="2090242424"/>
+                  </a:ext>
+                </a:extLst>
+              </a:tr>
+              <a:tr h="232501">
+                <a:tc>
+                  <a:txBody>
+                    <a:bodyPr/>
+                    <a:lstStyle/>
+                    <a:p>
+                      <a:r>
+                        <a:rPr lang="en-US" sz="1000" b="0" dirty="0">
+                          <a:solidFill>
+                            <a:schemeClr val="tx1"/>
+                          </a:solidFill>
+                          <a:effectLst/>
+                        </a:rPr>
+                        <a:t>SsDyLEV3XJ4lc3</a:t>
+                      </a:r>
+                      <a:endParaRPr lang="en-US" sz="1000" dirty="0">
+                        <a:solidFill>
+                          <a:schemeClr val="tx1"/>
+                        </a:solidFill>
+                      </a:endParaRPr>
+                    </a:p>
+                  </a:txBody>
+                  <a:tcPr/>
+                </a:tc>
+                <a:tc>
+                  <a:txBody>
+                    <a:bodyPr/>
+                    <a:lstStyle/>
+                    <a:p>
+                      <a:r>
+                        <a:rPr lang="en-US" sz="1000" b="0" dirty="0">
+                          <a:solidFill>
+                            <a:schemeClr val="tx1"/>
+                          </a:solidFill>
+                          <a:effectLst/>
+                        </a:rPr>
+                        <a:t>Thank you for your cooperation. I will send you an email shortly with a link to access the platform. Once you're there, follow the instructions carefully. Get back to me if you have any questions along the way.</a:t>
+                      </a:r>
+                    </a:p>
+                  </a:txBody>
+                  <a:tcPr/>
+                </a:tc>
+                <a:tc>
+                  <a:txBody>
+                    <a:bodyPr/>
+                    <a:lstStyle/>
+                    <a:p>
+                      <a:r>
+                        <a:rPr lang="en-US" sz="1000" b="0" dirty="0">
+                          <a:solidFill>
+                            <a:schemeClr val="tx1"/>
+                          </a:solidFill>
+                          <a:effectLst/>
+                        </a:rPr>
+                        <a:t>Alright, I'll keep an eye on my email. I appreciate your assistance in resolving this matter.</a:t>
+                      </a:r>
+                    </a:p>
+                  </a:txBody>
+                  <a:tcPr/>
+                </a:tc>
+                <a:extLst>
+                  <a:ext uri="{0D108BD9-81ED-4DB2-BD59-A6C34878D82A}">
+                    <a16:rowId xmlns:a16="http://schemas.microsoft.com/office/drawing/2014/main" val="2062566075"/>
+                  </a:ext>
+                </a:extLst>
+              </a:tr>
+            </a:tbl>
+          </a:graphicData>
+        </a:graphic>
+      </p:graphicFrame>
+      <p:sp>
+        <p:nvSpPr>
+          <p:cNvPr id="5" name="TextBox 4">
+            <a:extLst>
+              <a:ext uri="{FF2B5EF4-FFF2-40B4-BE49-F238E27FC236}">
+                <a16:creationId xmlns:a16="http://schemas.microsoft.com/office/drawing/2014/main" id="{0AEF3516-829D-60DD-C771-8C677F5003A4}"/>
+              </a:ext>
+            </a:extLst>
+          </p:cNvPr>
+          <p:cNvSpPr txBox="1"/>
+          <p:nvPr/>
+        </p:nvSpPr>
+        <p:spPr>
+          <a:xfrm>
+            <a:off x="78191" y="3541684"/>
+            <a:ext cx="9344289" cy="369332"/>
+          </a:xfrm>
+          <a:prstGeom prst="rect">
+            <a:avLst/>
+          </a:prstGeom>
+          <a:noFill/>
+        </p:spPr>
+        <p:txBody>
+          <a:bodyPr wrap="none" rtlCol="0">
+            <a:spAutoFit/>
+          </a:bodyPr>
+          <a:lstStyle/>
+          <a:p>
+            <a:r>
+              <a:rPr lang="en-US" dirty="0"/>
+              <a:t>The model is familiar with this conversation format, but has not specifically seen this conversation</a:t>
+            </a:r>
+          </a:p>
+        </p:txBody>
+      </p:sp>
+    </p:spTree>
+    <p:extLst>
+      <p:ext uri="{BB962C8B-B14F-4D97-AF65-F5344CB8AC3E}">
+        <p14:creationId xmlns:p14="http://schemas.microsoft.com/office/powerpoint/2010/main" val="2405789375"/>
+      </p:ext>
+    </p:extLst>
+  </p:cSld>
+  <p:clrMapOvr>
+    <a:masterClrMapping/>
+  </p:clrMapOvr>
+</p:sld>
+</file>
+
+<file path=ppt/slides/slide28.xml><?xml version="1.0" encoding="utf-8"?>
+<p:sld xmlns:a="http://schemas.openxmlformats.org/drawingml/2006/main" xmlns:r="http://schemas.openxmlformats.org/officeDocument/2006/relationships" xmlns:p="http://schemas.openxmlformats.org/presentationml/2006/main">
+  <p:cSld>
+    <p:spTree>
+      <p:nvGrpSpPr>
+        <p:cNvPr id="1" name=""/>
+        <p:cNvGrpSpPr/>
+        <p:nvPr/>
+      </p:nvGrpSpPr>
+      <p:grpSpPr>
+        <a:xfrm>
+          <a:off x="0" y="0"/>
+          <a:ext cx="0" cy="0"/>
+          <a:chOff x="0" y="0"/>
+          <a:chExt cx="0" cy="0"/>
+        </a:xfrm>
+      </p:grpSpPr>
+      <p:graphicFrame>
+        <p:nvGraphicFramePr>
+          <p:cNvPr id="4" name="Table 3">
+            <a:extLst>
+              <a:ext uri="{FF2B5EF4-FFF2-40B4-BE49-F238E27FC236}">
+                <a16:creationId xmlns:a16="http://schemas.microsoft.com/office/drawing/2014/main" id="{58E122E0-C7BB-D0F3-72C4-3876E43EDC9D}"/>
+              </a:ext>
+            </a:extLst>
+          </p:cNvPr>
+          <p:cNvGraphicFramePr>
+            <a:graphicFrameLocks noGrp="1"/>
+          </p:cNvGraphicFramePr>
+          <p:nvPr>
+            <p:extLst>
+              <p:ext uri="{D42A27DB-BD31-4B8C-83A1-F6EECF244321}">
+                <p14:modId xmlns:p14="http://schemas.microsoft.com/office/powerpoint/2010/main" val="1962190312"/>
+              </p:ext>
+            </p:extLst>
+          </p:nvPr>
+        </p:nvGraphicFramePr>
+        <p:xfrm>
+          <a:off x="155830" y="3170044"/>
+          <a:ext cx="4726722" cy="1828800"/>
+        </p:xfrm>
+        <a:graphic>
+          <a:graphicData uri="http://schemas.openxmlformats.org/drawingml/2006/table">
+            <a:tbl>
+              <a:tblPr firstRow="1" bandRow="1">
+                <a:tableStyleId>{5C22544A-7EE6-4342-B048-85BDC9FD1C3A}</a:tableStyleId>
+              </a:tblPr>
+              <a:tblGrid>
+                <a:gridCol w="1575574">
+                  <a:extLst>
+                    <a:ext uri="{9D8B030D-6E8A-4147-A177-3AD203B41FA5}">
+                      <a16:colId xmlns:a16="http://schemas.microsoft.com/office/drawing/2014/main" val="3892237616"/>
+                    </a:ext>
+                  </a:extLst>
+                </a:gridCol>
+                <a:gridCol w="1575574">
+                  <a:extLst>
+                    <a:ext uri="{9D8B030D-6E8A-4147-A177-3AD203B41FA5}">
+                      <a16:colId xmlns:a16="http://schemas.microsoft.com/office/drawing/2014/main" val="2100386984"/>
+                    </a:ext>
+                  </a:extLst>
+                </a:gridCol>
+                <a:gridCol w="1575574">
+                  <a:extLst>
+                    <a:ext uri="{9D8B030D-6E8A-4147-A177-3AD203B41FA5}">
+                      <a16:colId xmlns:a16="http://schemas.microsoft.com/office/drawing/2014/main" val="2471708999"/>
+                    </a:ext>
+                  </a:extLst>
+                </a:gridCol>
+              </a:tblGrid>
+              <a:tr h="147371">
+                <a:tc>
+                  <a:txBody>
+                    <a:bodyPr/>
+                    <a:lstStyle/>
+                    <a:p>
+                      <a:pPr algn="ctr"/>
+                      <a:r>
+                        <a:rPr lang="en-US" sz="1400" dirty="0"/>
+                        <a:t>Batch Number</a:t>
+                      </a:r>
+                    </a:p>
+                  </a:txBody>
+                  <a:tcPr/>
+                </a:tc>
+                <a:tc>
+                  <a:txBody>
+                    <a:bodyPr/>
+                    <a:lstStyle/>
+                    <a:p>
+                      <a:pPr algn="ctr"/>
+                      <a:r>
+                        <a:rPr lang="en-US" sz="1400" dirty="0"/>
+                        <a:t>Result</a:t>
+                      </a:r>
+                    </a:p>
+                  </a:txBody>
+                  <a:tcPr/>
+                </a:tc>
+                <a:tc>
+                  <a:txBody>
+                    <a:bodyPr/>
+                    <a:lstStyle/>
+                    <a:p>
+                      <a:pPr algn="ctr"/>
+                      <a:r>
+                        <a:rPr lang="en-US" sz="1400" dirty="0"/>
+                        <a:t>Probability</a:t>
+                      </a:r>
+                    </a:p>
+                  </a:txBody>
+                  <a:tcPr/>
+                </a:tc>
+                <a:extLst>
+                  <a:ext uri="{0D108BD9-81ED-4DB2-BD59-A6C34878D82A}">
+                    <a16:rowId xmlns:a16="http://schemas.microsoft.com/office/drawing/2014/main" val="3049934132"/>
+                  </a:ext>
+                </a:extLst>
+              </a:tr>
+              <a:tr h="179301">
+                <a:tc>
+                  <a:txBody>
+                    <a:bodyPr/>
+                    <a:lstStyle/>
+                    <a:p>
+                      <a:pPr algn="ctr"/>
+                      <a:r>
+                        <a:rPr lang="en-US" sz="1400" dirty="0"/>
+                        <a:t>1</a:t>
+                      </a:r>
+                    </a:p>
+                  </a:txBody>
+                  <a:tcPr/>
+                </a:tc>
+                <a:tc>
+                  <a:txBody>
+                    <a:bodyPr/>
+                    <a:lstStyle/>
+                    <a:p>
+                      <a:pPr algn="ctr"/>
+                      <a:r>
+                        <a:rPr lang="en-US" sz="1400" dirty="0"/>
+                        <a:t>Non-Scam</a:t>
+                      </a:r>
+                    </a:p>
+                  </a:txBody>
+                  <a:tcPr/>
+                </a:tc>
+                <a:tc>
+                  <a:txBody>
+                    <a:bodyPr/>
+                    <a:lstStyle/>
+                    <a:p>
+                      <a:pPr algn="ctr"/>
+                      <a:r>
+                        <a:rPr lang="en-US" sz="1400" dirty="0"/>
+                        <a:t>56%</a:t>
+                      </a:r>
+                    </a:p>
+                  </a:txBody>
+                  <a:tcPr/>
+                </a:tc>
+                <a:extLst>
+                  <a:ext uri="{0D108BD9-81ED-4DB2-BD59-A6C34878D82A}">
+                    <a16:rowId xmlns:a16="http://schemas.microsoft.com/office/drawing/2014/main" val="1512097725"/>
+                  </a:ext>
+                </a:extLst>
+              </a:tr>
+              <a:tr h="179301">
+                <a:tc>
+                  <a:txBody>
+                    <a:bodyPr/>
+                    <a:lstStyle/>
+                    <a:p>
+                      <a:pPr algn="ctr"/>
+                      <a:r>
+                        <a:rPr lang="en-US" sz="1400" dirty="0"/>
+                        <a:t>2</a:t>
+                      </a:r>
+                    </a:p>
+                  </a:txBody>
+                  <a:tcPr/>
+                </a:tc>
+                <a:tc>
+                  <a:txBody>
+                    <a:bodyPr/>
+                    <a:lstStyle/>
+                    <a:p>
+                      <a:pPr marL="0" marR="0" lvl="0" indent="0" algn="ctr" defTabSz="914400" rtl="0" eaLnBrk="1" fontAlgn="auto" latinLnBrk="0" hangingPunct="1">
+                        <a:lnSpc>
+                          <a:spcPct val="100000"/>
+                        </a:lnSpc>
+                        <a:spcBef>
+                          <a:spcPts val="0"/>
+                        </a:spcBef>
+                        <a:spcAft>
+                          <a:spcPts val="0"/>
+                        </a:spcAft>
+                        <a:buClrTx/>
+                        <a:buSzTx/>
+                        <a:buFontTx/>
+                        <a:buNone/>
+                        <a:tabLst/>
+                        <a:defRPr/>
+                      </a:pPr>
+                      <a:r>
+                        <a:rPr lang="en-US" sz="1400" dirty="0"/>
+                        <a:t>Non-Scam</a:t>
+                      </a:r>
+                    </a:p>
+                  </a:txBody>
+                  <a:tcPr/>
+                </a:tc>
+                <a:tc>
+                  <a:txBody>
+                    <a:bodyPr/>
+                    <a:lstStyle/>
+                    <a:p>
+                      <a:pPr algn="ctr"/>
+                      <a:r>
+                        <a:rPr lang="en-US" sz="1400" dirty="0"/>
+                        <a:t>63%</a:t>
+                      </a:r>
+                    </a:p>
+                  </a:txBody>
+                  <a:tcPr/>
+                </a:tc>
+                <a:extLst>
+                  <a:ext uri="{0D108BD9-81ED-4DB2-BD59-A6C34878D82A}">
+                    <a16:rowId xmlns:a16="http://schemas.microsoft.com/office/drawing/2014/main" val="3429545967"/>
+                  </a:ext>
+                </a:extLst>
+              </a:tr>
+              <a:tr h="179301">
+                <a:tc>
+                  <a:txBody>
+                    <a:bodyPr/>
+                    <a:lstStyle/>
+                    <a:p>
+                      <a:pPr algn="ctr"/>
+                      <a:r>
+                        <a:rPr lang="en-US" sz="1400" dirty="0"/>
+                        <a:t>3</a:t>
+                      </a:r>
+                    </a:p>
+                  </a:txBody>
+                  <a:tcPr/>
+                </a:tc>
+                <a:tc>
+                  <a:txBody>
+                    <a:bodyPr/>
+                    <a:lstStyle/>
+                    <a:p>
+                      <a:pPr marL="0" marR="0" lvl="0" indent="0" algn="ctr" defTabSz="914400" rtl="0" eaLnBrk="1" fontAlgn="auto" latinLnBrk="0" hangingPunct="1">
+                        <a:lnSpc>
+                          <a:spcPct val="100000"/>
+                        </a:lnSpc>
+                        <a:spcBef>
+                          <a:spcPts val="0"/>
+                        </a:spcBef>
+                        <a:spcAft>
+                          <a:spcPts val="0"/>
+                        </a:spcAft>
+                        <a:buClrTx/>
+                        <a:buSzTx/>
+                        <a:buFontTx/>
+                        <a:buNone/>
+                        <a:tabLst/>
+                        <a:defRPr/>
+                      </a:pPr>
+                      <a:r>
+                        <a:rPr lang="en-US" sz="1400" dirty="0"/>
+                        <a:t>Scam</a:t>
+                      </a:r>
+                    </a:p>
+                  </a:txBody>
+                  <a:tcPr/>
+                </a:tc>
+                <a:tc>
+                  <a:txBody>
+                    <a:bodyPr/>
+                    <a:lstStyle/>
+                    <a:p>
+                      <a:pPr algn="ctr"/>
+                      <a:r>
+                        <a:rPr lang="en-US" sz="1400" dirty="0"/>
+                        <a:t>54%</a:t>
+                      </a:r>
+                    </a:p>
+                  </a:txBody>
+                  <a:tcPr/>
+                </a:tc>
+                <a:extLst>
+                  <a:ext uri="{0D108BD9-81ED-4DB2-BD59-A6C34878D82A}">
+                    <a16:rowId xmlns:a16="http://schemas.microsoft.com/office/drawing/2014/main" val="1624593536"/>
+                  </a:ext>
+                </a:extLst>
+              </a:tr>
+              <a:tr h="179301">
+                <a:tc>
+                  <a:txBody>
+                    <a:bodyPr/>
+                    <a:lstStyle/>
+                    <a:p>
+                      <a:pPr algn="ctr"/>
+                      <a:r>
+                        <a:rPr lang="en-US" sz="1400" dirty="0"/>
+                        <a:t>4</a:t>
+                      </a:r>
+                    </a:p>
+                  </a:txBody>
+                  <a:tcPr/>
+                </a:tc>
+                <a:tc>
+                  <a:txBody>
+                    <a:bodyPr/>
+                    <a:lstStyle/>
+                    <a:p>
+                      <a:pPr marL="0" marR="0" lvl="0" indent="0" algn="ctr" defTabSz="914400" rtl="0" eaLnBrk="1" fontAlgn="auto" latinLnBrk="0" hangingPunct="1">
+                        <a:lnSpc>
+                          <a:spcPct val="100000"/>
+                        </a:lnSpc>
+                        <a:spcBef>
+                          <a:spcPts val="0"/>
+                        </a:spcBef>
+                        <a:spcAft>
+                          <a:spcPts val="0"/>
+                        </a:spcAft>
+                        <a:buClrTx/>
+                        <a:buSzTx/>
+                        <a:buFontTx/>
+                        <a:buNone/>
+                        <a:tabLst/>
+                        <a:defRPr/>
+                      </a:pPr>
+                      <a:r>
+                        <a:rPr lang="en-US" sz="1400" dirty="0"/>
+                        <a:t>Scam</a:t>
+                      </a:r>
+                    </a:p>
+                  </a:txBody>
+                  <a:tcPr/>
+                </a:tc>
+                <a:tc>
+                  <a:txBody>
+                    <a:bodyPr/>
+                    <a:lstStyle/>
+                    <a:p>
+                      <a:pPr algn="ctr"/>
+                      <a:r>
+                        <a:rPr lang="en-US" sz="1400" dirty="0"/>
+                        <a:t>52%</a:t>
+                      </a:r>
+                    </a:p>
+                  </a:txBody>
+                  <a:tcPr/>
+                </a:tc>
+                <a:extLst>
+                  <a:ext uri="{0D108BD9-81ED-4DB2-BD59-A6C34878D82A}">
+                    <a16:rowId xmlns:a16="http://schemas.microsoft.com/office/drawing/2014/main" val="3011693667"/>
+                  </a:ext>
+                </a:extLst>
+              </a:tr>
+              <a:tr h="179301">
+                <a:tc>
+                  <a:txBody>
+                    <a:bodyPr/>
+                    <a:lstStyle/>
+                    <a:p>
+                      <a:pPr algn="ctr"/>
+                      <a:r>
+                        <a:rPr lang="en-US" sz="1400" dirty="0"/>
+                        <a:t>5</a:t>
+                      </a:r>
+                    </a:p>
+                  </a:txBody>
+                  <a:tcPr/>
+                </a:tc>
+                <a:tc>
+                  <a:txBody>
+                    <a:bodyPr/>
+                    <a:lstStyle/>
+                    <a:p>
+                      <a:pPr marL="0" marR="0" lvl="0" indent="0" algn="ctr" defTabSz="914400" rtl="0" eaLnBrk="1" fontAlgn="auto" latinLnBrk="0" hangingPunct="1">
+                        <a:lnSpc>
+                          <a:spcPct val="100000"/>
+                        </a:lnSpc>
+                        <a:spcBef>
+                          <a:spcPts val="0"/>
+                        </a:spcBef>
+                        <a:spcAft>
+                          <a:spcPts val="0"/>
+                        </a:spcAft>
+                        <a:buClrTx/>
+                        <a:buSzTx/>
+                        <a:buFontTx/>
+                        <a:buNone/>
+                        <a:tabLst/>
+                        <a:defRPr/>
+                      </a:pPr>
+                      <a:r>
+                        <a:rPr lang="en-US" sz="1400" dirty="0"/>
+                        <a:t>Scam</a:t>
+                      </a:r>
+                    </a:p>
+                  </a:txBody>
+                  <a:tcPr/>
+                </a:tc>
+                <a:tc>
+                  <a:txBody>
+                    <a:bodyPr/>
+                    <a:lstStyle/>
+                    <a:p>
+                      <a:pPr algn="ctr"/>
+                      <a:r>
+                        <a:rPr lang="en-US" sz="1400" dirty="0"/>
+                        <a:t>54%</a:t>
+                      </a:r>
+                    </a:p>
+                  </a:txBody>
+                  <a:tcPr/>
+                </a:tc>
+                <a:extLst>
+                  <a:ext uri="{0D108BD9-81ED-4DB2-BD59-A6C34878D82A}">
+                    <a16:rowId xmlns:a16="http://schemas.microsoft.com/office/drawing/2014/main" val="365522491"/>
+                  </a:ext>
+                </a:extLst>
+              </a:tr>
+            </a:tbl>
+          </a:graphicData>
+        </a:graphic>
+      </p:graphicFrame>
+      <p:sp>
+        <p:nvSpPr>
+          <p:cNvPr id="8" name="TextBox 7">
+            <a:extLst>
+              <a:ext uri="{FF2B5EF4-FFF2-40B4-BE49-F238E27FC236}">
+                <a16:creationId xmlns:a16="http://schemas.microsoft.com/office/drawing/2014/main" id="{E04A00D3-4D24-119B-2B9B-02EAA31DD3E1}"/>
+              </a:ext>
+            </a:extLst>
+          </p:cNvPr>
+          <p:cNvSpPr txBox="1"/>
+          <p:nvPr/>
+        </p:nvSpPr>
+        <p:spPr>
+          <a:xfrm>
+            <a:off x="0" y="0"/>
+            <a:ext cx="12192000" cy="523220"/>
+          </a:xfrm>
+          <a:prstGeom prst="rect">
+            <a:avLst/>
+          </a:prstGeom>
+          <a:noFill/>
+        </p:spPr>
+        <p:txBody>
+          <a:bodyPr wrap="square" rtlCol="0">
+            <a:spAutoFit/>
+          </a:bodyPr>
+          <a:lstStyle/>
+          <a:p>
+            <a:r>
+              <a:rPr lang="en-US" sz="2800" dirty="0"/>
+              <a:t>RANDOM FOREST – REAL TIME TESTING</a:t>
+            </a:r>
+          </a:p>
+        </p:txBody>
+      </p:sp>
+      <p:graphicFrame>
+        <p:nvGraphicFramePr>
+          <p:cNvPr id="2" name="Table 1">
+            <a:extLst>
+              <a:ext uri="{FF2B5EF4-FFF2-40B4-BE49-F238E27FC236}">
+                <a16:creationId xmlns:a16="http://schemas.microsoft.com/office/drawing/2014/main" id="{53F87085-5D09-B5D5-CB90-887E21FB90FA}"/>
+              </a:ext>
+            </a:extLst>
+          </p:cNvPr>
+          <p:cNvGraphicFramePr>
+            <a:graphicFrameLocks noGrp="1"/>
+          </p:cNvGraphicFramePr>
+          <p:nvPr/>
+        </p:nvGraphicFramePr>
+        <p:xfrm>
+          <a:off x="155829" y="932574"/>
+          <a:ext cx="11552695" cy="1767840"/>
+        </p:xfrm>
+        <a:graphic>
+          <a:graphicData uri="http://schemas.openxmlformats.org/drawingml/2006/table">
+            <a:tbl>
+              <a:tblPr firstRow="1" bandRow="1">
+                <a:tableStyleId>{5C22544A-7EE6-4342-B048-85BDC9FD1C3A}</a:tableStyleId>
+              </a:tblPr>
+              <a:tblGrid>
+                <a:gridCol w="6400080">
+                  <a:extLst>
+                    <a:ext uri="{9D8B030D-6E8A-4147-A177-3AD203B41FA5}">
+                      <a16:colId xmlns:a16="http://schemas.microsoft.com/office/drawing/2014/main" val="3523283076"/>
+                    </a:ext>
+                  </a:extLst>
+                </a:gridCol>
+                <a:gridCol w="5152615">
+                  <a:extLst>
+                    <a:ext uri="{9D8B030D-6E8A-4147-A177-3AD203B41FA5}">
+                      <a16:colId xmlns:a16="http://schemas.microsoft.com/office/drawing/2014/main" val="1026576332"/>
+                    </a:ext>
+                  </a:extLst>
+                </a:gridCol>
+              </a:tblGrid>
+              <a:tr h="143077">
+                <a:tc>
+                  <a:txBody>
+                    <a:bodyPr/>
+                    <a:lstStyle/>
+                    <a:p>
+                      <a:r>
+                        <a:rPr lang="en-US" sz="1000" dirty="0">
+                          <a:solidFill>
+                            <a:schemeClr val="tx1"/>
+                          </a:solidFill>
+                        </a:rPr>
+                        <a:t>Attacker_Helper</a:t>
+                      </a:r>
+                    </a:p>
+                  </a:txBody>
+                  <a:tcPr/>
+                </a:tc>
+                <a:tc>
+                  <a:txBody>
+                    <a:bodyPr/>
+                    <a:lstStyle/>
+                    <a:p>
+                      <a:r>
+                        <a:rPr lang="en-US" sz="1000" dirty="0">
+                          <a:solidFill>
+                            <a:schemeClr val="tx1"/>
+                          </a:solidFill>
+                        </a:rPr>
+                        <a:t>Victim</a:t>
+                      </a:r>
+                    </a:p>
+                  </a:txBody>
+                  <a:tcPr/>
+                </a:tc>
+                <a:extLst>
+                  <a:ext uri="{0D108BD9-81ED-4DB2-BD59-A6C34878D82A}">
+                    <a16:rowId xmlns:a16="http://schemas.microsoft.com/office/drawing/2014/main" val="2788586197"/>
+                  </a:ext>
+                </a:extLst>
+              </a:tr>
+              <a:tr h="232501">
+                <a:tc>
+                  <a:txBody>
+                    <a:bodyPr/>
+                    <a:lstStyle/>
+                    <a:p>
+                      <a:r>
+                        <a:rPr lang="en-US" sz="1000" b="0" dirty="0">
+                          <a:solidFill>
+                            <a:schemeClr val="tx1"/>
+                          </a:solidFill>
+                          <a:effectLst/>
+                        </a:rPr>
+                        <a:t>Hi, I am calling from the English bank, my name is Maria.</a:t>
+                      </a:r>
+                    </a:p>
+                  </a:txBody>
+                  <a:tcPr/>
+                </a:tc>
+                <a:tc>
+                  <a:txBody>
+                    <a:bodyPr/>
+                    <a:lstStyle/>
+                    <a:p>
+                      <a:r>
+                        <a:rPr lang="en-US" sz="1000" b="0" dirty="0">
+                          <a:solidFill>
+                            <a:schemeClr val="tx1"/>
+                          </a:solidFill>
+                          <a:effectLst/>
+                        </a:rPr>
+                        <a:t>Hello, how can I help you?</a:t>
+                      </a:r>
+                    </a:p>
+                  </a:txBody>
+                  <a:tcPr/>
+                </a:tc>
+                <a:extLst>
+                  <a:ext uri="{0D108BD9-81ED-4DB2-BD59-A6C34878D82A}">
+                    <a16:rowId xmlns:a16="http://schemas.microsoft.com/office/drawing/2014/main" val="3871337990"/>
+                  </a:ext>
+                </a:extLst>
+              </a:tr>
+              <a:tr h="232501">
+                <a:tc>
+                  <a:txBody>
+                    <a:bodyPr/>
+                    <a:lstStyle/>
+                    <a:p>
+                      <a:r>
+                        <a:rPr lang="en-US" sz="1000" b="0" dirty="0">
+                          <a:solidFill>
+                            <a:schemeClr val="tx1"/>
+                          </a:solidFill>
+                          <a:effectLst/>
+                        </a:rPr>
+                        <a:t>The reason I am calling you today sir is to inform you about our new credit cards. Do you have any accounts with us at the moment?</a:t>
+                      </a:r>
+                    </a:p>
+                  </a:txBody>
+                  <a:tcPr/>
+                </a:tc>
+                <a:tc>
+                  <a:txBody>
+                    <a:bodyPr/>
+                    <a:lstStyle/>
+                    <a:p>
+                      <a:r>
+                        <a:rPr lang="en-US" sz="1000" b="0" dirty="0">
+                          <a:solidFill>
+                            <a:schemeClr val="tx1"/>
+                          </a:solidFill>
+                          <a:effectLst/>
+                        </a:rPr>
+                        <a:t>Yes, I do, but I am not sure I am interested in getting a credit card.</a:t>
+                      </a:r>
+                    </a:p>
+                  </a:txBody>
+                  <a:tcPr/>
+                </a:tc>
+                <a:extLst>
+                  <a:ext uri="{0D108BD9-81ED-4DB2-BD59-A6C34878D82A}">
+                    <a16:rowId xmlns:a16="http://schemas.microsoft.com/office/drawing/2014/main" val="22930698"/>
+                  </a:ext>
+                </a:extLst>
+              </a:tr>
+              <a:tr h="232501">
+                <a:tc>
+                  <a:txBody>
+                    <a:bodyPr/>
+                    <a:lstStyle/>
+                    <a:p>
+                      <a:r>
+                        <a:rPr lang="en-US" sz="1000" b="0" dirty="0">
+                          <a:solidFill>
+                            <a:schemeClr val="tx1"/>
+                          </a:solidFill>
+                          <a:effectLst/>
+                        </a:rPr>
+                        <a:t>Getting a credit card is a fantastic way to build up credit score with the bank. I recommend we find the perfect type of card for your sir.</a:t>
+                      </a:r>
+                    </a:p>
+                  </a:txBody>
+                  <a:tcPr/>
+                </a:tc>
+                <a:tc>
+                  <a:txBody>
+                    <a:bodyPr/>
+                    <a:lstStyle/>
+                    <a:p>
+                      <a:r>
+                        <a:rPr lang="en-US" sz="1000" b="0" dirty="0">
+                          <a:solidFill>
+                            <a:schemeClr val="tx1"/>
+                          </a:solidFill>
+                          <a:effectLst/>
+                        </a:rPr>
+                        <a:t>Ok, that seems interesting. I would like to do that please.</a:t>
+                      </a:r>
+                    </a:p>
+                  </a:txBody>
+                  <a:tcPr/>
+                </a:tc>
+                <a:extLst>
+                  <a:ext uri="{0D108BD9-81ED-4DB2-BD59-A6C34878D82A}">
+                    <a16:rowId xmlns:a16="http://schemas.microsoft.com/office/drawing/2014/main" val="1446474973"/>
+                  </a:ext>
+                </a:extLst>
+              </a:tr>
+              <a:tr h="232501">
+                <a:tc>
+                  <a:txBody>
+                    <a:bodyPr/>
+                    <a:lstStyle/>
+                    <a:p>
+                      <a:r>
+                        <a:rPr lang="en-US" sz="1000" b="0" dirty="0">
+                          <a:solidFill>
+                            <a:schemeClr val="tx1"/>
+                          </a:solidFill>
+                          <a:effectLst/>
+                        </a:rPr>
+                        <a:t>Fantastic sir, I will send you an email with our brochure about our most popular cards.</a:t>
+                      </a:r>
+                    </a:p>
+                  </a:txBody>
+                  <a:tcPr/>
+                </a:tc>
+                <a:tc>
+                  <a:txBody>
+                    <a:bodyPr/>
+                    <a:lstStyle/>
+                    <a:p>
+                      <a:r>
+                        <a:rPr lang="en-US" sz="1000" b="0" dirty="0">
+                          <a:solidFill>
+                            <a:schemeClr val="tx1"/>
+                          </a:solidFill>
+                          <a:effectLst/>
+                        </a:rPr>
+                        <a:t>Alright thank you, you can send it to the email I have registered with the bank.</a:t>
+                      </a:r>
+                    </a:p>
+                  </a:txBody>
+                  <a:tcPr/>
+                </a:tc>
+                <a:extLst>
+                  <a:ext uri="{0D108BD9-81ED-4DB2-BD59-A6C34878D82A}">
+                    <a16:rowId xmlns:a16="http://schemas.microsoft.com/office/drawing/2014/main" val="2090242424"/>
+                  </a:ext>
+                </a:extLst>
+              </a:tr>
+              <a:tr h="232501">
+                <a:tc>
+                  <a:txBody>
+                    <a:bodyPr/>
+                    <a:lstStyle/>
+                    <a:p>
+                      <a:r>
+                        <a:rPr lang="en-US" sz="1000" b="0" dirty="0">
+                          <a:solidFill>
+                            <a:schemeClr val="tx1"/>
+                          </a:solidFill>
+                          <a:effectLst/>
+                        </a:rPr>
+                        <a:t>Wonderful, is there anything else I can do for you today sir?</a:t>
+                      </a:r>
+                    </a:p>
+                  </a:txBody>
+                  <a:tcPr/>
+                </a:tc>
+                <a:tc>
+                  <a:txBody>
+                    <a:bodyPr/>
+                    <a:lstStyle/>
+                    <a:p>
+                      <a:r>
+                        <a:rPr lang="en-US" sz="1000" b="0" dirty="0">
+                          <a:solidFill>
+                            <a:schemeClr val="tx1"/>
+                          </a:solidFill>
+                          <a:effectLst/>
+                        </a:rPr>
+                        <a:t>No thank you, have a good day.</a:t>
+                      </a:r>
+                    </a:p>
+                  </a:txBody>
+                  <a:tcPr/>
+                </a:tc>
+                <a:extLst>
+                  <a:ext uri="{0D108BD9-81ED-4DB2-BD59-A6C34878D82A}">
+                    <a16:rowId xmlns:a16="http://schemas.microsoft.com/office/drawing/2014/main" val="2062566075"/>
+                  </a:ext>
+                </a:extLst>
+              </a:tr>
+            </a:tbl>
+          </a:graphicData>
+        </a:graphic>
+      </p:graphicFrame>
+      <p:sp>
+        <p:nvSpPr>
+          <p:cNvPr id="5" name="TextBox 4">
+            <a:extLst>
+              <a:ext uri="{FF2B5EF4-FFF2-40B4-BE49-F238E27FC236}">
+                <a16:creationId xmlns:a16="http://schemas.microsoft.com/office/drawing/2014/main" id="{1476A5DA-73CC-A8AF-3457-BA1086CE80FD}"/>
+              </a:ext>
+            </a:extLst>
+          </p:cNvPr>
+          <p:cNvSpPr txBox="1"/>
+          <p:nvPr/>
+        </p:nvSpPr>
+        <p:spPr>
+          <a:xfrm>
+            <a:off x="76586" y="636921"/>
+            <a:ext cx="1265090" cy="369332"/>
+          </a:xfrm>
+          <a:prstGeom prst="rect">
+            <a:avLst/>
+          </a:prstGeom>
+          <a:noFill/>
+        </p:spPr>
+        <p:txBody>
+          <a:bodyPr wrap="none" rtlCol="0">
+            <a:spAutoFit/>
+          </a:bodyPr>
+          <a:lstStyle/>
+          <a:p>
+            <a:r>
+              <a:rPr lang="en-US" dirty="0">
+                <a:solidFill>
+                  <a:srgbClr val="00B050"/>
+                </a:solidFill>
+                <a:effectLst>
+                  <a:outerShdw blurRad="38100" dist="38100" dir="2700000" algn="tl">
+                    <a:srgbClr val="000000">
+                      <a:alpha val="43137"/>
+                    </a:srgbClr>
+                  </a:outerShdw>
+                </a:effectLst>
+              </a:rPr>
+              <a:t>NON-SCAM</a:t>
+            </a:r>
+          </a:p>
+        </p:txBody>
+      </p:sp>
+      <p:sp>
+        <p:nvSpPr>
+          <p:cNvPr id="3" name="TextBox 2">
+            <a:extLst>
+              <a:ext uri="{FF2B5EF4-FFF2-40B4-BE49-F238E27FC236}">
+                <a16:creationId xmlns:a16="http://schemas.microsoft.com/office/drawing/2014/main" id="{B36B3F77-90A8-56D0-B1EA-50A19A8B0F3C}"/>
+              </a:ext>
+            </a:extLst>
+          </p:cNvPr>
+          <p:cNvSpPr txBox="1"/>
+          <p:nvPr/>
+        </p:nvSpPr>
+        <p:spPr>
+          <a:xfrm>
+            <a:off x="60385" y="2750563"/>
+            <a:ext cx="5790431" cy="369332"/>
+          </a:xfrm>
+          <a:prstGeom prst="rect">
+            <a:avLst/>
+          </a:prstGeom>
+          <a:noFill/>
+        </p:spPr>
+        <p:txBody>
+          <a:bodyPr wrap="none" rtlCol="0">
+            <a:spAutoFit/>
+          </a:bodyPr>
+          <a:lstStyle/>
+          <a:p>
+            <a:r>
+              <a:rPr lang="en-US" dirty="0"/>
+              <a:t>The model is not familiar with this format of a conversation.</a:t>
+            </a:r>
+          </a:p>
+        </p:txBody>
+      </p:sp>
+    </p:spTree>
+    <p:extLst>
+      <p:ext uri="{BB962C8B-B14F-4D97-AF65-F5344CB8AC3E}">
+        <p14:creationId xmlns:p14="http://schemas.microsoft.com/office/powerpoint/2010/main" val="2417175929"/>
+      </p:ext>
+    </p:extLst>
+  </p:cSld>
+  <p:clrMapOvr>
+    <a:masterClrMapping/>
+  </p:clrMapOvr>
+</p:sld>
+</file>
+
+<file path=ppt/slides/slide29.xml><?xml version="1.0" encoding="utf-8"?>
+<p:sld xmlns:a="http://schemas.openxmlformats.org/drawingml/2006/main" xmlns:r="http://schemas.openxmlformats.org/officeDocument/2006/relationships" xmlns:p="http://schemas.openxmlformats.org/presentationml/2006/main">
+  <p:cSld>
+    <p:spTree>
+      <p:nvGrpSpPr>
+        <p:cNvPr id="1" name=""/>
+        <p:cNvGrpSpPr/>
+        <p:nvPr/>
+      </p:nvGrpSpPr>
+      <p:grpSpPr>
+        <a:xfrm>
+          <a:off x="0" y="0"/>
+          <a:ext cx="0" cy="0"/>
+          <a:chOff x="0" y="0"/>
+          <a:chExt cx="0" cy="0"/>
+        </a:xfrm>
+      </p:grpSpPr>
+      <p:graphicFrame>
+        <p:nvGraphicFramePr>
+          <p:cNvPr id="4" name="Table 3">
+            <a:extLst>
+              <a:ext uri="{FF2B5EF4-FFF2-40B4-BE49-F238E27FC236}">
+                <a16:creationId xmlns:a16="http://schemas.microsoft.com/office/drawing/2014/main" id="{58E122E0-C7BB-D0F3-72C4-3876E43EDC9D}"/>
+              </a:ext>
+            </a:extLst>
+          </p:cNvPr>
+          <p:cNvGraphicFramePr>
+            <a:graphicFrameLocks noGrp="1"/>
+          </p:cNvGraphicFramePr>
+          <p:nvPr>
+            <p:extLst>
+              <p:ext uri="{D42A27DB-BD31-4B8C-83A1-F6EECF244321}">
+                <p14:modId xmlns:p14="http://schemas.microsoft.com/office/powerpoint/2010/main" val="516427916"/>
+              </p:ext>
+            </p:extLst>
+          </p:nvPr>
+        </p:nvGraphicFramePr>
+        <p:xfrm>
+          <a:off x="332060" y="4458393"/>
+          <a:ext cx="4464228" cy="2133600"/>
+        </p:xfrm>
+        <a:graphic>
+          <a:graphicData uri="http://schemas.openxmlformats.org/drawingml/2006/table">
+            <a:tbl>
+              <a:tblPr firstRow="1" bandRow="1">
+                <a:tableStyleId>{5C22544A-7EE6-4342-B048-85BDC9FD1C3A}</a:tableStyleId>
+              </a:tblPr>
+              <a:tblGrid>
+                <a:gridCol w="1488076">
+                  <a:extLst>
+                    <a:ext uri="{9D8B030D-6E8A-4147-A177-3AD203B41FA5}">
+                      <a16:colId xmlns:a16="http://schemas.microsoft.com/office/drawing/2014/main" val="3892237616"/>
+                    </a:ext>
+                  </a:extLst>
+                </a:gridCol>
+                <a:gridCol w="1488076">
+                  <a:extLst>
+                    <a:ext uri="{9D8B030D-6E8A-4147-A177-3AD203B41FA5}">
+                      <a16:colId xmlns:a16="http://schemas.microsoft.com/office/drawing/2014/main" val="2100386984"/>
+                    </a:ext>
+                  </a:extLst>
+                </a:gridCol>
+                <a:gridCol w="1488076">
+                  <a:extLst>
+                    <a:ext uri="{9D8B030D-6E8A-4147-A177-3AD203B41FA5}">
+                      <a16:colId xmlns:a16="http://schemas.microsoft.com/office/drawing/2014/main" val="2471708999"/>
+                    </a:ext>
+                  </a:extLst>
+                </a:gridCol>
+              </a:tblGrid>
+              <a:tr h="147371">
+                <a:tc>
+                  <a:txBody>
+                    <a:bodyPr/>
+                    <a:lstStyle/>
+                    <a:p>
+                      <a:pPr algn="ctr"/>
+                      <a:r>
+                        <a:rPr lang="en-US" sz="1400" dirty="0"/>
+                        <a:t>Batch Number</a:t>
+                      </a:r>
+                    </a:p>
+                  </a:txBody>
+                  <a:tcPr/>
+                </a:tc>
+                <a:tc>
+                  <a:txBody>
+                    <a:bodyPr/>
+                    <a:lstStyle/>
+                    <a:p>
+                      <a:pPr algn="ctr"/>
+                      <a:r>
+                        <a:rPr lang="en-US" sz="1400" dirty="0"/>
+                        <a:t>Result</a:t>
+                      </a:r>
+                    </a:p>
+                  </a:txBody>
+                  <a:tcPr/>
+                </a:tc>
+                <a:tc>
+                  <a:txBody>
+                    <a:bodyPr/>
+                    <a:lstStyle/>
+                    <a:p>
+                      <a:pPr algn="ctr"/>
+                      <a:r>
+                        <a:rPr lang="en-US" sz="1400" dirty="0"/>
+                        <a:t>Probability</a:t>
+                      </a:r>
+                    </a:p>
+                  </a:txBody>
+                  <a:tcPr/>
+                </a:tc>
+                <a:extLst>
+                  <a:ext uri="{0D108BD9-81ED-4DB2-BD59-A6C34878D82A}">
+                    <a16:rowId xmlns:a16="http://schemas.microsoft.com/office/drawing/2014/main" val="3049934132"/>
+                  </a:ext>
+                </a:extLst>
+              </a:tr>
+              <a:tr h="179301">
+                <a:tc>
+                  <a:txBody>
+                    <a:bodyPr/>
+                    <a:lstStyle/>
+                    <a:p>
+                      <a:pPr algn="ctr"/>
+                      <a:r>
+                        <a:rPr lang="en-US" sz="1400" dirty="0"/>
+                        <a:t>1</a:t>
+                      </a:r>
+                    </a:p>
+                  </a:txBody>
+                  <a:tcPr/>
+                </a:tc>
+                <a:tc>
+                  <a:txBody>
+                    <a:bodyPr/>
+                    <a:lstStyle/>
+                    <a:p>
+                      <a:pPr algn="ctr"/>
+                      <a:r>
+                        <a:rPr lang="en-US" sz="1400" dirty="0"/>
+                        <a:t>Scam</a:t>
+                      </a:r>
+                    </a:p>
+                  </a:txBody>
+                  <a:tcPr/>
+                </a:tc>
+                <a:tc>
+                  <a:txBody>
+                    <a:bodyPr/>
+                    <a:lstStyle/>
+                    <a:p>
+                      <a:pPr algn="ctr"/>
+                      <a:r>
+                        <a:rPr lang="en-US" sz="1400" dirty="0"/>
+                        <a:t>88%</a:t>
+                      </a:r>
+                    </a:p>
+                  </a:txBody>
+                  <a:tcPr/>
+                </a:tc>
+                <a:extLst>
+                  <a:ext uri="{0D108BD9-81ED-4DB2-BD59-A6C34878D82A}">
+                    <a16:rowId xmlns:a16="http://schemas.microsoft.com/office/drawing/2014/main" val="1512097725"/>
+                  </a:ext>
+                </a:extLst>
+              </a:tr>
+              <a:tr h="179301">
+                <a:tc>
+                  <a:txBody>
+                    <a:bodyPr/>
+                    <a:lstStyle/>
+                    <a:p>
+                      <a:pPr algn="ctr"/>
+                      <a:r>
+                        <a:rPr lang="en-US" sz="1400" dirty="0"/>
+                        <a:t>2</a:t>
+                      </a:r>
+                    </a:p>
+                  </a:txBody>
+                  <a:tcPr/>
+                </a:tc>
+                <a:tc>
+                  <a:txBody>
+                    <a:bodyPr/>
+                    <a:lstStyle/>
+                    <a:p>
+                      <a:pPr marL="0" marR="0" lvl="0" indent="0" algn="ctr" defTabSz="914400" rtl="0" eaLnBrk="1" fontAlgn="auto" latinLnBrk="0" hangingPunct="1">
+                        <a:lnSpc>
+                          <a:spcPct val="100000"/>
+                        </a:lnSpc>
+                        <a:spcBef>
+                          <a:spcPts val="0"/>
+                        </a:spcBef>
+                        <a:spcAft>
+                          <a:spcPts val="0"/>
+                        </a:spcAft>
+                        <a:buClrTx/>
+                        <a:buSzTx/>
+                        <a:buFontTx/>
+                        <a:buNone/>
+                        <a:tabLst/>
+                        <a:defRPr/>
+                      </a:pPr>
+                      <a:r>
+                        <a:rPr lang="en-US" sz="1400" dirty="0"/>
+                        <a:t>Scam</a:t>
+                      </a:r>
+                    </a:p>
+                  </a:txBody>
+                  <a:tcPr/>
+                </a:tc>
+                <a:tc>
+                  <a:txBody>
+                    <a:bodyPr/>
+                    <a:lstStyle/>
+                    <a:p>
+                      <a:pPr algn="ctr"/>
+                      <a:r>
+                        <a:rPr lang="en-US" sz="1400" dirty="0"/>
+                        <a:t>65%</a:t>
+                      </a:r>
+                    </a:p>
+                  </a:txBody>
+                  <a:tcPr/>
+                </a:tc>
+                <a:extLst>
+                  <a:ext uri="{0D108BD9-81ED-4DB2-BD59-A6C34878D82A}">
+                    <a16:rowId xmlns:a16="http://schemas.microsoft.com/office/drawing/2014/main" val="3429545967"/>
+                  </a:ext>
+                </a:extLst>
+              </a:tr>
+              <a:tr h="179301">
+                <a:tc>
+                  <a:txBody>
+                    <a:bodyPr/>
+                    <a:lstStyle/>
+                    <a:p>
+                      <a:pPr algn="ctr"/>
+                      <a:r>
+                        <a:rPr lang="en-US" sz="1400" dirty="0"/>
+                        <a:t>3</a:t>
+                      </a:r>
+                    </a:p>
+                  </a:txBody>
+                  <a:tcPr/>
+                </a:tc>
+                <a:tc>
+                  <a:txBody>
+                    <a:bodyPr/>
+                    <a:lstStyle/>
+                    <a:p>
+                      <a:pPr marL="0" marR="0" lvl="0" indent="0" algn="ctr" defTabSz="914400" rtl="0" eaLnBrk="1" fontAlgn="auto" latinLnBrk="0" hangingPunct="1">
+                        <a:lnSpc>
+                          <a:spcPct val="100000"/>
+                        </a:lnSpc>
+                        <a:spcBef>
+                          <a:spcPts val="0"/>
+                        </a:spcBef>
+                        <a:spcAft>
+                          <a:spcPts val="0"/>
+                        </a:spcAft>
+                        <a:buClrTx/>
+                        <a:buSzTx/>
+                        <a:buFontTx/>
+                        <a:buNone/>
+                        <a:tabLst/>
+                        <a:defRPr/>
+                      </a:pPr>
+                      <a:r>
+                        <a:rPr lang="en-US" sz="1400" dirty="0"/>
+                        <a:t>Scam</a:t>
+                      </a:r>
+                    </a:p>
+                  </a:txBody>
+                  <a:tcPr/>
+                </a:tc>
+                <a:tc>
+                  <a:txBody>
+                    <a:bodyPr/>
+                    <a:lstStyle/>
+                    <a:p>
+                      <a:pPr algn="ctr"/>
+                      <a:r>
+                        <a:rPr lang="en-US" sz="1400" dirty="0"/>
+                        <a:t>95%</a:t>
+                      </a:r>
+                    </a:p>
+                  </a:txBody>
+                  <a:tcPr/>
+                </a:tc>
+                <a:extLst>
+                  <a:ext uri="{0D108BD9-81ED-4DB2-BD59-A6C34878D82A}">
+                    <a16:rowId xmlns:a16="http://schemas.microsoft.com/office/drawing/2014/main" val="1624593536"/>
+                  </a:ext>
+                </a:extLst>
+              </a:tr>
+              <a:tr h="179301">
+                <a:tc>
+                  <a:txBody>
+                    <a:bodyPr/>
+                    <a:lstStyle/>
+                    <a:p>
+                      <a:pPr algn="ctr"/>
+                      <a:r>
+                        <a:rPr lang="en-US" sz="1400" dirty="0"/>
+                        <a:t>4</a:t>
+                      </a:r>
+                    </a:p>
+                  </a:txBody>
+                  <a:tcPr/>
+                </a:tc>
+                <a:tc>
+                  <a:txBody>
+                    <a:bodyPr/>
+                    <a:lstStyle/>
+                    <a:p>
+                      <a:pPr algn="ctr"/>
+                      <a:r>
+                        <a:rPr lang="en-US" sz="1400" dirty="0"/>
+                        <a:t>Scam</a:t>
+                      </a:r>
+                    </a:p>
+                  </a:txBody>
+                  <a:tcPr/>
+                </a:tc>
+                <a:tc>
+                  <a:txBody>
+                    <a:bodyPr/>
+                    <a:lstStyle/>
+                    <a:p>
+                      <a:pPr algn="ctr"/>
+                      <a:r>
+                        <a:rPr lang="en-US" sz="1400" dirty="0"/>
+                        <a:t>98%</a:t>
+                      </a:r>
+                    </a:p>
+                  </a:txBody>
+                  <a:tcPr/>
+                </a:tc>
+                <a:extLst>
+                  <a:ext uri="{0D108BD9-81ED-4DB2-BD59-A6C34878D82A}">
+                    <a16:rowId xmlns:a16="http://schemas.microsoft.com/office/drawing/2014/main" val="3011693667"/>
+                  </a:ext>
+                </a:extLst>
+              </a:tr>
+              <a:tr h="179301">
+                <a:tc>
+                  <a:txBody>
+                    <a:bodyPr/>
+                    <a:lstStyle/>
+                    <a:p>
+                      <a:pPr algn="ctr"/>
+                      <a:r>
+                        <a:rPr lang="en-US" sz="1400" dirty="0"/>
+                        <a:t>5</a:t>
+                      </a:r>
+                    </a:p>
+                  </a:txBody>
+                  <a:tcPr/>
+                </a:tc>
+                <a:tc>
+                  <a:txBody>
+                    <a:bodyPr/>
+                    <a:lstStyle/>
+                    <a:p>
+                      <a:pPr algn="ctr"/>
+                      <a:r>
+                        <a:rPr lang="en-US" sz="1400" dirty="0"/>
+                        <a:t>Scam </a:t>
+                      </a:r>
+                    </a:p>
+                  </a:txBody>
+                  <a:tcPr/>
+                </a:tc>
+                <a:tc>
+                  <a:txBody>
+                    <a:bodyPr/>
+                    <a:lstStyle/>
+                    <a:p>
+                      <a:pPr algn="ctr"/>
+                      <a:r>
+                        <a:rPr lang="en-US" sz="1400" dirty="0"/>
+                        <a:t>99%</a:t>
+                      </a:r>
+                    </a:p>
+                  </a:txBody>
+                  <a:tcPr/>
+                </a:tc>
+                <a:extLst>
+                  <a:ext uri="{0D108BD9-81ED-4DB2-BD59-A6C34878D82A}">
+                    <a16:rowId xmlns:a16="http://schemas.microsoft.com/office/drawing/2014/main" val="365522491"/>
+                  </a:ext>
+                </a:extLst>
+              </a:tr>
+              <a:tr h="179301">
+                <a:tc>
+                  <a:txBody>
+                    <a:bodyPr/>
+                    <a:lstStyle/>
+                    <a:p>
+                      <a:pPr algn="ctr"/>
+                      <a:r>
+                        <a:rPr lang="en-US" sz="1400" dirty="0"/>
+                        <a:t>6</a:t>
+                      </a:r>
+                    </a:p>
+                  </a:txBody>
+                  <a:tcPr/>
+                </a:tc>
+                <a:tc>
+                  <a:txBody>
+                    <a:bodyPr/>
+                    <a:lstStyle/>
+                    <a:p>
+                      <a:pPr algn="ctr"/>
+                      <a:r>
+                        <a:rPr lang="en-US" sz="1400" dirty="0"/>
+                        <a:t>Scam</a:t>
+                      </a:r>
+                    </a:p>
+                  </a:txBody>
+                  <a:tcPr/>
+                </a:tc>
+                <a:tc>
+                  <a:txBody>
+                    <a:bodyPr/>
+                    <a:lstStyle/>
+                    <a:p>
+                      <a:pPr algn="ctr"/>
+                      <a:r>
+                        <a:rPr lang="en-US" sz="1400" dirty="0"/>
+                        <a:t>99%</a:t>
+                      </a:r>
+                    </a:p>
+                  </a:txBody>
+                  <a:tcPr/>
+                </a:tc>
+                <a:extLst>
+                  <a:ext uri="{0D108BD9-81ED-4DB2-BD59-A6C34878D82A}">
+                    <a16:rowId xmlns:a16="http://schemas.microsoft.com/office/drawing/2014/main" val="2411939542"/>
+                  </a:ext>
+                </a:extLst>
+              </a:tr>
+            </a:tbl>
+          </a:graphicData>
+        </a:graphic>
+      </p:graphicFrame>
+      <p:sp>
+        <p:nvSpPr>
+          <p:cNvPr id="8" name="TextBox 7">
+            <a:extLst>
+              <a:ext uri="{FF2B5EF4-FFF2-40B4-BE49-F238E27FC236}">
+                <a16:creationId xmlns:a16="http://schemas.microsoft.com/office/drawing/2014/main" id="{E04A00D3-4D24-119B-2B9B-02EAA31DD3E1}"/>
+              </a:ext>
+            </a:extLst>
+          </p:cNvPr>
+          <p:cNvSpPr txBox="1"/>
+          <p:nvPr/>
+        </p:nvSpPr>
+        <p:spPr>
+          <a:xfrm>
+            <a:off x="0" y="0"/>
+            <a:ext cx="12192000" cy="523220"/>
+          </a:xfrm>
+          <a:prstGeom prst="rect">
+            <a:avLst/>
+          </a:prstGeom>
+          <a:noFill/>
+        </p:spPr>
+        <p:txBody>
+          <a:bodyPr wrap="square" rtlCol="0">
+            <a:spAutoFit/>
+          </a:bodyPr>
+          <a:lstStyle/>
+          <a:p>
+            <a:r>
+              <a:rPr lang="en-US" sz="2800" dirty="0"/>
+              <a:t>GRADIENT BOOSTED TREES – REAL TIME TESTING</a:t>
+            </a:r>
+          </a:p>
+        </p:txBody>
+      </p:sp>
+      <p:graphicFrame>
+        <p:nvGraphicFramePr>
+          <p:cNvPr id="9" name="Table 8">
+            <a:extLst>
+              <a:ext uri="{FF2B5EF4-FFF2-40B4-BE49-F238E27FC236}">
+                <a16:creationId xmlns:a16="http://schemas.microsoft.com/office/drawing/2014/main" id="{E5DBF5DA-67E4-8BAD-B63A-E4CC206F44FE}"/>
+              </a:ext>
+            </a:extLst>
+          </p:cNvPr>
+          <p:cNvGraphicFramePr>
+            <a:graphicFrameLocks noGrp="1"/>
+          </p:cNvGraphicFramePr>
+          <p:nvPr>
+            <p:extLst>
+              <p:ext uri="{D42A27DB-BD31-4B8C-83A1-F6EECF244321}">
+                <p14:modId xmlns:p14="http://schemas.microsoft.com/office/powerpoint/2010/main" val="437826183"/>
+              </p:ext>
+            </p:extLst>
+          </p:nvPr>
+        </p:nvGraphicFramePr>
+        <p:xfrm>
+          <a:off x="332060" y="1079505"/>
+          <a:ext cx="10981899" cy="2926080"/>
+        </p:xfrm>
+        <a:graphic>
+          <a:graphicData uri="http://schemas.openxmlformats.org/drawingml/2006/table">
+            <a:tbl>
+              <a:tblPr firstRow="1" bandRow="1">
+                <a:tableStyleId>{5C22544A-7EE6-4342-B048-85BDC9FD1C3A}</a:tableStyleId>
+              </a:tblPr>
+              <a:tblGrid>
+                <a:gridCol w="1005205">
+                  <a:extLst>
+                    <a:ext uri="{9D8B030D-6E8A-4147-A177-3AD203B41FA5}">
+                      <a16:colId xmlns:a16="http://schemas.microsoft.com/office/drawing/2014/main" val="2268027349"/>
+                    </a:ext>
+                  </a:extLst>
+                </a:gridCol>
+                <a:gridCol w="5411216">
+                  <a:extLst>
+                    <a:ext uri="{9D8B030D-6E8A-4147-A177-3AD203B41FA5}">
+                      <a16:colId xmlns:a16="http://schemas.microsoft.com/office/drawing/2014/main" val="3523283076"/>
+                    </a:ext>
+                  </a:extLst>
+                </a:gridCol>
+                <a:gridCol w="4565478">
+                  <a:extLst>
+                    <a:ext uri="{9D8B030D-6E8A-4147-A177-3AD203B41FA5}">
+                      <a16:colId xmlns:a16="http://schemas.microsoft.com/office/drawing/2014/main" val="1026576332"/>
+                    </a:ext>
+                  </a:extLst>
+                </a:gridCol>
+              </a:tblGrid>
+              <a:tr h="143077">
+                <a:tc>
+                  <a:txBody>
+                    <a:bodyPr/>
+                    <a:lstStyle/>
+                    <a:p>
+                      <a:pPr algn="just"/>
+                      <a:r>
+                        <a:rPr lang="en-US" sz="1000" dirty="0">
+                          <a:solidFill>
+                            <a:schemeClr val="tx1"/>
+                          </a:solidFill>
+                        </a:rPr>
+                        <a:t>Batch Number</a:t>
+                      </a:r>
+                    </a:p>
+                  </a:txBody>
+                  <a:tcPr/>
+                </a:tc>
+                <a:tc>
+                  <a:txBody>
+                    <a:bodyPr/>
+                    <a:lstStyle/>
+                    <a:p>
+                      <a:pPr algn="just"/>
+                      <a:r>
+                        <a:rPr lang="en-US" sz="1000" dirty="0">
+                          <a:solidFill>
+                            <a:schemeClr val="tx1"/>
+                          </a:solidFill>
+                        </a:rPr>
+                        <a:t>Attacker_Helper</a:t>
+                      </a:r>
+                    </a:p>
+                  </a:txBody>
+                  <a:tcPr/>
+                </a:tc>
+                <a:tc>
+                  <a:txBody>
+                    <a:bodyPr/>
+                    <a:lstStyle/>
+                    <a:p>
+                      <a:pPr algn="just"/>
+                      <a:r>
+                        <a:rPr lang="en-US" sz="1000" dirty="0">
+                          <a:solidFill>
+                            <a:schemeClr val="tx1"/>
+                          </a:solidFill>
+                        </a:rPr>
+                        <a:t>Victim</a:t>
+                      </a:r>
+                    </a:p>
+                  </a:txBody>
+                  <a:tcPr/>
+                </a:tc>
+                <a:extLst>
+                  <a:ext uri="{0D108BD9-81ED-4DB2-BD59-A6C34878D82A}">
+                    <a16:rowId xmlns:a16="http://schemas.microsoft.com/office/drawing/2014/main" val="2788586197"/>
+                  </a:ext>
+                </a:extLst>
+              </a:tr>
+              <a:tr h="232501">
+                <a:tc>
+                  <a:txBody>
+                    <a:bodyPr/>
+                    <a:lstStyle/>
+                    <a:p>
+                      <a:pPr algn="ctr"/>
+                      <a:r>
+                        <a:rPr lang="en-US" sz="1000" dirty="0">
+                          <a:solidFill>
+                            <a:schemeClr val="tx1"/>
+                          </a:solidFill>
+                        </a:rPr>
+                        <a:t>1</a:t>
+                      </a:r>
+                    </a:p>
+                  </a:txBody>
+                  <a:tcPr/>
+                </a:tc>
+                <a:tc>
+                  <a:txBody>
+                    <a:bodyPr/>
+                    <a:lstStyle/>
+                    <a:p>
+                      <a:pPr algn="just"/>
+                      <a:r>
+                        <a:rPr lang="en-US" sz="1000" dirty="0">
+                          <a:solidFill>
+                            <a:schemeClr val="tx1"/>
+                          </a:solidFill>
+                        </a:rPr>
+                        <a:t>Good morning, sir! I'm calling from the hospital regarding your recent visit. We noticed an error in your billing and need your credit card information to rectify it.</a:t>
+                      </a:r>
+                    </a:p>
+                  </a:txBody>
+                  <a:tcPr/>
+                </a:tc>
+                <a:tc>
+                  <a:txBody>
+                    <a:bodyPr/>
+                    <a:lstStyle/>
+                    <a:p>
+                      <a:pPr algn="just"/>
+                      <a:r>
+                        <a:rPr lang="en-US" sz="1000" dirty="0">
+                          <a:solidFill>
+                            <a:schemeClr val="tx1"/>
+                          </a:solidFill>
+                        </a:rPr>
+                        <a:t>Hello, what seems to be the issue, can you provide more details about the error in question?</a:t>
+                      </a:r>
+                    </a:p>
+                  </a:txBody>
+                  <a:tcPr/>
+                </a:tc>
+                <a:extLst>
+                  <a:ext uri="{0D108BD9-81ED-4DB2-BD59-A6C34878D82A}">
+                    <a16:rowId xmlns:a16="http://schemas.microsoft.com/office/drawing/2014/main" val="3871337990"/>
+                  </a:ext>
+                </a:extLst>
+              </a:tr>
+              <a:tr h="232501">
+                <a:tc>
+                  <a:txBody>
+                    <a:bodyPr/>
+                    <a:lstStyle/>
+                    <a:p>
+                      <a:pPr algn="ctr"/>
+                      <a:r>
+                        <a:rPr lang="en-US" sz="1000" dirty="0">
+                          <a:solidFill>
+                            <a:schemeClr val="tx1"/>
+                          </a:solidFill>
+                        </a:rPr>
+                        <a:t>2</a:t>
+                      </a:r>
+                    </a:p>
+                  </a:txBody>
+                  <a:tcPr/>
+                </a:tc>
+                <a:tc>
+                  <a:txBody>
+                    <a:bodyPr/>
+                    <a:lstStyle/>
+                    <a:p>
+                      <a:pPr algn="just"/>
+                      <a:r>
+                        <a:rPr lang="en-US" sz="1000" dirty="0">
+                          <a:solidFill>
+                            <a:schemeClr val="tx1"/>
+                          </a:solidFill>
+                        </a:rPr>
+                        <a:t>Absolutely, sir. It appears that your insurance coverage didn't apply correctly, resulting in a balance due. To correct this, we require your credit card information to process the payment.</a:t>
+                      </a:r>
+                    </a:p>
+                  </a:txBody>
+                  <a:tcPr/>
+                </a:tc>
+                <a:tc>
+                  <a:txBody>
+                    <a:bodyPr/>
+                    <a:lstStyle/>
+                    <a:p>
+                      <a:pPr algn="just"/>
+                      <a:r>
+                        <a:rPr lang="en-US" sz="1000" dirty="0">
+                          <a:solidFill>
+                            <a:schemeClr val="tx1"/>
+                          </a:solidFill>
+                        </a:rPr>
+                        <a:t>That is strange. Can't I just contact my insurance provider directly to sort this out?</a:t>
+                      </a:r>
+                    </a:p>
+                  </a:txBody>
+                  <a:tcPr/>
+                </a:tc>
+                <a:extLst>
+                  <a:ext uri="{0D108BD9-81ED-4DB2-BD59-A6C34878D82A}">
+                    <a16:rowId xmlns:a16="http://schemas.microsoft.com/office/drawing/2014/main" val="22930698"/>
+                  </a:ext>
+                </a:extLst>
+              </a:tr>
+              <a:tr h="232501">
+                <a:tc>
+                  <a:txBody>
+                    <a:bodyPr/>
+                    <a:lstStyle/>
+                    <a:p>
+                      <a:pPr algn="ctr"/>
+                      <a:r>
+                        <a:rPr lang="en-US" sz="1000" dirty="0">
+                          <a:solidFill>
+                            <a:schemeClr val="tx1"/>
+                          </a:solidFill>
+                        </a:rPr>
+                        <a:t>3</a:t>
+                      </a:r>
+                    </a:p>
+                  </a:txBody>
+                  <a:tcPr/>
+                </a:tc>
+                <a:tc>
+                  <a:txBody>
+                    <a:bodyPr/>
+                    <a:lstStyle/>
+                    <a:p>
+                      <a:pPr algn="just"/>
+                      <a:r>
+                        <a:rPr lang="en-US" sz="1000" dirty="0">
+                          <a:solidFill>
+                            <a:schemeClr val="tx1"/>
+                          </a:solidFill>
+                        </a:rPr>
+                        <a:t>Ah, we understand your concern, but this is an urgent matter that requires immediate action. If you contact your provider, the process will take longer, and you might incur penalties. Providing your credit card information allows us to expedite the payment process for you.</a:t>
+                      </a:r>
+                    </a:p>
+                  </a:txBody>
+                  <a:tcPr/>
+                </a:tc>
+                <a:tc>
+                  <a:txBody>
+                    <a:bodyPr/>
+                    <a:lstStyle/>
+                    <a:p>
+                      <a:pPr algn="just"/>
+                      <a:r>
+                        <a:rPr lang="en-US" sz="1000" dirty="0">
+                          <a:solidFill>
+                            <a:schemeClr val="tx1"/>
+                          </a:solidFill>
+                        </a:rPr>
+                        <a:t>I see, but I'm still hesitant to provide my credit card details over the phone. Can I visit the hospital in person to settle the payment?</a:t>
+                      </a:r>
+                    </a:p>
+                    <a:p>
+                      <a:pPr algn="just"/>
+                      <a:endParaRPr lang="en-US" sz="1000" dirty="0">
+                        <a:solidFill>
+                          <a:schemeClr val="tx1"/>
+                        </a:solidFill>
+                      </a:endParaRPr>
+                    </a:p>
+                  </a:txBody>
+                  <a:tcPr/>
+                </a:tc>
+                <a:extLst>
+                  <a:ext uri="{0D108BD9-81ED-4DB2-BD59-A6C34878D82A}">
+                    <a16:rowId xmlns:a16="http://schemas.microsoft.com/office/drawing/2014/main" val="1446474973"/>
+                  </a:ext>
+                </a:extLst>
+              </a:tr>
+              <a:tr h="232501">
+                <a:tc>
+                  <a:txBody>
+                    <a:bodyPr/>
+                    <a:lstStyle/>
+                    <a:p>
+                      <a:pPr algn="ctr"/>
+                      <a:r>
+                        <a:rPr lang="en-US" sz="1000" dirty="0">
+                          <a:solidFill>
+                            <a:schemeClr val="tx1"/>
+                          </a:solidFill>
+                        </a:rPr>
+                        <a:t>4</a:t>
+                      </a:r>
+                    </a:p>
+                  </a:txBody>
+                  <a:tcPr/>
+                </a:tc>
+                <a:tc>
+                  <a:txBody>
+                    <a:bodyPr/>
+                    <a:lstStyle/>
+                    <a:p>
+                      <a:pPr algn="just"/>
+                      <a:r>
+                        <a:rPr lang="en-US" sz="1000" dirty="0">
+                          <a:solidFill>
+                            <a:schemeClr val="tx1"/>
+                          </a:solidFill>
+                        </a:rPr>
+                        <a:t>Unfortunately, due to the current circumstances, we're unable to accommodate in-person visits. Rest assured, sir, our call is encrypted and secure. Your information will be handled with utmost confidentiality.</a:t>
+                      </a:r>
+                    </a:p>
+                  </a:txBody>
+                  <a:tcPr/>
+                </a:tc>
+                <a:tc>
+                  <a:txBody>
+                    <a:bodyPr/>
+                    <a:lstStyle/>
+                    <a:p>
+                      <a:pPr algn="just"/>
+                      <a:r>
+                        <a:rPr lang="en-US" sz="1000" dirty="0">
+                          <a:solidFill>
+                            <a:schemeClr val="tx1"/>
+                          </a:solidFill>
+                        </a:rPr>
+                        <a:t>Alright, I suppose I can give you my credit card information, but I request a confirmation receipt and that you delete the information afterward.</a:t>
+                      </a:r>
+                    </a:p>
+                  </a:txBody>
+                  <a:tcPr/>
+                </a:tc>
+                <a:extLst>
+                  <a:ext uri="{0D108BD9-81ED-4DB2-BD59-A6C34878D82A}">
+                    <a16:rowId xmlns:a16="http://schemas.microsoft.com/office/drawing/2014/main" val="2090242424"/>
+                  </a:ext>
+                </a:extLst>
+              </a:tr>
+              <a:tr h="232501">
+                <a:tc>
+                  <a:txBody>
+                    <a:bodyPr/>
+                    <a:lstStyle/>
+                    <a:p>
+                      <a:pPr algn="ctr"/>
+                      <a:r>
+                        <a:rPr lang="en-US" sz="1000" dirty="0">
+                          <a:solidFill>
+                            <a:schemeClr val="tx1"/>
+                          </a:solidFill>
+                        </a:rPr>
+                        <a:t>5</a:t>
+                      </a:r>
+                    </a:p>
+                  </a:txBody>
+                  <a:tcPr/>
+                </a:tc>
+                <a:tc>
+                  <a:txBody>
+                    <a:bodyPr/>
+                    <a:lstStyle/>
+                    <a:p>
+                      <a:pPr algn="just"/>
+                      <a:r>
+                        <a:rPr lang="en-US" sz="1000" dirty="0">
+                          <a:solidFill>
+                            <a:schemeClr val="tx1"/>
+                          </a:solidFill>
+                        </a:rPr>
+                        <a:t>Of course, sir. We appreciate your cooperation. Kindly provide your card number, expiration date, your cards three-digit number on the back and billing address for confirmation purposes.</a:t>
+                      </a:r>
+                    </a:p>
+                  </a:txBody>
+                  <a:tcPr/>
+                </a:tc>
+                <a:tc>
+                  <a:txBody>
+                    <a:bodyPr/>
+                    <a:lstStyle/>
+                    <a:p>
+                      <a:pPr algn="just"/>
+                      <a:r>
+                        <a:rPr lang="en-US" sz="1000" dirty="0">
+                          <a:solidFill>
+                            <a:schemeClr val="tx1"/>
+                          </a:solidFill>
+                        </a:rPr>
+                        <a:t>Sure, the card number is [redacted], expiration date is [redacted], CVV is [redacted], and the billing address is 123 Main Street.</a:t>
+                      </a:r>
+                    </a:p>
+                  </a:txBody>
+                  <a:tcPr/>
+                </a:tc>
+                <a:extLst>
+                  <a:ext uri="{0D108BD9-81ED-4DB2-BD59-A6C34878D82A}">
+                    <a16:rowId xmlns:a16="http://schemas.microsoft.com/office/drawing/2014/main" val="2062566075"/>
+                  </a:ext>
+                </a:extLst>
+              </a:tr>
+              <a:tr h="232501">
+                <a:tc>
+                  <a:txBody>
+                    <a:bodyPr/>
+                    <a:lstStyle/>
+                    <a:p>
+                      <a:pPr algn="ctr"/>
+                      <a:r>
+                        <a:rPr lang="en-US" sz="1000" dirty="0">
+                          <a:solidFill>
+                            <a:schemeClr val="tx1"/>
+                          </a:solidFill>
+                        </a:rPr>
+                        <a:t>6</a:t>
+                      </a:r>
+                    </a:p>
+                  </a:txBody>
+                  <a:tcPr/>
+                </a:tc>
+                <a:tc>
+                  <a:txBody>
+                    <a:bodyPr/>
+                    <a:lstStyle/>
+                    <a:p>
+                      <a:pPr algn="just"/>
+                      <a:r>
+                        <a:rPr lang="en-US" sz="1000" dirty="0">
+                          <a:solidFill>
+                            <a:schemeClr val="tx1"/>
+                          </a:solidFill>
+                        </a:rPr>
+                        <a:t>Thank you, sir. I've successfully processed the payment. You'll receive a confirmation receipt via email shortly. Is there anything else I can assist you with?</a:t>
+                      </a:r>
+                    </a:p>
+                  </a:txBody>
+                  <a:tcPr/>
+                </a:tc>
+                <a:tc>
+                  <a:txBody>
+                    <a:bodyPr/>
+                    <a:lstStyle/>
+                    <a:p>
+                      <a:pPr algn="just"/>
+                      <a:r>
+                        <a:rPr lang="en-US" sz="1000" dirty="0">
+                          <a:solidFill>
+                            <a:schemeClr val="tx1"/>
+                          </a:solidFill>
+                        </a:rPr>
+                        <a:t>No, that will be all. Thank you for your help.</a:t>
+                      </a:r>
+                    </a:p>
+                  </a:txBody>
+                  <a:tcPr/>
+                </a:tc>
+                <a:extLst>
+                  <a:ext uri="{0D108BD9-81ED-4DB2-BD59-A6C34878D82A}">
+                    <a16:rowId xmlns:a16="http://schemas.microsoft.com/office/drawing/2014/main" val="1818524890"/>
+                  </a:ext>
+                </a:extLst>
+              </a:tr>
+            </a:tbl>
+          </a:graphicData>
+        </a:graphic>
+      </p:graphicFrame>
+      <p:sp>
+        <p:nvSpPr>
+          <p:cNvPr id="2" name="TextBox 1">
+            <a:extLst>
+              <a:ext uri="{FF2B5EF4-FFF2-40B4-BE49-F238E27FC236}">
+                <a16:creationId xmlns:a16="http://schemas.microsoft.com/office/drawing/2014/main" id="{45685C32-6E11-4A00-E46C-B2036D2A9834}"/>
+              </a:ext>
+            </a:extLst>
+          </p:cNvPr>
+          <p:cNvSpPr txBox="1"/>
+          <p:nvPr/>
+        </p:nvSpPr>
+        <p:spPr>
+          <a:xfrm>
+            <a:off x="332060" y="705258"/>
+            <a:ext cx="744114" cy="369332"/>
+          </a:xfrm>
+          <a:prstGeom prst="rect">
+            <a:avLst/>
+          </a:prstGeom>
+          <a:noFill/>
+        </p:spPr>
+        <p:txBody>
+          <a:bodyPr wrap="none" rtlCol="0">
+            <a:spAutoFit/>
+          </a:bodyPr>
+          <a:lstStyle/>
+          <a:p>
+            <a:r>
+              <a:rPr lang="en-US" dirty="0">
+                <a:solidFill>
+                  <a:srgbClr val="FF0000"/>
+                </a:solidFill>
+                <a:effectLst>
+                  <a:outerShdw blurRad="38100" dist="38100" dir="2700000" algn="tl">
+                    <a:srgbClr val="000000">
+                      <a:alpha val="43137"/>
+                    </a:srgbClr>
+                  </a:outerShdw>
+                </a:effectLst>
+              </a:rPr>
+              <a:t>SCAM</a:t>
+            </a:r>
+          </a:p>
+        </p:txBody>
+      </p:sp>
+      <p:sp>
+        <p:nvSpPr>
+          <p:cNvPr id="3" name="TextBox 2">
+            <a:extLst>
+              <a:ext uri="{FF2B5EF4-FFF2-40B4-BE49-F238E27FC236}">
+                <a16:creationId xmlns:a16="http://schemas.microsoft.com/office/drawing/2014/main" id="{E3A6CA0A-BE36-A130-99CC-EBB9FEB6E3F0}"/>
+              </a:ext>
+            </a:extLst>
+          </p:cNvPr>
+          <p:cNvSpPr txBox="1"/>
+          <p:nvPr/>
+        </p:nvSpPr>
+        <p:spPr>
+          <a:xfrm>
+            <a:off x="259345" y="4005585"/>
+            <a:ext cx="9344289" cy="369332"/>
+          </a:xfrm>
+          <a:prstGeom prst="rect">
+            <a:avLst/>
+          </a:prstGeom>
+          <a:noFill/>
+        </p:spPr>
+        <p:txBody>
+          <a:bodyPr wrap="none" rtlCol="0">
+            <a:spAutoFit/>
+          </a:bodyPr>
+          <a:lstStyle/>
+          <a:p>
+            <a:r>
+              <a:rPr lang="en-US" dirty="0"/>
+              <a:t>The model is familiar with this conversation format, but has not specifically seen this conversation</a:t>
+            </a:r>
+          </a:p>
+        </p:txBody>
+      </p:sp>
+    </p:spTree>
+    <p:extLst>
+      <p:ext uri="{BB962C8B-B14F-4D97-AF65-F5344CB8AC3E}">
+        <p14:creationId xmlns:p14="http://schemas.microsoft.com/office/powerpoint/2010/main" val="1038276727"/>
+      </p:ext>
+    </p:extLst>
+  </p:cSld>
+  <p:clrMapOvr>
+    <a:masterClrMapping/>
+  </p:clrMapOvr>
+</p:sld>
+</file>
+
 <file path=ppt/slides/slide3.xml><?xml version="1.0" encoding="utf-8"?>
 <p:sld xmlns:a="http://schemas.openxmlformats.org/drawingml/2006/main" xmlns:r="http://schemas.openxmlformats.org/officeDocument/2006/relationships" xmlns:p="http://schemas.openxmlformats.org/presentationml/2006/main">
   <p:cSld>
@@ -16585,6 +24433,1873 @@
     <p:extLst>
       <p:ext uri="{BB962C8B-B14F-4D97-AF65-F5344CB8AC3E}">
         <p14:creationId xmlns:p14="http://schemas.microsoft.com/office/powerpoint/2010/main" val="477289475"/>
+      </p:ext>
+    </p:extLst>
+  </p:cSld>
+  <p:clrMapOvr>
+    <a:masterClrMapping/>
+  </p:clrMapOvr>
+</p:sld>
+</file>
+
+<file path=ppt/slides/slide30.xml><?xml version="1.0" encoding="utf-8"?>
+<p:sld xmlns:a="http://schemas.openxmlformats.org/drawingml/2006/main" xmlns:r="http://schemas.openxmlformats.org/officeDocument/2006/relationships" xmlns:p="http://schemas.openxmlformats.org/presentationml/2006/main">
+  <p:cSld>
+    <p:spTree>
+      <p:nvGrpSpPr>
+        <p:cNvPr id="1" name=""/>
+        <p:cNvGrpSpPr/>
+        <p:nvPr/>
+      </p:nvGrpSpPr>
+      <p:grpSpPr>
+        <a:xfrm>
+          <a:off x="0" y="0"/>
+          <a:ext cx="0" cy="0"/>
+          <a:chOff x="0" y="0"/>
+          <a:chExt cx="0" cy="0"/>
+        </a:xfrm>
+      </p:grpSpPr>
+      <p:graphicFrame>
+        <p:nvGraphicFramePr>
+          <p:cNvPr id="4" name="Table 3">
+            <a:extLst>
+              <a:ext uri="{FF2B5EF4-FFF2-40B4-BE49-F238E27FC236}">
+                <a16:creationId xmlns:a16="http://schemas.microsoft.com/office/drawing/2014/main" id="{58E122E0-C7BB-D0F3-72C4-3876E43EDC9D}"/>
+              </a:ext>
+            </a:extLst>
+          </p:cNvPr>
+          <p:cNvGraphicFramePr>
+            <a:graphicFrameLocks noGrp="1"/>
+          </p:cNvGraphicFramePr>
+          <p:nvPr>
+            <p:extLst>
+              <p:ext uri="{D42A27DB-BD31-4B8C-83A1-F6EECF244321}">
+                <p14:modId xmlns:p14="http://schemas.microsoft.com/office/powerpoint/2010/main" val="255281136"/>
+              </p:ext>
+            </p:extLst>
+          </p:nvPr>
+        </p:nvGraphicFramePr>
+        <p:xfrm>
+          <a:off x="56764" y="3726229"/>
+          <a:ext cx="4696392" cy="1828800"/>
+        </p:xfrm>
+        <a:graphic>
+          <a:graphicData uri="http://schemas.openxmlformats.org/drawingml/2006/table">
+            <a:tbl>
+              <a:tblPr firstRow="1" bandRow="1">
+                <a:tableStyleId>{5C22544A-7EE6-4342-B048-85BDC9FD1C3A}</a:tableStyleId>
+              </a:tblPr>
+              <a:tblGrid>
+                <a:gridCol w="1565464">
+                  <a:extLst>
+                    <a:ext uri="{9D8B030D-6E8A-4147-A177-3AD203B41FA5}">
+                      <a16:colId xmlns:a16="http://schemas.microsoft.com/office/drawing/2014/main" val="3892237616"/>
+                    </a:ext>
+                  </a:extLst>
+                </a:gridCol>
+                <a:gridCol w="1565464">
+                  <a:extLst>
+                    <a:ext uri="{9D8B030D-6E8A-4147-A177-3AD203B41FA5}">
+                      <a16:colId xmlns:a16="http://schemas.microsoft.com/office/drawing/2014/main" val="2100386984"/>
+                    </a:ext>
+                  </a:extLst>
+                </a:gridCol>
+                <a:gridCol w="1565464">
+                  <a:extLst>
+                    <a:ext uri="{9D8B030D-6E8A-4147-A177-3AD203B41FA5}">
+                      <a16:colId xmlns:a16="http://schemas.microsoft.com/office/drawing/2014/main" val="2471708999"/>
+                    </a:ext>
+                  </a:extLst>
+                </a:gridCol>
+              </a:tblGrid>
+              <a:tr h="147371">
+                <a:tc>
+                  <a:txBody>
+                    <a:bodyPr/>
+                    <a:lstStyle/>
+                    <a:p>
+                      <a:pPr algn="ctr"/>
+                      <a:r>
+                        <a:rPr lang="en-US" sz="1400" dirty="0"/>
+                        <a:t>Batch Number</a:t>
+                      </a:r>
+                    </a:p>
+                  </a:txBody>
+                  <a:tcPr/>
+                </a:tc>
+                <a:tc>
+                  <a:txBody>
+                    <a:bodyPr/>
+                    <a:lstStyle/>
+                    <a:p>
+                      <a:pPr algn="ctr"/>
+                      <a:r>
+                        <a:rPr lang="en-US" sz="1400" dirty="0"/>
+                        <a:t>Result</a:t>
+                      </a:r>
+                    </a:p>
+                  </a:txBody>
+                  <a:tcPr/>
+                </a:tc>
+                <a:tc>
+                  <a:txBody>
+                    <a:bodyPr/>
+                    <a:lstStyle/>
+                    <a:p>
+                      <a:pPr algn="ctr"/>
+                      <a:r>
+                        <a:rPr lang="en-US" sz="1400" dirty="0"/>
+                        <a:t>Probability</a:t>
+                      </a:r>
+                    </a:p>
+                  </a:txBody>
+                  <a:tcPr/>
+                </a:tc>
+                <a:extLst>
+                  <a:ext uri="{0D108BD9-81ED-4DB2-BD59-A6C34878D82A}">
+                    <a16:rowId xmlns:a16="http://schemas.microsoft.com/office/drawing/2014/main" val="3049934132"/>
+                  </a:ext>
+                </a:extLst>
+              </a:tr>
+              <a:tr h="179301">
+                <a:tc>
+                  <a:txBody>
+                    <a:bodyPr/>
+                    <a:lstStyle/>
+                    <a:p>
+                      <a:pPr algn="ctr"/>
+                      <a:r>
+                        <a:rPr lang="en-US" sz="1400" dirty="0"/>
+                        <a:t>1</a:t>
+                      </a:r>
+                    </a:p>
+                  </a:txBody>
+                  <a:tcPr/>
+                </a:tc>
+                <a:tc>
+                  <a:txBody>
+                    <a:bodyPr/>
+                    <a:lstStyle/>
+                    <a:p>
+                      <a:pPr algn="ctr"/>
+                      <a:r>
+                        <a:rPr lang="en-US" sz="1400" dirty="0"/>
+                        <a:t>Non-Scam</a:t>
+                      </a:r>
+                    </a:p>
+                  </a:txBody>
+                  <a:tcPr/>
+                </a:tc>
+                <a:tc>
+                  <a:txBody>
+                    <a:bodyPr/>
+                    <a:lstStyle/>
+                    <a:p>
+                      <a:pPr algn="ctr"/>
+                      <a:r>
+                        <a:rPr lang="en-US" sz="1400" dirty="0"/>
+                        <a:t>92%</a:t>
+                      </a:r>
+                    </a:p>
+                  </a:txBody>
+                  <a:tcPr/>
+                </a:tc>
+                <a:extLst>
+                  <a:ext uri="{0D108BD9-81ED-4DB2-BD59-A6C34878D82A}">
+                    <a16:rowId xmlns:a16="http://schemas.microsoft.com/office/drawing/2014/main" val="1512097725"/>
+                  </a:ext>
+                </a:extLst>
+              </a:tr>
+              <a:tr h="179301">
+                <a:tc>
+                  <a:txBody>
+                    <a:bodyPr/>
+                    <a:lstStyle/>
+                    <a:p>
+                      <a:pPr algn="ctr"/>
+                      <a:r>
+                        <a:rPr lang="en-US" sz="1400" dirty="0"/>
+                        <a:t>2</a:t>
+                      </a:r>
+                    </a:p>
+                  </a:txBody>
+                  <a:tcPr/>
+                </a:tc>
+                <a:tc>
+                  <a:txBody>
+                    <a:bodyPr/>
+                    <a:lstStyle/>
+                    <a:p>
+                      <a:pPr marL="0" marR="0" lvl="0" indent="0" algn="ctr" defTabSz="914400" rtl="0" eaLnBrk="1" fontAlgn="auto" latinLnBrk="0" hangingPunct="1">
+                        <a:lnSpc>
+                          <a:spcPct val="100000"/>
+                        </a:lnSpc>
+                        <a:spcBef>
+                          <a:spcPts val="0"/>
+                        </a:spcBef>
+                        <a:spcAft>
+                          <a:spcPts val="0"/>
+                        </a:spcAft>
+                        <a:buClrTx/>
+                        <a:buSzTx/>
+                        <a:buFontTx/>
+                        <a:buNone/>
+                        <a:tabLst/>
+                        <a:defRPr/>
+                      </a:pPr>
+                      <a:r>
+                        <a:rPr lang="en-US" sz="1400" dirty="0"/>
+                        <a:t>Non-Scam</a:t>
+                      </a:r>
+                    </a:p>
+                  </a:txBody>
+                  <a:tcPr/>
+                </a:tc>
+                <a:tc>
+                  <a:txBody>
+                    <a:bodyPr/>
+                    <a:lstStyle/>
+                    <a:p>
+                      <a:pPr algn="ctr"/>
+                      <a:r>
+                        <a:rPr lang="en-US" sz="1400" dirty="0"/>
+                        <a:t>95%</a:t>
+                      </a:r>
+                    </a:p>
+                  </a:txBody>
+                  <a:tcPr/>
+                </a:tc>
+                <a:extLst>
+                  <a:ext uri="{0D108BD9-81ED-4DB2-BD59-A6C34878D82A}">
+                    <a16:rowId xmlns:a16="http://schemas.microsoft.com/office/drawing/2014/main" val="3429545967"/>
+                  </a:ext>
+                </a:extLst>
+              </a:tr>
+              <a:tr h="179301">
+                <a:tc>
+                  <a:txBody>
+                    <a:bodyPr/>
+                    <a:lstStyle/>
+                    <a:p>
+                      <a:pPr algn="ctr"/>
+                      <a:r>
+                        <a:rPr lang="en-US" sz="1400" dirty="0"/>
+                        <a:t>3</a:t>
+                      </a:r>
+                    </a:p>
+                  </a:txBody>
+                  <a:tcPr/>
+                </a:tc>
+                <a:tc>
+                  <a:txBody>
+                    <a:bodyPr/>
+                    <a:lstStyle/>
+                    <a:p>
+                      <a:pPr marL="0" marR="0" lvl="0" indent="0" algn="ctr" defTabSz="914400" rtl="0" eaLnBrk="1" fontAlgn="auto" latinLnBrk="0" hangingPunct="1">
+                        <a:lnSpc>
+                          <a:spcPct val="100000"/>
+                        </a:lnSpc>
+                        <a:spcBef>
+                          <a:spcPts val="0"/>
+                        </a:spcBef>
+                        <a:spcAft>
+                          <a:spcPts val="0"/>
+                        </a:spcAft>
+                        <a:buClrTx/>
+                        <a:buSzTx/>
+                        <a:buFontTx/>
+                        <a:buNone/>
+                        <a:tabLst/>
+                        <a:defRPr/>
+                      </a:pPr>
+                      <a:r>
+                        <a:rPr lang="en-US" sz="1400" dirty="0"/>
+                        <a:t>Non-Scam</a:t>
+                      </a:r>
+                    </a:p>
+                  </a:txBody>
+                  <a:tcPr/>
+                </a:tc>
+                <a:tc>
+                  <a:txBody>
+                    <a:bodyPr/>
+                    <a:lstStyle/>
+                    <a:p>
+                      <a:pPr algn="ctr"/>
+                      <a:r>
+                        <a:rPr lang="en-US" sz="1400" dirty="0"/>
+                        <a:t>96%</a:t>
+                      </a:r>
+                    </a:p>
+                  </a:txBody>
+                  <a:tcPr/>
+                </a:tc>
+                <a:extLst>
+                  <a:ext uri="{0D108BD9-81ED-4DB2-BD59-A6C34878D82A}">
+                    <a16:rowId xmlns:a16="http://schemas.microsoft.com/office/drawing/2014/main" val="1624593536"/>
+                  </a:ext>
+                </a:extLst>
+              </a:tr>
+              <a:tr h="179301">
+                <a:tc>
+                  <a:txBody>
+                    <a:bodyPr/>
+                    <a:lstStyle/>
+                    <a:p>
+                      <a:pPr algn="ctr"/>
+                      <a:r>
+                        <a:rPr lang="en-US" sz="1400" dirty="0"/>
+                        <a:t>4</a:t>
+                      </a:r>
+                    </a:p>
+                  </a:txBody>
+                  <a:tcPr/>
+                </a:tc>
+                <a:tc>
+                  <a:txBody>
+                    <a:bodyPr/>
+                    <a:lstStyle/>
+                    <a:p>
+                      <a:pPr marL="0" marR="0" lvl="0" indent="0" algn="ctr" defTabSz="914400" rtl="0" eaLnBrk="1" fontAlgn="auto" latinLnBrk="0" hangingPunct="1">
+                        <a:lnSpc>
+                          <a:spcPct val="100000"/>
+                        </a:lnSpc>
+                        <a:spcBef>
+                          <a:spcPts val="0"/>
+                        </a:spcBef>
+                        <a:spcAft>
+                          <a:spcPts val="0"/>
+                        </a:spcAft>
+                        <a:buClrTx/>
+                        <a:buSzTx/>
+                        <a:buFontTx/>
+                        <a:buNone/>
+                        <a:tabLst/>
+                        <a:defRPr/>
+                      </a:pPr>
+                      <a:r>
+                        <a:rPr lang="en-US" sz="1400" dirty="0"/>
+                        <a:t>Non-Scam</a:t>
+                      </a:r>
+                    </a:p>
+                  </a:txBody>
+                  <a:tcPr/>
+                </a:tc>
+                <a:tc>
+                  <a:txBody>
+                    <a:bodyPr/>
+                    <a:lstStyle/>
+                    <a:p>
+                      <a:pPr algn="ctr"/>
+                      <a:r>
+                        <a:rPr lang="en-US" sz="1400" dirty="0"/>
+                        <a:t>90%</a:t>
+                      </a:r>
+                    </a:p>
+                  </a:txBody>
+                  <a:tcPr/>
+                </a:tc>
+                <a:extLst>
+                  <a:ext uri="{0D108BD9-81ED-4DB2-BD59-A6C34878D82A}">
+                    <a16:rowId xmlns:a16="http://schemas.microsoft.com/office/drawing/2014/main" val="3011693667"/>
+                  </a:ext>
+                </a:extLst>
+              </a:tr>
+              <a:tr h="179301">
+                <a:tc>
+                  <a:txBody>
+                    <a:bodyPr/>
+                    <a:lstStyle/>
+                    <a:p>
+                      <a:pPr algn="ctr"/>
+                      <a:r>
+                        <a:rPr lang="en-US" sz="1400" dirty="0"/>
+                        <a:t>5</a:t>
+                      </a:r>
+                    </a:p>
+                  </a:txBody>
+                  <a:tcPr/>
+                </a:tc>
+                <a:tc>
+                  <a:txBody>
+                    <a:bodyPr/>
+                    <a:lstStyle/>
+                    <a:p>
+                      <a:pPr marL="0" marR="0" lvl="0" indent="0" algn="ctr" defTabSz="914400" rtl="0" eaLnBrk="1" fontAlgn="auto" latinLnBrk="0" hangingPunct="1">
+                        <a:lnSpc>
+                          <a:spcPct val="100000"/>
+                        </a:lnSpc>
+                        <a:spcBef>
+                          <a:spcPts val="0"/>
+                        </a:spcBef>
+                        <a:spcAft>
+                          <a:spcPts val="0"/>
+                        </a:spcAft>
+                        <a:buClrTx/>
+                        <a:buSzTx/>
+                        <a:buFontTx/>
+                        <a:buNone/>
+                        <a:tabLst/>
+                        <a:defRPr/>
+                      </a:pPr>
+                      <a:r>
+                        <a:rPr lang="en-US" sz="1400" dirty="0"/>
+                        <a:t>Non-Scam</a:t>
+                      </a:r>
+                    </a:p>
+                  </a:txBody>
+                  <a:tcPr/>
+                </a:tc>
+                <a:tc>
+                  <a:txBody>
+                    <a:bodyPr/>
+                    <a:lstStyle/>
+                    <a:p>
+                      <a:pPr algn="ctr"/>
+                      <a:r>
+                        <a:rPr lang="en-US" sz="1400" dirty="0"/>
+                        <a:t>79%</a:t>
+                      </a:r>
+                    </a:p>
+                  </a:txBody>
+                  <a:tcPr/>
+                </a:tc>
+                <a:extLst>
+                  <a:ext uri="{0D108BD9-81ED-4DB2-BD59-A6C34878D82A}">
+                    <a16:rowId xmlns:a16="http://schemas.microsoft.com/office/drawing/2014/main" val="365522491"/>
+                  </a:ext>
+                </a:extLst>
+              </a:tr>
+            </a:tbl>
+          </a:graphicData>
+        </a:graphic>
+      </p:graphicFrame>
+      <p:sp>
+        <p:nvSpPr>
+          <p:cNvPr id="8" name="TextBox 7">
+            <a:extLst>
+              <a:ext uri="{FF2B5EF4-FFF2-40B4-BE49-F238E27FC236}">
+                <a16:creationId xmlns:a16="http://schemas.microsoft.com/office/drawing/2014/main" id="{E04A00D3-4D24-119B-2B9B-02EAA31DD3E1}"/>
+              </a:ext>
+            </a:extLst>
+          </p:cNvPr>
+          <p:cNvSpPr txBox="1"/>
+          <p:nvPr/>
+        </p:nvSpPr>
+        <p:spPr>
+          <a:xfrm>
+            <a:off x="0" y="0"/>
+            <a:ext cx="12192000" cy="523220"/>
+          </a:xfrm>
+          <a:prstGeom prst="rect">
+            <a:avLst/>
+          </a:prstGeom>
+          <a:noFill/>
+        </p:spPr>
+        <p:txBody>
+          <a:bodyPr wrap="square" rtlCol="0">
+            <a:spAutoFit/>
+          </a:bodyPr>
+          <a:lstStyle/>
+          <a:p>
+            <a:r>
+              <a:rPr lang="en-US" sz="2800" dirty="0"/>
+              <a:t>GRADIENT BOOSTED TREES – REAL TIME TESTING</a:t>
+            </a:r>
+          </a:p>
+        </p:txBody>
+      </p:sp>
+      <p:sp>
+        <p:nvSpPr>
+          <p:cNvPr id="3" name="TextBox 2">
+            <a:extLst>
+              <a:ext uri="{FF2B5EF4-FFF2-40B4-BE49-F238E27FC236}">
+                <a16:creationId xmlns:a16="http://schemas.microsoft.com/office/drawing/2014/main" id="{FBCBB29F-468A-86C4-9021-C66251459552}"/>
+              </a:ext>
+            </a:extLst>
+          </p:cNvPr>
+          <p:cNvSpPr txBox="1"/>
+          <p:nvPr/>
+        </p:nvSpPr>
+        <p:spPr>
+          <a:xfrm>
+            <a:off x="14377" y="639055"/>
+            <a:ext cx="1265090" cy="369332"/>
+          </a:xfrm>
+          <a:prstGeom prst="rect">
+            <a:avLst/>
+          </a:prstGeom>
+          <a:noFill/>
+        </p:spPr>
+        <p:txBody>
+          <a:bodyPr wrap="none" rtlCol="0">
+            <a:spAutoFit/>
+          </a:bodyPr>
+          <a:lstStyle/>
+          <a:p>
+            <a:r>
+              <a:rPr lang="en-US" dirty="0">
+                <a:solidFill>
+                  <a:srgbClr val="00B050"/>
+                </a:solidFill>
+                <a:effectLst>
+                  <a:outerShdw blurRad="38100" dist="38100" dir="2700000" algn="tl">
+                    <a:srgbClr val="000000">
+                      <a:alpha val="43137"/>
+                    </a:srgbClr>
+                  </a:outerShdw>
+                </a:effectLst>
+              </a:rPr>
+              <a:t>NON-SCAM</a:t>
+            </a:r>
+          </a:p>
+        </p:txBody>
+      </p:sp>
+      <p:graphicFrame>
+        <p:nvGraphicFramePr>
+          <p:cNvPr id="2" name="Table 1">
+            <a:extLst>
+              <a:ext uri="{FF2B5EF4-FFF2-40B4-BE49-F238E27FC236}">
+                <a16:creationId xmlns:a16="http://schemas.microsoft.com/office/drawing/2014/main" id="{53F87085-5D09-B5D5-CB90-887E21FB90FA}"/>
+              </a:ext>
+            </a:extLst>
+          </p:cNvPr>
+          <p:cNvGraphicFramePr>
+            <a:graphicFrameLocks noGrp="1"/>
+          </p:cNvGraphicFramePr>
+          <p:nvPr>
+            <p:extLst>
+              <p:ext uri="{D42A27DB-BD31-4B8C-83A1-F6EECF244321}">
+                <p14:modId xmlns:p14="http://schemas.microsoft.com/office/powerpoint/2010/main" val="997458228"/>
+              </p:ext>
+            </p:extLst>
+          </p:nvPr>
+        </p:nvGraphicFramePr>
+        <p:xfrm>
+          <a:off x="56763" y="993922"/>
+          <a:ext cx="11880342" cy="2377440"/>
+        </p:xfrm>
+        <a:graphic>
+          <a:graphicData uri="http://schemas.openxmlformats.org/drawingml/2006/table">
+            <a:tbl>
+              <a:tblPr firstRow="1" bandRow="1">
+                <a:tableStyleId>{5C22544A-7EE6-4342-B048-85BDC9FD1C3A}</a:tableStyleId>
+              </a:tblPr>
+              <a:tblGrid>
+                <a:gridCol w="1131579">
+                  <a:extLst>
+                    <a:ext uri="{9D8B030D-6E8A-4147-A177-3AD203B41FA5}">
+                      <a16:colId xmlns:a16="http://schemas.microsoft.com/office/drawing/2014/main" val="1824382455"/>
+                    </a:ext>
+                  </a:extLst>
+                </a:gridCol>
+                <a:gridCol w="5954710">
+                  <a:extLst>
+                    <a:ext uri="{9D8B030D-6E8A-4147-A177-3AD203B41FA5}">
+                      <a16:colId xmlns:a16="http://schemas.microsoft.com/office/drawing/2014/main" val="3523283076"/>
+                    </a:ext>
+                  </a:extLst>
+                </a:gridCol>
+                <a:gridCol w="4794053">
+                  <a:extLst>
+                    <a:ext uri="{9D8B030D-6E8A-4147-A177-3AD203B41FA5}">
+                      <a16:colId xmlns:a16="http://schemas.microsoft.com/office/drawing/2014/main" val="1026576332"/>
+                    </a:ext>
+                  </a:extLst>
+                </a:gridCol>
+              </a:tblGrid>
+              <a:tr h="143077">
+                <a:tc>
+                  <a:txBody>
+                    <a:bodyPr/>
+                    <a:lstStyle/>
+                    <a:p>
+                      <a:r>
+                        <a:rPr lang="en-US" sz="1000" dirty="0">
+                          <a:solidFill>
+                            <a:schemeClr val="tx1"/>
+                          </a:solidFill>
+                        </a:rPr>
+                        <a:t>Conversation Id</a:t>
+                      </a:r>
+                    </a:p>
+                  </a:txBody>
+                  <a:tcPr/>
+                </a:tc>
+                <a:tc>
+                  <a:txBody>
+                    <a:bodyPr/>
+                    <a:lstStyle/>
+                    <a:p>
+                      <a:r>
+                        <a:rPr lang="en-US" sz="1000" dirty="0">
+                          <a:solidFill>
+                            <a:schemeClr val="tx1"/>
+                          </a:solidFill>
+                        </a:rPr>
+                        <a:t>Attacker_Helper</a:t>
+                      </a:r>
+                    </a:p>
+                  </a:txBody>
+                  <a:tcPr/>
+                </a:tc>
+                <a:tc>
+                  <a:txBody>
+                    <a:bodyPr/>
+                    <a:lstStyle/>
+                    <a:p>
+                      <a:r>
+                        <a:rPr lang="en-US" sz="1000" dirty="0">
+                          <a:solidFill>
+                            <a:schemeClr val="tx1"/>
+                          </a:solidFill>
+                        </a:rPr>
+                        <a:t>Victim</a:t>
+                      </a:r>
+                    </a:p>
+                  </a:txBody>
+                  <a:tcPr/>
+                </a:tc>
+                <a:extLst>
+                  <a:ext uri="{0D108BD9-81ED-4DB2-BD59-A6C34878D82A}">
+                    <a16:rowId xmlns:a16="http://schemas.microsoft.com/office/drawing/2014/main" val="2788586197"/>
+                  </a:ext>
+                </a:extLst>
+              </a:tr>
+              <a:tr h="232501">
+                <a:tc>
+                  <a:txBody>
+                    <a:bodyPr/>
+                    <a:lstStyle/>
+                    <a:p>
+                      <a:r>
+                        <a:rPr lang="en-US" sz="1000" b="0" dirty="0">
+                          <a:solidFill>
+                            <a:schemeClr val="tx1"/>
+                          </a:solidFill>
+                          <a:effectLst/>
+                        </a:rPr>
+                        <a:t>SsDyLEV3XJ4lc3</a:t>
+                      </a:r>
+                      <a:endParaRPr lang="en-US" sz="1000" dirty="0">
+                        <a:solidFill>
+                          <a:schemeClr val="tx1"/>
+                        </a:solidFill>
+                      </a:endParaRPr>
+                    </a:p>
+                  </a:txBody>
+                  <a:tcPr/>
+                </a:tc>
+                <a:tc>
+                  <a:txBody>
+                    <a:bodyPr/>
+                    <a:lstStyle/>
+                    <a:p>
+                      <a:r>
+                        <a:rPr lang="en-US" sz="1000" b="0" dirty="0">
+                          <a:solidFill>
+                            <a:schemeClr val="tx1"/>
+                          </a:solidFill>
+                          <a:effectLst/>
+                        </a:rPr>
+                        <a:t>Hello, this is Jane from the IRS. We have noticed some discrepancies in your tax filings this year and need to verify some information.</a:t>
+                      </a:r>
+                    </a:p>
+                  </a:txBody>
+                  <a:tcPr/>
+                </a:tc>
+                <a:tc>
+                  <a:txBody>
+                    <a:bodyPr/>
+                    <a:lstStyle/>
+                    <a:p>
+                      <a:r>
+                        <a:rPr lang="en-US" sz="1000" b="0" dirty="0">
+                          <a:solidFill>
+                            <a:schemeClr val="tx1"/>
+                          </a:solidFill>
+                          <a:effectLst/>
+                        </a:rPr>
+                        <a:t>Oh really? Can you provide me with some details about the discrepancies?</a:t>
+                      </a:r>
+                    </a:p>
+                  </a:txBody>
+                  <a:tcPr/>
+                </a:tc>
+                <a:extLst>
+                  <a:ext uri="{0D108BD9-81ED-4DB2-BD59-A6C34878D82A}">
+                    <a16:rowId xmlns:a16="http://schemas.microsoft.com/office/drawing/2014/main" val="3871337990"/>
+                  </a:ext>
+                </a:extLst>
+              </a:tr>
+              <a:tr h="232501">
+                <a:tc>
+                  <a:txBody>
+                    <a:bodyPr/>
+                    <a:lstStyle/>
+                    <a:p>
+                      <a:r>
+                        <a:rPr lang="en-US" sz="1000" b="0" dirty="0">
+                          <a:solidFill>
+                            <a:schemeClr val="tx1"/>
+                          </a:solidFill>
+                          <a:effectLst/>
+                        </a:rPr>
+                        <a:t>SsDyLEV3XJ4lc3</a:t>
+                      </a:r>
+                      <a:endParaRPr lang="en-US" sz="1000" dirty="0">
+                        <a:solidFill>
+                          <a:schemeClr val="tx1"/>
+                        </a:solidFill>
+                      </a:endParaRPr>
+                    </a:p>
+                  </a:txBody>
+                  <a:tcPr/>
+                </a:tc>
+                <a:tc>
+                  <a:txBody>
+                    <a:bodyPr/>
+                    <a:lstStyle/>
+                    <a:p>
+                      <a:r>
+                        <a:rPr lang="en-US" sz="1000" b="0" dirty="0">
+                          <a:solidFill>
+                            <a:schemeClr val="tx1"/>
+                          </a:solidFill>
+                          <a:effectLst/>
+                        </a:rPr>
+                        <a:t>Certainly. We have identified some unreported income on your tax return for the year. Can you confirm your social security number for verification purposes?</a:t>
+                      </a:r>
+                    </a:p>
+                  </a:txBody>
+                  <a:tcPr/>
+                </a:tc>
+                <a:tc>
+                  <a:txBody>
+                    <a:bodyPr/>
+                    <a:lstStyle/>
+                    <a:p>
+                      <a:r>
+                        <a:rPr lang="en-US" sz="1000" b="0" dirty="0">
+                          <a:solidFill>
+                            <a:schemeClr val="tx1"/>
+                          </a:solidFill>
+                          <a:effectLst/>
+                        </a:rPr>
+                        <a:t>I'm not comfortable providing my social security number over the phone. Is there any other way we can resolve this?</a:t>
+                      </a:r>
+                    </a:p>
+                  </a:txBody>
+                  <a:tcPr/>
+                </a:tc>
+                <a:extLst>
+                  <a:ext uri="{0D108BD9-81ED-4DB2-BD59-A6C34878D82A}">
+                    <a16:rowId xmlns:a16="http://schemas.microsoft.com/office/drawing/2014/main" val="22930698"/>
+                  </a:ext>
+                </a:extLst>
+              </a:tr>
+              <a:tr h="232501">
+                <a:tc>
+                  <a:txBody>
+                    <a:bodyPr/>
+                    <a:lstStyle/>
+                    <a:p>
+                      <a:r>
+                        <a:rPr lang="en-US" sz="1000" b="0" dirty="0">
+                          <a:solidFill>
+                            <a:schemeClr val="tx1"/>
+                          </a:solidFill>
+                          <a:effectLst/>
+                        </a:rPr>
+                        <a:t>SsDyLEV3XJ4lc3</a:t>
+                      </a:r>
+                      <a:endParaRPr lang="en-US" sz="1000" dirty="0">
+                        <a:solidFill>
+                          <a:schemeClr val="tx1"/>
+                        </a:solidFill>
+                      </a:endParaRPr>
+                    </a:p>
+                  </a:txBody>
+                  <a:tcPr/>
+                </a:tc>
+                <a:tc>
+                  <a:txBody>
+                    <a:bodyPr/>
+                    <a:lstStyle/>
+                    <a:p>
+                      <a:r>
+                        <a:rPr lang="en-US" sz="1000" b="0" dirty="0">
+                          <a:solidFill>
+                            <a:schemeClr val="tx1"/>
+                          </a:solidFill>
+                          <a:effectLst/>
+                        </a:rPr>
+                        <a:t>I understand your concern, but we need to verify your identity before discussing further. Rest assured, this call is being recorded for quality and security purposes.</a:t>
+                      </a:r>
+                    </a:p>
+                  </a:txBody>
+                  <a:tcPr/>
+                </a:tc>
+                <a:tc>
+                  <a:txBody>
+                    <a:bodyPr/>
+                    <a:lstStyle/>
+                    <a:p>
+                      <a:r>
+                        <a:rPr lang="en-US" sz="1000" b="0" dirty="0">
+                          <a:solidFill>
+                            <a:schemeClr val="tx1"/>
+                          </a:solidFill>
+                          <a:effectLst/>
+                        </a:rPr>
+                        <a:t>I appreciate that, but I still feel uneasy about sharing such sensitive information. Can I visit my local IRS office to resolve this matter?</a:t>
+                      </a:r>
+                    </a:p>
+                  </a:txBody>
+                  <a:tcPr/>
+                </a:tc>
+                <a:extLst>
+                  <a:ext uri="{0D108BD9-81ED-4DB2-BD59-A6C34878D82A}">
+                    <a16:rowId xmlns:a16="http://schemas.microsoft.com/office/drawing/2014/main" val="1446474973"/>
+                  </a:ext>
+                </a:extLst>
+              </a:tr>
+              <a:tr h="232501">
+                <a:tc>
+                  <a:txBody>
+                    <a:bodyPr/>
+                    <a:lstStyle/>
+                    <a:p>
+                      <a:r>
+                        <a:rPr lang="en-US" sz="1000" b="0" dirty="0">
+                          <a:solidFill>
+                            <a:schemeClr val="tx1"/>
+                          </a:solidFill>
+                          <a:effectLst/>
+                        </a:rPr>
+                        <a:t>SsDyLEV3XJ4lc3</a:t>
+                      </a:r>
+                      <a:endParaRPr lang="en-US" sz="1000" dirty="0">
+                        <a:solidFill>
+                          <a:schemeClr val="tx1"/>
+                        </a:solidFill>
+                      </a:endParaRPr>
+                    </a:p>
+                  </a:txBody>
+                  <a:tcPr/>
+                </a:tc>
+                <a:tc>
+                  <a:txBody>
+                    <a:bodyPr/>
+                    <a:lstStyle/>
+                    <a:p>
+                      <a:r>
+                        <a:rPr lang="en-US" sz="1000" b="0" dirty="0">
+                          <a:solidFill>
+                            <a:schemeClr val="tx1"/>
+                          </a:solidFill>
+                          <a:effectLst/>
+                        </a:rPr>
+                        <a:t>I apologize for the inconvenience, but due to the current circumstances, our offices are closed. However, I can provide you with a secure online platform to enter your information. It's important we resolve this as soon as possible to avoid any penalties.</a:t>
+                      </a:r>
+                    </a:p>
+                  </a:txBody>
+                  <a:tcPr/>
+                </a:tc>
+                <a:tc>
+                  <a:txBody>
+                    <a:bodyPr/>
+                    <a:lstStyle/>
+                    <a:p>
+                      <a:r>
+                        <a:rPr lang="en-US" sz="1000" b="0" dirty="0">
+                          <a:solidFill>
+                            <a:schemeClr val="tx1"/>
+                          </a:solidFill>
+                          <a:effectLst/>
+                        </a:rPr>
+                        <a:t>Alright, if there's no other option, I guess I can use the online platform. Please guide me through the process step by step.</a:t>
+                      </a:r>
+                    </a:p>
+                  </a:txBody>
+                  <a:tcPr/>
+                </a:tc>
+                <a:extLst>
+                  <a:ext uri="{0D108BD9-81ED-4DB2-BD59-A6C34878D82A}">
+                    <a16:rowId xmlns:a16="http://schemas.microsoft.com/office/drawing/2014/main" val="2090242424"/>
+                  </a:ext>
+                </a:extLst>
+              </a:tr>
+              <a:tr h="232501">
+                <a:tc>
+                  <a:txBody>
+                    <a:bodyPr/>
+                    <a:lstStyle/>
+                    <a:p>
+                      <a:r>
+                        <a:rPr lang="en-US" sz="1000" b="0" dirty="0">
+                          <a:solidFill>
+                            <a:schemeClr val="tx1"/>
+                          </a:solidFill>
+                          <a:effectLst/>
+                        </a:rPr>
+                        <a:t>SsDyLEV3XJ4lc3</a:t>
+                      </a:r>
+                      <a:endParaRPr lang="en-US" sz="1000" dirty="0">
+                        <a:solidFill>
+                          <a:schemeClr val="tx1"/>
+                        </a:solidFill>
+                      </a:endParaRPr>
+                    </a:p>
+                  </a:txBody>
+                  <a:tcPr/>
+                </a:tc>
+                <a:tc>
+                  <a:txBody>
+                    <a:bodyPr/>
+                    <a:lstStyle/>
+                    <a:p>
+                      <a:r>
+                        <a:rPr lang="en-US" sz="1000" b="0" dirty="0">
+                          <a:solidFill>
+                            <a:schemeClr val="tx1"/>
+                          </a:solidFill>
+                          <a:effectLst/>
+                        </a:rPr>
+                        <a:t>Thank you for your cooperation. I will send you an email shortly with a link to access the platform. Once you're there, follow the instructions carefully. Get back to me if you have any questions along the way.</a:t>
+                      </a:r>
+                    </a:p>
+                  </a:txBody>
+                  <a:tcPr/>
+                </a:tc>
+                <a:tc>
+                  <a:txBody>
+                    <a:bodyPr/>
+                    <a:lstStyle/>
+                    <a:p>
+                      <a:r>
+                        <a:rPr lang="en-US" sz="1000" b="0" dirty="0">
+                          <a:solidFill>
+                            <a:schemeClr val="tx1"/>
+                          </a:solidFill>
+                          <a:effectLst/>
+                        </a:rPr>
+                        <a:t>Alright, I'll keep an eye on my email. I appreciate your assistance in resolving this matter.</a:t>
+                      </a:r>
+                    </a:p>
+                  </a:txBody>
+                  <a:tcPr/>
+                </a:tc>
+                <a:extLst>
+                  <a:ext uri="{0D108BD9-81ED-4DB2-BD59-A6C34878D82A}">
+                    <a16:rowId xmlns:a16="http://schemas.microsoft.com/office/drawing/2014/main" val="2062566075"/>
+                  </a:ext>
+                </a:extLst>
+              </a:tr>
+            </a:tbl>
+          </a:graphicData>
+        </a:graphic>
+      </p:graphicFrame>
+      <p:sp>
+        <p:nvSpPr>
+          <p:cNvPr id="5" name="TextBox 4">
+            <a:extLst>
+              <a:ext uri="{FF2B5EF4-FFF2-40B4-BE49-F238E27FC236}">
+                <a16:creationId xmlns:a16="http://schemas.microsoft.com/office/drawing/2014/main" id="{C09044E6-C93D-4029-FCAD-CFB6EC086A53}"/>
+              </a:ext>
+            </a:extLst>
+          </p:cNvPr>
+          <p:cNvSpPr txBox="1"/>
+          <p:nvPr/>
+        </p:nvSpPr>
+        <p:spPr>
+          <a:xfrm>
+            <a:off x="0" y="3356897"/>
+            <a:ext cx="9344289" cy="369332"/>
+          </a:xfrm>
+          <a:prstGeom prst="rect">
+            <a:avLst/>
+          </a:prstGeom>
+          <a:noFill/>
+        </p:spPr>
+        <p:txBody>
+          <a:bodyPr wrap="none" rtlCol="0">
+            <a:spAutoFit/>
+          </a:bodyPr>
+          <a:lstStyle/>
+          <a:p>
+            <a:r>
+              <a:rPr lang="en-US" dirty="0"/>
+              <a:t>The model is familiar with this conversation format, but has not specifically seen this conversation</a:t>
+            </a:r>
+          </a:p>
+        </p:txBody>
+      </p:sp>
+    </p:spTree>
+    <p:extLst>
+      <p:ext uri="{BB962C8B-B14F-4D97-AF65-F5344CB8AC3E}">
+        <p14:creationId xmlns:p14="http://schemas.microsoft.com/office/powerpoint/2010/main" val="111438874"/>
+      </p:ext>
+    </p:extLst>
+  </p:cSld>
+  <p:clrMapOvr>
+    <a:masterClrMapping/>
+  </p:clrMapOvr>
+</p:sld>
+</file>
+
+<file path=ppt/slides/slide31.xml><?xml version="1.0" encoding="utf-8"?>
+<p:sld xmlns:a="http://schemas.openxmlformats.org/drawingml/2006/main" xmlns:r="http://schemas.openxmlformats.org/officeDocument/2006/relationships" xmlns:p="http://schemas.openxmlformats.org/presentationml/2006/main">
+  <p:cSld>
+    <p:spTree>
+      <p:nvGrpSpPr>
+        <p:cNvPr id="1" name=""/>
+        <p:cNvGrpSpPr/>
+        <p:nvPr/>
+      </p:nvGrpSpPr>
+      <p:grpSpPr>
+        <a:xfrm>
+          <a:off x="0" y="0"/>
+          <a:ext cx="0" cy="0"/>
+          <a:chOff x="0" y="0"/>
+          <a:chExt cx="0" cy="0"/>
+        </a:xfrm>
+      </p:grpSpPr>
+      <p:graphicFrame>
+        <p:nvGraphicFramePr>
+          <p:cNvPr id="4" name="Table 3">
+            <a:extLst>
+              <a:ext uri="{FF2B5EF4-FFF2-40B4-BE49-F238E27FC236}">
+                <a16:creationId xmlns:a16="http://schemas.microsoft.com/office/drawing/2014/main" id="{58E122E0-C7BB-D0F3-72C4-3876E43EDC9D}"/>
+              </a:ext>
+            </a:extLst>
+          </p:cNvPr>
+          <p:cNvGraphicFramePr>
+            <a:graphicFrameLocks noGrp="1"/>
+          </p:cNvGraphicFramePr>
+          <p:nvPr>
+            <p:extLst>
+              <p:ext uri="{D42A27DB-BD31-4B8C-83A1-F6EECF244321}">
+                <p14:modId xmlns:p14="http://schemas.microsoft.com/office/powerpoint/2010/main" val="575045817"/>
+              </p:ext>
+            </p:extLst>
+          </p:nvPr>
+        </p:nvGraphicFramePr>
+        <p:xfrm>
+          <a:off x="155830" y="3233596"/>
+          <a:ext cx="5106285" cy="1828800"/>
+        </p:xfrm>
+        <a:graphic>
+          <a:graphicData uri="http://schemas.openxmlformats.org/drawingml/2006/table">
+            <a:tbl>
+              <a:tblPr firstRow="1" bandRow="1">
+                <a:tableStyleId>{5C22544A-7EE6-4342-B048-85BDC9FD1C3A}</a:tableStyleId>
+              </a:tblPr>
+              <a:tblGrid>
+                <a:gridCol w="1702095">
+                  <a:extLst>
+                    <a:ext uri="{9D8B030D-6E8A-4147-A177-3AD203B41FA5}">
+                      <a16:colId xmlns:a16="http://schemas.microsoft.com/office/drawing/2014/main" val="3892237616"/>
+                    </a:ext>
+                  </a:extLst>
+                </a:gridCol>
+                <a:gridCol w="1702095">
+                  <a:extLst>
+                    <a:ext uri="{9D8B030D-6E8A-4147-A177-3AD203B41FA5}">
+                      <a16:colId xmlns:a16="http://schemas.microsoft.com/office/drawing/2014/main" val="2100386984"/>
+                    </a:ext>
+                  </a:extLst>
+                </a:gridCol>
+                <a:gridCol w="1702095">
+                  <a:extLst>
+                    <a:ext uri="{9D8B030D-6E8A-4147-A177-3AD203B41FA5}">
+                      <a16:colId xmlns:a16="http://schemas.microsoft.com/office/drawing/2014/main" val="2471708999"/>
+                    </a:ext>
+                  </a:extLst>
+                </a:gridCol>
+              </a:tblGrid>
+              <a:tr h="147371">
+                <a:tc>
+                  <a:txBody>
+                    <a:bodyPr/>
+                    <a:lstStyle/>
+                    <a:p>
+                      <a:pPr algn="ctr"/>
+                      <a:r>
+                        <a:rPr lang="en-US" sz="1400" dirty="0"/>
+                        <a:t>Batch Number</a:t>
+                      </a:r>
+                    </a:p>
+                  </a:txBody>
+                  <a:tcPr/>
+                </a:tc>
+                <a:tc>
+                  <a:txBody>
+                    <a:bodyPr/>
+                    <a:lstStyle/>
+                    <a:p>
+                      <a:pPr algn="ctr"/>
+                      <a:r>
+                        <a:rPr lang="en-US" sz="1400" dirty="0"/>
+                        <a:t>Result</a:t>
+                      </a:r>
+                    </a:p>
+                  </a:txBody>
+                  <a:tcPr/>
+                </a:tc>
+                <a:tc>
+                  <a:txBody>
+                    <a:bodyPr/>
+                    <a:lstStyle/>
+                    <a:p>
+                      <a:pPr algn="ctr"/>
+                      <a:r>
+                        <a:rPr lang="en-US" sz="1400" dirty="0"/>
+                        <a:t>Probability</a:t>
+                      </a:r>
+                    </a:p>
+                  </a:txBody>
+                  <a:tcPr/>
+                </a:tc>
+                <a:extLst>
+                  <a:ext uri="{0D108BD9-81ED-4DB2-BD59-A6C34878D82A}">
+                    <a16:rowId xmlns:a16="http://schemas.microsoft.com/office/drawing/2014/main" val="3049934132"/>
+                  </a:ext>
+                </a:extLst>
+              </a:tr>
+              <a:tr h="179301">
+                <a:tc>
+                  <a:txBody>
+                    <a:bodyPr/>
+                    <a:lstStyle/>
+                    <a:p>
+                      <a:pPr algn="ctr"/>
+                      <a:r>
+                        <a:rPr lang="en-US" sz="1400" dirty="0"/>
+                        <a:t>1</a:t>
+                      </a:r>
+                    </a:p>
+                  </a:txBody>
+                  <a:tcPr/>
+                </a:tc>
+                <a:tc>
+                  <a:txBody>
+                    <a:bodyPr/>
+                    <a:lstStyle/>
+                    <a:p>
+                      <a:pPr algn="ctr"/>
+                      <a:r>
+                        <a:rPr lang="en-US" sz="1400" dirty="0"/>
+                        <a:t>Scam</a:t>
+                      </a:r>
+                    </a:p>
+                  </a:txBody>
+                  <a:tcPr/>
+                </a:tc>
+                <a:tc>
+                  <a:txBody>
+                    <a:bodyPr/>
+                    <a:lstStyle/>
+                    <a:p>
+                      <a:pPr algn="ctr"/>
+                      <a:r>
+                        <a:rPr lang="en-US" sz="1400" dirty="0"/>
+                        <a:t>58%</a:t>
+                      </a:r>
+                    </a:p>
+                  </a:txBody>
+                  <a:tcPr/>
+                </a:tc>
+                <a:extLst>
+                  <a:ext uri="{0D108BD9-81ED-4DB2-BD59-A6C34878D82A}">
+                    <a16:rowId xmlns:a16="http://schemas.microsoft.com/office/drawing/2014/main" val="1512097725"/>
+                  </a:ext>
+                </a:extLst>
+              </a:tr>
+              <a:tr h="179301">
+                <a:tc>
+                  <a:txBody>
+                    <a:bodyPr/>
+                    <a:lstStyle/>
+                    <a:p>
+                      <a:pPr algn="ctr"/>
+                      <a:r>
+                        <a:rPr lang="en-US" sz="1400" dirty="0"/>
+                        <a:t>2</a:t>
+                      </a:r>
+                    </a:p>
+                  </a:txBody>
+                  <a:tcPr/>
+                </a:tc>
+                <a:tc>
+                  <a:txBody>
+                    <a:bodyPr/>
+                    <a:lstStyle/>
+                    <a:p>
+                      <a:pPr marL="0" marR="0" lvl="0" indent="0" algn="ctr" defTabSz="914400" rtl="0" eaLnBrk="1" fontAlgn="auto" latinLnBrk="0" hangingPunct="1">
+                        <a:lnSpc>
+                          <a:spcPct val="100000"/>
+                        </a:lnSpc>
+                        <a:spcBef>
+                          <a:spcPts val="0"/>
+                        </a:spcBef>
+                        <a:spcAft>
+                          <a:spcPts val="0"/>
+                        </a:spcAft>
+                        <a:buClrTx/>
+                        <a:buSzTx/>
+                        <a:buFontTx/>
+                        <a:buNone/>
+                        <a:tabLst/>
+                        <a:defRPr/>
+                      </a:pPr>
+                      <a:r>
+                        <a:rPr lang="en-US" sz="1400" dirty="0"/>
+                        <a:t>Scam</a:t>
+                      </a:r>
+                    </a:p>
+                  </a:txBody>
+                  <a:tcPr/>
+                </a:tc>
+                <a:tc>
+                  <a:txBody>
+                    <a:bodyPr/>
+                    <a:lstStyle/>
+                    <a:p>
+                      <a:pPr algn="ctr"/>
+                      <a:r>
+                        <a:rPr lang="en-US" sz="1400" dirty="0"/>
+                        <a:t>80%</a:t>
+                      </a:r>
+                    </a:p>
+                  </a:txBody>
+                  <a:tcPr/>
+                </a:tc>
+                <a:extLst>
+                  <a:ext uri="{0D108BD9-81ED-4DB2-BD59-A6C34878D82A}">
+                    <a16:rowId xmlns:a16="http://schemas.microsoft.com/office/drawing/2014/main" val="3429545967"/>
+                  </a:ext>
+                </a:extLst>
+              </a:tr>
+              <a:tr h="179301">
+                <a:tc>
+                  <a:txBody>
+                    <a:bodyPr/>
+                    <a:lstStyle/>
+                    <a:p>
+                      <a:pPr algn="ctr"/>
+                      <a:r>
+                        <a:rPr lang="en-US" sz="1400" dirty="0"/>
+                        <a:t>3</a:t>
+                      </a:r>
+                    </a:p>
+                  </a:txBody>
+                  <a:tcPr/>
+                </a:tc>
+                <a:tc>
+                  <a:txBody>
+                    <a:bodyPr/>
+                    <a:lstStyle/>
+                    <a:p>
+                      <a:pPr marL="0" marR="0" lvl="0" indent="0" algn="ctr" defTabSz="914400" rtl="0" eaLnBrk="1" fontAlgn="auto" latinLnBrk="0" hangingPunct="1">
+                        <a:lnSpc>
+                          <a:spcPct val="100000"/>
+                        </a:lnSpc>
+                        <a:spcBef>
+                          <a:spcPts val="0"/>
+                        </a:spcBef>
+                        <a:spcAft>
+                          <a:spcPts val="0"/>
+                        </a:spcAft>
+                        <a:buClrTx/>
+                        <a:buSzTx/>
+                        <a:buFontTx/>
+                        <a:buNone/>
+                        <a:tabLst/>
+                        <a:defRPr/>
+                      </a:pPr>
+                      <a:r>
+                        <a:rPr lang="en-US" sz="1400" dirty="0"/>
+                        <a:t>Scam</a:t>
+                      </a:r>
+                    </a:p>
+                  </a:txBody>
+                  <a:tcPr/>
+                </a:tc>
+                <a:tc>
+                  <a:txBody>
+                    <a:bodyPr/>
+                    <a:lstStyle/>
+                    <a:p>
+                      <a:pPr algn="ctr"/>
+                      <a:r>
+                        <a:rPr lang="en-US" sz="1400" dirty="0"/>
+                        <a:t>94%</a:t>
+                      </a:r>
+                    </a:p>
+                  </a:txBody>
+                  <a:tcPr/>
+                </a:tc>
+                <a:extLst>
+                  <a:ext uri="{0D108BD9-81ED-4DB2-BD59-A6C34878D82A}">
+                    <a16:rowId xmlns:a16="http://schemas.microsoft.com/office/drawing/2014/main" val="1624593536"/>
+                  </a:ext>
+                </a:extLst>
+              </a:tr>
+              <a:tr h="179301">
+                <a:tc>
+                  <a:txBody>
+                    <a:bodyPr/>
+                    <a:lstStyle/>
+                    <a:p>
+                      <a:pPr algn="ctr"/>
+                      <a:r>
+                        <a:rPr lang="en-US" sz="1400" dirty="0"/>
+                        <a:t>4</a:t>
+                      </a:r>
+                    </a:p>
+                  </a:txBody>
+                  <a:tcPr/>
+                </a:tc>
+                <a:tc>
+                  <a:txBody>
+                    <a:bodyPr/>
+                    <a:lstStyle/>
+                    <a:p>
+                      <a:pPr marL="0" marR="0" lvl="0" indent="0" algn="ctr" defTabSz="914400" rtl="0" eaLnBrk="1" fontAlgn="auto" latinLnBrk="0" hangingPunct="1">
+                        <a:lnSpc>
+                          <a:spcPct val="100000"/>
+                        </a:lnSpc>
+                        <a:spcBef>
+                          <a:spcPts val="0"/>
+                        </a:spcBef>
+                        <a:spcAft>
+                          <a:spcPts val="0"/>
+                        </a:spcAft>
+                        <a:buClrTx/>
+                        <a:buSzTx/>
+                        <a:buFontTx/>
+                        <a:buNone/>
+                        <a:tabLst/>
+                        <a:defRPr/>
+                      </a:pPr>
+                      <a:r>
+                        <a:rPr lang="en-US" sz="1400" dirty="0"/>
+                        <a:t>Scam</a:t>
+                      </a:r>
+                    </a:p>
+                  </a:txBody>
+                  <a:tcPr/>
+                </a:tc>
+                <a:tc>
+                  <a:txBody>
+                    <a:bodyPr/>
+                    <a:lstStyle/>
+                    <a:p>
+                      <a:pPr algn="ctr"/>
+                      <a:r>
+                        <a:rPr lang="en-US" sz="1400" dirty="0"/>
+                        <a:t>89%</a:t>
+                      </a:r>
+                    </a:p>
+                  </a:txBody>
+                  <a:tcPr/>
+                </a:tc>
+                <a:extLst>
+                  <a:ext uri="{0D108BD9-81ED-4DB2-BD59-A6C34878D82A}">
+                    <a16:rowId xmlns:a16="http://schemas.microsoft.com/office/drawing/2014/main" val="3011693667"/>
+                  </a:ext>
+                </a:extLst>
+              </a:tr>
+              <a:tr h="179301">
+                <a:tc>
+                  <a:txBody>
+                    <a:bodyPr/>
+                    <a:lstStyle/>
+                    <a:p>
+                      <a:pPr algn="ctr"/>
+                      <a:r>
+                        <a:rPr lang="en-US" sz="1400" dirty="0"/>
+                        <a:t>5</a:t>
+                      </a:r>
+                    </a:p>
+                  </a:txBody>
+                  <a:tcPr/>
+                </a:tc>
+                <a:tc>
+                  <a:txBody>
+                    <a:bodyPr/>
+                    <a:lstStyle/>
+                    <a:p>
+                      <a:pPr marL="0" marR="0" lvl="0" indent="0" algn="ctr" defTabSz="914400" rtl="0" eaLnBrk="1" fontAlgn="auto" latinLnBrk="0" hangingPunct="1">
+                        <a:lnSpc>
+                          <a:spcPct val="100000"/>
+                        </a:lnSpc>
+                        <a:spcBef>
+                          <a:spcPts val="0"/>
+                        </a:spcBef>
+                        <a:spcAft>
+                          <a:spcPts val="0"/>
+                        </a:spcAft>
+                        <a:buClrTx/>
+                        <a:buSzTx/>
+                        <a:buFontTx/>
+                        <a:buNone/>
+                        <a:tabLst/>
+                        <a:defRPr/>
+                      </a:pPr>
+                      <a:r>
+                        <a:rPr lang="en-US" sz="1400" dirty="0"/>
+                        <a:t>Scam</a:t>
+                      </a:r>
+                    </a:p>
+                  </a:txBody>
+                  <a:tcPr/>
+                </a:tc>
+                <a:tc>
+                  <a:txBody>
+                    <a:bodyPr/>
+                    <a:lstStyle/>
+                    <a:p>
+                      <a:pPr algn="ctr"/>
+                      <a:r>
+                        <a:rPr lang="en-US" sz="1400" dirty="0"/>
+                        <a:t>84%</a:t>
+                      </a:r>
+                    </a:p>
+                  </a:txBody>
+                  <a:tcPr/>
+                </a:tc>
+                <a:extLst>
+                  <a:ext uri="{0D108BD9-81ED-4DB2-BD59-A6C34878D82A}">
+                    <a16:rowId xmlns:a16="http://schemas.microsoft.com/office/drawing/2014/main" val="365522491"/>
+                  </a:ext>
+                </a:extLst>
+              </a:tr>
+            </a:tbl>
+          </a:graphicData>
+        </a:graphic>
+      </p:graphicFrame>
+      <p:sp>
+        <p:nvSpPr>
+          <p:cNvPr id="8" name="TextBox 7">
+            <a:extLst>
+              <a:ext uri="{FF2B5EF4-FFF2-40B4-BE49-F238E27FC236}">
+                <a16:creationId xmlns:a16="http://schemas.microsoft.com/office/drawing/2014/main" id="{E04A00D3-4D24-119B-2B9B-02EAA31DD3E1}"/>
+              </a:ext>
+            </a:extLst>
+          </p:cNvPr>
+          <p:cNvSpPr txBox="1"/>
+          <p:nvPr/>
+        </p:nvSpPr>
+        <p:spPr>
+          <a:xfrm>
+            <a:off x="0" y="0"/>
+            <a:ext cx="12192000" cy="523220"/>
+          </a:xfrm>
+          <a:prstGeom prst="rect">
+            <a:avLst/>
+          </a:prstGeom>
+          <a:noFill/>
+        </p:spPr>
+        <p:txBody>
+          <a:bodyPr wrap="square" rtlCol="0">
+            <a:spAutoFit/>
+          </a:bodyPr>
+          <a:lstStyle/>
+          <a:p>
+            <a:r>
+              <a:rPr lang="en-US" sz="2800" dirty="0"/>
+              <a:t>GRADIENT BOOSTED TREES – REAL TIME TESTING</a:t>
+            </a:r>
+          </a:p>
+        </p:txBody>
+      </p:sp>
+      <p:graphicFrame>
+        <p:nvGraphicFramePr>
+          <p:cNvPr id="2" name="Table 1">
+            <a:extLst>
+              <a:ext uri="{FF2B5EF4-FFF2-40B4-BE49-F238E27FC236}">
+                <a16:creationId xmlns:a16="http://schemas.microsoft.com/office/drawing/2014/main" id="{53F87085-5D09-B5D5-CB90-887E21FB90FA}"/>
+              </a:ext>
+            </a:extLst>
+          </p:cNvPr>
+          <p:cNvGraphicFramePr>
+            <a:graphicFrameLocks noGrp="1"/>
+          </p:cNvGraphicFramePr>
+          <p:nvPr/>
+        </p:nvGraphicFramePr>
+        <p:xfrm>
+          <a:off x="155829" y="932574"/>
+          <a:ext cx="11552695" cy="1767840"/>
+        </p:xfrm>
+        <a:graphic>
+          <a:graphicData uri="http://schemas.openxmlformats.org/drawingml/2006/table">
+            <a:tbl>
+              <a:tblPr firstRow="1" bandRow="1">
+                <a:tableStyleId>{5C22544A-7EE6-4342-B048-85BDC9FD1C3A}</a:tableStyleId>
+              </a:tblPr>
+              <a:tblGrid>
+                <a:gridCol w="6400080">
+                  <a:extLst>
+                    <a:ext uri="{9D8B030D-6E8A-4147-A177-3AD203B41FA5}">
+                      <a16:colId xmlns:a16="http://schemas.microsoft.com/office/drawing/2014/main" val="3523283076"/>
+                    </a:ext>
+                  </a:extLst>
+                </a:gridCol>
+                <a:gridCol w="5152615">
+                  <a:extLst>
+                    <a:ext uri="{9D8B030D-6E8A-4147-A177-3AD203B41FA5}">
+                      <a16:colId xmlns:a16="http://schemas.microsoft.com/office/drawing/2014/main" val="1026576332"/>
+                    </a:ext>
+                  </a:extLst>
+                </a:gridCol>
+              </a:tblGrid>
+              <a:tr h="143077">
+                <a:tc>
+                  <a:txBody>
+                    <a:bodyPr/>
+                    <a:lstStyle/>
+                    <a:p>
+                      <a:r>
+                        <a:rPr lang="en-US" sz="1000" dirty="0">
+                          <a:solidFill>
+                            <a:schemeClr val="tx1"/>
+                          </a:solidFill>
+                        </a:rPr>
+                        <a:t>Attacker_Helper</a:t>
+                      </a:r>
+                    </a:p>
+                  </a:txBody>
+                  <a:tcPr/>
+                </a:tc>
+                <a:tc>
+                  <a:txBody>
+                    <a:bodyPr/>
+                    <a:lstStyle/>
+                    <a:p>
+                      <a:r>
+                        <a:rPr lang="en-US" sz="1000" dirty="0">
+                          <a:solidFill>
+                            <a:schemeClr val="tx1"/>
+                          </a:solidFill>
+                        </a:rPr>
+                        <a:t>Victim</a:t>
+                      </a:r>
+                    </a:p>
+                  </a:txBody>
+                  <a:tcPr/>
+                </a:tc>
+                <a:extLst>
+                  <a:ext uri="{0D108BD9-81ED-4DB2-BD59-A6C34878D82A}">
+                    <a16:rowId xmlns:a16="http://schemas.microsoft.com/office/drawing/2014/main" val="2788586197"/>
+                  </a:ext>
+                </a:extLst>
+              </a:tr>
+              <a:tr h="232501">
+                <a:tc>
+                  <a:txBody>
+                    <a:bodyPr/>
+                    <a:lstStyle/>
+                    <a:p>
+                      <a:r>
+                        <a:rPr lang="en-US" sz="1000" b="0" dirty="0">
+                          <a:solidFill>
+                            <a:schemeClr val="tx1"/>
+                          </a:solidFill>
+                          <a:effectLst/>
+                        </a:rPr>
+                        <a:t>Hi, I am calling from the English bank, my name is Maria.</a:t>
+                      </a:r>
+                    </a:p>
+                  </a:txBody>
+                  <a:tcPr/>
+                </a:tc>
+                <a:tc>
+                  <a:txBody>
+                    <a:bodyPr/>
+                    <a:lstStyle/>
+                    <a:p>
+                      <a:r>
+                        <a:rPr lang="en-US" sz="1000" b="0" dirty="0">
+                          <a:solidFill>
+                            <a:schemeClr val="tx1"/>
+                          </a:solidFill>
+                          <a:effectLst/>
+                        </a:rPr>
+                        <a:t>Hello, how can I help you?</a:t>
+                      </a:r>
+                    </a:p>
+                  </a:txBody>
+                  <a:tcPr/>
+                </a:tc>
+                <a:extLst>
+                  <a:ext uri="{0D108BD9-81ED-4DB2-BD59-A6C34878D82A}">
+                    <a16:rowId xmlns:a16="http://schemas.microsoft.com/office/drawing/2014/main" val="3871337990"/>
+                  </a:ext>
+                </a:extLst>
+              </a:tr>
+              <a:tr h="232501">
+                <a:tc>
+                  <a:txBody>
+                    <a:bodyPr/>
+                    <a:lstStyle/>
+                    <a:p>
+                      <a:r>
+                        <a:rPr lang="en-US" sz="1000" b="0" dirty="0">
+                          <a:solidFill>
+                            <a:schemeClr val="tx1"/>
+                          </a:solidFill>
+                          <a:effectLst/>
+                        </a:rPr>
+                        <a:t>The reason I am calling you today sir is to inform you about our new credit cards. Do you have any accounts with us at the moment?</a:t>
+                      </a:r>
+                    </a:p>
+                  </a:txBody>
+                  <a:tcPr/>
+                </a:tc>
+                <a:tc>
+                  <a:txBody>
+                    <a:bodyPr/>
+                    <a:lstStyle/>
+                    <a:p>
+                      <a:r>
+                        <a:rPr lang="en-US" sz="1000" b="0" dirty="0">
+                          <a:solidFill>
+                            <a:schemeClr val="tx1"/>
+                          </a:solidFill>
+                          <a:effectLst/>
+                        </a:rPr>
+                        <a:t>Yes, I do, but I am not sure I am interested in getting a credit card.</a:t>
+                      </a:r>
+                    </a:p>
+                  </a:txBody>
+                  <a:tcPr/>
+                </a:tc>
+                <a:extLst>
+                  <a:ext uri="{0D108BD9-81ED-4DB2-BD59-A6C34878D82A}">
+                    <a16:rowId xmlns:a16="http://schemas.microsoft.com/office/drawing/2014/main" val="22930698"/>
+                  </a:ext>
+                </a:extLst>
+              </a:tr>
+              <a:tr h="232501">
+                <a:tc>
+                  <a:txBody>
+                    <a:bodyPr/>
+                    <a:lstStyle/>
+                    <a:p>
+                      <a:r>
+                        <a:rPr lang="en-US" sz="1000" b="0" dirty="0">
+                          <a:solidFill>
+                            <a:schemeClr val="tx1"/>
+                          </a:solidFill>
+                          <a:effectLst/>
+                        </a:rPr>
+                        <a:t>Getting a credit card is a fantastic way to build up credit score with the bank. I recommend we find the perfect type of card for your sir.</a:t>
+                      </a:r>
+                    </a:p>
+                  </a:txBody>
+                  <a:tcPr/>
+                </a:tc>
+                <a:tc>
+                  <a:txBody>
+                    <a:bodyPr/>
+                    <a:lstStyle/>
+                    <a:p>
+                      <a:r>
+                        <a:rPr lang="en-US" sz="1000" b="0" dirty="0">
+                          <a:solidFill>
+                            <a:schemeClr val="tx1"/>
+                          </a:solidFill>
+                          <a:effectLst/>
+                        </a:rPr>
+                        <a:t>Ok, that seems interesting. I would like to do that please.</a:t>
+                      </a:r>
+                    </a:p>
+                  </a:txBody>
+                  <a:tcPr/>
+                </a:tc>
+                <a:extLst>
+                  <a:ext uri="{0D108BD9-81ED-4DB2-BD59-A6C34878D82A}">
+                    <a16:rowId xmlns:a16="http://schemas.microsoft.com/office/drawing/2014/main" val="1446474973"/>
+                  </a:ext>
+                </a:extLst>
+              </a:tr>
+              <a:tr h="232501">
+                <a:tc>
+                  <a:txBody>
+                    <a:bodyPr/>
+                    <a:lstStyle/>
+                    <a:p>
+                      <a:r>
+                        <a:rPr lang="en-US" sz="1000" b="0" dirty="0">
+                          <a:solidFill>
+                            <a:schemeClr val="tx1"/>
+                          </a:solidFill>
+                          <a:effectLst/>
+                        </a:rPr>
+                        <a:t>Fantastic sir, I will send you an email with our brochure about our most popular cards.</a:t>
+                      </a:r>
+                    </a:p>
+                  </a:txBody>
+                  <a:tcPr/>
+                </a:tc>
+                <a:tc>
+                  <a:txBody>
+                    <a:bodyPr/>
+                    <a:lstStyle/>
+                    <a:p>
+                      <a:r>
+                        <a:rPr lang="en-US" sz="1000" b="0" dirty="0">
+                          <a:solidFill>
+                            <a:schemeClr val="tx1"/>
+                          </a:solidFill>
+                          <a:effectLst/>
+                        </a:rPr>
+                        <a:t>Alright thank you, you can send it to the email I have registered with the bank.</a:t>
+                      </a:r>
+                    </a:p>
+                  </a:txBody>
+                  <a:tcPr/>
+                </a:tc>
+                <a:extLst>
+                  <a:ext uri="{0D108BD9-81ED-4DB2-BD59-A6C34878D82A}">
+                    <a16:rowId xmlns:a16="http://schemas.microsoft.com/office/drawing/2014/main" val="2090242424"/>
+                  </a:ext>
+                </a:extLst>
+              </a:tr>
+              <a:tr h="232501">
+                <a:tc>
+                  <a:txBody>
+                    <a:bodyPr/>
+                    <a:lstStyle/>
+                    <a:p>
+                      <a:r>
+                        <a:rPr lang="en-US" sz="1000" b="0" dirty="0">
+                          <a:solidFill>
+                            <a:schemeClr val="tx1"/>
+                          </a:solidFill>
+                          <a:effectLst/>
+                        </a:rPr>
+                        <a:t>Wonderful, is there anything else I can do for you today sir?</a:t>
+                      </a:r>
+                    </a:p>
+                  </a:txBody>
+                  <a:tcPr/>
+                </a:tc>
+                <a:tc>
+                  <a:txBody>
+                    <a:bodyPr/>
+                    <a:lstStyle/>
+                    <a:p>
+                      <a:r>
+                        <a:rPr lang="en-US" sz="1000" b="0" dirty="0">
+                          <a:solidFill>
+                            <a:schemeClr val="tx1"/>
+                          </a:solidFill>
+                          <a:effectLst/>
+                        </a:rPr>
+                        <a:t>No thank you, have a good day.</a:t>
+                      </a:r>
+                    </a:p>
+                  </a:txBody>
+                  <a:tcPr/>
+                </a:tc>
+                <a:extLst>
+                  <a:ext uri="{0D108BD9-81ED-4DB2-BD59-A6C34878D82A}">
+                    <a16:rowId xmlns:a16="http://schemas.microsoft.com/office/drawing/2014/main" val="2062566075"/>
+                  </a:ext>
+                </a:extLst>
+              </a:tr>
+            </a:tbl>
+          </a:graphicData>
+        </a:graphic>
+      </p:graphicFrame>
+      <p:sp>
+        <p:nvSpPr>
+          <p:cNvPr id="5" name="TextBox 4">
+            <a:extLst>
+              <a:ext uri="{FF2B5EF4-FFF2-40B4-BE49-F238E27FC236}">
+                <a16:creationId xmlns:a16="http://schemas.microsoft.com/office/drawing/2014/main" id="{1476A5DA-73CC-A8AF-3457-BA1086CE80FD}"/>
+              </a:ext>
+            </a:extLst>
+          </p:cNvPr>
+          <p:cNvSpPr txBox="1"/>
+          <p:nvPr/>
+        </p:nvSpPr>
+        <p:spPr>
+          <a:xfrm>
+            <a:off x="155829" y="636921"/>
+            <a:ext cx="1265090" cy="369332"/>
+          </a:xfrm>
+          <a:prstGeom prst="rect">
+            <a:avLst/>
+          </a:prstGeom>
+          <a:noFill/>
+        </p:spPr>
+        <p:txBody>
+          <a:bodyPr wrap="none" rtlCol="0">
+            <a:spAutoFit/>
+          </a:bodyPr>
+          <a:lstStyle/>
+          <a:p>
+            <a:r>
+              <a:rPr lang="en-US" dirty="0">
+                <a:solidFill>
+                  <a:srgbClr val="00B050"/>
+                </a:solidFill>
+                <a:effectLst>
+                  <a:outerShdw blurRad="38100" dist="38100" dir="2700000" algn="tl">
+                    <a:srgbClr val="000000">
+                      <a:alpha val="43137"/>
+                    </a:srgbClr>
+                  </a:outerShdw>
+                </a:effectLst>
+              </a:rPr>
+              <a:t>NON-SCAM</a:t>
+            </a:r>
+          </a:p>
+        </p:txBody>
+      </p:sp>
+      <p:sp>
+        <p:nvSpPr>
+          <p:cNvPr id="3" name="TextBox 2">
+            <a:extLst>
+              <a:ext uri="{FF2B5EF4-FFF2-40B4-BE49-F238E27FC236}">
+                <a16:creationId xmlns:a16="http://schemas.microsoft.com/office/drawing/2014/main" id="{35A29183-FF27-BBA8-53C1-5DED0B9200A1}"/>
+              </a:ext>
+            </a:extLst>
+          </p:cNvPr>
+          <p:cNvSpPr txBox="1"/>
+          <p:nvPr/>
+        </p:nvSpPr>
+        <p:spPr>
+          <a:xfrm>
+            <a:off x="60385" y="2750563"/>
+            <a:ext cx="5790431" cy="369332"/>
+          </a:xfrm>
+          <a:prstGeom prst="rect">
+            <a:avLst/>
+          </a:prstGeom>
+          <a:noFill/>
+        </p:spPr>
+        <p:txBody>
+          <a:bodyPr wrap="none" rtlCol="0">
+            <a:spAutoFit/>
+          </a:bodyPr>
+          <a:lstStyle/>
+          <a:p>
+            <a:r>
+              <a:rPr lang="en-US" dirty="0"/>
+              <a:t>The model is not familiar with this format of a conversation.</a:t>
+            </a:r>
+          </a:p>
+        </p:txBody>
+      </p:sp>
+    </p:spTree>
+    <p:extLst>
+      <p:ext uri="{BB962C8B-B14F-4D97-AF65-F5344CB8AC3E}">
+        <p14:creationId xmlns:p14="http://schemas.microsoft.com/office/powerpoint/2010/main" val="106142075"/>
       </p:ext>
     </p:extLst>
   </p:cSld>
